--- a/Images/Figures_PPT/Jitter_Plot_Rictor_All.pptx
+++ b/Images/Figures_PPT/Jitter_Plot_Rictor_All.pptx
@@ -2359,7 +2359,7 @@
           </p:nvSpPr>
           <p:spPr>
             <a:xfrm>
-              <a:off x="1459435" y="6460535"/>
+              <a:off x="1459435" y="6460424"/>
               <a:ext cx="1650203" cy="0"/>
             </a:xfrm>
             <a:custGeom>
@@ -2402,7 +2402,7 @@
           </p:nvSpPr>
           <p:spPr>
             <a:xfrm>
-              <a:off x="1459435" y="5068408"/>
+              <a:off x="1459435" y="5068315"/>
               <a:ext cx="1650203" cy="0"/>
             </a:xfrm>
             <a:custGeom>
@@ -2445,7 +2445,7 @@
           </p:nvSpPr>
           <p:spPr>
             <a:xfrm>
-              <a:off x="1459435" y="3676281"/>
+              <a:off x="1459435" y="3676206"/>
               <a:ext cx="1650203" cy="0"/>
             </a:xfrm>
             <a:custGeom>
@@ -2488,7 +2488,7 @@
           </p:nvSpPr>
           <p:spPr>
             <a:xfrm>
-              <a:off x="1459435" y="2284154"/>
+              <a:off x="1459435" y="2284097"/>
               <a:ext cx="1650203" cy="0"/>
             </a:xfrm>
             <a:custGeom>
@@ -2531,7 +2531,7 @@
           </p:nvSpPr>
           <p:spPr>
             <a:xfrm>
-              <a:off x="1459435" y="5764471"/>
+              <a:off x="1459435" y="5764369"/>
               <a:ext cx="1650203" cy="0"/>
             </a:xfrm>
             <a:custGeom>
@@ -2574,7 +2574,7 @@
           </p:nvSpPr>
           <p:spPr>
             <a:xfrm>
-              <a:off x="1459435" y="4372344"/>
+              <a:off x="1459435" y="4372260"/>
               <a:ext cx="1650203" cy="0"/>
             </a:xfrm>
             <a:custGeom>
@@ -2617,7 +2617,7 @@
           </p:nvSpPr>
           <p:spPr>
             <a:xfrm>
-              <a:off x="1459435" y="2980217"/>
+              <a:off x="1459435" y="2980151"/>
               <a:ext cx="1650203" cy="0"/>
             </a:xfrm>
             <a:custGeom>
@@ -2660,7 +2660,7 @@
           </p:nvSpPr>
           <p:spPr>
             <a:xfrm>
-              <a:off x="1459435" y="1588090"/>
+              <a:off x="1459435" y="1588042"/>
               <a:ext cx="1650203" cy="0"/>
             </a:xfrm>
             <a:custGeom>
@@ -2832,7 +2832,7 @@
           </p:nvSpPr>
           <p:spPr>
             <a:xfrm>
-              <a:off x="2646275" y="6507320"/>
+              <a:off x="2811671" y="6507103"/>
               <a:ext cx="63202" cy="63202"/>
             </a:xfrm>
             <a:custGeom>
@@ -2875,7 +2875,7 @@
           </p:nvSpPr>
           <p:spPr>
             <a:xfrm>
-              <a:off x="2081215" y="5135560"/>
+              <a:off x="2307427" y="5135661"/>
               <a:ext cx="63202" cy="63202"/>
             </a:xfrm>
             <a:custGeom>
@@ -2918,7 +2918,7 @@
           </p:nvSpPr>
           <p:spPr>
             <a:xfrm>
-              <a:off x="1883408" y="4146628"/>
+              <a:off x="1732018" y="4146634"/>
               <a:ext cx="63202" cy="63202"/>
             </a:xfrm>
             <a:custGeom>
@@ -2961,7 +2961,7 @@
           </p:nvSpPr>
           <p:spPr>
             <a:xfrm>
-              <a:off x="1883179" y="2964253"/>
+              <a:off x="1697197" y="2964163"/>
               <a:ext cx="63202" cy="63202"/>
             </a:xfrm>
             <a:custGeom>
@@ -3004,7 +3004,7 @@
           </p:nvSpPr>
           <p:spPr>
             <a:xfrm>
-              <a:off x="2949741" y="6396337"/>
+              <a:off x="2592233" y="6396453"/>
               <a:ext cx="63202" cy="63202"/>
             </a:xfrm>
             <a:custGeom>
@@ -3047,7 +3047,7 @@
           </p:nvSpPr>
           <p:spPr>
             <a:xfrm>
-              <a:off x="1733357" y="2964233"/>
+              <a:off x="1935982" y="2964330"/>
               <a:ext cx="63202" cy="63202"/>
             </a:xfrm>
             <a:custGeom>
@@ -3090,7 +3090,7 @@
           </p:nvSpPr>
           <p:spPr>
             <a:xfrm>
-              <a:off x="2407262" y="5831526"/>
+              <a:off x="2281960" y="5831793"/>
               <a:ext cx="63202" cy="63202"/>
             </a:xfrm>
             <a:custGeom>
@@ -3133,7 +3133,7 @@
           </p:nvSpPr>
           <p:spPr>
             <a:xfrm>
-              <a:off x="1913706" y="4526177"/>
+              <a:off x="1629321" y="4526244"/>
               <a:ext cx="63202" cy="63202"/>
             </a:xfrm>
             <a:custGeom>
@@ -3176,7 +3176,7 @@
           </p:nvSpPr>
           <p:spPr>
             <a:xfrm>
-              <a:off x="1551308" y="3983821"/>
+              <a:off x="1767126" y="3983728"/>
               <a:ext cx="63202" cy="63202"/>
             </a:xfrm>
             <a:custGeom>
@@ -3219,7 +3219,7 @@
           </p:nvSpPr>
           <p:spPr>
             <a:xfrm>
-              <a:off x="2269775" y="5677524"/>
+              <a:off x="2201883" y="5677422"/>
               <a:ext cx="63202" cy="63202"/>
             </a:xfrm>
             <a:custGeom>
@@ -3262,7 +3262,7 @@
           </p:nvSpPr>
           <p:spPr>
             <a:xfrm>
-              <a:off x="2629278" y="5713751"/>
+              <a:off x="2928036" y="5713856"/>
               <a:ext cx="63202" cy="63202"/>
             </a:xfrm>
             <a:custGeom>
@@ -3305,7 +3305,7 @@
           </p:nvSpPr>
           <p:spPr>
             <a:xfrm>
-              <a:off x="1861450" y="3025286"/>
+              <a:off x="1658873" y="3024997"/>
               <a:ext cx="63202" cy="63202"/>
             </a:xfrm>
             <a:custGeom>
@@ -3348,7 +3348,7 @@
           </p:nvSpPr>
           <p:spPr>
             <a:xfrm>
-              <a:off x="1824045" y="3006184"/>
+              <a:off x="1806811" y="3006244"/>
               <a:ext cx="63202" cy="63202"/>
             </a:xfrm>
             <a:custGeom>
@@ -3391,7 +3391,7 @@
           </p:nvSpPr>
           <p:spPr>
             <a:xfrm>
-              <a:off x="1613646" y="2996090"/>
+              <a:off x="1909284" y="2995704"/>
               <a:ext cx="63202" cy="63202"/>
             </a:xfrm>
             <a:custGeom>
@@ -3434,7 +3434,7 @@
           </p:nvSpPr>
           <p:spPr>
             <a:xfrm>
-              <a:off x="1687381" y="4241344"/>
+              <a:off x="1699340" y="4241228"/>
               <a:ext cx="63202" cy="63202"/>
             </a:xfrm>
             <a:custGeom>
@@ -3533,7 +3533,7 @@
           </p:nvSpPr>
           <p:spPr>
             <a:xfrm>
-              <a:off x="3179228" y="6460535"/>
+              <a:off x="3179228" y="6460424"/>
               <a:ext cx="1650203" cy="0"/>
             </a:xfrm>
             <a:custGeom>
@@ -3576,7 +3576,7 @@
           </p:nvSpPr>
           <p:spPr>
             <a:xfrm>
-              <a:off x="3179228" y="5068408"/>
+              <a:off x="3179228" y="5068315"/>
               <a:ext cx="1650203" cy="0"/>
             </a:xfrm>
             <a:custGeom>
@@ -3619,7 +3619,7 @@
           </p:nvSpPr>
           <p:spPr>
             <a:xfrm>
-              <a:off x="3179228" y="3676281"/>
+              <a:off x="3179228" y="3676206"/>
               <a:ext cx="1650203" cy="0"/>
             </a:xfrm>
             <a:custGeom>
@@ -3662,7 +3662,7 @@
           </p:nvSpPr>
           <p:spPr>
             <a:xfrm>
-              <a:off x="3179228" y="2284154"/>
+              <a:off x="3179228" y="2284097"/>
               <a:ext cx="1650203" cy="0"/>
             </a:xfrm>
             <a:custGeom>
@@ -3705,7 +3705,7 @@
           </p:nvSpPr>
           <p:spPr>
             <a:xfrm>
-              <a:off x="3179228" y="5764471"/>
+              <a:off x="3179228" y="5764369"/>
               <a:ext cx="1650203" cy="0"/>
             </a:xfrm>
             <a:custGeom>
@@ -3748,7 +3748,7 @@
           </p:nvSpPr>
           <p:spPr>
             <a:xfrm>
-              <a:off x="3179228" y="4372344"/>
+              <a:off x="3179228" y="4372260"/>
               <a:ext cx="1650203" cy="0"/>
             </a:xfrm>
             <a:custGeom>
@@ -3791,7 +3791,7 @@
           </p:nvSpPr>
           <p:spPr>
             <a:xfrm>
-              <a:off x="3179228" y="2980217"/>
+              <a:off x="3179228" y="2980151"/>
               <a:ext cx="1650203" cy="0"/>
             </a:xfrm>
             <a:custGeom>
@@ -3834,7 +3834,7 @@
           </p:nvSpPr>
           <p:spPr>
             <a:xfrm>
-              <a:off x="3179228" y="1588090"/>
+              <a:off x="3179228" y="1588042"/>
               <a:ext cx="1650203" cy="0"/>
             </a:xfrm>
             <a:custGeom>
@@ -4006,7 +4006,7 @@
           </p:nvSpPr>
           <p:spPr>
             <a:xfrm>
-              <a:off x="3498205" y="3632995"/>
+              <a:off x="3444577" y="3632993"/>
               <a:ext cx="63202" cy="63202"/>
             </a:xfrm>
             <a:custGeom>
@@ -4049,7 +4049,7 @@
           </p:nvSpPr>
           <p:spPr>
             <a:xfrm>
-              <a:off x="3616982" y="3361114"/>
+              <a:off x="3422906" y="3361104"/>
               <a:ext cx="63202" cy="63202"/>
             </a:xfrm>
             <a:custGeom>
@@ -4092,7 +4092,7 @@
           </p:nvSpPr>
           <p:spPr>
             <a:xfrm>
-              <a:off x="3414815" y="3771912"/>
+              <a:off x="3354713" y="3771839"/>
               <a:ext cx="63202" cy="63202"/>
             </a:xfrm>
             <a:custGeom>
@@ -4135,7 +4135,7 @@
           </p:nvSpPr>
           <p:spPr>
             <a:xfrm>
-              <a:off x="3635806" y="3505645"/>
+              <a:off x="3326165" y="3505459"/>
               <a:ext cx="63202" cy="63202"/>
             </a:xfrm>
             <a:custGeom>
@@ -4178,7 +4178,7 @@
           </p:nvSpPr>
           <p:spPr>
             <a:xfrm>
-              <a:off x="3951128" y="5733185"/>
+              <a:off x="4081543" y="5733416"/>
               <a:ext cx="63202" cy="63202"/>
             </a:xfrm>
             <a:custGeom>
@@ -4221,7 +4221,7 @@
           </p:nvSpPr>
           <p:spPr>
             <a:xfrm>
-              <a:off x="3526827" y="4496777"/>
+              <a:off x="3642981" y="4496577"/>
               <a:ext cx="63202" cy="63202"/>
             </a:xfrm>
             <a:custGeom>
@@ -4264,7 +4264,7 @@
           </p:nvSpPr>
           <p:spPr>
             <a:xfrm>
-              <a:off x="3261203" y="3631983"/>
+              <a:off x="3549185" y="3631975"/>
               <a:ext cx="63202" cy="63202"/>
             </a:xfrm>
             <a:custGeom>
@@ -4307,7 +4307,7 @@
           </p:nvSpPr>
           <p:spPr>
             <a:xfrm>
-              <a:off x="3474893" y="3501628"/>
+              <a:off x="3488939" y="3501797"/>
               <a:ext cx="63202" cy="63202"/>
             </a:xfrm>
             <a:custGeom>
@@ -4350,7 +4350,7 @@
           </p:nvSpPr>
           <p:spPr>
             <a:xfrm>
-              <a:off x="3289310" y="3597001"/>
+              <a:off x="3632204" y="3596724"/>
               <a:ext cx="63202" cy="63202"/>
             </a:xfrm>
             <a:custGeom>
@@ -4393,7 +4393,7 @@
           </p:nvSpPr>
           <p:spPr>
             <a:xfrm>
-              <a:off x="3504686" y="4457526"/>
+              <a:off x="3488880" y="4457612"/>
               <a:ext cx="63202" cy="63202"/>
             </a:xfrm>
             <a:custGeom>
@@ -4436,7 +4436,7 @@
           </p:nvSpPr>
           <p:spPr>
             <a:xfrm>
-              <a:off x="3867421" y="6021632"/>
+              <a:off x="3863831" y="6021405"/>
               <a:ext cx="63202" cy="63202"/>
             </a:xfrm>
             <a:custGeom>
@@ -4479,7 +4479,7 @@
           </p:nvSpPr>
           <p:spPr>
             <a:xfrm>
-              <a:off x="3449119" y="4361644"/>
+              <a:off x="3400629" y="4361644"/>
               <a:ext cx="63202" cy="63202"/>
             </a:xfrm>
             <a:custGeom>
@@ -4522,7 +4522,7 @@
           </p:nvSpPr>
           <p:spPr>
             <a:xfrm>
-              <a:off x="3546718" y="4503088"/>
+              <a:off x="3451130" y="4503102"/>
               <a:ext cx="63202" cy="63202"/>
             </a:xfrm>
             <a:custGeom>
@@ -4565,7 +4565,7 @@
           </p:nvSpPr>
           <p:spPr>
             <a:xfrm>
-              <a:off x="3448000" y="4738018"/>
+              <a:off x="3556164" y="4737760"/>
               <a:ext cx="63202" cy="63202"/>
             </a:xfrm>
             <a:custGeom>
@@ -4608,7 +4608,7 @@
           </p:nvSpPr>
           <p:spPr>
             <a:xfrm>
-              <a:off x="3500203" y="4350981"/>
+              <a:off x="3307129" y="4350791"/>
               <a:ext cx="63202" cy="63202"/>
             </a:xfrm>
             <a:custGeom>
@@ -4651,7 +4651,7 @@
           </p:nvSpPr>
           <p:spPr>
             <a:xfrm>
-              <a:off x="3491020" y="3768591"/>
+              <a:off x="3615792" y="3768327"/>
               <a:ext cx="63202" cy="63202"/>
             </a:xfrm>
             <a:custGeom>
@@ -4694,7 +4694,7 @@
           </p:nvSpPr>
           <p:spPr>
             <a:xfrm>
-              <a:off x="4378166" y="6634049"/>
+              <a:off x="4451954" y="6634049"/>
               <a:ext cx="63202" cy="63202"/>
             </a:xfrm>
             <a:custGeom>
@@ -4737,7 +4737,7 @@
           </p:nvSpPr>
           <p:spPr>
             <a:xfrm>
-              <a:off x="3578508" y="4139428"/>
+              <a:off x="3394276" y="4139381"/>
               <a:ext cx="63202" cy="63202"/>
             </a:xfrm>
             <a:custGeom>
@@ -4780,7 +4780,7 @@
           </p:nvSpPr>
           <p:spPr>
             <a:xfrm>
-              <a:off x="3493276" y="3986849"/>
+              <a:off x="3451206" y="3986769"/>
               <a:ext cx="63202" cy="63202"/>
             </a:xfrm>
             <a:custGeom>
@@ -4823,7 +4823,7 @@
           </p:nvSpPr>
           <p:spPr>
             <a:xfrm>
-              <a:off x="3586528" y="3633198"/>
+              <a:off x="3382287" y="3633105"/>
               <a:ext cx="63202" cy="63202"/>
             </a:xfrm>
             <a:custGeom>
@@ -4866,7 +4866,7 @@
           </p:nvSpPr>
           <p:spPr>
             <a:xfrm>
-              <a:off x="3662793" y="5526428"/>
+              <a:off x="3322514" y="5526436"/>
               <a:ext cx="63202" cy="63202"/>
             </a:xfrm>
             <a:custGeom>
@@ -4909,7 +4909,7 @@
           </p:nvSpPr>
           <p:spPr>
             <a:xfrm>
-              <a:off x="3477392" y="4301250"/>
+              <a:off x="3537044" y="4301159"/>
               <a:ext cx="63202" cy="63202"/>
             </a:xfrm>
             <a:custGeom>
@@ -4952,7 +4952,7 @@
           </p:nvSpPr>
           <p:spPr>
             <a:xfrm>
-              <a:off x="3464113" y="4503088"/>
+              <a:off x="3471627" y="4502909"/>
               <a:ext cx="63202" cy="63202"/>
             </a:xfrm>
             <a:custGeom>
@@ -4995,7 +4995,7 @@
           </p:nvSpPr>
           <p:spPr>
             <a:xfrm>
-              <a:off x="3536466" y="5376899"/>
+              <a:off x="3306021" y="5376920"/>
               <a:ext cx="63202" cy="63202"/>
             </a:xfrm>
             <a:custGeom>
@@ -5038,7 +5038,7 @@
           </p:nvSpPr>
           <p:spPr>
             <a:xfrm>
-              <a:off x="3612999" y="3633248"/>
+              <a:off x="3326816" y="3633145"/>
               <a:ext cx="63202" cy="63202"/>
             </a:xfrm>
             <a:custGeom>
@@ -5081,7 +5081,7 @@
           </p:nvSpPr>
           <p:spPr>
             <a:xfrm>
-              <a:off x="3490461" y="4356108"/>
+              <a:off x="3639521" y="4356144"/>
               <a:ext cx="63202" cy="63202"/>
             </a:xfrm>
             <a:custGeom>
@@ -5124,7 +5124,7 @@
           </p:nvSpPr>
           <p:spPr>
             <a:xfrm>
-              <a:off x="3476330" y="4326474"/>
+              <a:off x="3282355" y="4326142"/>
               <a:ext cx="63202" cy="63202"/>
             </a:xfrm>
             <a:custGeom>
@@ -5167,7 +5167,7 @@
           </p:nvSpPr>
           <p:spPr>
             <a:xfrm>
-              <a:off x="3268283" y="5166873"/>
+              <a:off x="3614948" y="5166562"/>
               <a:ext cx="63202" cy="63202"/>
             </a:xfrm>
             <a:custGeom>
@@ -5210,7 +5210,7 @@
           </p:nvSpPr>
           <p:spPr>
             <a:xfrm>
-              <a:off x="3396101" y="3674473"/>
+              <a:off x="3532111" y="3674273"/>
               <a:ext cx="63202" cy="63202"/>
             </a:xfrm>
             <a:custGeom>
@@ -5253,7 +5253,7 @@
           </p:nvSpPr>
           <p:spPr>
             <a:xfrm>
-              <a:off x="3424726" y="3802816"/>
+              <a:off x="3572768" y="3802810"/>
               <a:ext cx="63202" cy="63202"/>
             </a:xfrm>
             <a:custGeom>
@@ -5296,7 +5296,7 @@
           </p:nvSpPr>
           <p:spPr>
             <a:xfrm>
-              <a:off x="3622138" y="3798210"/>
+              <a:off x="3401551" y="3798383"/>
               <a:ext cx="63202" cy="63202"/>
             </a:xfrm>
             <a:custGeom>
@@ -5339,7 +5339,7 @@
           </p:nvSpPr>
           <p:spPr>
             <a:xfrm>
-              <a:off x="3287731" y="3777454"/>
+              <a:off x="3343783" y="3777491"/>
               <a:ext cx="63202" cy="63202"/>
             </a:xfrm>
             <a:custGeom>
@@ -5382,7 +5382,7 @@
           </p:nvSpPr>
           <p:spPr>
             <a:xfrm>
-              <a:off x="3554626" y="3778675"/>
+              <a:off x="3466766" y="3778896"/>
               <a:ext cx="63202" cy="63202"/>
             </a:xfrm>
             <a:custGeom>
@@ -5425,7 +5425,7 @@
           </p:nvSpPr>
           <p:spPr>
             <a:xfrm>
-              <a:off x="3295491" y="3813600"/>
+              <a:off x="3314598" y="3813449"/>
               <a:ext cx="63202" cy="63202"/>
             </a:xfrm>
             <a:custGeom>
@@ -5468,7 +5468,7 @@
           </p:nvSpPr>
           <p:spPr>
             <a:xfrm>
-              <a:off x="3410948" y="3901456"/>
+              <a:off x="3381617" y="3901294"/>
               <a:ext cx="63202" cy="63202"/>
             </a:xfrm>
             <a:custGeom>
@@ -5511,7 +5511,7 @@
           </p:nvSpPr>
           <p:spPr>
             <a:xfrm>
-              <a:off x="3492632" y="4273313"/>
+              <a:off x="3320441" y="4273482"/>
               <a:ext cx="63202" cy="63202"/>
             </a:xfrm>
             <a:custGeom>
@@ -5554,7 +5554,7 @@
           </p:nvSpPr>
           <p:spPr>
             <a:xfrm>
-              <a:off x="3479967" y="4254993"/>
+              <a:off x="3414839" y="4254726"/>
               <a:ext cx="63202" cy="63202"/>
             </a:xfrm>
             <a:custGeom>
@@ -5597,7 +5597,7 @@
           </p:nvSpPr>
           <p:spPr>
             <a:xfrm>
-              <a:off x="3372949" y="3771779"/>
+              <a:off x="3278393" y="3771765"/>
               <a:ext cx="63202" cy="63202"/>
             </a:xfrm>
             <a:custGeom>
@@ -5640,7 +5640,7 @@
           </p:nvSpPr>
           <p:spPr>
             <a:xfrm>
-              <a:off x="3504681" y="4859823"/>
+              <a:off x="3292252" y="4859830"/>
               <a:ext cx="63202" cy="63202"/>
             </a:xfrm>
             <a:custGeom>
@@ -5683,7 +5683,7 @@
           </p:nvSpPr>
           <p:spPr>
             <a:xfrm>
-              <a:off x="3480679" y="4370023"/>
+              <a:off x="3538888" y="4369783"/>
               <a:ext cx="63202" cy="63202"/>
             </a:xfrm>
             <a:custGeom>
@@ -5726,7 +5726,7 @@
           </p:nvSpPr>
           <p:spPr>
             <a:xfrm>
-              <a:off x="3260989" y="3776595"/>
+              <a:off x="3549486" y="3776290"/>
               <a:ext cx="63202" cy="63202"/>
             </a:xfrm>
             <a:custGeom>
@@ -5769,7 +5769,7 @@
           </p:nvSpPr>
           <p:spPr>
             <a:xfrm>
-              <a:off x="3409708" y="3776284"/>
+              <a:off x="3539458" y="3776424"/>
               <a:ext cx="63202" cy="63202"/>
             </a:xfrm>
             <a:custGeom>
@@ -5812,7 +5812,7 @@
           </p:nvSpPr>
           <p:spPr>
             <a:xfrm>
-              <a:off x="3267742" y="3751038"/>
+              <a:off x="3311845" y="3750830"/>
               <a:ext cx="63202" cy="63202"/>
             </a:xfrm>
             <a:custGeom>
@@ -5855,7 +5855,7 @@
           </p:nvSpPr>
           <p:spPr>
             <a:xfrm>
-              <a:off x="3432069" y="3796872"/>
+              <a:off x="3507155" y="3796966"/>
               <a:ext cx="63202" cy="63202"/>
             </a:xfrm>
             <a:custGeom>
@@ -5898,7 +5898,7 @@
           </p:nvSpPr>
           <p:spPr>
             <a:xfrm>
-              <a:off x="3473095" y="3505585"/>
+              <a:off x="3533855" y="3505280"/>
               <a:ext cx="63202" cy="63202"/>
             </a:xfrm>
             <a:custGeom>
@@ -5997,7 +5997,7 @@
           </p:nvSpPr>
           <p:spPr>
             <a:xfrm>
-              <a:off x="4899021" y="6460535"/>
+              <a:off x="4899021" y="6460424"/>
               <a:ext cx="1650203" cy="0"/>
             </a:xfrm>
             <a:custGeom>
@@ -6040,7 +6040,7 @@
           </p:nvSpPr>
           <p:spPr>
             <a:xfrm>
-              <a:off x="4899021" y="5068408"/>
+              <a:off x="4899021" y="5068315"/>
               <a:ext cx="1650203" cy="0"/>
             </a:xfrm>
             <a:custGeom>
@@ -6083,7 +6083,7 @@
           </p:nvSpPr>
           <p:spPr>
             <a:xfrm>
-              <a:off x="4899021" y="3676281"/>
+              <a:off x="4899021" y="3676206"/>
               <a:ext cx="1650203" cy="0"/>
             </a:xfrm>
             <a:custGeom>
@@ -6126,7 +6126,7 @@
           </p:nvSpPr>
           <p:spPr>
             <a:xfrm>
-              <a:off x="4899021" y="2284154"/>
+              <a:off x="4899021" y="2284097"/>
               <a:ext cx="1650203" cy="0"/>
             </a:xfrm>
             <a:custGeom>
@@ -6169,7 +6169,7 @@
           </p:nvSpPr>
           <p:spPr>
             <a:xfrm>
-              <a:off x="4899021" y="5764471"/>
+              <a:off x="4899021" y="5764369"/>
               <a:ext cx="1650203" cy="0"/>
             </a:xfrm>
             <a:custGeom>
@@ -6212,7 +6212,7 @@
           </p:nvSpPr>
           <p:spPr>
             <a:xfrm>
-              <a:off x="4899021" y="4372344"/>
+              <a:off x="4899021" y="4372260"/>
               <a:ext cx="1650203" cy="0"/>
             </a:xfrm>
             <a:custGeom>
@@ -6255,7 +6255,7 @@
           </p:nvSpPr>
           <p:spPr>
             <a:xfrm>
-              <a:off x="4899021" y="2980217"/>
+              <a:off x="4899021" y="2980151"/>
               <a:ext cx="1650203" cy="0"/>
             </a:xfrm>
             <a:custGeom>
@@ -6298,7 +6298,7 @@
           </p:nvSpPr>
           <p:spPr>
             <a:xfrm>
-              <a:off x="4899021" y="1588090"/>
+              <a:off x="4899021" y="1588042"/>
               <a:ext cx="1650203" cy="0"/>
             </a:xfrm>
             <a:custGeom>
@@ -6470,7 +6470,7 @@
           </p:nvSpPr>
           <p:spPr>
             <a:xfrm>
-              <a:off x="5848484" y="5481227"/>
+              <a:off x="5751589" y="5481086"/>
               <a:ext cx="63202" cy="63202"/>
             </a:xfrm>
             <a:custGeom>
@@ -6513,7 +6513,7 @@
           </p:nvSpPr>
           <p:spPr>
             <a:xfrm>
-              <a:off x="5265547" y="1641734"/>
+              <a:off x="5359118" y="1641734"/>
               <a:ext cx="63202" cy="63202"/>
             </a:xfrm>
             <a:custGeom>
@@ -6556,7 +6556,7 @@
           </p:nvSpPr>
           <p:spPr>
             <a:xfrm>
-              <a:off x="5299849" y="2598762"/>
+              <a:off x="5213289" y="2598743"/>
               <a:ext cx="63202" cy="63202"/>
             </a:xfrm>
             <a:custGeom>
@@ -6599,7 +6599,7 @@
           </p:nvSpPr>
           <p:spPr>
             <a:xfrm>
-              <a:off x="5304231" y="2177794"/>
+              <a:off x="5056753" y="2177768"/>
               <a:ext cx="63202" cy="63202"/>
             </a:xfrm>
             <a:custGeom>
@@ -6642,7 +6642,7 @@
           </p:nvSpPr>
           <p:spPr>
             <a:xfrm>
-              <a:off x="5379533" y="2615030"/>
+              <a:off x="5184737" y="2615000"/>
               <a:ext cx="63202" cy="63202"/>
             </a:xfrm>
             <a:custGeom>
@@ -6685,7 +6685,7 @@
           </p:nvSpPr>
           <p:spPr>
             <a:xfrm>
-              <a:off x="5712811" y="5713722"/>
+              <a:off x="5882542" y="5713746"/>
               <a:ext cx="63202" cy="63202"/>
             </a:xfrm>
             <a:custGeom>
@@ -6728,7 +6728,7 @@
           </p:nvSpPr>
           <p:spPr>
             <a:xfrm>
-              <a:off x="6375053" y="6586077"/>
+              <a:off x="6232815" y="6586120"/>
               <a:ext cx="63202" cy="63202"/>
             </a:xfrm>
             <a:custGeom>
@@ -6771,7 +6771,7 @@
           </p:nvSpPr>
           <p:spPr>
             <a:xfrm>
-              <a:off x="5318754" y="5619266"/>
+              <a:off x="5063965" y="5619205"/>
               <a:ext cx="63202" cy="63202"/>
             </a:xfrm>
             <a:custGeom>
@@ -6814,7 +6814,7 @@
           </p:nvSpPr>
           <p:spPr>
             <a:xfrm>
-              <a:off x="5358882" y="4827447"/>
+              <a:off x="5136574" y="4827550"/>
               <a:ext cx="63202" cy="63202"/>
             </a:xfrm>
             <a:custGeom>
@@ -6857,7 +6857,7 @@
           </p:nvSpPr>
           <p:spPr>
             <a:xfrm>
-              <a:off x="5711047" y="5736452"/>
+              <a:off x="5505775" y="5736637"/>
               <a:ext cx="63202" cy="63202"/>
             </a:xfrm>
             <a:custGeom>
@@ -6900,7 +6900,7 @@
           </p:nvSpPr>
           <p:spPr>
             <a:xfrm>
-              <a:off x="5125785" y="3692323"/>
+              <a:off x="5257597" y="3692572"/>
               <a:ext cx="63202" cy="63202"/>
             </a:xfrm>
             <a:custGeom>
@@ -6943,7 +6943,7 @@
           </p:nvSpPr>
           <p:spPr>
             <a:xfrm>
-              <a:off x="5063915" y="3567263"/>
+              <a:off x="5001732" y="3567004"/>
               <a:ext cx="63202" cy="63202"/>
             </a:xfrm>
             <a:custGeom>
@@ -6986,7 +6986,7 @@
           </p:nvSpPr>
           <p:spPr>
             <a:xfrm>
-              <a:off x="6045313" y="6540153"/>
+              <a:off x="6197537" y="6540192"/>
               <a:ext cx="63202" cy="63202"/>
             </a:xfrm>
             <a:custGeom>
@@ -7029,7 +7029,7 @@
           </p:nvSpPr>
           <p:spPr>
             <a:xfrm>
-              <a:off x="5890815" y="5757813"/>
+              <a:off x="5533001" y="5757704"/>
               <a:ext cx="63202" cy="63202"/>
             </a:xfrm>
             <a:custGeom>
@@ -7072,7 +7072,7 @@
           </p:nvSpPr>
           <p:spPr>
             <a:xfrm>
-              <a:off x="5710965" y="5733404"/>
+              <a:off x="5832876" y="5733388"/>
               <a:ext cx="63202" cy="63202"/>
             </a:xfrm>
             <a:custGeom>
@@ -7171,7 +7171,7 @@
           </p:nvSpPr>
           <p:spPr>
             <a:xfrm>
-              <a:off x="6618814" y="6460535"/>
+              <a:off x="6618814" y="6460424"/>
               <a:ext cx="1650203" cy="0"/>
             </a:xfrm>
             <a:custGeom>
@@ -7214,7 +7214,7 @@
           </p:nvSpPr>
           <p:spPr>
             <a:xfrm>
-              <a:off x="6618814" y="5068408"/>
+              <a:off x="6618814" y="5068315"/>
               <a:ext cx="1650203" cy="0"/>
             </a:xfrm>
             <a:custGeom>
@@ -7257,7 +7257,7 @@
           </p:nvSpPr>
           <p:spPr>
             <a:xfrm>
-              <a:off x="6618814" y="3676281"/>
+              <a:off x="6618814" y="3676206"/>
               <a:ext cx="1650203" cy="0"/>
             </a:xfrm>
             <a:custGeom>
@@ -7300,7 +7300,7 @@
           </p:nvSpPr>
           <p:spPr>
             <a:xfrm>
-              <a:off x="6618814" y="2284154"/>
+              <a:off x="6618814" y="2284097"/>
               <a:ext cx="1650203" cy="0"/>
             </a:xfrm>
             <a:custGeom>
@@ -7343,7 +7343,7 @@
           </p:nvSpPr>
           <p:spPr>
             <a:xfrm>
-              <a:off x="6618814" y="5764471"/>
+              <a:off x="6618814" y="5764369"/>
               <a:ext cx="1650203" cy="0"/>
             </a:xfrm>
             <a:custGeom>
@@ -7386,7 +7386,7 @@
           </p:nvSpPr>
           <p:spPr>
             <a:xfrm>
-              <a:off x="6618814" y="4372344"/>
+              <a:off x="6618814" y="4372260"/>
               <a:ext cx="1650203" cy="0"/>
             </a:xfrm>
             <a:custGeom>
@@ -7429,7 +7429,7 @@
           </p:nvSpPr>
           <p:spPr>
             <a:xfrm>
-              <a:off x="6618814" y="2980217"/>
+              <a:off x="6618814" y="2980151"/>
               <a:ext cx="1650203" cy="0"/>
             </a:xfrm>
             <a:custGeom>
@@ -7472,7 +7472,7 @@
           </p:nvSpPr>
           <p:spPr>
             <a:xfrm>
-              <a:off x="6618814" y="1588090"/>
+              <a:off x="6618814" y="1588042"/>
               <a:ext cx="1650203" cy="0"/>
             </a:xfrm>
             <a:custGeom>
@@ -7644,7 +7644,7 @@
           </p:nvSpPr>
           <p:spPr>
             <a:xfrm>
-              <a:off x="7596401" y="5733219"/>
+              <a:off x="7240193" y="5733138"/>
               <a:ext cx="63202" cy="63202"/>
             </a:xfrm>
             <a:custGeom>
@@ -7687,7 +7687,7 @@
           </p:nvSpPr>
           <p:spPr>
             <a:xfrm>
-              <a:off x="6757305" y="5207093"/>
+              <a:off x="6698512" y="5207088"/>
               <a:ext cx="63202" cy="63202"/>
             </a:xfrm>
             <a:custGeom>
@@ -7730,7 +7730,7 @@
           </p:nvSpPr>
           <p:spPr>
             <a:xfrm>
-              <a:off x="6984821" y="4859181"/>
+              <a:off x="6820074" y="4859055"/>
               <a:ext cx="63202" cy="63202"/>
             </a:xfrm>
             <a:custGeom>
@@ -7773,7 +7773,7 @@
           </p:nvSpPr>
           <p:spPr>
             <a:xfrm>
-              <a:off x="7944875" y="6554057"/>
+              <a:off x="7746620" y="6554055"/>
               <a:ext cx="63202" cy="63202"/>
             </a:xfrm>
             <a:custGeom>
@@ -7872,7 +7872,7 @@
           </p:nvSpPr>
           <p:spPr>
             <a:xfrm>
-              <a:off x="8338607" y="6460535"/>
+              <a:off x="8338607" y="6460424"/>
               <a:ext cx="1650203" cy="0"/>
             </a:xfrm>
             <a:custGeom>
@@ -7915,7 +7915,7 @@
           </p:nvSpPr>
           <p:spPr>
             <a:xfrm>
-              <a:off x="8338607" y="5068408"/>
+              <a:off x="8338607" y="5068315"/>
               <a:ext cx="1650203" cy="0"/>
             </a:xfrm>
             <a:custGeom>
@@ -7958,7 +7958,7 @@
           </p:nvSpPr>
           <p:spPr>
             <a:xfrm>
-              <a:off x="8338607" y="3676281"/>
+              <a:off x="8338607" y="3676206"/>
               <a:ext cx="1650203" cy="0"/>
             </a:xfrm>
             <a:custGeom>
@@ -8001,7 +8001,7 @@
           </p:nvSpPr>
           <p:spPr>
             <a:xfrm>
-              <a:off x="8338607" y="2284154"/>
+              <a:off x="8338607" y="2284097"/>
               <a:ext cx="1650203" cy="0"/>
             </a:xfrm>
             <a:custGeom>
@@ -8044,7 +8044,7 @@
           </p:nvSpPr>
           <p:spPr>
             <a:xfrm>
-              <a:off x="8338607" y="5764471"/>
+              <a:off x="8338607" y="5764369"/>
               <a:ext cx="1650203" cy="0"/>
             </a:xfrm>
             <a:custGeom>
@@ -8087,7 +8087,7 @@
           </p:nvSpPr>
           <p:spPr>
             <a:xfrm>
-              <a:off x="8338607" y="4372344"/>
+              <a:off x="8338607" y="4372260"/>
               <a:ext cx="1650203" cy="0"/>
             </a:xfrm>
             <a:custGeom>
@@ -8130,7 +8130,7 @@
           </p:nvSpPr>
           <p:spPr>
             <a:xfrm>
-              <a:off x="8338607" y="2980217"/>
+              <a:off x="8338607" y="2980151"/>
               <a:ext cx="1650203" cy="0"/>
             </a:xfrm>
             <a:custGeom>
@@ -8173,7 +8173,7 @@
           </p:nvSpPr>
           <p:spPr>
             <a:xfrm>
-              <a:off x="8338607" y="1588090"/>
+              <a:off x="8338607" y="1588042"/>
               <a:ext cx="1650203" cy="0"/>
             </a:xfrm>
             <a:custGeom>
@@ -8345,7 +8345,7 @@
           </p:nvSpPr>
           <p:spPr>
             <a:xfrm>
-              <a:off x="8521106" y="2127379"/>
+              <a:off x="8502364" y="2127170"/>
               <a:ext cx="63202" cy="63202"/>
             </a:xfrm>
             <a:custGeom>
@@ -8388,7 +8388,7 @@
           </p:nvSpPr>
           <p:spPr>
             <a:xfrm>
-              <a:off x="8743805" y="2084397"/>
+              <a:off x="8500889" y="2084646"/>
               <a:ext cx="63202" cy="63202"/>
             </a:xfrm>
             <a:custGeom>
@@ -8431,7 +8431,7 @@
           </p:nvSpPr>
           <p:spPr>
             <a:xfrm>
-              <a:off x="8820792" y="2027307"/>
+              <a:off x="8767010" y="2027338"/>
               <a:ext cx="63202" cy="63202"/>
             </a:xfrm>
             <a:custGeom>
@@ -8474,7 +8474,7 @@
           </p:nvSpPr>
           <p:spPr>
             <a:xfrm>
-              <a:off x="8816141" y="4973711"/>
+              <a:off x="8740685" y="4973705"/>
               <a:ext cx="63202" cy="63202"/>
             </a:xfrm>
             <a:custGeom>
@@ -8517,7 +8517,7 @@
           </p:nvSpPr>
           <p:spPr>
             <a:xfrm>
-              <a:off x="8444690" y="4906348"/>
+              <a:off x="8732268" y="4906174"/>
               <a:ext cx="63202" cy="63202"/>
             </a:xfrm>
             <a:custGeom>
@@ -8560,7 +8560,7 @@
           </p:nvSpPr>
           <p:spPr>
             <a:xfrm>
-              <a:off x="9307827" y="5990572"/>
+              <a:off x="9166654" y="5990296"/>
               <a:ext cx="63202" cy="63202"/>
             </a:xfrm>
             <a:custGeom>
@@ -8603,7 +8603,7 @@
           </p:nvSpPr>
           <p:spPr>
             <a:xfrm>
-              <a:off x="9242091" y="6217706"/>
+              <a:off x="9044900" y="6217796"/>
               <a:ext cx="63202" cy="63202"/>
             </a:xfrm>
             <a:custGeom>
@@ -8646,7 +8646,7 @@
           </p:nvSpPr>
           <p:spPr>
             <a:xfrm>
-              <a:off x="8563159" y="4263530"/>
+              <a:off x="8593388" y="4263731"/>
               <a:ext cx="63202" cy="63202"/>
             </a:xfrm>
             <a:custGeom>
@@ -8689,7 +8689,7 @@
           </p:nvSpPr>
           <p:spPr>
             <a:xfrm>
-              <a:off x="9129057" y="5653021"/>
+              <a:off x="9331044" y="5653103"/>
               <a:ext cx="63202" cy="63202"/>
             </a:xfrm>
             <a:custGeom>
@@ -8732,7 +8732,7 @@
           </p:nvSpPr>
           <p:spPr>
             <a:xfrm>
-              <a:off x="8444743" y="4366307"/>
+              <a:off x="8749777" y="4366068"/>
               <a:ext cx="63202" cy="63202"/>
             </a:xfrm>
             <a:custGeom>
@@ -8775,7 +8775,7 @@
           </p:nvSpPr>
           <p:spPr>
             <a:xfrm>
-              <a:off x="8794797" y="4161114"/>
+              <a:off x="8722295" y="4161220"/>
               <a:ext cx="63202" cy="63202"/>
             </a:xfrm>
             <a:custGeom>
@@ -8818,7 +8818,7 @@
           </p:nvSpPr>
           <p:spPr>
             <a:xfrm>
-              <a:off x="8487629" y="4912351"/>
+              <a:off x="8571949" y="4912432"/>
               <a:ext cx="63202" cy="63202"/>
             </a:xfrm>
             <a:custGeom>
@@ -8861,7 +8861,7 @@
           </p:nvSpPr>
           <p:spPr>
             <a:xfrm>
-              <a:off x="8774495" y="4193686"/>
+              <a:off x="8641118" y="4193568"/>
               <a:ext cx="63202" cy="63202"/>
             </a:xfrm>
             <a:custGeom>
@@ -8904,7 +8904,7 @@
           </p:nvSpPr>
           <p:spPr>
             <a:xfrm>
-              <a:off x="8500518" y="4523866"/>
+              <a:off x="8676403" y="4523839"/>
               <a:ext cx="63202" cy="63202"/>
             </a:xfrm>
             <a:custGeom>
@@ -8947,7 +8947,7 @@
           </p:nvSpPr>
           <p:spPr>
             <a:xfrm>
-              <a:off x="9034996" y="6155555"/>
+              <a:off x="9168115" y="6155377"/>
               <a:ext cx="63202" cy="63202"/>
             </a:xfrm>
             <a:custGeom>
@@ -8990,7 +8990,7 @@
           </p:nvSpPr>
           <p:spPr>
             <a:xfrm>
-              <a:off x="9088678" y="6095346"/>
+              <a:off x="8994002" y="6095228"/>
               <a:ext cx="63202" cy="63202"/>
             </a:xfrm>
             <a:custGeom>
@@ -9033,7 +9033,7 @@
           </p:nvSpPr>
           <p:spPr>
             <a:xfrm>
-              <a:off x="8478407" y="4447465"/>
+              <a:off x="8431732" y="4447518"/>
               <a:ext cx="63202" cy="63202"/>
             </a:xfrm>
             <a:custGeom>
@@ -9076,7 +9076,7 @@
           </p:nvSpPr>
           <p:spPr>
             <a:xfrm>
-              <a:off x="9102453" y="5151976"/>
+              <a:off x="9117267" y="5151737"/>
               <a:ext cx="63202" cy="63202"/>
             </a:xfrm>
             <a:custGeom>
@@ -9119,7 +9119,7 @@
           </p:nvSpPr>
           <p:spPr>
             <a:xfrm>
-              <a:off x="8810302" y="2024126"/>
+              <a:off x="8645278" y="2024203"/>
               <a:ext cx="63202" cy="63202"/>
             </a:xfrm>
             <a:custGeom>
@@ -9162,7 +9162,7 @@
           </p:nvSpPr>
           <p:spPr>
             <a:xfrm>
-              <a:off x="8497787" y="5088410"/>
+              <a:off x="8510621" y="5088359"/>
               <a:ext cx="63202" cy="63202"/>
             </a:xfrm>
             <a:custGeom>
@@ -9205,7 +9205,7 @@
           </p:nvSpPr>
           <p:spPr>
             <a:xfrm>
-              <a:off x="8767845" y="4390862"/>
+              <a:off x="8544675" y="4390607"/>
               <a:ext cx="63202" cy="63202"/>
             </a:xfrm>
             <a:custGeom>
@@ -9248,7 +9248,7 @@
           </p:nvSpPr>
           <p:spPr>
             <a:xfrm>
-              <a:off x="9065429" y="5070779"/>
+              <a:off x="8975820" y="5070646"/>
               <a:ext cx="63202" cy="63202"/>
             </a:xfrm>
             <a:custGeom>
@@ -9291,7 +9291,7 @@
           </p:nvSpPr>
           <p:spPr>
             <a:xfrm>
-              <a:off x="8656092" y="5216972"/>
+              <a:off x="8754613" y="5216865"/>
               <a:ext cx="63202" cy="63202"/>
             </a:xfrm>
             <a:custGeom>
@@ -9334,7 +9334,7 @@
           </p:nvSpPr>
           <p:spPr>
             <a:xfrm>
-              <a:off x="8488912" y="5536567"/>
+              <a:off x="8710118" y="5536662"/>
               <a:ext cx="63202" cy="63202"/>
             </a:xfrm>
             <a:custGeom>
@@ -9377,7 +9377,7 @@
           </p:nvSpPr>
           <p:spPr>
             <a:xfrm>
-              <a:off x="8545935" y="3026168"/>
+              <a:off x="8800720" y="3025892"/>
               <a:ext cx="63202" cy="63202"/>
             </a:xfrm>
             <a:custGeom>
@@ -9420,7 +9420,7 @@
           </p:nvSpPr>
           <p:spPr>
             <a:xfrm>
-              <a:off x="8816486" y="4714375"/>
+              <a:off x="8577875" y="4714031"/>
               <a:ext cx="63202" cy="63202"/>
             </a:xfrm>
             <a:custGeom>
@@ -9463,7 +9463,7 @@
           </p:nvSpPr>
           <p:spPr>
             <a:xfrm>
-              <a:off x="8490212" y="1954308"/>
+              <a:off x="8457631" y="1953951"/>
               <a:ext cx="63202" cy="63202"/>
             </a:xfrm>
             <a:custGeom>
@@ -9506,7 +9506,7 @@
           </p:nvSpPr>
           <p:spPr>
             <a:xfrm>
-              <a:off x="8648585" y="1916280"/>
+              <a:off x="8548496" y="1916108"/>
               <a:ext cx="63202" cy="63202"/>
             </a:xfrm>
             <a:custGeom>
@@ -9549,7 +9549,7 @@
           </p:nvSpPr>
           <p:spPr>
             <a:xfrm>
-              <a:off x="8502210" y="4772224"/>
+              <a:off x="8448148" y="4772162"/>
               <a:ext cx="63202" cy="63202"/>
             </a:xfrm>
             <a:custGeom>
@@ -9592,7 +9592,7 @@
           </p:nvSpPr>
           <p:spPr>
             <a:xfrm>
-              <a:off x="8807603" y="4489784"/>
+              <a:off x="8483134" y="4489759"/>
               <a:ext cx="63202" cy="63202"/>
             </a:xfrm>
             <a:custGeom>
@@ -9635,7 +9635,7 @@
           </p:nvSpPr>
           <p:spPr>
             <a:xfrm>
-              <a:off x="8497104" y="1913860"/>
+              <a:off x="8731799" y="1913847"/>
               <a:ext cx="63202" cy="63202"/>
             </a:xfrm>
             <a:custGeom>
@@ -9678,7 +9678,7 @@
           </p:nvSpPr>
           <p:spPr>
             <a:xfrm>
-              <a:off x="9625436" y="6591251"/>
+              <a:off x="9765485" y="6591412"/>
               <a:ext cx="63202" cy="63202"/>
             </a:xfrm>
             <a:custGeom>
@@ -9721,7 +9721,7 @@
           </p:nvSpPr>
           <p:spPr>
             <a:xfrm>
-              <a:off x="8623331" y="4291608"/>
+              <a:off x="8557219" y="4291292"/>
               <a:ext cx="63202" cy="63202"/>
             </a:xfrm>
             <a:custGeom>
@@ -9764,7 +9764,7 @@
           </p:nvSpPr>
           <p:spPr>
             <a:xfrm>
-              <a:off x="8639502" y="3082274"/>
+              <a:off x="8721477" y="3082259"/>
               <a:ext cx="63202" cy="63202"/>
             </a:xfrm>
             <a:custGeom>
@@ -9807,7 +9807,7 @@
           </p:nvSpPr>
           <p:spPr>
             <a:xfrm>
-              <a:off x="8653957" y="3033839"/>
+              <a:off x="8600580" y="3033983"/>
               <a:ext cx="63202" cy="63202"/>
             </a:xfrm>
             <a:custGeom>
@@ -9850,7 +9850,7 @@
           </p:nvSpPr>
           <p:spPr>
             <a:xfrm>
-              <a:off x="8529307" y="2004896"/>
+              <a:off x="8651054" y="2004812"/>
               <a:ext cx="63202" cy="63202"/>
             </a:xfrm>
             <a:custGeom>
@@ -9893,7 +9893,7 @@
           </p:nvSpPr>
           <p:spPr>
             <a:xfrm>
-              <a:off x="8674119" y="1946180"/>
+              <a:off x="8549974" y="1946248"/>
               <a:ext cx="63202" cy="63202"/>
             </a:xfrm>
             <a:custGeom>
@@ -9936,7 +9936,7 @@
           </p:nvSpPr>
           <p:spPr>
             <a:xfrm>
-              <a:off x="8453847" y="2005236"/>
+              <a:off x="8730022" y="2005272"/>
               <a:ext cx="63202" cy="63202"/>
             </a:xfrm>
             <a:custGeom>
@@ -9979,7 +9979,7 @@
           </p:nvSpPr>
           <p:spPr>
             <a:xfrm>
-              <a:off x="8468983" y="2004805"/>
+              <a:off x="8792263" y="2004631"/>
               <a:ext cx="63202" cy="63202"/>
             </a:xfrm>
             <a:custGeom>
@@ -10022,7 +10022,7 @@
           </p:nvSpPr>
           <p:spPr>
             <a:xfrm>
-              <a:off x="8723142" y="1944124"/>
+              <a:off x="8704343" y="1943729"/>
               <a:ext cx="63202" cy="63202"/>
             </a:xfrm>
             <a:custGeom>
@@ -10065,7 +10065,7 @@
           </p:nvSpPr>
           <p:spPr>
             <a:xfrm>
-              <a:off x="8551984" y="3031263"/>
+              <a:off x="8660452" y="3031008"/>
               <a:ext cx="63202" cy="63202"/>
             </a:xfrm>
             <a:custGeom>
@@ -10108,7 +10108,7 @@
           </p:nvSpPr>
           <p:spPr>
             <a:xfrm>
-              <a:off x="8587631" y="3054883"/>
+              <a:off x="8770976" y="3054792"/>
               <a:ext cx="63202" cy="63202"/>
             </a:xfrm>
             <a:custGeom>
@@ -10151,7 +10151,7 @@
           </p:nvSpPr>
           <p:spPr>
             <a:xfrm>
-              <a:off x="8702126" y="5587062"/>
+              <a:off x="8410168" y="5586906"/>
               <a:ext cx="63202" cy="63202"/>
             </a:xfrm>
             <a:custGeom>
@@ -10194,7 +10194,7 @@
           </p:nvSpPr>
           <p:spPr>
             <a:xfrm>
-              <a:off x="8460280" y="2588231"/>
+              <a:off x="8636402" y="2588029"/>
               <a:ext cx="63202" cy="63202"/>
             </a:xfrm>
             <a:custGeom>
@@ -10237,7 +10237,7 @@
           </p:nvSpPr>
           <p:spPr>
             <a:xfrm>
-              <a:off x="8765889" y="2497145"/>
+              <a:off x="8618335" y="2496971"/>
               <a:ext cx="63202" cy="63202"/>
             </a:xfrm>
             <a:custGeom>
@@ -10280,7 +10280,7 @@
           </p:nvSpPr>
           <p:spPr>
             <a:xfrm>
-              <a:off x="8469827" y="2563409"/>
+              <a:off x="8814843" y="2563245"/>
               <a:ext cx="63202" cy="63202"/>
             </a:xfrm>
             <a:custGeom>
@@ -10323,7 +10323,7 @@
           </p:nvSpPr>
           <p:spPr>
             <a:xfrm>
-              <a:off x="8444055" y="5640243"/>
+              <a:off x="8547298" y="5640015"/>
               <a:ext cx="63202" cy="63202"/>
             </a:xfrm>
             <a:custGeom>
@@ -10366,7 +10366,7 @@
           </p:nvSpPr>
           <p:spPr>
             <a:xfrm>
-              <a:off x="8443289" y="2077523"/>
+              <a:off x="8736307" y="2077385"/>
               <a:ext cx="63202" cy="63202"/>
             </a:xfrm>
             <a:custGeom>
@@ -10409,7 +10409,7 @@
           </p:nvSpPr>
           <p:spPr>
             <a:xfrm>
-              <a:off x="8425403" y="2862004"/>
+              <a:off x="8619624" y="2861595"/>
               <a:ext cx="63202" cy="63202"/>
             </a:xfrm>
             <a:custGeom>
@@ -10452,7 +10452,7 @@
           </p:nvSpPr>
           <p:spPr>
             <a:xfrm>
-              <a:off x="8678356" y="2993641"/>
+              <a:off x="8665549" y="2993580"/>
               <a:ext cx="63202" cy="63202"/>
             </a:xfrm>
             <a:custGeom>
@@ -10495,7 +10495,7 @@
           </p:nvSpPr>
           <p:spPr>
             <a:xfrm>
-              <a:off x="8630113" y="1947375"/>
+              <a:off x="8459266" y="1947052"/>
               <a:ext cx="63202" cy="63202"/>
             </a:xfrm>
             <a:custGeom>
@@ -10538,7 +10538,7 @@
           </p:nvSpPr>
           <p:spPr>
             <a:xfrm>
-              <a:off x="8618083" y="1960726"/>
+              <a:off x="8428512" y="1960724"/>
               <a:ext cx="63202" cy="63202"/>
             </a:xfrm>
             <a:custGeom>
@@ -10581,7 +10581,7 @@
           </p:nvSpPr>
           <p:spPr>
             <a:xfrm>
-              <a:off x="8613117" y="2396281"/>
+              <a:off x="8708867" y="2396444"/>
               <a:ext cx="63202" cy="63202"/>
             </a:xfrm>
             <a:custGeom>
@@ -10624,7 +10624,7 @@
           </p:nvSpPr>
           <p:spPr>
             <a:xfrm>
-              <a:off x="8608073" y="2731883"/>
+              <a:off x="8771909" y="2731913"/>
               <a:ext cx="63202" cy="63202"/>
             </a:xfrm>
             <a:custGeom>
@@ -10667,7 +10667,7 @@
           </p:nvSpPr>
           <p:spPr>
             <a:xfrm>
-              <a:off x="8763342" y="2542869"/>
+              <a:off x="8591150" y="2542910"/>
               <a:ext cx="63202" cy="63202"/>
             </a:xfrm>
             <a:custGeom>
@@ -10710,7 +10710,7 @@
           </p:nvSpPr>
           <p:spPr>
             <a:xfrm>
-              <a:off x="8412275" y="1944141"/>
+              <a:off x="8670221" y="1943747"/>
               <a:ext cx="63202" cy="63202"/>
             </a:xfrm>
             <a:custGeom>
@@ -10753,7 +10753,7 @@
           </p:nvSpPr>
           <p:spPr>
             <a:xfrm>
-              <a:off x="8753023" y="1947509"/>
+              <a:off x="8612660" y="1947667"/>
               <a:ext cx="63202" cy="63202"/>
             </a:xfrm>
             <a:custGeom>
@@ -10796,7 +10796,7 @@
           </p:nvSpPr>
           <p:spPr>
             <a:xfrm>
-              <a:off x="8685257" y="3016783"/>
+              <a:off x="8609380" y="3016734"/>
               <a:ext cx="63202" cy="63202"/>
             </a:xfrm>
             <a:custGeom>
@@ -10839,7 +10839,7 @@
           </p:nvSpPr>
           <p:spPr>
             <a:xfrm>
-              <a:off x="8475752" y="1954209"/>
+              <a:off x="8570534" y="1954253"/>
               <a:ext cx="63202" cy="63202"/>
             </a:xfrm>
             <a:custGeom>
@@ -10882,7 +10882,7 @@
           </p:nvSpPr>
           <p:spPr>
             <a:xfrm>
-              <a:off x="8808055" y="1957447"/>
+              <a:off x="8797547" y="1957407"/>
               <a:ext cx="63202" cy="63202"/>
             </a:xfrm>
             <a:custGeom>
@@ -10925,7 +10925,7 @@
           </p:nvSpPr>
           <p:spPr>
             <a:xfrm>
-              <a:off x="8480084" y="1948321"/>
+              <a:off x="8753531" y="1948017"/>
               <a:ext cx="63202" cy="63202"/>
             </a:xfrm>
             <a:custGeom>
@@ -10968,7 +10968,7 @@
           </p:nvSpPr>
           <p:spPr>
             <a:xfrm>
-              <a:off x="8447962" y="1913772"/>
+              <a:off x="8815596" y="1913911"/>
               <a:ext cx="63202" cy="63202"/>
             </a:xfrm>
             <a:custGeom>
@@ -11011,7 +11011,7 @@
           </p:nvSpPr>
           <p:spPr>
             <a:xfrm>
-              <a:off x="8527839" y="1962511"/>
+              <a:off x="8501481" y="1962339"/>
               <a:ext cx="63202" cy="63202"/>
             </a:xfrm>
             <a:custGeom>
@@ -11054,7 +11054,7 @@
           </p:nvSpPr>
           <p:spPr>
             <a:xfrm>
-              <a:off x="8581666" y="3090232"/>
+              <a:off x="8540723" y="3090011"/>
               <a:ext cx="63202" cy="63202"/>
             </a:xfrm>
             <a:custGeom>
@@ -11097,7 +11097,7 @@
           </p:nvSpPr>
           <p:spPr>
             <a:xfrm>
-              <a:off x="8817557" y="1860902"/>
+              <a:off x="8681277" y="1860783"/>
               <a:ext cx="63202" cy="63202"/>
             </a:xfrm>
             <a:custGeom>
@@ -11140,7 +11140,7 @@
           </p:nvSpPr>
           <p:spPr>
             <a:xfrm>
-              <a:off x="8641212" y="2417795"/>
+              <a:off x="8547948" y="2417544"/>
               <a:ext cx="63202" cy="63202"/>
             </a:xfrm>
             <a:custGeom>
@@ -11183,7 +11183,7 @@
           </p:nvSpPr>
           <p:spPr>
             <a:xfrm>
-              <a:off x="8707305" y="4770978"/>
+              <a:off x="8591796" y="4770750"/>
               <a:ext cx="63202" cy="63202"/>
             </a:xfrm>
             <a:custGeom>
@@ -11226,7 +11226,7 @@
           </p:nvSpPr>
           <p:spPr>
             <a:xfrm>
-              <a:off x="8451103" y="4773332"/>
+              <a:off x="8567347" y="4773206"/>
               <a:ext cx="63202" cy="63202"/>
             </a:xfrm>
             <a:custGeom>
@@ -11269,7 +11269,7 @@
           </p:nvSpPr>
           <p:spPr>
             <a:xfrm>
-              <a:off x="8589215" y="2208921"/>
+              <a:off x="8557499" y="2208701"/>
               <a:ext cx="63202" cy="63202"/>
             </a:xfrm>
             <a:custGeom>
@@ -11312,7 +11312,7 @@
           </p:nvSpPr>
           <p:spPr>
             <a:xfrm>
-              <a:off x="8712852" y="2439610"/>
+              <a:off x="8555945" y="2439515"/>
               <a:ext cx="63202" cy="63202"/>
             </a:xfrm>
             <a:custGeom>
@@ -11355,7 +11355,7 @@
           </p:nvSpPr>
           <p:spPr>
             <a:xfrm>
-              <a:off x="8630264" y="4912504"/>
+              <a:off x="8500883" y="4912465"/>
               <a:ext cx="63202" cy="63202"/>
             </a:xfrm>
             <a:custGeom>
@@ -11398,7 +11398,7 @@
           </p:nvSpPr>
           <p:spPr>
             <a:xfrm>
-              <a:off x="8564324" y="4903064"/>
+              <a:off x="8684033" y="4903155"/>
               <a:ext cx="63202" cy="63202"/>
             </a:xfrm>
             <a:custGeom>
@@ -11441,7 +11441,7 @@
           </p:nvSpPr>
           <p:spPr>
             <a:xfrm>
-              <a:off x="8551949" y="4909287"/>
+              <a:off x="8603592" y="4908953"/>
               <a:ext cx="63202" cy="63202"/>
             </a:xfrm>
             <a:custGeom>
@@ -11484,7 +11484,7 @@
           </p:nvSpPr>
           <p:spPr>
             <a:xfrm>
-              <a:off x="8423668" y="4737351"/>
+              <a:off x="8674624" y="4737356"/>
               <a:ext cx="63202" cy="63202"/>
             </a:xfrm>
             <a:custGeom>
@@ -11527,7 +11527,7 @@
           </p:nvSpPr>
           <p:spPr>
             <a:xfrm>
-              <a:off x="8806214" y="1936879"/>
+              <a:off x="8757019" y="1936860"/>
               <a:ext cx="63202" cy="63202"/>
             </a:xfrm>
             <a:custGeom>
@@ -11570,7 +11570,7 @@
           </p:nvSpPr>
           <p:spPr>
             <a:xfrm>
-              <a:off x="8680460" y="5541289"/>
+              <a:off x="8590144" y="5541100"/>
               <a:ext cx="63202" cy="63202"/>
             </a:xfrm>
             <a:custGeom>
@@ -11613,7 +11613,7 @@
           </p:nvSpPr>
           <p:spPr>
             <a:xfrm>
-              <a:off x="8730853" y="5660186"/>
+              <a:off x="8802535" y="5660018"/>
               <a:ext cx="63202" cy="63202"/>
             </a:xfrm>
             <a:custGeom>
@@ -11656,7 +11656,7 @@
           </p:nvSpPr>
           <p:spPr>
             <a:xfrm>
-              <a:off x="8427972" y="5710686"/>
+              <a:off x="8740834" y="5710492"/>
               <a:ext cx="63202" cy="63202"/>
             </a:xfrm>
             <a:custGeom>
@@ -11699,7 +11699,7 @@
           </p:nvSpPr>
           <p:spPr>
             <a:xfrm>
-              <a:off x="8660276" y="5689599"/>
+              <a:off x="8467337" y="5689511"/>
               <a:ext cx="63202" cy="63202"/>
             </a:xfrm>
             <a:custGeom>
@@ -11742,7 +11742,7 @@
           </p:nvSpPr>
           <p:spPr>
             <a:xfrm>
-              <a:off x="8767519" y="5660022"/>
+              <a:off x="8560713" y="5660039"/>
               <a:ext cx="63202" cy="63202"/>
             </a:xfrm>
             <a:custGeom>
@@ -11785,7 +11785,7 @@
           </p:nvSpPr>
           <p:spPr>
             <a:xfrm>
-              <a:off x="8531502" y="2101701"/>
+              <a:off x="8665257" y="2101609"/>
               <a:ext cx="63202" cy="63202"/>
             </a:xfrm>
             <a:custGeom>
@@ -11828,7 +11828,7 @@
           </p:nvSpPr>
           <p:spPr>
             <a:xfrm>
-              <a:off x="8543087" y="4408665"/>
+              <a:off x="8585159" y="4408444"/>
               <a:ext cx="63202" cy="63202"/>
             </a:xfrm>
             <a:custGeom>
@@ -11871,7 +11871,7 @@
           </p:nvSpPr>
           <p:spPr>
             <a:xfrm>
-              <a:off x="8685579" y="2072953"/>
+              <a:off x="8727732" y="2072783"/>
               <a:ext cx="63202" cy="63202"/>
             </a:xfrm>
             <a:custGeom>
@@ -11914,7 +11914,7 @@
           </p:nvSpPr>
           <p:spPr>
             <a:xfrm>
-              <a:off x="8733573" y="2099836"/>
+              <a:off x="8635746" y="2099752"/>
               <a:ext cx="63202" cy="63202"/>
             </a:xfrm>
             <a:custGeom>
@@ -11957,7 +11957,7 @@
           </p:nvSpPr>
           <p:spPr>
             <a:xfrm>
-              <a:off x="8821274" y="2012524"/>
+              <a:off x="8430045" y="2012725"/>
               <a:ext cx="63202" cy="63202"/>
             </a:xfrm>
             <a:custGeom>
@@ -12000,7 +12000,7 @@
           </p:nvSpPr>
           <p:spPr>
             <a:xfrm>
-              <a:off x="8421526" y="2039269"/>
+              <a:off x="8572262" y="2038972"/>
               <a:ext cx="63202" cy="63202"/>
             </a:xfrm>
             <a:custGeom>
@@ -12043,7 +12043,7 @@
           </p:nvSpPr>
           <p:spPr>
             <a:xfrm>
-              <a:off x="8627541" y="2022276"/>
+              <a:off x="8702781" y="2022157"/>
               <a:ext cx="63202" cy="63202"/>
             </a:xfrm>
             <a:custGeom>
@@ -12086,7 +12086,7 @@
           </p:nvSpPr>
           <p:spPr>
             <a:xfrm>
-              <a:off x="8633277" y="3389821"/>
+              <a:off x="8450916" y="3389820"/>
               <a:ext cx="63202" cy="63202"/>
             </a:xfrm>
             <a:custGeom>
@@ -13854,7 +13854,7 @@
           </p:nvSpPr>
           <p:spPr>
             <a:xfrm>
-              <a:off x="1210339" y="5722725"/>
+              <a:off x="1210339" y="5722623"/>
               <a:ext cx="186466" cy="81746"/>
             </a:xfrm>
             <a:prstGeom prst="rect">
@@ -13900,7 +13900,7 @@
           </p:nvSpPr>
           <p:spPr>
             <a:xfrm>
-              <a:off x="1210339" y="4330653"/>
+              <a:off x="1210339" y="4330569"/>
               <a:ext cx="186466" cy="81691"/>
             </a:xfrm>
             <a:prstGeom prst="rect">
@@ -13946,7 +13946,7 @@
           </p:nvSpPr>
           <p:spPr>
             <a:xfrm>
-              <a:off x="1210339" y="2938526"/>
+              <a:off x="1210339" y="2938460"/>
               <a:ext cx="186466" cy="81691"/>
             </a:xfrm>
             <a:prstGeom prst="rect">
@@ -13992,7 +13992,7 @@
           </p:nvSpPr>
           <p:spPr>
             <a:xfrm>
-              <a:off x="1148183" y="1546399"/>
+              <a:off x="1148183" y="1546351"/>
               <a:ext cx="248622" cy="81691"/>
             </a:xfrm>
             <a:prstGeom prst="rect">
@@ -14038,7 +14038,7 @@
           </p:nvSpPr>
           <p:spPr>
             <a:xfrm>
-              <a:off x="1424641" y="5764471"/>
+              <a:off x="1424641" y="5764369"/>
               <a:ext cx="34794" cy="0"/>
             </a:xfrm>
             <a:custGeom>
@@ -14078,7 +14078,7 @@
           </p:nvSpPr>
           <p:spPr>
             <a:xfrm>
-              <a:off x="1424641" y="4372344"/>
+              <a:off x="1424641" y="4372260"/>
               <a:ext cx="34794" cy="0"/>
             </a:xfrm>
             <a:custGeom>
@@ -14118,7 +14118,7 @@
           </p:nvSpPr>
           <p:spPr>
             <a:xfrm>
-              <a:off x="1424641" y="2980217"/>
+              <a:off x="1424641" y="2980151"/>
               <a:ext cx="34794" cy="0"/>
             </a:xfrm>
             <a:custGeom>
@@ -14158,7 +14158,7 @@
           </p:nvSpPr>
           <p:spPr>
             <a:xfrm>
-              <a:off x="1424641" y="1588090"/>
+              <a:off x="1424641" y="1588042"/>
               <a:ext cx="34794" cy="0"/>
             </a:xfrm>
             <a:custGeom>

--- a/Images/Figures_PPT/Jitter_Plot_Rictor_All.pptx
+++ b/Images/Figures_PPT/Jitter_Plot_Rictor_All.pptx
@@ -2359,7 +2359,7 @@
           </p:nvSpPr>
           <p:spPr>
             <a:xfrm>
-              <a:off x="1459435" y="6460424"/>
+              <a:off x="1459435" y="6460539"/>
               <a:ext cx="1650203" cy="0"/>
             </a:xfrm>
             <a:custGeom>
@@ -2402,7 +2402,7 @@
           </p:nvSpPr>
           <p:spPr>
             <a:xfrm>
-              <a:off x="1459435" y="5068315"/>
+              <a:off x="1459435" y="5068390"/>
               <a:ext cx="1650203" cy="0"/>
             </a:xfrm>
             <a:custGeom>
@@ -2445,7 +2445,7 @@
           </p:nvSpPr>
           <p:spPr>
             <a:xfrm>
-              <a:off x="1459435" y="3676206"/>
+              <a:off x="1459435" y="3676241"/>
               <a:ext cx="1650203" cy="0"/>
             </a:xfrm>
             <a:custGeom>
@@ -2488,7 +2488,7 @@
           </p:nvSpPr>
           <p:spPr>
             <a:xfrm>
-              <a:off x="1459435" y="2284097"/>
+              <a:off x="1459435" y="2284092"/>
               <a:ext cx="1650203" cy="0"/>
             </a:xfrm>
             <a:custGeom>
@@ -2531,7 +2531,7 @@
           </p:nvSpPr>
           <p:spPr>
             <a:xfrm>
-              <a:off x="1459435" y="5764369"/>
+              <a:off x="1459435" y="5764465"/>
               <a:ext cx="1650203" cy="0"/>
             </a:xfrm>
             <a:custGeom>
@@ -2574,7 +2574,7 @@
           </p:nvSpPr>
           <p:spPr>
             <a:xfrm>
-              <a:off x="1459435" y="4372260"/>
+              <a:off x="1459435" y="4372316"/>
               <a:ext cx="1650203" cy="0"/>
             </a:xfrm>
             <a:custGeom>
@@ -2617,7 +2617,7 @@
           </p:nvSpPr>
           <p:spPr>
             <a:xfrm>
-              <a:off x="1459435" y="2980151"/>
+              <a:off x="1459435" y="2980167"/>
               <a:ext cx="1650203" cy="0"/>
             </a:xfrm>
             <a:custGeom>
@@ -2660,7 +2660,7 @@
           </p:nvSpPr>
           <p:spPr>
             <a:xfrm>
-              <a:off x="1459435" y="1588042"/>
+              <a:off x="1459435" y="1588018"/>
               <a:ext cx="1650203" cy="0"/>
             </a:xfrm>
             <a:custGeom>
@@ -2832,7 +2832,7 @@
           </p:nvSpPr>
           <p:spPr>
             <a:xfrm>
-              <a:off x="2811671" y="6507103"/>
+              <a:off x="2950285" y="6507322"/>
               <a:ext cx="63202" cy="63202"/>
             </a:xfrm>
             <a:custGeom>
@@ -2875,7 +2875,7 @@
           </p:nvSpPr>
           <p:spPr>
             <a:xfrm>
-              <a:off x="2307427" y="5135661"/>
+              <a:off x="2276656" y="5135573"/>
               <a:ext cx="63202" cy="63202"/>
             </a:xfrm>
             <a:custGeom>
@@ -2918,7 +2918,7 @@
           </p:nvSpPr>
           <p:spPr>
             <a:xfrm>
-              <a:off x="1732018" y="4146634"/>
+              <a:off x="1652936" y="4146867"/>
               <a:ext cx="63202" cy="63202"/>
             </a:xfrm>
             <a:custGeom>
@@ -2961,7 +2961,7 @@
           </p:nvSpPr>
           <p:spPr>
             <a:xfrm>
-              <a:off x="1697197" y="2964163"/>
+              <a:off x="1735448" y="2964302"/>
               <a:ext cx="63202" cy="63202"/>
             </a:xfrm>
             <a:custGeom>
@@ -3004,7 +3004,7 @@
           </p:nvSpPr>
           <p:spPr>
             <a:xfrm>
-              <a:off x="2592233" y="6396453"/>
+              <a:off x="2686711" y="6396319"/>
               <a:ext cx="63202" cy="63202"/>
             </a:xfrm>
             <a:custGeom>
@@ -3047,7 +3047,7 @@
           </p:nvSpPr>
           <p:spPr>
             <a:xfrm>
-              <a:off x="1935982" y="2964330"/>
+              <a:off x="1701072" y="2964298"/>
               <a:ext cx="63202" cy="63202"/>
             </a:xfrm>
             <a:custGeom>
@@ -3090,7 +3090,7 @@
           </p:nvSpPr>
           <p:spPr>
             <a:xfrm>
-              <a:off x="2281960" y="5831793"/>
+              <a:off x="2420170" y="5831606"/>
               <a:ext cx="63202" cy="63202"/>
             </a:xfrm>
             <a:custGeom>
@@ -3133,7 +3133,7 @@
           </p:nvSpPr>
           <p:spPr>
             <a:xfrm>
-              <a:off x="1629321" y="4526244"/>
+              <a:off x="1545816" y="4526224"/>
               <a:ext cx="63202" cy="63202"/>
             </a:xfrm>
             <a:custGeom>
@@ -3176,7 +3176,7 @@
           </p:nvSpPr>
           <p:spPr>
             <a:xfrm>
-              <a:off x="1767126" y="3983728"/>
+              <a:off x="1774871" y="3983908"/>
               <a:ext cx="63202" cy="63202"/>
             </a:xfrm>
             <a:custGeom>
@@ -3219,7 +3219,7 @@
           </p:nvSpPr>
           <p:spPr>
             <a:xfrm>
-              <a:off x="2201883" y="5677422"/>
+              <a:off x="2402318" y="5677729"/>
               <a:ext cx="63202" cy="63202"/>
             </a:xfrm>
             <a:custGeom>
@@ -3262,7 +3262,7 @@
           </p:nvSpPr>
           <p:spPr>
             <a:xfrm>
-              <a:off x="2928036" y="5713856"/>
+              <a:off x="2746082" y="5713665"/>
               <a:ext cx="63202" cy="63202"/>
             </a:xfrm>
             <a:custGeom>
@@ -3305,7 +3305,7 @@
           </p:nvSpPr>
           <p:spPr>
             <a:xfrm>
-              <a:off x="1658873" y="3024997"/>
+              <a:off x="1918712" y="3025008"/>
               <a:ext cx="63202" cy="63202"/>
             </a:xfrm>
             <a:custGeom>
@@ -3348,7 +3348,7 @@
           </p:nvSpPr>
           <p:spPr>
             <a:xfrm>
-              <a:off x="1806811" y="3006244"/>
+              <a:off x="1720519" y="3005984"/>
               <a:ext cx="63202" cy="63202"/>
             </a:xfrm>
             <a:custGeom>
@@ -3391,7 +3391,7 @@
           </p:nvSpPr>
           <p:spPr>
             <a:xfrm>
-              <a:off x="1909284" y="2995704"/>
+              <a:off x="1544841" y="2995774"/>
               <a:ext cx="63202" cy="63202"/>
             </a:xfrm>
             <a:custGeom>
@@ -3434,7 +3434,7 @@
           </p:nvSpPr>
           <p:spPr>
             <a:xfrm>
-              <a:off x="1699340" y="4241228"/>
+              <a:off x="1659373" y="4241336"/>
               <a:ext cx="63202" cy="63202"/>
             </a:xfrm>
             <a:custGeom>
@@ -3533,7 +3533,7 @@
           </p:nvSpPr>
           <p:spPr>
             <a:xfrm>
-              <a:off x="3179228" y="6460424"/>
+              <a:off x="3179228" y="6460539"/>
               <a:ext cx="1650203" cy="0"/>
             </a:xfrm>
             <a:custGeom>
@@ -3576,7 +3576,7 @@
           </p:nvSpPr>
           <p:spPr>
             <a:xfrm>
-              <a:off x="3179228" y="5068315"/>
+              <a:off x="3179228" y="5068390"/>
               <a:ext cx="1650203" cy="0"/>
             </a:xfrm>
             <a:custGeom>
@@ -3619,7 +3619,7 @@
           </p:nvSpPr>
           <p:spPr>
             <a:xfrm>
-              <a:off x="3179228" y="3676206"/>
+              <a:off x="3179228" y="3676241"/>
               <a:ext cx="1650203" cy="0"/>
             </a:xfrm>
             <a:custGeom>
@@ -3662,7 +3662,7 @@
           </p:nvSpPr>
           <p:spPr>
             <a:xfrm>
-              <a:off x="3179228" y="2284097"/>
+              <a:off x="3179228" y="2284092"/>
               <a:ext cx="1650203" cy="0"/>
             </a:xfrm>
             <a:custGeom>
@@ -3705,7 +3705,7 @@
           </p:nvSpPr>
           <p:spPr>
             <a:xfrm>
-              <a:off x="3179228" y="5764369"/>
+              <a:off x="3179228" y="5764465"/>
               <a:ext cx="1650203" cy="0"/>
             </a:xfrm>
             <a:custGeom>
@@ -3748,7 +3748,7 @@
           </p:nvSpPr>
           <p:spPr>
             <a:xfrm>
-              <a:off x="3179228" y="4372260"/>
+              <a:off x="3179228" y="4372316"/>
               <a:ext cx="1650203" cy="0"/>
             </a:xfrm>
             <a:custGeom>
@@ -3791,7 +3791,7 @@
           </p:nvSpPr>
           <p:spPr>
             <a:xfrm>
-              <a:off x="3179228" y="2980151"/>
+              <a:off x="3179228" y="2980167"/>
               <a:ext cx="1650203" cy="0"/>
             </a:xfrm>
             <a:custGeom>
@@ -3834,7 +3834,7 @@
           </p:nvSpPr>
           <p:spPr>
             <a:xfrm>
-              <a:off x="3179228" y="1588042"/>
+              <a:off x="3179228" y="1588018"/>
               <a:ext cx="1650203" cy="0"/>
             </a:xfrm>
             <a:custGeom>
@@ -4006,7 +4006,7 @@
           </p:nvSpPr>
           <p:spPr>
             <a:xfrm>
-              <a:off x="3444577" y="3632993"/>
+              <a:off x="3325984" y="3633016"/>
               <a:ext cx="63202" cy="63202"/>
             </a:xfrm>
             <a:custGeom>
@@ -4049,7 +4049,7 @@
           </p:nvSpPr>
           <p:spPr>
             <a:xfrm>
-              <a:off x="3422906" y="3361104"/>
+              <a:off x="3367543" y="3361147"/>
               <a:ext cx="63202" cy="63202"/>
             </a:xfrm>
             <a:custGeom>
@@ -4092,7 +4092,7 @@
           </p:nvSpPr>
           <p:spPr>
             <a:xfrm>
-              <a:off x="3354713" y="3771839"/>
+              <a:off x="3506030" y="3771634"/>
               <a:ext cx="63202" cy="63202"/>
             </a:xfrm>
             <a:custGeom>
@@ -4135,7 +4135,7 @@
           </p:nvSpPr>
           <p:spPr>
             <a:xfrm>
-              <a:off x="3326165" y="3505459"/>
+              <a:off x="3553915" y="3505425"/>
               <a:ext cx="63202" cy="63202"/>
             </a:xfrm>
             <a:custGeom>
@@ -4178,7 +4178,7 @@
           </p:nvSpPr>
           <p:spPr>
             <a:xfrm>
-              <a:off x="4081543" y="5733416"/>
+              <a:off x="3868859" y="5733212"/>
               <a:ext cx="63202" cy="63202"/>
             </a:xfrm>
             <a:custGeom>
@@ -4221,7 +4221,7 @@
           </p:nvSpPr>
           <p:spPr>
             <a:xfrm>
-              <a:off x="3642981" y="4496577"/>
+              <a:off x="3367309" y="4496507"/>
               <a:ext cx="63202" cy="63202"/>
             </a:xfrm>
             <a:custGeom>
@@ -4264,7 +4264,7 @@
           </p:nvSpPr>
           <p:spPr>
             <a:xfrm>
-              <a:off x="3549185" y="3631975"/>
+              <a:off x="3473683" y="3631947"/>
               <a:ext cx="63202" cy="63202"/>
             </a:xfrm>
             <a:custGeom>
@@ -4307,7 +4307,7 @@
           </p:nvSpPr>
           <p:spPr>
             <a:xfrm>
-              <a:off x="3488939" y="3501797"/>
+              <a:off x="3503459" y="3501842"/>
               <a:ext cx="63202" cy="63202"/>
             </a:xfrm>
             <a:custGeom>
@@ -4350,7 +4350,7 @@
           </p:nvSpPr>
           <p:spPr>
             <a:xfrm>
-              <a:off x="3632204" y="3596724"/>
+              <a:off x="3300086" y="3596664"/>
               <a:ext cx="63202" cy="63202"/>
             </a:xfrm>
             <a:custGeom>
@@ -4393,7 +4393,7 @@
           </p:nvSpPr>
           <p:spPr>
             <a:xfrm>
-              <a:off x="3488880" y="4457612"/>
+              <a:off x="3660354" y="4457613"/>
               <a:ext cx="63202" cy="63202"/>
             </a:xfrm>
             <a:custGeom>
@@ -4436,7 +4436,7 @@
           </p:nvSpPr>
           <p:spPr>
             <a:xfrm>
-              <a:off x="3863831" y="6021405"/>
+              <a:off x="3767222" y="6021503"/>
               <a:ext cx="63202" cy="63202"/>
             </a:xfrm>
             <a:custGeom>
@@ -4479,7 +4479,7 @@
           </p:nvSpPr>
           <p:spPr>
             <a:xfrm>
-              <a:off x="3400629" y="4361644"/>
+              <a:off x="3658006" y="4361627"/>
               <a:ext cx="63202" cy="63202"/>
             </a:xfrm>
             <a:custGeom>
@@ -4522,7 +4522,7 @@
           </p:nvSpPr>
           <p:spPr>
             <a:xfrm>
-              <a:off x="3451130" y="4503102"/>
+              <a:off x="3556659" y="4503035"/>
               <a:ext cx="63202" cy="63202"/>
             </a:xfrm>
             <a:custGeom>
@@ -4565,7 +4565,7 @@
           </p:nvSpPr>
           <p:spPr>
             <a:xfrm>
-              <a:off x="3556164" y="4737760"/>
+              <a:off x="3436160" y="4738106"/>
               <a:ext cx="63202" cy="63202"/>
             </a:xfrm>
             <a:custGeom>
@@ -4608,7 +4608,7 @@
           </p:nvSpPr>
           <p:spPr>
             <a:xfrm>
-              <a:off x="3307129" y="4350791"/>
+              <a:off x="3453067" y="4350845"/>
               <a:ext cx="63202" cy="63202"/>
             </a:xfrm>
             <a:custGeom>
@@ -4651,7 +4651,7 @@
           </p:nvSpPr>
           <p:spPr>
             <a:xfrm>
-              <a:off x="3615792" y="3768327"/>
+              <a:off x="3305634" y="3768403"/>
               <a:ext cx="63202" cy="63202"/>
             </a:xfrm>
             <a:custGeom>
@@ -4694,7 +4694,7 @@
           </p:nvSpPr>
           <p:spPr>
             <a:xfrm>
-              <a:off x="4451954" y="6634049"/>
+              <a:off x="4446160" y="6634049"/>
               <a:ext cx="63202" cy="63202"/>
             </a:xfrm>
             <a:custGeom>
@@ -4737,7 +4737,7 @@
           </p:nvSpPr>
           <p:spPr>
             <a:xfrm>
-              <a:off x="3394276" y="4139381"/>
+              <a:off x="3530522" y="4139198"/>
               <a:ext cx="63202" cy="63202"/>
             </a:xfrm>
             <a:custGeom>
@@ -4780,7 +4780,7 @@
           </p:nvSpPr>
           <p:spPr>
             <a:xfrm>
-              <a:off x="3451206" y="3986769"/>
+              <a:off x="3516707" y="3986785"/>
               <a:ext cx="63202" cy="63202"/>
             </a:xfrm>
             <a:custGeom>
@@ -4823,7 +4823,7 @@
           </p:nvSpPr>
           <p:spPr>
             <a:xfrm>
-              <a:off x="3382287" y="3633105"/>
+              <a:off x="3252359" y="3632937"/>
               <a:ext cx="63202" cy="63202"/>
             </a:xfrm>
             <a:custGeom>
@@ -4866,7 +4866,7 @@
           </p:nvSpPr>
           <p:spPr>
             <a:xfrm>
-              <a:off x="3322514" y="5526436"/>
+              <a:off x="3534329" y="5526322"/>
               <a:ext cx="63202" cy="63202"/>
             </a:xfrm>
             <a:custGeom>
@@ -4909,7 +4909,7 @@
           </p:nvSpPr>
           <p:spPr>
             <a:xfrm>
-              <a:off x="3537044" y="4301159"/>
+              <a:off x="3577676" y="4301267"/>
               <a:ext cx="63202" cy="63202"/>
             </a:xfrm>
             <a:custGeom>
@@ -4952,7 +4952,7 @@
           </p:nvSpPr>
           <p:spPr>
             <a:xfrm>
-              <a:off x="3471627" y="4502909"/>
+              <a:off x="3480835" y="4503279"/>
               <a:ext cx="63202" cy="63202"/>
             </a:xfrm>
             <a:custGeom>
@@ -4995,7 +4995,7 @@
           </p:nvSpPr>
           <p:spPr>
             <a:xfrm>
-              <a:off x="3306021" y="5376920"/>
+              <a:off x="3386085" y="5377030"/>
               <a:ext cx="63202" cy="63202"/>
             </a:xfrm>
             <a:custGeom>
@@ -5038,7 +5038,7 @@
           </p:nvSpPr>
           <p:spPr>
             <a:xfrm>
-              <a:off x="3326816" y="3633145"/>
+              <a:off x="3343244" y="3633090"/>
               <a:ext cx="63202" cy="63202"/>
             </a:xfrm>
             <a:custGeom>
@@ -5081,7 +5081,7 @@
           </p:nvSpPr>
           <p:spPr>
             <a:xfrm>
-              <a:off x="3639521" y="4356144"/>
+              <a:off x="3449983" y="4356081"/>
               <a:ext cx="63202" cy="63202"/>
             </a:xfrm>
             <a:custGeom>
@@ -5124,7 +5124,7 @@
           </p:nvSpPr>
           <p:spPr>
             <a:xfrm>
-              <a:off x="3282355" y="4326142"/>
+              <a:off x="3295340" y="4326512"/>
               <a:ext cx="63202" cy="63202"/>
             </a:xfrm>
             <a:custGeom>
@@ -5167,7 +5167,7 @@
           </p:nvSpPr>
           <p:spPr>
             <a:xfrm>
-              <a:off x="3614948" y="5166562"/>
+              <a:off x="3423246" y="5166596"/>
               <a:ext cx="63202" cy="63202"/>
             </a:xfrm>
             <a:custGeom>
@@ -5210,7 +5210,7 @@
           </p:nvSpPr>
           <p:spPr>
             <a:xfrm>
-              <a:off x="3532111" y="3674273"/>
+              <a:off x="3255882" y="3674503"/>
               <a:ext cx="63202" cy="63202"/>
             </a:xfrm>
             <a:custGeom>
@@ -5253,7 +5253,7 @@
           </p:nvSpPr>
           <p:spPr>
             <a:xfrm>
-              <a:off x="3572768" y="3802810"/>
+              <a:off x="3297835" y="3802788"/>
               <a:ext cx="63202" cy="63202"/>
             </a:xfrm>
             <a:custGeom>
@@ -5296,7 +5296,7 @@
           </p:nvSpPr>
           <p:spPr>
             <a:xfrm>
-              <a:off x="3401551" y="3798383"/>
+              <a:off x="3581460" y="3798325"/>
               <a:ext cx="63202" cy="63202"/>
             </a:xfrm>
             <a:custGeom>
@@ -5339,7 +5339,7 @@
           </p:nvSpPr>
           <p:spPr>
             <a:xfrm>
-              <a:off x="3343783" y="3777491"/>
+              <a:off x="3279166" y="3777206"/>
               <a:ext cx="63202" cy="63202"/>
             </a:xfrm>
             <a:custGeom>
@@ -5382,7 +5382,7 @@
           </p:nvSpPr>
           <p:spPr>
             <a:xfrm>
-              <a:off x="3466766" y="3778896"/>
+              <a:off x="3302445" y="3778729"/>
               <a:ext cx="63202" cy="63202"/>
             </a:xfrm>
             <a:custGeom>
@@ -5425,7 +5425,7 @@
           </p:nvSpPr>
           <p:spPr>
             <a:xfrm>
-              <a:off x="3314598" y="3813449"/>
+              <a:off x="3639034" y="3813450"/>
               <a:ext cx="63202" cy="63202"/>
             </a:xfrm>
             <a:custGeom>
@@ -5468,7 +5468,7 @@
           </p:nvSpPr>
           <p:spPr>
             <a:xfrm>
-              <a:off x="3381617" y="3901294"/>
+              <a:off x="3582525" y="3901208"/>
               <a:ext cx="63202" cy="63202"/>
             </a:xfrm>
             <a:custGeom>
@@ -5511,7 +5511,7 @@
           </p:nvSpPr>
           <p:spPr>
             <a:xfrm>
-              <a:off x="3320441" y="4273482"/>
+              <a:off x="3621442" y="4273607"/>
               <a:ext cx="63202" cy="63202"/>
             </a:xfrm>
             <a:custGeom>
@@ -5554,7 +5554,7 @@
           </p:nvSpPr>
           <p:spPr>
             <a:xfrm>
-              <a:off x="3414839" y="4254726"/>
+              <a:off x="3299828" y="4254933"/>
               <a:ext cx="63202" cy="63202"/>
             </a:xfrm>
             <a:custGeom>
@@ -5597,7 +5597,7 @@
           </p:nvSpPr>
           <p:spPr>
             <a:xfrm>
-              <a:off x="3278393" y="3771765"/>
+              <a:off x="3384389" y="3771646"/>
               <a:ext cx="63202" cy="63202"/>
             </a:xfrm>
             <a:custGeom>
@@ -5640,7 +5640,7 @@
           </p:nvSpPr>
           <p:spPr>
             <a:xfrm>
-              <a:off x="3292252" y="4859830"/>
+              <a:off x="3501964" y="4860122"/>
               <a:ext cx="63202" cy="63202"/>
             </a:xfrm>
             <a:custGeom>
@@ -5683,7 +5683,7 @@
           </p:nvSpPr>
           <p:spPr>
             <a:xfrm>
-              <a:off x="3538888" y="4369783"/>
+              <a:off x="3630582" y="4369858"/>
               <a:ext cx="63202" cy="63202"/>
             </a:xfrm>
             <a:custGeom>
@@ -5726,7 +5726,7 @@
           </p:nvSpPr>
           <p:spPr>
             <a:xfrm>
-              <a:off x="3549486" y="3776290"/>
+              <a:off x="3316741" y="3776459"/>
               <a:ext cx="63202" cy="63202"/>
             </a:xfrm>
             <a:custGeom>
@@ -5769,7 +5769,7 @@
           </p:nvSpPr>
           <p:spPr>
             <a:xfrm>
-              <a:off x="3539458" y="3776424"/>
+              <a:off x="3571202" y="3776535"/>
               <a:ext cx="63202" cy="63202"/>
             </a:xfrm>
             <a:custGeom>
@@ -5812,7 +5812,7 @@
           </p:nvSpPr>
           <p:spPr>
             <a:xfrm>
-              <a:off x="3311845" y="3750830"/>
+              <a:off x="3458375" y="3750927"/>
               <a:ext cx="63202" cy="63202"/>
             </a:xfrm>
             <a:custGeom>
@@ -5855,7 +5855,7 @@
           </p:nvSpPr>
           <p:spPr>
             <a:xfrm>
-              <a:off x="3507155" y="3796966"/>
+              <a:off x="3637422" y="3796829"/>
               <a:ext cx="63202" cy="63202"/>
             </a:xfrm>
             <a:custGeom>
@@ -5898,7 +5898,7 @@
           </p:nvSpPr>
           <p:spPr>
             <a:xfrm>
-              <a:off x="3533855" y="3505280"/>
+              <a:off x="3626840" y="3505330"/>
               <a:ext cx="63202" cy="63202"/>
             </a:xfrm>
             <a:custGeom>
@@ -5997,7 +5997,7 @@
           </p:nvSpPr>
           <p:spPr>
             <a:xfrm>
-              <a:off x="4899021" y="6460424"/>
+              <a:off x="4899021" y="6460539"/>
               <a:ext cx="1650203" cy="0"/>
             </a:xfrm>
             <a:custGeom>
@@ -6040,7 +6040,7 @@
           </p:nvSpPr>
           <p:spPr>
             <a:xfrm>
-              <a:off x="4899021" y="5068315"/>
+              <a:off x="4899021" y="5068390"/>
               <a:ext cx="1650203" cy="0"/>
             </a:xfrm>
             <a:custGeom>
@@ -6083,7 +6083,7 @@
           </p:nvSpPr>
           <p:spPr>
             <a:xfrm>
-              <a:off x="4899021" y="3676206"/>
+              <a:off x="4899021" y="3676241"/>
               <a:ext cx="1650203" cy="0"/>
             </a:xfrm>
             <a:custGeom>
@@ -6126,7 +6126,7 @@
           </p:nvSpPr>
           <p:spPr>
             <a:xfrm>
-              <a:off x="4899021" y="2284097"/>
+              <a:off x="4899021" y="2284092"/>
               <a:ext cx="1650203" cy="0"/>
             </a:xfrm>
             <a:custGeom>
@@ -6169,7 +6169,7 @@
           </p:nvSpPr>
           <p:spPr>
             <a:xfrm>
-              <a:off x="4899021" y="5764369"/>
+              <a:off x="4899021" y="5764465"/>
               <a:ext cx="1650203" cy="0"/>
             </a:xfrm>
             <a:custGeom>
@@ -6212,7 +6212,7 @@
           </p:nvSpPr>
           <p:spPr>
             <a:xfrm>
-              <a:off x="4899021" y="4372260"/>
+              <a:off x="4899021" y="4372316"/>
               <a:ext cx="1650203" cy="0"/>
             </a:xfrm>
             <a:custGeom>
@@ -6255,7 +6255,7 @@
           </p:nvSpPr>
           <p:spPr>
             <a:xfrm>
-              <a:off x="4899021" y="2980151"/>
+              <a:off x="4899021" y="2980167"/>
               <a:ext cx="1650203" cy="0"/>
             </a:xfrm>
             <a:custGeom>
@@ -6298,7 +6298,7 @@
           </p:nvSpPr>
           <p:spPr>
             <a:xfrm>
-              <a:off x="4899021" y="1588042"/>
+              <a:off x="4899021" y="1588018"/>
               <a:ext cx="1650203" cy="0"/>
             </a:xfrm>
             <a:custGeom>
@@ -6470,7 +6470,7 @@
           </p:nvSpPr>
           <p:spPr>
             <a:xfrm>
-              <a:off x="5751589" y="5481086"/>
+              <a:off x="5891202" y="5481485"/>
               <a:ext cx="63202" cy="63202"/>
             </a:xfrm>
             <a:custGeom>
@@ -6513,7 +6513,7 @@
           </p:nvSpPr>
           <p:spPr>
             <a:xfrm>
-              <a:off x="5359118" y="1641734"/>
+              <a:off x="5108752" y="1641734"/>
               <a:ext cx="63202" cy="63202"/>
             </a:xfrm>
             <a:custGeom>
@@ -6556,7 +6556,7 @@
           </p:nvSpPr>
           <p:spPr>
             <a:xfrm>
-              <a:off x="5213289" y="2598743"/>
+              <a:off x="5043884" y="2598711"/>
               <a:ext cx="63202" cy="63202"/>
             </a:xfrm>
             <a:custGeom>
@@ -6599,7 +6599,7 @@
           </p:nvSpPr>
           <p:spPr>
             <a:xfrm>
-              <a:off x="5056753" y="2177768"/>
+              <a:off x="5029779" y="2177797"/>
               <a:ext cx="63202" cy="63202"/>
             </a:xfrm>
             <a:custGeom>
@@ -6642,7 +6642,7 @@
           </p:nvSpPr>
           <p:spPr>
             <a:xfrm>
-              <a:off x="5184737" y="2615000"/>
+              <a:off x="5369068" y="2614734"/>
               <a:ext cx="63202" cy="63202"/>
             </a:xfrm>
             <a:custGeom>
@@ -6685,7 +6685,7 @@
           </p:nvSpPr>
           <p:spPr>
             <a:xfrm>
-              <a:off x="5882542" y="5713746"/>
+              <a:off x="5837025" y="5713708"/>
               <a:ext cx="63202" cy="63202"/>
             </a:xfrm>
             <a:custGeom>
@@ -6728,7 +6728,7 @@
           </p:nvSpPr>
           <p:spPr>
             <a:xfrm>
-              <a:off x="6232815" y="6586120"/>
+              <a:off x="6004537" y="6586186"/>
               <a:ext cx="63202" cy="63202"/>
             </a:xfrm>
             <a:custGeom>
@@ -6771,7 +6771,7 @@
           </p:nvSpPr>
           <p:spPr>
             <a:xfrm>
-              <a:off x="5063965" y="5619205"/>
+              <a:off x="5338795" y="5618990"/>
               <a:ext cx="63202" cy="63202"/>
             </a:xfrm>
             <a:custGeom>
@@ -6814,7 +6814,7 @@
           </p:nvSpPr>
           <p:spPr>
             <a:xfrm>
-              <a:off x="5136574" y="4827550"/>
+              <a:off x="5354918" y="4827624"/>
               <a:ext cx="63202" cy="63202"/>
             </a:xfrm>
             <a:custGeom>
@@ -6857,7 +6857,7 @@
           </p:nvSpPr>
           <p:spPr>
             <a:xfrm>
-              <a:off x="5505775" y="5736637"/>
+              <a:off x="5789590" y="5736513"/>
               <a:ext cx="63202" cy="63202"/>
             </a:xfrm>
             <a:custGeom>
@@ -6900,7 +6900,7 @@
           </p:nvSpPr>
           <p:spPr>
             <a:xfrm>
-              <a:off x="5257597" y="3692572"/>
+              <a:off x="5047079" y="3692559"/>
               <a:ext cx="63202" cy="63202"/>
             </a:xfrm>
             <a:custGeom>
@@ -6943,7 +6943,7 @@
           </p:nvSpPr>
           <p:spPr>
             <a:xfrm>
-              <a:off x="5001732" y="3567004"/>
+              <a:off x="5326740" y="3567170"/>
               <a:ext cx="63202" cy="63202"/>
             </a:xfrm>
             <a:custGeom>
@@ -6986,7 +6986,7 @@
           </p:nvSpPr>
           <p:spPr>
             <a:xfrm>
-              <a:off x="6197537" y="6540192"/>
+              <a:off x="6126357" y="6540436"/>
               <a:ext cx="63202" cy="63202"/>
             </a:xfrm>
             <a:custGeom>
@@ -7029,7 +7029,7 @@
           </p:nvSpPr>
           <p:spPr>
             <a:xfrm>
-              <a:off x="5533001" y="5757704"/>
+              <a:off x="5709406" y="5757830"/>
               <a:ext cx="63202" cy="63202"/>
             </a:xfrm>
             <a:custGeom>
@@ -7072,7 +7072,7 @@
           </p:nvSpPr>
           <p:spPr>
             <a:xfrm>
-              <a:off x="5832876" y="5733388"/>
+              <a:off x="5682532" y="5733162"/>
               <a:ext cx="63202" cy="63202"/>
             </a:xfrm>
             <a:custGeom>
@@ -7171,7 +7171,7 @@
           </p:nvSpPr>
           <p:spPr>
             <a:xfrm>
-              <a:off x="6618814" y="6460424"/>
+              <a:off x="6618814" y="6460539"/>
               <a:ext cx="1650203" cy="0"/>
             </a:xfrm>
             <a:custGeom>
@@ -7214,7 +7214,7 @@
           </p:nvSpPr>
           <p:spPr>
             <a:xfrm>
-              <a:off x="6618814" y="5068315"/>
+              <a:off x="6618814" y="5068390"/>
               <a:ext cx="1650203" cy="0"/>
             </a:xfrm>
             <a:custGeom>
@@ -7257,7 +7257,7 @@
           </p:nvSpPr>
           <p:spPr>
             <a:xfrm>
-              <a:off x="6618814" y="3676206"/>
+              <a:off x="6618814" y="3676241"/>
               <a:ext cx="1650203" cy="0"/>
             </a:xfrm>
             <a:custGeom>
@@ -7300,7 +7300,7 @@
           </p:nvSpPr>
           <p:spPr>
             <a:xfrm>
-              <a:off x="6618814" y="2284097"/>
+              <a:off x="6618814" y="2284092"/>
               <a:ext cx="1650203" cy="0"/>
             </a:xfrm>
             <a:custGeom>
@@ -7343,7 +7343,7 @@
           </p:nvSpPr>
           <p:spPr>
             <a:xfrm>
-              <a:off x="6618814" y="5764369"/>
+              <a:off x="6618814" y="5764465"/>
               <a:ext cx="1650203" cy="0"/>
             </a:xfrm>
             <a:custGeom>
@@ -7386,7 +7386,7 @@
           </p:nvSpPr>
           <p:spPr>
             <a:xfrm>
-              <a:off x="6618814" y="4372260"/>
+              <a:off x="6618814" y="4372316"/>
               <a:ext cx="1650203" cy="0"/>
             </a:xfrm>
             <a:custGeom>
@@ -7429,7 +7429,7 @@
           </p:nvSpPr>
           <p:spPr>
             <a:xfrm>
-              <a:off x="6618814" y="2980151"/>
+              <a:off x="6618814" y="2980167"/>
               <a:ext cx="1650203" cy="0"/>
             </a:xfrm>
             <a:custGeom>
@@ -7472,7 +7472,7 @@
           </p:nvSpPr>
           <p:spPr>
             <a:xfrm>
-              <a:off x="6618814" y="1588042"/>
+              <a:off x="6618814" y="1588018"/>
               <a:ext cx="1650203" cy="0"/>
             </a:xfrm>
             <a:custGeom>
@@ -7644,7 +7644,7 @@
           </p:nvSpPr>
           <p:spPr>
             <a:xfrm>
-              <a:off x="7240193" y="5733138"/>
+              <a:off x="7282776" y="5733264"/>
               <a:ext cx="63202" cy="63202"/>
             </a:xfrm>
             <a:custGeom>
@@ -7687,7 +7687,7 @@
           </p:nvSpPr>
           <p:spPr>
             <a:xfrm>
-              <a:off x="6698512" y="5207088"/>
+              <a:off x="6843904" y="5207102"/>
               <a:ext cx="63202" cy="63202"/>
             </a:xfrm>
             <a:custGeom>
@@ -7730,7 +7730,7 @@
           </p:nvSpPr>
           <p:spPr>
             <a:xfrm>
-              <a:off x="6820074" y="4859055"/>
+              <a:off x="6887015" y="4859106"/>
               <a:ext cx="63202" cy="63202"/>
             </a:xfrm>
             <a:custGeom>
@@ -7773,7 +7773,7 @@
           </p:nvSpPr>
           <p:spPr>
             <a:xfrm>
-              <a:off x="7746620" y="6554055"/>
+              <a:off x="7994725" y="6554154"/>
               <a:ext cx="63202" cy="63202"/>
             </a:xfrm>
             <a:custGeom>
@@ -7872,7 +7872,7 @@
           </p:nvSpPr>
           <p:spPr>
             <a:xfrm>
-              <a:off x="8338607" y="6460424"/>
+              <a:off x="8338607" y="6460539"/>
               <a:ext cx="1650203" cy="0"/>
             </a:xfrm>
             <a:custGeom>
@@ -7915,7 +7915,7 @@
           </p:nvSpPr>
           <p:spPr>
             <a:xfrm>
-              <a:off x="8338607" y="5068315"/>
+              <a:off x="8338607" y="5068390"/>
               <a:ext cx="1650203" cy="0"/>
             </a:xfrm>
             <a:custGeom>
@@ -7958,7 +7958,7 @@
           </p:nvSpPr>
           <p:spPr>
             <a:xfrm>
-              <a:off x="8338607" y="3676206"/>
+              <a:off x="8338607" y="3676241"/>
               <a:ext cx="1650203" cy="0"/>
             </a:xfrm>
             <a:custGeom>
@@ -8001,7 +8001,7 @@
           </p:nvSpPr>
           <p:spPr>
             <a:xfrm>
-              <a:off x="8338607" y="2284097"/>
+              <a:off x="8338607" y="2284092"/>
               <a:ext cx="1650203" cy="0"/>
             </a:xfrm>
             <a:custGeom>
@@ -8044,7 +8044,7 @@
           </p:nvSpPr>
           <p:spPr>
             <a:xfrm>
-              <a:off x="8338607" y="5764369"/>
+              <a:off x="8338607" y="5764465"/>
               <a:ext cx="1650203" cy="0"/>
             </a:xfrm>
             <a:custGeom>
@@ -8087,7 +8087,7 @@
           </p:nvSpPr>
           <p:spPr>
             <a:xfrm>
-              <a:off x="8338607" y="4372260"/>
+              <a:off x="8338607" y="4372316"/>
               <a:ext cx="1650203" cy="0"/>
             </a:xfrm>
             <a:custGeom>
@@ -8130,7 +8130,7 @@
           </p:nvSpPr>
           <p:spPr>
             <a:xfrm>
-              <a:off x="8338607" y="2980151"/>
+              <a:off x="8338607" y="2980167"/>
               <a:ext cx="1650203" cy="0"/>
             </a:xfrm>
             <a:custGeom>
@@ -8173,7 +8173,7 @@
           </p:nvSpPr>
           <p:spPr>
             <a:xfrm>
-              <a:off x="8338607" y="1588042"/>
+              <a:off x="8338607" y="1588018"/>
               <a:ext cx="1650203" cy="0"/>
             </a:xfrm>
             <a:custGeom>
@@ -8345,7 +8345,7 @@
           </p:nvSpPr>
           <p:spPr>
             <a:xfrm>
-              <a:off x="8502364" y="2127170"/>
+              <a:off x="8444438" y="2127167"/>
               <a:ext cx="63202" cy="63202"/>
             </a:xfrm>
             <a:custGeom>
@@ -8388,7 +8388,7 @@
           </p:nvSpPr>
           <p:spPr>
             <a:xfrm>
-              <a:off x="8500889" y="2084646"/>
+              <a:off x="8545787" y="2084527"/>
               <a:ext cx="63202" cy="63202"/>
             </a:xfrm>
             <a:custGeom>
@@ -8431,7 +8431,7 @@
           </p:nvSpPr>
           <p:spPr>
             <a:xfrm>
-              <a:off x="8767010" y="2027338"/>
+              <a:off x="8792822" y="2027301"/>
               <a:ext cx="63202" cy="63202"/>
             </a:xfrm>
             <a:custGeom>
@@ -8474,7 +8474,7 @@
           </p:nvSpPr>
           <p:spPr>
             <a:xfrm>
-              <a:off x="8740685" y="4973705"/>
+              <a:off x="8702350" y="4973622"/>
               <a:ext cx="63202" cy="63202"/>
             </a:xfrm>
             <a:custGeom>
@@ -8517,7 +8517,7 @@
           </p:nvSpPr>
           <p:spPr>
             <a:xfrm>
-              <a:off x="8732268" y="4906174"/>
+              <a:off x="8620284" y="4906501"/>
               <a:ext cx="63202" cy="63202"/>
             </a:xfrm>
             <a:custGeom>
@@ -8560,7 +8560,7 @@
           </p:nvSpPr>
           <p:spPr>
             <a:xfrm>
-              <a:off x="9166654" y="5990296"/>
+              <a:off x="9330494" y="5990257"/>
               <a:ext cx="63202" cy="63202"/>
             </a:xfrm>
             <a:custGeom>
@@ -8603,7 +8603,7 @@
           </p:nvSpPr>
           <p:spPr>
             <a:xfrm>
-              <a:off x="9044900" y="6217796"/>
+              <a:off x="9128311" y="6217730"/>
               <a:ext cx="63202" cy="63202"/>
             </a:xfrm>
             <a:custGeom>
@@ -8646,7 +8646,7 @@
           </p:nvSpPr>
           <p:spPr>
             <a:xfrm>
-              <a:off x="8593388" y="4263731"/>
+              <a:off x="8778289" y="4263752"/>
               <a:ext cx="63202" cy="63202"/>
             </a:xfrm>
             <a:custGeom>
@@ -8689,7 +8689,7 @@
           </p:nvSpPr>
           <p:spPr>
             <a:xfrm>
-              <a:off x="9331044" y="5653103"/>
+              <a:off x="8928122" y="5653124"/>
               <a:ext cx="63202" cy="63202"/>
             </a:xfrm>
             <a:custGeom>
@@ -8732,7 +8732,7 @@
           </p:nvSpPr>
           <p:spPr>
             <a:xfrm>
-              <a:off x="8749777" y="4366068"/>
+              <a:off x="8505338" y="4366144"/>
               <a:ext cx="63202" cy="63202"/>
             </a:xfrm>
             <a:custGeom>
@@ -8775,7 +8775,7 @@
           </p:nvSpPr>
           <p:spPr>
             <a:xfrm>
-              <a:off x="8722295" y="4161220"/>
+              <a:off x="8716474" y="4161276"/>
               <a:ext cx="63202" cy="63202"/>
             </a:xfrm>
             <a:custGeom>
@@ -8818,7 +8818,7 @@
           </p:nvSpPr>
           <p:spPr>
             <a:xfrm>
-              <a:off x="8571949" y="4912432"/>
+              <a:off x="8788847" y="4912467"/>
               <a:ext cx="63202" cy="63202"/>
             </a:xfrm>
             <a:custGeom>
@@ -8861,7 +8861,7 @@
           </p:nvSpPr>
           <p:spPr>
             <a:xfrm>
-              <a:off x="8641118" y="4193568"/>
+              <a:off x="8717251" y="4193717"/>
               <a:ext cx="63202" cy="63202"/>
             </a:xfrm>
             <a:custGeom>
@@ -8904,7 +8904,7 @@
           </p:nvSpPr>
           <p:spPr>
             <a:xfrm>
-              <a:off x="8676403" y="4523839"/>
+              <a:off x="8630067" y="4523880"/>
               <a:ext cx="63202" cy="63202"/>
             </a:xfrm>
             <a:custGeom>
@@ -8947,7 +8947,7 @@
           </p:nvSpPr>
           <p:spPr>
             <a:xfrm>
-              <a:off x="9168115" y="6155377"/>
+              <a:off x="9333207" y="6155555"/>
               <a:ext cx="63202" cy="63202"/>
             </a:xfrm>
             <a:custGeom>
@@ -8990,7 +8990,7 @@
           </p:nvSpPr>
           <p:spPr>
             <a:xfrm>
-              <a:off x="8994002" y="6095228"/>
+              <a:off x="9169368" y="6095373"/>
               <a:ext cx="63202" cy="63202"/>
             </a:xfrm>
             <a:custGeom>
@@ -9033,7 +9033,7 @@
           </p:nvSpPr>
           <p:spPr>
             <a:xfrm>
-              <a:off x="8431732" y="4447518"/>
+              <a:off x="8653028" y="4447559"/>
               <a:ext cx="63202" cy="63202"/>
             </a:xfrm>
             <a:custGeom>
@@ -9076,7 +9076,7 @@
           </p:nvSpPr>
           <p:spPr>
             <a:xfrm>
-              <a:off x="9117267" y="5151737"/>
+              <a:off x="9283916" y="5151787"/>
               <a:ext cx="63202" cy="63202"/>
             </a:xfrm>
             <a:custGeom>
@@ -9119,7 +9119,7 @@
           </p:nvSpPr>
           <p:spPr>
             <a:xfrm>
-              <a:off x="8645278" y="2024203"/>
+              <a:off x="8479382" y="2024046"/>
               <a:ext cx="63202" cy="63202"/>
             </a:xfrm>
             <a:custGeom>
@@ -9162,7 +9162,7 @@
           </p:nvSpPr>
           <p:spPr>
             <a:xfrm>
-              <a:off x="8510621" y="5088359"/>
+              <a:off x="8660146" y="5088159"/>
               <a:ext cx="63202" cy="63202"/>
             </a:xfrm>
             <a:custGeom>
@@ -9205,7 +9205,7 @@
           </p:nvSpPr>
           <p:spPr>
             <a:xfrm>
-              <a:off x="8544675" y="4390607"/>
+              <a:off x="8465099" y="4390809"/>
               <a:ext cx="63202" cy="63202"/>
             </a:xfrm>
             <a:custGeom>
@@ -9248,7 +9248,7 @@
           </p:nvSpPr>
           <p:spPr>
             <a:xfrm>
-              <a:off x="8975820" y="5070646"/>
+              <a:off x="9022316" y="5070525"/>
               <a:ext cx="63202" cy="63202"/>
             </a:xfrm>
             <a:custGeom>
@@ -9291,7 +9291,7 @@
           </p:nvSpPr>
           <p:spPr>
             <a:xfrm>
-              <a:off x="8754613" y="5216865"/>
+              <a:off x="8460072" y="5216668"/>
               <a:ext cx="63202" cy="63202"/>
             </a:xfrm>
             <a:custGeom>
@@ -9334,7 +9334,7 @@
           </p:nvSpPr>
           <p:spPr>
             <a:xfrm>
-              <a:off x="8710118" y="5536662"/>
+              <a:off x="8525281" y="5536702"/>
               <a:ext cx="63202" cy="63202"/>
             </a:xfrm>
             <a:custGeom>
@@ -9377,7 +9377,7 @@
           </p:nvSpPr>
           <p:spPr>
             <a:xfrm>
-              <a:off x="8800720" y="3025892"/>
+              <a:off x="8739709" y="3025952"/>
               <a:ext cx="63202" cy="63202"/>
             </a:xfrm>
             <a:custGeom>
@@ -9420,7 +9420,7 @@
           </p:nvSpPr>
           <p:spPr>
             <a:xfrm>
-              <a:off x="8577875" y="4714031"/>
+              <a:off x="8457708" y="4714154"/>
               <a:ext cx="63202" cy="63202"/>
             </a:xfrm>
             <a:custGeom>
@@ -9463,7 +9463,7 @@
           </p:nvSpPr>
           <p:spPr>
             <a:xfrm>
-              <a:off x="8457631" y="1953951"/>
+              <a:off x="8468849" y="1953986"/>
               <a:ext cx="63202" cy="63202"/>
             </a:xfrm>
             <a:custGeom>
@@ -9506,7 +9506,7 @@
           </p:nvSpPr>
           <p:spPr>
             <a:xfrm>
-              <a:off x="8548496" y="1916108"/>
+              <a:off x="8809793" y="1916229"/>
               <a:ext cx="63202" cy="63202"/>
             </a:xfrm>
             <a:custGeom>
@@ -9549,7 +9549,7 @@
           </p:nvSpPr>
           <p:spPr>
             <a:xfrm>
-              <a:off x="8448148" y="4772162"/>
+              <a:off x="8664455" y="4772411"/>
               <a:ext cx="63202" cy="63202"/>
             </a:xfrm>
             <a:custGeom>
@@ -9592,7 +9592,7 @@
           </p:nvSpPr>
           <p:spPr>
             <a:xfrm>
-              <a:off x="8483134" y="4489759"/>
+              <a:off x="8794894" y="4489758"/>
               <a:ext cx="63202" cy="63202"/>
             </a:xfrm>
             <a:custGeom>
@@ -9635,7 +9635,7 @@
           </p:nvSpPr>
           <p:spPr>
             <a:xfrm>
-              <a:off x="8731799" y="1913847"/>
+              <a:off x="8669498" y="1913787"/>
               <a:ext cx="63202" cy="63202"/>
             </a:xfrm>
             <a:custGeom>
@@ -9678,7 +9678,7 @@
           </p:nvSpPr>
           <p:spPr>
             <a:xfrm>
-              <a:off x="9765485" y="6591412"/>
+              <a:off x="9774054" y="6591245"/>
               <a:ext cx="63202" cy="63202"/>
             </a:xfrm>
             <a:custGeom>
@@ -9721,7 +9721,7 @@
           </p:nvSpPr>
           <p:spPr>
             <a:xfrm>
-              <a:off x="8557219" y="4291292"/>
+              <a:off x="8797453" y="4291673"/>
               <a:ext cx="63202" cy="63202"/>
             </a:xfrm>
             <a:custGeom>
@@ -9764,7 +9764,7 @@
           </p:nvSpPr>
           <p:spPr>
             <a:xfrm>
-              <a:off x="8721477" y="3082259"/>
+              <a:off x="8451091" y="3082068"/>
               <a:ext cx="63202" cy="63202"/>
             </a:xfrm>
             <a:custGeom>
@@ -9807,7 +9807,7 @@
           </p:nvSpPr>
           <p:spPr>
             <a:xfrm>
-              <a:off x="8600580" y="3033983"/>
+              <a:off x="8573840" y="3033823"/>
               <a:ext cx="63202" cy="63202"/>
             </a:xfrm>
             <a:custGeom>
@@ -9850,7 +9850,7 @@
           </p:nvSpPr>
           <p:spPr>
             <a:xfrm>
-              <a:off x="8651054" y="2004812"/>
+              <a:off x="8807827" y="2004813"/>
               <a:ext cx="63202" cy="63202"/>
             </a:xfrm>
             <a:custGeom>
@@ -9893,7 +9893,7 @@
           </p:nvSpPr>
           <p:spPr>
             <a:xfrm>
-              <a:off x="8549974" y="1946248"/>
+              <a:off x="8568014" y="1946131"/>
               <a:ext cx="63202" cy="63202"/>
             </a:xfrm>
             <a:custGeom>
@@ -9936,7 +9936,7 @@
           </p:nvSpPr>
           <p:spPr>
             <a:xfrm>
-              <a:off x="8730022" y="2005272"/>
+              <a:off x="8728070" y="2005236"/>
               <a:ext cx="63202" cy="63202"/>
             </a:xfrm>
             <a:custGeom>
@@ -9979,7 +9979,7 @@
           </p:nvSpPr>
           <p:spPr>
             <a:xfrm>
-              <a:off x="8792263" y="2004631"/>
+              <a:off x="8719237" y="2004764"/>
               <a:ext cx="63202" cy="63202"/>
             </a:xfrm>
             <a:custGeom>
@@ -10022,7 +10022,7 @@
           </p:nvSpPr>
           <p:spPr>
             <a:xfrm>
-              <a:off x="8704343" y="1943729"/>
+              <a:off x="8723500" y="1943942"/>
               <a:ext cx="63202" cy="63202"/>
             </a:xfrm>
             <a:custGeom>
@@ -10065,7 +10065,7 @@
           </p:nvSpPr>
           <p:spPr>
             <a:xfrm>
-              <a:off x="8660452" y="3031008"/>
+              <a:off x="8427014" y="3031313"/>
               <a:ext cx="63202" cy="63202"/>
             </a:xfrm>
             <a:custGeom>
@@ -10108,7 +10108,7 @@
           </p:nvSpPr>
           <p:spPr>
             <a:xfrm>
-              <a:off x="8770976" y="3054792"/>
+              <a:off x="8686113" y="3054838"/>
               <a:ext cx="63202" cy="63202"/>
             </a:xfrm>
             <a:custGeom>
@@ -10151,7 +10151,7 @@
           </p:nvSpPr>
           <p:spPr>
             <a:xfrm>
-              <a:off x="8410168" y="5586906"/>
+              <a:off x="8517503" y="5587290"/>
               <a:ext cx="63202" cy="63202"/>
             </a:xfrm>
             <a:custGeom>
@@ -10194,7 +10194,7 @@
           </p:nvSpPr>
           <p:spPr>
             <a:xfrm>
-              <a:off x="8636402" y="2588029"/>
+              <a:off x="8558988" y="2588074"/>
               <a:ext cx="63202" cy="63202"/>
             </a:xfrm>
             <a:custGeom>
@@ -10237,7 +10237,7 @@
           </p:nvSpPr>
           <p:spPr>
             <a:xfrm>
-              <a:off x="8618335" y="2496971"/>
+              <a:off x="8630275" y="2496913"/>
               <a:ext cx="63202" cy="63202"/>
             </a:xfrm>
             <a:custGeom>
@@ -10280,7 +10280,7 @@
           </p:nvSpPr>
           <p:spPr>
             <a:xfrm>
-              <a:off x="8814843" y="2563245"/>
+              <a:off x="8566464" y="2563399"/>
               <a:ext cx="63202" cy="63202"/>
             </a:xfrm>
             <a:custGeom>
@@ -10323,7 +10323,7 @@
           </p:nvSpPr>
           <p:spPr>
             <a:xfrm>
-              <a:off x="8547298" y="5640015"/>
+              <a:off x="8726783" y="5640155"/>
               <a:ext cx="63202" cy="63202"/>
             </a:xfrm>
             <a:custGeom>
@@ -10366,7 +10366,7 @@
           </p:nvSpPr>
           <p:spPr>
             <a:xfrm>
-              <a:off x="8736307" y="2077385"/>
+              <a:off x="8607166" y="2077363"/>
               <a:ext cx="63202" cy="63202"/>
             </a:xfrm>
             <a:custGeom>
@@ -10409,7 +10409,7 @@
           </p:nvSpPr>
           <p:spPr>
             <a:xfrm>
-              <a:off x="8619624" y="2861595"/>
+              <a:off x="8655288" y="2861880"/>
               <a:ext cx="63202" cy="63202"/>
             </a:xfrm>
             <a:custGeom>
@@ -10452,7 +10452,7 @@
           </p:nvSpPr>
           <p:spPr>
             <a:xfrm>
-              <a:off x="8665549" y="2993580"/>
+              <a:off x="8459502" y="2993537"/>
               <a:ext cx="63202" cy="63202"/>
             </a:xfrm>
             <a:custGeom>
@@ -10495,7 +10495,7 @@
           </p:nvSpPr>
           <p:spPr>
             <a:xfrm>
-              <a:off x="8459266" y="1947052"/>
+              <a:off x="8623461" y="1947076"/>
               <a:ext cx="63202" cy="63202"/>
             </a:xfrm>
             <a:custGeom>
@@ -10538,7 +10538,7 @@
           </p:nvSpPr>
           <p:spPr>
             <a:xfrm>
-              <a:off x="8428512" y="1960724"/>
+              <a:off x="8784250" y="1960467"/>
               <a:ext cx="63202" cy="63202"/>
             </a:xfrm>
             <a:custGeom>
@@ -10581,7 +10581,7 @@
           </p:nvSpPr>
           <p:spPr>
             <a:xfrm>
-              <a:off x="8708867" y="2396444"/>
+              <a:off x="8577481" y="2396470"/>
               <a:ext cx="63202" cy="63202"/>
             </a:xfrm>
             <a:custGeom>
@@ -10624,7 +10624,7 @@
           </p:nvSpPr>
           <p:spPr>
             <a:xfrm>
-              <a:off x="8771909" y="2731913"/>
+              <a:off x="8605633" y="2731876"/>
               <a:ext cx="63202" cy="63202"/>
             </a:xfrm>
             <a:custGeom>
@@ -10667,7 +10667,7 @@
           </p:nvSpPr>
           <p:spPr>
             <a:xfrm>
-              <a:off x="8591150" y="2542910"/>
+              <a:off x="8575001" y="2543030"/>
               <a:ext cx="63202" cy="63202"/>
             </a:xfrm>
             <a:custGeom>
@@ -10710,7 +10710,7 @@
           </p:nvSpPr>
           <p:spPr>
             <a:xfrm>
-              <a:off x="8670221" y="1943747"/>
+              <a:off x="8755001" y="1943954"/>
               <a:ext cx="63202" cy="63202"/>
             </a:xfrm>
             <a:custGeom>
@@ -10753,7 +10753,7 @@
           </p:nvSpPr>
           <p:spPr>
             <a:xfrm>
-              <a:off x="8612660" y="1947667"/>
+              <a:off x="8524536" y="1947614"/>
               <a:ext cx="63202" cy="63202"/>
             </a:xfrm>
             <a:custGeom>
@@ -10796,7 +10796,7 @@
           </p:nvSpPr>
           <p:spPr>
             <a:xfrm>
-              <a:off x="8609380" y="3016734"/>
+              <a:off x="8734262" y="3016830"/>
               <a:ext cx="63202" cy="63202"/>
             </a:xfrm>
             <a:custGeom>
@@ -10839,7 +10839,7 @@
           </p:nvSpPr>
           <p:spPr>
             <a:xfrm>
-              <a:off x="8570534" y="1954253"/>
+              <a:off x="8415929" y="1954199"/>
               <a:ext cx="63202" cy="63202"/>
             </a:xfrm>
             <a:custGeom>
@@ -10882,7 +10882,7 @@
           </p:nvSpPr>
           <p:spPr>
             <a:xfrm>
-              <a:off x="8797547" y="1957407"/>
+              <a:off x="8528525" y="1957286"/>
               <a:ext cx="63202" cy="63202"/>
             </a:xfrm>
             <a:custGeom>
@@ -10925,7 +10925,7 @@
           </p:nvSpPr>
           <p:spPr>
             <a:xfrm>
-              <a:off x="8753531" y="1948017"/>
+              <a:off x="8710145" y="1948026"/>
               <a:ext cx="63202" cy="63202"/>
             </a:xfrm>
             <a:custGeom>
@@ -10968,7 +10968,7 @@
           </p:nvSpPr>
           <p:spPr>
             <a:xfrm>
-              <a:off x="8815596" y="1913911"/>
+              <a:off x="8641607" y="1913837"/>
               <a:ext cx="63202" cy="63202"/>
             </a:xfrm>
             <a:custGeom>
@@ -11011,7 +11011,7 @@
           </p:nvSpPr>
           <p:spPr>
             <a:xfrm>
-              <a:off x="8501481" y="1962339"/>
+              <a:off x="8539229" y="1962472"/>
               <a:ext cx="63202" cy="63202"/>
             </a:xfrm>
             <a:custGeom>
@@ -11054,7 +11054,7 @@
           </p:nvSpPr>
           <p:spPr>
             <a:xfrm>
-              <a:off x="8540723" y="3090011"/>
+              <a:off x="8551053" y="3090041"/>
               <a:ext cx="63202" cy="63202"/>
             </a:xfrm>
             <a:custGeom>
@@ -11097,7 +11097,7 @@
           </p:nvSpPr>
           <p:spPr>
             <a:xfrm>
-              <a:off x="8681277" y="1860783"/>
+              <a:off x="8671952" y="1860788"/>
               <a:ext cx="63202" cy="63202"/>
             </a:xfrm>
             <a:custGeom>
@@ -11140,7 +11140,7 @@
           </p:nvSpPr>
           <p:spPr>
             <a:xfrm>
-              <a:off x="8547948" y="2417544"/>
+              <a:off x="8713031" y="2417788"/>
               <a:ext cx="63202" cy="63202"/>
             </a:xfrm>
             <a:custGeom>
@@ -11183,7 +11183,7 @@
           </p:nvSpPr>
           <p:spPr>
             <a:xfrm>
-              <a:off x="8591796" y="4770750"/>
+              <a:off x="8574969" y="4771051"/>
               <a:ext cx="63202" cy="63202"/>
             </a:xfrm>
             <a:custGeom>
@@ -11226,7 +11226,7 @@
           </p:nvSpPr>
           <p:spPr>
             <a:xfrm>
-              <a:off x="8567347" y="4773206"/>
+              <a:off x="8602612" y="4773187"/>
               <a:ext cx="63202" cy="63202"/>
             </a:xfrm>
             <a:custGeom>
@@ -11269,7 +11269,7 @@
           </p:nvSpPr>
           <p:spPr>
             <a:xfrm>
-              <a:off x="8557499" y="2208701"/>
+              <a:off x="8781345" y="2209024"/>
               <a:ext cx="63202" cy="63202"/>
             </a:xfrm>
             <a:custGeom>
@@ -11312,7 +11312,7 @@
           </p:nvSpPr>
           <p:spPr>
             <a:xfrm>
-              <a:off x="8555945" y="2439515"/>
+              <a:off x="8542009" y="2439672"/>
               <a:ext cx="63202" cy="63202"/>
             </a:xfrm>
             <a:custGeom>
@@ -11355,7 +11355,7 @@
           </p:nvSpPr>
           <p:spPr>
             <a:xfrm>
-              <a:off x="8500883" y="4912465"/>
+              <a:off x="8689309" y="4912367"/>
               <a:ext cx="63202" cy="63202"/>
             </a:xfrm>
             <a:custGeom>
@@ -11398,7 +11398,7 @@
           </p:nvSpPr>
           <p:spPr>
             <a:xfrm>
-              <a:off x="8684033" y="4903155"/>
+              <a:off x="8752743" y="4903117"/>
               <a:ext cx="63202" cy="63202"/>
             </a:xfrm>
             <a:custGeom>
@@ -11441,7 +11441,7 @@
           </p:nvSpPr>
           <p:spPr>
             <a:xfrm>
-              <a:off x="8603592" y="4908953"/>
+              <a:off x="8636824" y="4909219"/>
               <a:ext cx="63202" cy="63202"/>
             </a:xfrm>
             <a:custGeom>
@@ -11484,7 +11484,7 @@
           </p:nvSpPr>
           <p:spPr>
             <a:xfrm>
-              <a:off x="8674624" y="4737356"/>
+              <a:off x="8722691" y="4737341"/>
               <a:ext cx="63202" cy="63202"/>
             </a:xfrm>
             <a:custGeom>
@@ -11527,7 +11527,7 @@
           </p:nvSpPr>
           <p:spPr>
             <a:xfrm>
-              <a:off x="8757019" y="1936860"/>
+              <a:off x="8481442" y="1937005"/>
               <a:ext cx="63202" cy="63202"/>
             </a:xfrm>
             <a:custGeom>
@@ -11570,7 +11570,7 @@
           </p:nvSpPr>
           <p:spPr>
             <a:xfrm>
-              <a:off x="8590144" y="5541100"/>
+              <a:off x="8440151" y="5541346"/>
               <a:ext cx="63202" cy="63202"/>
             </a:xfrm>
             <a:custGeom>
@@ -11613,7 +11613,7 @@
           </p:nvSpPr>
           <p:spPr>
             <a:xfrm>
-              <a:off x="8802535" y="5660018"/>
+              <a:off x="8759700" y="5660103"/>
               <a:ext cx="63202" cy="63202"/>
             </a:xfrm>
             <a:custGeom>
@@ -11656,7 +11656,7 @@
           </p:nvSpPr>
           <p:spPr>
             <a:xfrm>
-              <a:off x="8740834" y="5710492"/>
+              <a:off x="8812855" y="5710705"/>
               <a:ext cx="63202" cy="63202"/>
             </a:xfrm>
             <a:custGeom>
@@ -11699,7 +11699,7 @@
           </p:nvSpPr>
           <p:spPr>
             <a:xfrm>
-              <a:off x="8467337" y="5689511"/>
+              <a:off x="8692878" y="5689565"/>
               <a:ext cx="63202" cy="63202"/>
             </a:xfrm>
             <a:custGeom>
@@ -11742,7 +11742,7 @@
           </p:nvSpPr>
           <p:spPr>
             <a:xfrm>
-              <a:off x="8560713" y="5660039"/>
+              <a:off x="8564146" y="5659931"/>
               <a:ext cx="63202" cy="63202"/>
             </a:xfrm>
             <a:custGeom>
@@ -11785,7 +11785,7 @@
           </p:nvSpPr>
           <p:spPr>
             <a:xfrm>
-              <a:off x="8665257" y="2101609"/>
+              <a:off x="8550124" y="2101839"/>
               <a:ext cx="63202" cy="63202"/>
             </a:xfrm>
             <a:custGeom>
@@ -11828,7 +11828,7 @@
           </p:nvSpPr>
           <p:spPr>
             <a:xfrm>
-              <a:off x="8585159" y="4408444"/>
+              <a:off x="8727623" y="4408349"/>
               <a:ext cx="63202" cy="63202"/>
             </a:xfrm>
             <a:custGeom>
@@ -11871,7 +11871,7 @@
           </p:nvSpPr>
           <p:spPr>
             <a:xfrm>
-              <a:off x="8727732" y="2072783"/>
+              <a:off x="8659219" y="2072969"/>
               <a:ext cx="63202" cy="63202"/>
             </a:xfrm>
             <a:custGeom>
@@ -11914,7 +11914,7 @@
           </p:nvSpPr>
           <p:spPr>
             <a:xfrm>
-              <a:off x="8635746" y="2099752"/>
+              <a:off x="8679530" y="2099936"/>
               <a:ext cx="63202" cy="63202"/>
             </a:xfrm>
             <a:custGeom>
@@ -11957,7 +11957,7 @@
           </p:nvSpPr>
           <p:spPr>
             <a:xfrm>
-              <a:off x="8430045" y="2012725"/>
+              <a:off x="8643873" y="2012739"/>
               <a:ext cx="63202" cy="63202"/>
             </a:xfrm>
             <a:custGeom>
@@ -12000,7 +12000,7 @@
           </p:nvSpPr>
           <p:spPr>
             <a:xfrm>
-              <a:off x="8572262" y="2038972"/>
+              <a:off x="8611441" y="2038846"/>
               <a:ext cx="63202" cy="63202"/>
             </a:xfrm>
             <a:custGeom>
@@ -12043,7 +12043,7 @@
           </p:nvSpPr>
           <p:spPr>
             <a:xfrm>
-              <a:off x="8702781" y="2022157"/>
+              <a:off x="8612561" y="2022314"/>
               <a:ext cx="63202" cy="63202"/>
             </a:xfrm>
             <a:custGeom>
@@ -12086,7 +12086,7 @@
           </p:nvSpPr>
           <p:spPr>
             <a:xfrm>
-              <a:off x="8450916" y="3389820"/>
+              <a:off x="8563879" y="3389799"/>
               <a:ext cx="63202" cy="63202"/>
             </a:xfrm>
             <a:custGeom>
@@ -13854,7 +13854,7 @@
           </p:nvSpPr>
           <p:spPr>
             <a:xfrm>
-              <a:off x="1210339" y="5722623"/>
+              <a:off x="1210339" y="5722718"/>
               <a:ext cx="186466" cy="81746"/>
             </a:xfrm>
             <a:prstGeom prst="rect">
@@ -13900,7 +13900,7 @@
           </p:nvSpPr>
           <p:spPr>
             <a:xfrm>
-              <a:off x="1210339" y="4330569"/>
+              <a:off x="1210339" y="4330624"/>
               <a:ext cx="186466" cy="81691"/>
             </a:xfrm>
             <a:prstGeom prst="rect">
@@ -13946,7 +13946,7 @@
           </p:nvSpPr>
           <p:spPr>
             <a:xfrm>
-              <a:off x="1210339" y="2938460"/>
+              <a:off x="1210339" y="2938475"/>
               <a:ext cx="186466" cy="81691"/>
             </a:xfrm>
             <a:prstGeom prst="rect">
@@ -13992,7 +13992,7 @@
           </p:nvSpPr>
           <p:spPr>
             <a:xfrm>
-              <a:off x="1148183" y="1546351"/>
+              <a:off x="1148183" y="1546326"/>
               <a:ext cx="248622" cy="81691"/>
             </a:xfrm>
             <a:prstGeom prst="rect">
@@ -14038,7 +14038,7 @@
           </p:nvSpPr>
           <p:spPr>
             <a:xfrm>
-              <a:off x="1424641" y="5764369"/>
+              <a:off x="1424641" y="5764465"/>
               <a:ext cx="34794" cy="0"/>
             </a:xfrm>
             <a:custGeom>
@@ -14078,7 +14078,7 @@
           </p:nvSpPr>
           <p:spPr>
             <a:xfrm>
-              <a:off x="1424641" y="4372260"/>
+              <a:off x="1424641" y="4372316"/>
               <a:ext cx="34794" cy="0"/>
             </a:xfrm>
             <a:custGeom>
@@ -14118,7 +14118,7 @@
           </p:nvSpPr>
           <p:spPr>
             <a:xfrm>
-              <a:off x="1424641" y="2980151"/>
+              <a:off x="1424641" y="2980167"/>
               <a:ext cx="34794" cy="0"/>
             </a:xfrm>
             <a:custGeom>
@@ -14158,7 +14158,7 @@
           </p:nvSpPr>
           <p:spPr>
             <a:xfrm>
-              <a:off x="1424641" y="1588042"/>
+              <a:off x="1424641" y="1588018"/>
               <a:ext cx="34794" cy="0"/>
             </a:xfrm>
             <a:custGeom>

--- a/Images/Figures_PPT/Jitter_Plot_Rictor_All.pptx
+++ b/Images/Figures_PPT/Jitter_Plot_Rictor_All.pptx
@@ -2359,7 +2359,7 @@
           </p:nvSpPr>
           <p:spPr>
             <a:xfrm>
-              <a:off x="1459435" y="6460539"/>
+              <a:off x="1459435" y="6460634"/>
               <a:ext cx="1650203" cy="0"/>
             </a:xfrm>
             <a:custGeom>
@@ -2402,7 +2402,7 @@
           </p:nvSpPr>
           <p:spPr>
             <a:xfrm>
-              <a:off x="1459435" y="5068390"/>
+              <a:off x="1459435" y="5068467"/>
               <a:ext cx="1650203" cy="0"/>
             </a:xfrm>
             <a:custGeom>
@@ -2445,7 +2445,7 @@
           </p:nvSpPr>
           <p:spPr>
             <a:xfrm>
-              <a:off x="1459435" y="3676241"/>
+              <a:off x="1459435" y="3676301"/>
               <a:ext cx="1650203" cy="0"/>
             </a:xfrm>
             <a:custGeom>
@@ -2488,7 +2488,7 @@
           </p:nvSpPr>
           <p:spPr>
             <a:xfrm>
-              <a:off x="1459435" y="2284092"/>
+              <a:off x="1459435" y="2284134"/>
               <a:ext cx="1650203" cy="0"/>
             </a:xfrm>
             <a:custGeom>
@@ -2531,7 +2531,7 @@
           </p:nvSpPr>
           <p:spPr>
             <a:xfrm>
-              <a:off x="1459435" y="5764465"/>
+              <a:off x="1459435" y="5764551"/>
               <a:ext cx="1650203" cy="0"/>
             </a:xfrm>
             <a:custGeom>
@@ -2574,7 +2574,7 @@
           </p:nvSpPr>
           <p:spPr>
             <a:xfrm>
-              <a:off x="1459435" y="4372316"/>
+              <a:off x="1459435" y="4372384"/>
               <a:ext cx="1650203" cy="0"/>
             </a:xfrm>
             <a:custGeom>
@@ -2617,7 +2617,7 @@
           </p:nvSpPr>
           <p:spPr>
             <a:xfrm>
-              <a:off x="1459435" y="2980167"/>
+              <a:off x="1459435" y="2980217"/>
               <a:ext cx="1650203" cy="0"/>
             </a:xfrm>
             <a:custGeom>
@@ -2660,7 +2660,7 @@
           </p:nvSpPr>
           <p:spPr>
             <a:xfrm>
-              <a:off x="1459435" y="1588018"/>
+              <a:off x="1459435" y="1588050"/>
               <a:ext cx="1650203" cy="0"/>
             </a:xfrm>
             <a:custGeom>
@@ -2832,7 +2832,7 @@
           </p:nvSpPr>
           <p:spPr>
             <a:xfrm>
-              <a:off x="2950285" y="6507322"/>
+              <a:off x="2924655" y="6507484"/>
               <a:ext cx="63202" cy="63202"/>
             </a:xfrm>
             <a:custGeom>
@@ -2875,7 +2875,7 @@
           </p:nvSpPr>
           <p:spPr>
             <a:xfrm>
-              <a:off x="2276656" y="5135573"/>
+              <a:off x="2266151" y="5135842"/>
               <a:ext cx="63202" cy="63202"/>
             </a:xfrm>
             <a:custGeom>
@@ -2918,7 +2918,7 @@
           </p:nvSpPr>
           <p:spPr>
             <a:xfrm>
-              <a:off x="1652936" y="4146867"/>
+              <a:off x="1553174" y="4146745"/>
               <a:ext cx="63202" cy="63202"/>
             </a:xfrm>
             <a:custGeom>
@@ -2961,7 +2961,7 @@
           </p:nvSpPr>
           <p:spPr>
             <a:xfrm>
-              <a:off x="1735448" y="2964302"/>
+              <a:off x="1639473" y="2964433"/>
               <a:ext cx="63202" cy="63202"/>
             </a:xfrm>
             <a:custGeom>
@@ -3004,7 +3004,7 @@
           </p:nvSpPr>
           <p:spPr>
             <a:xfrm>
-              <a:off x="2686711" y="6396319"/>
+              <a:off x="2917877" y="6396564"/>
               <a:ext cx="63202" cy="63202"/>
             </a:xfrm>
             <a:custGeom>
@@ -3047,7 +3047,7 @@
           </p:nvSpPr>
           <p:spPr>
             <a:xfrm>
-              <a:off x="1701072" y="2964298"/>
+              <a:off x="1893906" y="2964290"/>
               <a:ext cx="63202" cy="63202"/>
             </a:xfrm>
             <a:custGeom>
@@ -3090,7 +3090,7 @@
           </p:nvSpPr>
           <p:spPr>
             <a:xfrm>
-              <a:off x="2420170" y="5831606"/>
+              <a:off x="2082844" y="5831968"/>
               <a:ext cx="63202" cy="63202"/>
             </a:xfrm>
             <a:custGeom>
@@ -3133,7 +3133,7 @@
           </p:nvSpPr>
           <p:spPr>
             <a:xfrm>
-              <a:off x="1545816" y="4526224"/>
+              <a:off x="1861977" y="4526510"/>
               <a:ext cx="63202" cy="63202"/>
             </a:xfrm>
             <a:custGeom>
@@ -3176,7 +3176,7 @@
           </p:nvSpPr>
           <p:spPr>
             <a:xfrm>
-              <a:off x="1774871" y="3983908"/>
+              <a:off x="1557135" y="3983791"/>
               <a:ext cx="63202" cy="63202"/>
             </a:xfrm>
             <a:custGeom>
@@ -3219,7 +3219,7 @@
           </p:nvSpPr>
           <p:spPr>
             <a:xfrm>
-              <a:off x="2402318" y="5677729"/>
+              <a:off x="2326623" y="5677671"/>
               <a:ext cx="63202" cy="63202"/>
             </a:xfrm>
             <a:custGeom>
@@ -3262,7 +3262,7 @@
           </p:nvSpPr>
           <p:spPr>
             <a:xfrm>
-              <a:off x="2746082" y="5713665"/>
+              <a:off x="2974618" y="5714047"/>
               <a:ext cx="63202" cy="63202"/>
             </a:xfrm>
             <a:custGeom>
@@ -3305,7 +3305,7 @@
           </p:nvSpPr>
           <p:spPr>
             <a:xfrm>
-              <a:off x="1918712" y="3025008"/>
+              <a:off x="1677403" y="3025119"/>
               <a:ext cx="63202" cy="63202"/>
             </a:xfrm>
             <a:custGeom>
@@ -3348,7 +3348,7 @@
           </p:nvSpPr>
           <p:spPr>
             <a:xfrm>
-              <a:off x="1720519" y="3005984"/>
+              <a:off x="1733924" y="3006246"/>
               <a:ext cx="63202" cy="63202"/>
             </a:xfrm>
             <a:custGeom>
@@ -3391,7 +3391,7 @@
           </p:nvSpPr>
           <p:spPr>
             <a:xfrm>
-              <a:off x="1544841" y="2995774"/>
+              <a:off x="1794500" y="2996023"/>
               <a:ext cx="63202" cy="63202"/>
             </a:xfrm>
             <a:custGeom>
@@ -3434,7 +3434,7 @@
           </p:nvSpPr>
           <p:spPr>
             <a:xfrm>
-              <a:off x="1659373" y="4241336"/>
+              <a:off x="1575107" y="4241444"/>
               <a:ext cx="63202" cy="63202"/>
             </a:xfrm>
             <a:custGeom>
@@ -3533,7 +3533,7 @@
           </p:nvSpPr>
           <p:spPr>
             <a:xfrm>
-              <a:off x="3179228" y="6460539"/>
+              <a:off x="3179228" y="6460634"/>
               <a:ext cx="1650203" cy="0"/>
             </a:xfrm>
             <a:custGeom>
@@ -3576,7 +3576,7 @@
           </p:nvSpPr>
           <p:spPr>
             <a:xfrm>
-              <a:off x="3179228" y="5068390"/>
+              <a:off x="3179228" y="5068467"/>
               <a:ext cx="1650203" cy="0"/>
             </a:xfrm>
             <a:custGeom>
@@ -3619,7 +3619,7 @@
           </p:nvSpPr>
           <p:spPr>
             <a:xfrm>
-              <a:off x="3179228" y="3676241"/>
+              <a:off x="3179228" y="3676301"/>
               <a:ext cx="1650203" cy="0"/>
             </a:xfrm>
             <a:custGeom>
@@ -3662,7 +3662,7 @@
           </p:nvSpPr>
           <p:spPr>
             <a:xfrm>
-              <a:off x="3179228" y="2284092"/>
+              <a:off x="3179228" y="2284134"/>
               <a:ext cx="1650203" cy="0"/>
             </a:xfrm>
             <a:custGeom>
@@ -3705,7 +3705,7 @@
           </p:nvSpPr>
           <p:spPr>
             <a:xfrm>
-              <a:off x="3179228" y="5764465"/>
+              <a:off x="3179228" y="5764551"/>
               <a:ext cx="1650203" cy="0"/>
             </a:xfrm>
             <a:custGeom>
@@ -3748,7 +3748,7 @@
           </p:nvSpPr>
           <p:spPr>
             <a:xfrm>
-              <a:off x="3179228" y="4372316"/>
+              <a:off x="3179228" y="4372384"/>
               <a:ext cx="1650203" cy="0"/>
             </a:xfrm>
             <a:custGeom>
@@ -3791,7 +3791,7 @@
           </p:nvSpPr>
           <p:spPr>
             <a:xfrm>
-              <a:off x="3179228" y="2980167"/>
+              <a:off x="3179228" y="2980217"/>
               <a:ext cx="1650203" cy="0"/>
             </a:xfrm>
             <a:custGeom>
@@ -3834,7 +3834,7 @@
           </p:nvSpPr>
           <p:spPr>
             <a:xfrm>
-              <a:off x="3179228" y="1588018"/>
+              <a:off x="3179228" y="1588050"/>
               <a:ext cx="1650203" cy="0"/>
             </a:xfrm>
             <a:custGeom>
@@ -4006,7 +4006,7 @@
           </p:nvSpPr>
           <p:spPr>
             <a:xfrm>
-              <a:off x="3325984" y="3633016"/>
+              <a:off x="3407169" y="3633097"/>
               <a:ext cx="63202" cy="63202"/>
             </a:xfrm>
             <a:custGeom>
@@ -4049,7 +4049,7 @@
           </p:nvSpPr>
           <p:spPr>
             <a:xfrm>
-              <a:off x="3367543" y="3361147"/>
+              <a:off x="3365836" y="3361214"/>
               <a:ext cx="63202" cy="63202"/>
             </a:xfrm>
             <a:custGeom>
@@ -4092,7 +4092,7 @@
           </p:nvSpPr>
           <p:spPr>
             <a:xfrm>
-              <a:off x="3506030" y="3771634"/>
+              <a:off x="3642396" y="3771887"/>
               <a:ext cx="63202" cy="63202"/>
             </a:xfrm>
             <a:custGeom>
@@ -4135,7 +4135,7 @@
           </p:nvSpPr>
           <p:spPr>
             <a:xfrm>
-              <a:off x="3553915" y="3505425"/>
+              <a:off x="3329477" y="3505359"/>
               <a:ext cx="63202" cy="63202"/>
             </a:xfrm>
             <a:custGeom>
@@ -4178,7 +4178,7 @@
           </p:nvSpPr>
           <p:spPr>
             <a:xfrm>
-              <a:off x="3868859" y="5733212"/>
+              <a:off x="3846043" y="5733278"/>
               <a:ext cx="63202" cy="63202"/>
             </a:xfrm>
             <a:custGeom>
@@ -4221,7 +4221,7 @@
           </p:nvSpPr>
           <p:spPr>
             <a:xfrm>
-              <a:off x="3367309" y="4496507"/>
+              <a:off x="3323883" y="4496877"/>
               <a:ext cx="63202" cy="63202"/>
             </a:xfrm>
             <a:custGeom>
@@ -4264,7 +4264,7 @@
           </p:nvSpPr>
           <p:spPr>
             <a:xfrm>
-              <a:off x="3473683" y="3631947"/>
+              <a:off x="3436806" y="3632164"/>
               <a:ext cx="63202" cy="63202"/>
             </a:xfrm>
             <a:custGeom>
@@ -4307,7 +4307,7 @@
           </p:nvSpPr>
           <p:spPr>
             <a:xfrm>
-              <a:off x="3503459" y="3501842"/>
+              <a:off x="3652183" y="3501789"/>
               <a:ext cx="63202" cy="63202"/>
             </a:xfrm>
             <a:custGeom>
@@ -4350,7 +4350,7 @@
           </p:nvSpPr>
           <p:spPr>
             <a:xfrm>
-              <a:off x="3300086" y="3596664"/>
+              <a:off x="3356590" y="3597060"/>
               <a:ext cx="63202" cy="63202"/>
             </a:xfrm>
             <a:custGeom>
@@ -4393,7 +4393,7 @@
           </p:nvSpPr>
           <p:spPr>
             <a:xfrm>
-              <a:off x="3660354" y="4457613"/>
+              <a:off x="3552363" y="4457791"/>
               <a:ext cx="63202" cy="63202"/>
             </a:xfrm>
             <a:custGeom>
@@ -4436,7 +4436,7 @@
           </p:nvSpPr>
           <p:spPr>
             <a:xfrm>
-              <a:off x="3767222" y="6021503"/>
+              <a:off x="3894762" y="6021731"/>
               <a:ext cx="63202" cy="63202"/>
             </a:xfrm>
             <a:custGeom>
@@ -4479,7 +4479,7 @@
           </p:nvSpPr>
           <p:spPr>
             <a:xfrm>
-              <a:off x="3658006" y="4361627"/>
+              <a:off x="3386545" y="4361539"/>
               <a:ext cx="63202" cy="63202"/>
             </a:xfrm>
             <a:custGeom>
@@ -4522,7 +4522,7 @@
           </p:nvSpPr>
           <p:spPr>
             <a:xfrm>
-              <a:off x="3556659" y="4503035"/>
+              <a:off x="3316836" y="4503067"/>
               <a:ext cx="63202" cy="63202"/>
             </a:xfrm>
             <a:custGeom>
@@ -4565,7 +4565,7 @@
           </p:nvSpPr>
           <p:spPr>
             <a:xfrm>
-              <a:off x="3436160" y="4738106"/>
+              <a:off x="3415121" y="4738106"/>
               <a:ext cx="63202" cy="63202"/>
             </a:xfrm>
             <a:custGeom>
@@ -4608,7 +4608,7 @@
           </p:nvSpPr>
           <p:spPr>
             <a:xfrm>
-              <a:off x="3453067" y="4350845"/>
+              <a:off x="3417321" y="4351135"/>
               <a:ext cx="63202" cy="63202"/>
             </a:xfrm>
             <a:custGeom>
@@ -4651,7 +4651,7 @@
           </p:nvSpPr>
           <p:spPr>
             <a:xfrm>
-              <a:off x="3305634" y="3768403"/>
+              <a:off x="3351062" y="3768487"/>
               <a:ext cx="63202" cy="63202"/>
             </a:xfrm>
             <a:custGeom>
@@ -4694,7 +4694,7 @@
           </p:nvSpPr>
           <p:spPr>
             <a:xfrm>
-              <a:off x="4446160" y="6634049"/>
+              <a:off x="4620448" y="6634049"/>
               <a:ext cx="63202" cy="63202"/>
             </a:xfrm>
             <a:custGeom>
@@ -4737,7 +4737,7 @@
           </p:nvSpPr>
           <p:spPr>
             <a:xfrm>
-              <a:off x="3530522" y="4139198"/>
+              <a:off x="3407247" y="4139215"/>
               <a:ext cx="63202" cy="63202"/>
             </a:xfrm>
             <a:custGeom>
@@ -4780,7 +4780,7 @@
           </p:nvSpPr>
           <p:spPr>
             <a:xfrm>
-              <a:off x="3516707" y="3986785"/>
+              <a:off x="3566174" y="3986774"/>
               <a:ext cx="63202" cy="63202"/>
             </a:xfrm>
             <a:custGeom>
@@ -4823,7 +4823,7 @@
           </p:nvSpPr>
           <p:spPr>
             <a:xfrm>
-              <a:off x="3252359" y="3632937"/>
+              <a:off x="3281592" y="3633043"/>
               <a:ext cx="63202" cy="63202"/>
             </a:xfrm>
             <a:custGeom>
@@ -4866,7 +4866,7 @@
           </p:nvSpPr>
           <p:spPr>
             <a:xfrm>
-              <a:off x="3534329" y="5526322"/>
+              <a:off x="3383857" y="5526366"/>
               <a:ext cx="63202" cy="63202"/>
             </a:xfrm>
             <a:custGeom>
@@ -4909,7 +4909,7 @@
           </p:nvSpPr>
           <p:spPr>
             <a:xfrm>
-              <a:off x="3577676" y="4301267"/>
+              <a:off x="3602584" y="4301440"/>
               <a:ext cx="63202" cy="63202"/>
             </a:xfrm>
             <a:custGeom>
@@ -4952,7 +4952,7 @@
           </p:nvSpPr>
           <p:spPr>
             <a:xfrm>
-              <a:off x="3480835" y="4503279"/>
+              <a:off x="3318828" y="4503195"/>
               <a:ext cx="63202" cy="63202"/>
             </a:xfrm>
             <a:custGeom>
@@ -4995,7 +4995,7 @@
           </p:nvSpPr>
           <p:spPr>
             <a:xfrm>
-              <a:off x="3386085" y="5377030"/>
+              <a:off x="3446766" y="5376997"/>
               <a:ext cx="63202" cy="63202"/>
             </a:xfrm>
             <a:custGeom>
@@ -5038,7 +5038,7 @@
           </p:nvSpPr>
           <p:spPr>
             <a:xfrm>
-              <a:off x="3343244" y="3633090"/>
+              <a:off x="3596453" y="3632983"/>
               <a:ext cx="63202" cy="63202"/>
             </a:xfrm>
             <a:custGeom>
@@ -5081,7 +5081,7 @@
           </p:nvSpPr>
           <p:spPr>
             <a:xfrm>
-              <a:off x="3449983" y="4356081"/>
+              <a:off x="3562422" y="4356102"/>
               <a:ext cx="63202" cy="63202"/>
             </a:xfrm>
             <a:custGeom>
@@ -5124,7 +5124,7 @@
           </p:nvSpPr>
           <p:spPr>
             <a:xfrm>
-              <a:off x="3295340" y="4326512"/>
+              <a:off x="3499797" y="4326542"/>
               <a:ext cx="63202" cy="63202"/>
             </a:xfrm>
             <a:custGeom>
@@ -5167,7 +5167,7 @@
           </p:nvSpPr>
           <p:spPr>
             <a:xfrm>
-              <a:off x="3423246" y="5166596"/>
+              <a:off x="3572903" y="5166675"/>
               <a:ext cx="63202" cy="63202"/>
             </a:xfrm>
             <a:custGeom>
@@ -5210,7 +5210,7 @@
           </p:nvSpPr>
           <p:spPr>
             <a:xfrm>
-              <a:off x="3255882" y="3674503"/>
+              <a:off x="3574137" y="3674277"/>
               <a:ext cx="63202" cy="63202"/>
             </a:xfrm>
             <a:custGeom>
@@ -5253,7 +5253,7 @@
           </p:nvSpPr>
           <p:spPr>
             <a:xfrm>
-              <a:off x="3297835" y="3802788"/>
+              <a:off x="3602547" y="3803051"/>
               <a:ext cx="63202" cy="63202"/>
             </a:xfrm>
             <a:custGeom>
@@ -5296,7 +5296,7 @@
           </p:nvSpPr>
           <p:spPr>
             <a:xfrm>
-              <a:off x="3581460" y="3798325"/>
+              <a:off x="3369990" y="3798303"/>
               <a:ext cx="63202" cy="63202"/>
             </a:xfrm>
             <a:custGeom>
@@ -5339,7 +5339,7 @@
           </p:nvSpPr>
           <p:spPr>
             <a:xfrm>
-              <a:off x="3279166" y="3777206"/>
+              <a:off x="3618860" y="3777562"/>
               <a:ext cx="63202" cy="63202"/>
             </a:xfrm>
             <a:custGeom>
@@ -5382,7 +5382,7 @@
           </p:nvSpPr>
           <p:spPr>
             <a:xfrm>
-              <a:off x="3302445" y="3778729"/>
+              <a:off x="3269829" y="3778839"/>
               <a:ext cx="63202" cy="63202"/>
             </a:xfrm>
             <a:custGeom>
@@ -5425,7 +5425,7 @@
           </p:nvSpPr>
           <p:spPr>
             <a:xfrm>
-              <a:off x="3639034" y="3813450"/>
+              <a:off x="3474605" y="3813541"/>
               <a:ext cx="63202" cy="63202"/>
             </a:xfrm>
             <a:custGeom>
@@ -5468,7 +5468,7 @@
           </p:nvSpPr>
           <p:spPr>
             <a:xfrm>
-              <a:off x="3582525" y="3901208"/>
+              <a:off x="3328962" y="3901146"/>
               <a:ext cx="63202" cy="63202"/>
             </a:xfrm>
             <a:custGeom>
@@ -5511,7 +5511,7 @@
           </p:nvSpPr>
           <p:spPr>
             <a:xfrm>
-              <a:off x="3621442" y="4273607"/>
+              <a:off x="3581401" y="4273648"/>
               <a:ext cx="63202" cy="63202"/>
             </a:xfrm>
             <a:custGeom>
@@ -5554,7 +5554,7 @@
           </p:nvSpPr>
           <p:spPr>
             <a:xfrm>
-              <a:off x="3299828" y="4254933"/>
+              <a:off x="3263071" y="4255109"/>
               <a:ext cx="63202" cy="63202"/>
             </a:xfrm>
             <a:custGeom>
@@ -5597,7 +5597,7 @@
           </p:nvSpPr>
           <p:spPr>
             <a:xfrm>
-              <a:off x="3384389" y="3771646"/>
+              <a:off x="3463822" y="3771703"/>
               <a:ext cx="63202" cy="63202"/>
             </a:xfrm>
             <a:custGeom>
@@ -5640,7 +5640,7 @@
           </p:nvSpPr>
           <p:spPr>
             <a:xfrm>
-              <a:off x="3501964" y="4860122"/>
+              <a:off x="3363657" y="4860157"/>
               <a:ext cx="63202" cy="63202"/>
             </a:xfrm>
             <a:custGeom>
@@ -5683,7 +5683,7 @@
           </p:nvSpPr>
           <p:spPr>
             <a:xfrm>
-              <a:off x="3630582" y="4369858"/>
+              <a:off x="3436087" y="4369917"/>
               <a:ext cx="63202" cy="63202"/>
             </a:xfrm>
             <a:custGeom>
@@ -5726,7 +5726,7 @@
           </p:nvSpPr>
           <p:spPr>
             <a:xfrm>
-              <a:off x="3316741" y="3776459"/>
+              <a:off x="3599106" y="3776617"/>
               <a:ext cx="63202" cy="63202"/>
             </a:xfrm>
             <a:custGeom>
@@ -5769,7 +5769,7 @@
           </p:nvSpPr>
           <p:spPr>
             <a:xfrm>
-              <a:off x="3571202" y="3776535"/>
+              <a:off x="3308484" y="3776335"/>
               <a:ext cx="63202" cy="63202"/>
             </a:xfrm>
             <a:custGeom>
@@ -5812,7 +5812,7 @@
           </p:nvSpPr>
           <p:spPr>
             <a:xfrm>
-              <a:off x="3458375" y="3750927"/>
+              <a:off x="3601708" y="3750990"/>
               <a:ext cx="63202" cy="63202"/>
             </a:xfrm>
             <a:custGeom>
@@ -5855,7 +5855,7 @@
           </p:nvSpPr>
           <p:spPr>
             <a:xfrm>
-              <a:off x="3637422" y="3796829"/>
+              <a:off x="3560405" y="3796850"/>
               <a:ext cx="63202" cy="63202"/>
             </a:xfrm>
             <a:custGeom>
@@ -5898,7 +5898,7 @@
           </p:nvSpPr>
           <p:spPr>
             <a:xfrm>
-              <a:off x="3626840" y="3505330"/>
+              <a:off x="3345406" y="3505520"/>
               <a:ext cx="63202" cy="63202"/>
             </a:xfrm>
             <a:custGeom>
@@ -5997,7 +5997,7 @@
           </p:nvSpPr>
           <p:spPr>
             <a:xfrm>
-              <a:off x="4899021" y="6460539"/>
+              <a:off x="4899021" y="6460634"/>
               <a:ext cx="1650203" cy="0"/>
             </a:xfrm>
             <a:custGeom>
@@ -6040,7 +6040,7 @@
           </p:nvSpPr>
           <p:spPr>
             <a:xfrm>
-              <a:off x="4899021" y="5068390"/>
+              <a:off x="4899021" y="5068467"/>
               <a:ext cx="1650203" cy="0"/>
             </a:xfrm>
             <a:custGeom>
@@ -6083,7 +6083,7 @@
           </p:nvSpPr>
           <p:spPr>
             <a:xfrm>
-              <a:off x="4899021" y="3676241"/>
+              <a:off x="4899021" y="3676301"/>
               <a:ext cx="1650203" cy="0"/>
             </a:xfrm>
             <a:custGeom>
@@ -6126,7 +6126,7 @@
           </p:nvSpPr>
           <p:spPr>
             <a:xfrm>
-              <a:off x="4899021" y="2284092"/>
+              <a:off x="4899021" y="2284134"/>
               <a:ext cx="1650203" cy="0"/>
             </a:xfrm>
             <a:custGeom>
@@ -6169,7 +6169,7 @@
           </p:nvSpPr>
           <p:spPr>
             <a:xfrm>
-              <a:off x="4899021" y="5764465"/>
+              <a:off x="4899021" y="5764551"/>
               <a:ext cx="1650203" cy="0"/>
             </a:xfrm>
             <a:custGeom>
@@ -6212,7 +6212,7 @@
           </p:nvSpPr>
           <p:spPr>
             <a:xfrm>
-              <a:off x="4899021" y="4372316"/>
+              <a:off x="4899021" y="4372384"/>
               <a:ext cx="1650203" cy="0"/>
             </a:xfrm>
             <a:custGeom>
@@ -6255,7 +6255,7 @@
           </p:nvSpPr>
           <p:spPr>
             <a:xfrm>
-              <a:off x="4899021" y="2980167"/>
+              <a:off x="4899021" y="2980217"/>
               <a:ext cx="1650203" cy="0"/>
             </a:xfrm>
             <a:custGeom>
@@ -6298,7 +6298,7 @@
           </p:nvSpPr>
           <p:spPr>
             <a:xfrm>
-              <a:off x="4899021" y="1588018"/>
+              <a:off x="4899021" y="1588050"/>
               <a:ext cx="1650203" cy="0"/>
             </a:xfrm>
             <a:custGeom>
@@ -6470,7 +6470,7 @@
           </p:nvSpPr>
           <p:spPr>
             <a:xfrm>
-              <a:off x="5891202" y="5481485"/>
+              <a:off x="5890606" y="5481368"/>
               <a:ext cx="63202" cy="63202"/>
             </a:xfrm>
             <a:custGeom>
@@ -6513,7 +6513,7 @@
           </p:nvSpPr>
           <p:spPr>
             <a:xfrm>
-              <a:off x="5108752" y="1641734"/>
+              <a:off x="5158597" y="1641734"/>
               <a:ext cx="63202" cy="63202"/>
             </a:xfrm>
             <a:custGeom>
@@ -6556,7 +6556,7 @@
           </p:nvSpPr>
           <p:spPr>
             <a:xfrm>
-              <a:off x="5043884" y="2598711"/>
+              <a:off x="5158258" y="2598725"/>
               <a:ext cx="63202" cy="63202"/>
             </a:xfrm>
             <a:custGeom>
@@ -6599,7 +6599,7 @@
           </p:nvSpPr>
           <p:spPr>
             <a:xfrm>
-              <a:off x="5029779" y="2177797"/>
+              <a:off x="4975138" y="2177870"/>
               <a:ext cx="63202" cy="63202"/>
             </a:xfrm>
             <a:custGeom>
@@ -6642,7 +6642,7 @@
           </p:nvSpPr>
           <p:spPr>
             <a:xfrm>
-              <a:off x="5369068" y="2614734"/>
+              <a:off x="5261568" y="2614856"/>
               <a:ext cx="63202" cy="63202"/>
             </a:xfrm>
             <a:custGeom>
@@ -6685,7 +6685,7 @@
           </p:nvSpPr>
           <p:spPr>
             <a:xfrm>
-              <a:off x="5837025" y="5713708"/>
+              <a:off x="5625682" y="5713765"/>
               <a:ext cx="63202" cy="63202"/>
             </a:xfrm>
             <a:custGeom>
@@ -6728,7 +6728,7 @@
           </p:nvSpPr>
           <p:spPr>
             <a:xfrm>
-              <a:off x="6004537" y="6586186"/>
+              <a:off x="6065931" y="6586302"/>
               <a:ext cx="63202" cy="63202"/>
             </a:xfrm>
             <a:custGeom>
@@ -6771,7 +6771,7 @@
           </p:nvSpPr>
           <p:spPr>
             <a:xfrm>
-              <a:off x="5338795" y="5618990"/>
+              <a:off x="5166469" y="5619287"/>
               <a:ext cx="63202" cy="63202"/>
             </a:xfrm>
             <a:custGeom>
@@ -6814,7 +6814,7 @@
           </p:nvSpPr>
           <p:spPr>
             <a:xfrm>
-              <a:off x="5354918" y="4827624"/>
+              <a:off x="5135693" y="4827488"/>
               <a:ext cx="63202" cy="63202"/>
             </a:xfrm>
             <a:custGeom>
@@ -6857,7 +6857,7 @@
           </p:nvSpPr>
           <p:spPr>
             <a:xfrm>
-              <a:off x="5789590" y="5736513"/>
+              <a:off x="5628782" y="5736781"/>
               <a:ext cx="63202" cy="63202"/>
             </a:xfrm>
             <a:custGeom>
@@ -6900,7 +6900,7 @@
           </p:nvSpPr>
           <p:spPr>
             <a:xfrm>
-              <a:off x="5047079" y="3692559"/>
+              <a:off x="5028772" y="3692515"/>
               <a:ext cx="63202" cy="63202"/>
             </a:xfrm>
             <a:custGeom>
@@ -6943,7 +6943,7 @@
           </p:nvSpPr>
           <p:spPr>
             <a:xfrm>
-              <a:off x="5326740" y="3567170"/>
+              <a:off x="5097048" y="3567334"/>
               <a:ext cx="63202" cy="63202"/>
             </a:xfrm>
             <a:custGeom>
@@ -6986,7 +6986,7 @@
           </p:nvSpPr>
           <p:spPr>
             <a:xfrm>
-              <a:off x="6126357" y="6540436"/>
+              <a:off x="6234537" y="6540449"/>
               <a:ext cx="63202" cy="63202"/>
             </a:xfrm>
             <a:custGeom>
@@ -7029,7 +7029,7 @@
           </p:nvSpPr>
           <p:spPr>
             <a:xfrm>
-              <a:off x="5709406" y="5757830"/>
+              <a:off x="5505932" y="5757859"/>
               <a:ext cx="63202" cy="63202"/>
             </a:xfrm>
             <a:custGeom>
@@ -7072,7 +7072,7 @@
           </p:nvSpPr>
           <p:spPr>
             <a:xfrm>
-              <a:off x="5682532" y="5733162"/>
+              <a:off x="5649216" y="5733237"/>
               <a:ext cx="63202" cy="63202"/>
             </a:xfrm>
             <a:custGeom>
@@ -7171,7 +7171,7 @@
           </p:nvSpPr>
           <p:spPr>
             <a:xfrm>
-              <a:off x="6618814" y="6460539"/>
+              <a:off x="6618814" y="6460634"/>
               <a:ext cx="1650203" cy="0"/>
             </a:xfrm>
             <a:custGeom>
@@ -7214,7 +7214,7 @@
           </p:nvSpPr>
           <p:spPr>
             <a:xfrm>
-              <a:off x="6618814" y="5068390"/>
+              <a:off x="6618814" y="5068467"/>
               <a:ext cx="1650203" cy="0"/>
             </a:xfrm>
             <a:custGeom>
@@ -7257,7 +7257,7 @@
           </p:nvSpPr>
           <p:spPr>
             <a:xfrm>
-              <a:off x="6618814" y="3676241"/>
+              <a:off x="6618814" y="3676301"/>
               <a:ext cx="1650203" cy="0"/>
             </a:xfrm>
             <a:custGeom>
@@ -7300,7 +7300,7 @@
           </p:nvSpPr>
           <p:spPr>
             <a:xfrm>
-              <a:off x="6618814" y="2284092"/>
+              <a:off x="6618814" y="2284134"/>
               <a:ext cx="1650203" cy="0"/>
             </a:xfrm>
             <a:custGeom>
@@ -7343,7 +7343,7 @@
           </p:nvSpPr>
           <p:spPr>
             <a:xfrm>
-              <a:off x="6618814" y="5764465"/>
+              <a:off x="6618814" y="5764551"/>
               <a:ext cx="1650203" cy="0"/>
             </a:xfrm>
             <a:custGeom>
@@ -7386,7 +7386,7 @@
           </p:nvSpPr>
           <p:spPr>
             <a:xfrm>
-              <a:off x="6618814" y="4372316"/>
+              <a:off x="6618814" y="4372384"/>
               <a:ext cx="1650203" cy="0"/>
             </a:xfrm>
             <a:custGeom>
@@ -7429,7 +7429,7 @@
           </p:nvSpPr>
           <p:spPr>
             <a:xfrm>
-              <a:off x="6618814" y="2980167"/>
+              <a:off x="6618814" y="2980217"/>
               <a:ext cx="1650203" cy="0"/>
             </a:xfrm>
             <a:custGeom>
@@ -7472,7 +7472,7 @@
           </p:nvSpPr>
           <p:spPr>
             <a:xfrm>
-              <a:off x="6618814" y="1588018"/>
+              <a:off x="6618814" y="1588050"/>
               <a:ext cx="1650203" cy="0"/>
             </a:xfrm>
             <a:custGeom>
@@ -7644,7 +7644,7 @@
           </p:nvSpPr>
           <p:spPr>
             <a:xfrm>
-              <a:off x="7282776" y="5733264"/>
+              <a:off x="7535060" y="5733598"/>
               <a:ext cx="63202" cy="63202"/>
             </a:xfrm>
             <a:custGeom>
@@ -7687,7 +7687,7 @@
           </p:nvSpPr>
           <p:spPr>
             <a:xfrm>
-              <a:off x="6843904" y="5207102"/>
+              <a:off x="6867797" y="5207243"/>
               <a:ext cx="63202" cy="63202"/>
             </a:xfrm>
             <a:custGeom>
@@ -7730,7 +7730,7 @@
           </p:nvSpPr>
           <p:spPr>
             <a:xfrm>
-              <a:off x="6887015" y="4859106"/>
+              <a:off x="6969177" y="4859077"/>
               <a:ext cx="63202" cy="63202"/>
             </a:xfrm>
             <a:custGeom>
@@ -7773,7 +7773,7 @@
           </p:nvSpPr>
           <p:spPr>
             <a:xfrm>
-              <a:off x="7994725" y="6554154"/>
+              <a:off x="7803183" y="6554314"/>
               <a:ext cx="63202" cy="63202"/>
             </a:xfrm>
             <a:custGeom>
@@ -7872,7 +7872,7 @@
           </p:nvSpPr>
           <p:spPr>
             <a:xfrm>
-              <a:off x="8338607" y="6460539"/>
+              <a:off x="8338607" y="6460634"/>
               <a:ext cx="1650203" cy="0"/>
             </a:xfrm>
             <a:custGeom>
@@ -7915,7 +7915,7 @@
           </p:nvSpPr>
           <p:spPr>
             <a:xfrm>
-              <a:off x="8338607" y="5068390"/>
+              <a:off x="8338607" y="5068467"/>
               <a:ext cx="1650203" cy="0"/>
             </a:xfrm>
             <a:custGeom>
@@ -7958,7 +7958,7 @@
           </p:nvSpPr>
           <p:spPr>
             <a:xfrm>
-              <a:off x="8338607" y="3676241"/>
+              <a:off x="8338607" y="3676301"/>
               <a:ext cx="1650203" cy="0"/>
             </a:xfrm>
             <a:custGeom>
@@ -8001,7 +8001,7 @@
           </p:nvSpPr>
           <p:spPr>
             <a:xfrm>
-              <a:off x="8338607" y="2284092"/>
+              <a:off x="8338607" y="2284134"/>
               <a:ext cx="1650203" cy="0"/>
             </a:xfrm>
             <a:custGeom>
@@ -8044,7 +8044,7 @@
           </p:nvSpPr>
           <p:spPr>
             <a:xfrm>
-              <a:off x="8338607" y="5764465"/>
+              <a:off x="8338607" y="5764551"/>
               <a:ext cx="1650203" cy="0"/>
             </a:xfrm>
             <a:custGeom>
@@ -8087,7 +8087,7 @@
           </p:nvSpPr>
           <p:spPr>
             <a:xfrm>
-              <a:off x="8338607" y="4372316"/>
+              <a:off x="8338607" y="4372384"/>
               <a:ext cx="1650203" cy="0"/>
             </a:xfrm>
             <a:custGeom>
@@ -8130,7 +8130,7 @@
           </p:nvSpPr>
           <p:spPr>
             <a:xfrm>
-              <a:off x="8338607" y="2980167"/>
+              <a:off x="8338607" y="2980217"/>
               <a:ext cx="1650203" cy="0"/>
             </a:xfrm>
             <a:custGeom>
@@ -8173,7 +8173,7 @@
           </p:nvSpPr>
           <p:spPr>
             <a:xfrm>
-              <a:off x="8338607" y="1588018"/>
+              <a:off x="8338607" y="1588050"/>
               <a:ext cx="1650203" cy="0"/>
             </a:xfrm>
             <a:custGeom>
@@ -8345,7 +8345,7 @@
           </p:nvSpPr>
           <p:spPr>
             <a:xfrm>
-              <a:off x="8444438" y="2127167"/>
+              <a:off x="8741134" y="2127315"/>
               <a:ext cx="63202" cy="63202"/>
             </a:xfrm>
             <a:custGeom>
@@ -8388,7 +8388,7 @@
           </p:nvSpPr>
           <p:spPr>
             <a:xfrm>
-              <a:off x="8545787" y="2084527"/>
+              <a:off x="8769918" y="2084696"/>
               <a:ext cx="63202" cy="63202"/>
             </a:xfrm>
             <a:custGeom>
@@ -8431,7 +8431,7 @@
           </p:nvSpPr>
           <p:spPr>
             <a:xfrm>
-              <a:off x="8792822" y="2027301"/>
+              <a:off x="8441978" y="2027527"/>
               <a:ext cx="63202" cy="63202"/>
             </a:xfrm>
             <a:custGeom>
@@ -8474,7 +8474,7 @@
           </p:nvSpPr>
           <p:spPr>
             <a:xfrm>
-              <a:off x="8702350" y="4973622"/>
+              <a:off x="8579439" y="4973687"/>
               <a:ext cx="63202" cy="63202"/>
             </a:xfrm>
             <a:custGeom>
@@ -8517,7 +8517,7 @@
           </p:nvSpPr>
           <p:spPr>
             <a:xfrm>
-              <a:off x="8620284" y="4906501"/>
+              <a:off x="8663329" y="4906490"/>
               <a:ext cx="63202" cy="63202"/>
             </a:xfrm>
             <a:custGeom>
@@ -8560,7 +8560,7 @@
           </p:nvSpPr>
           <p:spPr>
             <a:xfrm>
-              <a:off x="9330494" y="5990257"/>
+              <a:off x="9281365" y="5990432"/>
               <a:ext cx="63202" cy="63202"/>
             </a:xfrm>
             <a:custGeom>
@@ -8603,7 +8603,7 @@
           </p:nvSpPr>
           <p:spPr>
             <a:xfrm>
-              <a:off x="9128311" y="6217730"/>
+              <a:off x="9303278" y="6217796"/>
               <a:ext cx="63202" cy="63202"/>
             </a:xfrm>
             <a:custGeom>
@@ -8646,7 +8646,7 @@
           </p:nvSpPr>
           <p:spPr>
             <a:xfrm>
-              <a:off x="8778289" y="4263752"/>
+              <a:off x="8621634" y="4263864"/>
               <a:ext cx="63202" cy="63202"/>
             </a:xfrm>
             <a:custGeom>
@@ -8689,7 +8689,7 @@
           </p:nvSpPr>
           <p:spPr>
             <a:xfrm>
-              <a:off x="8928122" y="5653124"/>
+              <a:off x="8944370" y="5653219"/>
               <a:ext cx="63202" cy="63202"/>
             </a:xfrm>
             <a:custGeom>
@@ -8732,7 +8732,7 @@
           </p:nvSpPr>
           <p:spPr>
             <a:xfrm>
-              <a:off x="8505338" y="4366144"/>
+              <a:off x="8536429" y="4366230"/>
               <a:ext cx="63202" cy="63202"/>
             </a:xfrm>
             <a:custGeom>
@@ -8775,7 +8775,7 @@
           </p:nvSpPr>
           <p:spPr>
             <a:xfrm>
-              <a:off x="8716474" y="4161276"/>
+              <a:off x="8609598" y="4161013"/>
               <a:ext cx="63202" cy="63202"/>
             </a:xfrm>
             <a:custGeom>
@@ -8818,7 +8818,7 @@
           </p:nvSpPr>
           <p:spPr>
             <a:xfrm>
-              <a:off x="8788847" y="4912467"/>
+              <a:off x="8451973" y="4912520"/>
               <a:ext cx="63202" cy="63202"/>
             </a:xfrm>
             <a:custGeom>
@@ -8861,7 +8861,7 @@
           </p:nvSpPr>
           <p:spPr>
             <a:xfrm>
-              <a:off x="8717251" y="4193717"/>
+              <a:off x="8730429" y="4193718"/>
               <a:ext cx="63202" cy="63202"/>
             </a:xfrm>
             <a:custGeom>
@@ -8904,7 +8904,7 @@
           </p:nvSpPr>
           <p:spPr>
             <a:xfrm>
-              <a:off x="8630067" y="4523880"/>
+              <a:off x="8745871" y="4523946"/>
               <a:ext cx="63202" cy="63202"/>
             </a:xfrm>
             <a:custGeom>
@@ -8947,7 +8947,7 @@
           </p:nvSpPr>
           <p:spPr>
             <a:xfrm>
-              <a:off x="9333207" y="6155555"/>
+              <a:off x="9234549" y="6155746"/>
               <a:ext cx="63202" cy="63202"/>
             </a:xfrm>
             <a:custGeom>
@@ -8990,7 +8990,7 @@
           </p:nvSpPr>
           <p:spPr>
             <a:xfrm>
-              <a:off x="9169368" y="6095373"/>
+              <a:off x="9235305" y="6095324"/>
               <a:ext cx="63202" cy="63202"/>
             </a:xfrm>
             <a:custGeom>
@@ -9033,7 +9033,7 @@
           </p:nvSpPr>
           <p:spPr>
             <a:xfrm>
-              <a:off x="8653028" y="4447559"/>
+              <a:off x="8704552" y="4447373"/>
               <a:ext cx="63202" cy="63202"/>
             </a:xfrm>
             <a:custGeom>
@@ -9076,7 +9076,7 @@
           </p:nvSpPr>
           <p:spPr>
             <a:xfrm>
-              <a:off x="9283916" y="5151787"/>
+              <a:off x="9256517" y="5151790"/>
               <a:ext cx="63202" cy="63202"/>
             </a:xfrm>
             <a:custGeom>
@@ -9119,7 +9119,7 @@
           </p:nvSpPr>
           <p:spPr>
             <a:xfrm>
-              <a:off x="8479382" y="2024046"/>
+              <a:off x="8820961" y="2024390"/>
               <a:ext cx="63202" cy="63202"/>
             </a:xfrm>
             <a:custGeom>
@@ -9162,7 +9162,7 @@
           </p:nvSpPr>
           <p:spPr>
             <a:xfrm>
-              <a:off x="8660146" y="5088159"/>
+              <a:off x="8589436" y="5088341"/>
               <a:ext cx="63202" cy="63202"/>
             </a:xfrm>
             <a:custGeom>
@@ -9205,7 +9205,7 @@
           </p:nvSpPr>
           <p:spPr>
             <a:xfrm>
-              <a:off x="8465099" y="4390809"/>
+              <a:off x="8786713" y="4390743"/>
               <a:ext cx="63202" cy="63202"/>
             </a:xfrm>
             <a:custGeom>
@@ -9248,7 +9248,7 @@
           </p:nvSpPr>
           <p:spPr>
             <a:xfrm>
-              <a:off x="9022316" y="5070525"/>
+              <a:off x="9316159" y="5070581"/>
               <a:ext cx="63202" cy="63202"/>
             </a:xfrm>
             <a:custGeom>
@@ -9291,7 +9291,7 @@
           </p:nvSpPr>
           <p:spPr>
             <a:xfrm>
-              <a:off x="8460072" y="5216668"/>
+              <a:off x="8634332" y="5216969"/>
               <a:ext cx="63202" cy="63202"/>
             </a:xfrm>
             <a:custGeom>
@@ -9334,7 +9334,7 @@
           </p:nvSpPr>
           <p:spPr>
             <a:xfrm>
-              <a:off x="8525281" y="5536702"/>
+              <a:off x="8602192" y="5536538"/>
               <a:ext cx="63202" cy="63202"/>
             </a:xfrm>
             <a:custGeom>
@@ -9377,7 +9377,7 @@
           </p:nvSpPr>
           <p:spPr>
             <a:xfrm>
-              <a:off x="8739709" y="3025952"/>
+              <a:off x="8547280" y="3025954"/>
               <a:ext cx="63202" cy="63202"/>
             </a:xfrm>
             <a:custGeom>
@@ -9420,7 +9420,7 @@
           </p:nvSpPr>
           <p:spPr>
             <a:xfrm>
-              <a:off x="8457708" y="4714154"/>
+              <a:off x="8505039" y="4714470"/>
               <a:ext cx="63202" cy="63202"/>
             </a:xfrm>
             <a:custGeom>
@@ -9463,7 +9463,7 @@
           </p:nvSpPr>
           <p:spPr>
             <a:xfrm>
-              <a:off x="8468849" y="1953986"/>
+              <a:off x="8817428" y="1953965"/>
               <a:ext cx="63202" cy="63202"/>
             </a:xfrm>
             <a:custGeom>
@@ -9506,7 +9506,7 @@
           </p:nvSpPr>
           <p:spPr>
             <a:xfrm>
-              <a:off x="8809793" y="1916229"/>
+              <a:off x="8737788" y="1916243"/>
               <a:ext cx="63202" cy="63202"/>
             </a:xfrm>
             <a:custGeom>
@@ -9549,7 +9549,7 @@
           </p:nvSpPr>
           <p:spPr>
             <a:xfrm>
-              <a:off x="8664455" y="4772411"/>
+              <a:off x="8551838" y="4772421"/>
               <a:ext cx="63202" cy="63202"/>
             </a:xfrm>
             <a:custGeom>
@@ -9592,7 +9592,7 @@
           </p:nvSpPr>
           <p:spPr>
             <a:xfrm>
-              <a:off x="8794894" y="4489758"/>
+              <a:off x="8624309" y="4489780"/>
               <a:ext cx="63202" cy="63202"/>
             </a:xfrm>
             <a:custGeom>
@@ -9635,7 +9635,7 @@
           </p:nvSpPr>
           <p:spPr>
             <a:xfrm>
-              <a:off x="8669498" y="1913787"/>
+              <a:off x="8439380" y="1913847"/>
               <a:ext cx="63202" cy="63202"/>
             </a:xfrm>
             <a:custGeom>
@@ -9678,7 +9678,7 @@
           </p:nvSpPr>
           <p:spPr>
             <a:xfrm>
-              <a:off x="9774054" y="6591245"/>
+              <a:off x="9827097" y="6591499"/>
               <a:ext cx="63202" cy="63202"/>
             </a:xfrm>
             <a:custGeom>
@@ -9721,7 +9721,7 @@
           </p:nvSpPr>
           <p:spPr>
             <a:xfrm>
-              <a:off x="8797453" y="4291673"/>
+              <a:off x="8613035" y="4291760"/>
               <a:ext cx="63202" cy="63202"/>
             </a:xfrm>
             <a:custGeom>
@@ -9764,7 +9764,7 @@
           </p:nvSpPr>
           <p:spPr>
             <a:xfrm>
-              <a:off x="8451091" y="3082068"/>
+              <a:off x="8536731" y="3082258"/>
               <a:ext cx="63202" cy="63202"/>
             </a:xfrm>
             <a:custGeom>
@@ -9807,7 +9807,7 @@
           </p:nvSpPr>
           <p:spPr>
             <a:xfrm>
-              <a:off x="8573840" y="3033823"/>
+              <a:off x="8492155" y="3034014"/>
               <a:ext cx="63202" cy="63202"/>
             </a:xfrm>
             <a:custGeom>
@@ -9850,7 +9850,7 @@
           </p:nvSpPr>
           <p:spPr>
             <a:xfrm>
-              <a:off x="8807827" y="2004813"/>
+              <a:off x="8773034" y="2004668"/>
               <a:ext cx="63202" cy="63202"/>
             </a:xfrm>
             <a:custGeom>
@@ -9893,7 +9893,7 @@
           </p:nvSpPr>
           <p:spPr>
             <a:xfrm>
-              <a:off x="8568014" y="1946131"/>
+              <a:off x="8807777" y="1946211"/>
               <a:ext cx="63202" cy="63202"/>
             </a:xfrm>
             <a:custGeom>
@@ -9936,7 +9936,7 @@
           </p:nvSpPr>
           <p:spPr>
             <a:xfrm>
-              <a:off x="8728070" y="2005236"/>
+              <a:off x="8642298" y="2005200"/>
               <a:ext cx="63202" cy="63202"/>
             </a:xfrm>
             <a:custGeom>
@@ -9979,7 +9979,7 @@
           </p:nvSpPr>
           <p:spPr>
             <a:xfrm>
-              <a:off x="8719237" y="2004764"/>
+              <a:off x="8600849" y="2004577"/>
               <a:ext cx="63202" cy="63202"/>
             </a:xfrm>
             <a:custGeom>
@@ -10022,7 +10022,7 @@
           </p:nvSpPr>
           <p:spPr>
             <a:xfrm>
-              <a:off x="8723500" y="1943942"/>
+              <a:off x="8778599" y="1943991"/>
               <a:ext cx="63202" cy="63202"/>
             </a:xfrm>
             <a:custGeom>
@@ -10065,7 +10065,7 @@
           </p:nvSpPr>
           <p:spPr>
             <a:xfrm>
-              <a:off x="8427014" y="3031313"/>
+              <a:off x="8475032" y="3031301"/>
               <a:ext cx="63202" cy="63202"/>
             </a:xfrm>
             <a:custGeom>
@@ -10108,7 +10108,7 @@
           </p:nvSpPr>
           <p:spPr>
             <a:xfrm>
-              <a:off x="8686113" y="3054838"/>
+              <a:off x="8626367" y="3054863"/>
               <a:ext cx="63202" cy="63202"/>
             </a:xfrm>
             <a:custGeom>
@@ -10151,7 +10151,7 @@
           </p:nvSpPr>
           <p:spPr>
             <a:xfrm>
-              <a:off x="8517503" y="5587290"/>
+              <a:off x="8604725" y="5587074"/>
               <a:ext cx="63202" cy="63202"/>
             </a:xfrm>
             <a:custGeom>
@@ -10194,7 +10194,7 @@
           </p:nvSpPr>
           <p:spPr>
             <a:xfrm>
-              <a:off x="8558988" y="2588074"/>
+              <a:off x="8819877" y="2588088"/>
               <a:ext cx="63202" cy="63202"/>
             </a:xfrm>
             <a:custGeom>
@@ -10237,7 +10237,7 @@
           </p:nvSpPr>
           <p:spPr>
             <a:xfrm>
-              <a:off x="8630275" y="2496913"/>
+              <a:off x="8543364" y="2497072"/>
               <a:ext cx="63202" cy="63202"/>
             </a:xfrm>
             <a:custGeom>
@@ -10280,7 +10280,7 @@
           </p:nvSpPr>
           <p:spPr>
             <a:xfrm>
-              <a:off x="8566464" y="2563399"/>
+              <a:off x="8627666" y="2563491"/>
               <a:ext cx="63202" cy="63202"/>
             </a:xfrm>
             <a:custGeom>
@@ -10323,7 +10323,7 @@
           </p:nvSpPr>
           <p:spPr>
             <a:xfrm>
-              <a:off x="8726783" y="5640155"/>
+              <a:off x="8751729" y="5640211"/>
               <a:ext cx="63202" cy="63202"/>
             </a:xfrm>
             <a:custGeom>
@@ -10366,7 +10366,7 @@
           </p:nvSpPr>
           <p:spPr>
             <a:xfrm>
-              <a:off x="8607166" y="2077363"/>
+              <a:off x="8660714" y="2077409"/>
               <a:ext cx="63202" cy="63202"/>
             </a:xfrm>
             <a:custGeom>
@@ -10409,7 +10409,7 @@
           </p:nvSpPr>
           <p:spPr>
             <a:xfrm>
-              <a:off x="8655288" y="2861880"/>
+              <a:off x="8583083" y="2861835"/>
               <a:ext cx="63202" cy="63202"/>
             </a:xfrm>
             <a:custGeom>
@@ -10452,7 +10452,7 @@
           </p:nvSpPr>
           <p:spPr>
             <a:xfrm>
-              <a:off x="8459502" y="2993537"/>
+              <a:off x="8592348" y="2993643"/>
               <a:ext cx="63202" cy="63202"/>
             </a:xfrm>
             <a:custGeom>
@@ -10495,7 +10495,7 @@
           </p:nvSpPr>
           <p:spPr>
             <a:xfrm>
-              <a:off x="8623461" y="1947076"/>
+              <a:off x="8518863" y="1947026"/>
               <a:ext cx="63202" cy="63202"/>
             </a:xfrm>
             <a:custGeom>
@@ -10538,7 +10538,7 @@
           </p:nvSpPr>
           <p:spPr>
             <a:xfrm>
-              <a:off x="8784250" y="1960467"/>
+              <a:off x="8475918" y="1960502"/>
               <a:ext cx="63202" cy="63202"/>
             </a:xfrm>
             <a:custGeom>
@@ -10581,7 +10581,7 @@
           </p:nvSpPr>
           <p:spPr>
             <a:xfrm>
-              <a:off x="8577481" y="2396470"/>
+              <a:off x="8767364" y="2396567"/>
               <a:ext cx="63202" cy="63202"/>
             </a:xfrm>
             <a:custGeom>
@@ -10624,7 +10624,7 @@
           </p:nvSpPr>
           <p:spPr>
             <a:xfrm>
-              <a:off x="8605633" y="2731876"/>
+              <a:off x="8797958" y="2731890"/>
               <a:ext cx="63202" cy="63202"/>
             </a:xfrm>
             <a:custGeom>
@@ -10667,7 +10667,7 @@
           </p:nvSpPr>
           <p:spPr>
             <a:xfrm>
-              <a:off x="8575001" y="2543030"/>
+              <a:off x="8531069" y="2543153"/>
               <a:ext cx="63202" cy="63202"/>
             </a:xfrm>
             <a:custGeom>
@@ -10710,7 +10710,7 @@
           </p:nvSpPr>
           <p:spPr>
             <a:xfrm>
-              <a:off x="8755001" y="1943954"/>
+              <a:off x="8464463" y="1943779"/>
               <a:ext cx="63202" cy="63202"/>
             </a:xfrm>
             <a:custGeom>
@@ -10753,7 +10753,7 @@
           </p:nvSpPr>
           <p:spPr>
             <a:xfrm>
-              <a:off x="8524536" y="1947614"/>
+              <a:off x="8701024" y="1947749"/>
               <a:ext cx="63202" cy="63202"/>
             </a:xfrm>
             <a:custGeom>
@@ -10796,7 +10796,7 @@
           </p:nvSpPr>
           <p:spPr>
             <a:xfrm>
-              <a:off x="8734262" y="3016830"/>
+              <a:off x="8782213" y="3016661"/>
               <a:ext cx="63202" cy="63202"/>
             </a:xfrm>
             <a:custGeom>
@@ -10839,7 +10839,7 @@
           </p:nvSpPr>
           <p:spPr>
             <a:xfrm>
-              <a:off x="8415929" y="1954199"/>
+              <a:off x="8540482" y="1954165"/>
               <a:ext cx="63202" cy="63202"/>
             </a:xfrm>
             <a:custGeom>
@@ -10882,7 +10882,7 @@
           </p:nvSpPr>
           <p:spPr>
             <a:xfrm>
-              <a:off x="8528525" y="1957286"/>
+              <a:off x="8506647" y="1957504"/>
               <a:ext cx="63202" cy="63202"/>
             </a:xfrm>
             <a:custGeom>
@@ -10925,7 +10925,7 @@
           </p:nvSpPr>
           <p:spPr>
             <a:xfrm>
-              <a:off x="8710145" y="1948026"/>
+              <a:off x="8433403" y="1948277"/>
               <a:ext cx="63202" cy="63202"/>
             </a:xfrm>
             <a:custGeom>
@@ -10968,7 +10968,7 @@
           </p:nvSpPr>
           <p:spPr>
             <a:xfrm>
-              <a:off x="8641607" y="1913837"/>
+              <a:off x="8647933" y="1913709"/>
               <a:ext cx="63202" cy="63202"/>
             </a:xfrm>
             <a:custGeom>
@@ -11011,7 +11011,7 @@
           </p:nvSpPr>
           <p:spPr>
             <a:xfrm>
-              <a:off x="8539229" y="1962472"/>
+              <a:off x="8603393" y="1962458"/>
               <a:ext cx="63202" cy="63202"/>
             </a:xfrm>
             <a:custGeom>
@@ -11054,7 +11054,7 @@
           </p:nvSpPr>
           <p:spPr>
             <a:xfrm>
-              <a:off x="8551053" y="3090041"/>
+              <a:off x="8652612" y="3090199"/>
               <a:ext cx="63202" cy="63202"/>
             </a:xfrm>
             <a:custGeom>
@@ -11097,7 +11097,7 @@
           </p:nvSpPr>
           <p:spPr>
             <a:xfrm>
-              <a:off x="8671952" y="1860788"/>
+              <a:off x="8716841" y="1861033"/>
               <a:ext cx="63202" cy="63202"/>
             </a:xfrm>
             <a:custGeom>
@@ -11140,7 +11140,7 @@
           </p:nvSpPr>
           <p:spPr>
             <a:xfrm>
-              <a:off x="8713031" y="2417788"/>
+              <a:off x="8640700" y="2417861"/>
               <a:ext cx="63202" cy="63202"/>
             </a:xfrm>
             <a:custGeom>
@@ -11183,7 +11183,7 @@
           </p:nvSpPr>
           <p:spPr>
             <a:xfrm>
-              <a:off x="8574969" y="4771051"/>
+              <a:off x="8468757" y="4770810"/>
               <a:ext cx="63202" cy="63202"/>
             </a:xfrm>
             <a:custGeom>
@@ -11226,7 +11226,7 @@
           </p:nvSpPr>
           <p:spPr>
             <a:xfrm>
-              <a:off x="8602612" y="4773187"/>
+              <a:off x="8528314" y="4773226"/>
               <a:ext cx="63202" cy="63202"/>
             </a:xfrm>
             <a:custGeom>
@@ -11269,7 +11269,7 @@
           </p:nvSpPr>
           <p:spPr>
             <a:xfrm>
-              <a:off x="8781345" y="2209024"/>
+              <a:off x="8805093" y="2208731"/>
               <a:ext cx="63202" cy="63202"/>
             </a:xfrm>
             <a:custGeom>
@@ -11312,7 +11312,7 @@
           </p:nvSpPr>
           <p:spPr>
             <a:xfrm>
-              <a:off x="8542009" y="2439672"/>
+              <a:off x="8448222" y="2439525"/>
               <a:ext cx="63202" cy="63202"/>
             </a:xfrm>
             <a:custGeom>
@@ -11355,7 +11355,7 @@
           </p:nvSpPr>
           <p:spPr>
             <a:xfrm>
-              <a:off x="8689309" y="4912367"/>
+              <a:off x="8521310" y="4912380"/>
               <a:ext cx="63202" cy="63202"/>
             </a:xfrm>
             <a:custGeom>
@@ -11398,7 +11398,7 @@
           </p:nvSpPr>
           <p:spPr>
             <a:xfrm>
-              <a:off x="8752743" y="4903117"/>
+              <a:off x="8565793" y="4903131"/>
               <a:ext cx="63202" cy="63202"/>
             </a:xfrm>
             <a:custGeom>
@@ -11441,7 +11441,7 @@
           </p:nvSpPr>
           <p:spPr>
             <a:xfrm>
-              <a:off x="8636824" y="4909219"/>
+              <a:off x="8483497" y="4909140"/>
               <a:ext cx="63202" cy="63202"/>
             </a:xfrm>
             <a:custGeom>
@@ -11484,7 +11484,7 @@
           </p:nvSpPr>
           <p:spPr>
             <a:xfrm>
-              <a:off x="8722691" y="4737341"/>
+              <a:off x="8584039" y="4737536"/>
               <a:ext cx="63202" cy="63202"/>
             </a:xfrm>
             <a:custGeom>
@@ -11527,7 +11527,7 @@
           </p:nvSpPr>
           <p:spPr>
             <a:xfrm>
-              <a:off x="8481442" y="1937005"/>
+              <a:off x="8508127" y="1937066"/>
               <a:ext cx="63202" cy="63202"/>
             </a:xfrm>
             <a:custGeom>
@@ -11570,7 +11570,7 @@
           </p:nvSpPr>
           <p:spPr>
             <a:xfrm>
-              <a:off x="8440151" y="5541346"/>
+              <a:off x="8731981" y="5541115"/>
               <a:ext cx="63202" cy="63202"/>
             </a:xfrm>
             <a:custGeom>
@@ -11613,7 +11613,7 @@
           </p:nvSpPr>
           <p:spPr>
             <a:xfrm>
-              <a:off x="8759700" y="5660103"/>
+              <a:off x="8715087" y="5660087"/>
               <a:ext cx="63202" cy="63202"/>
             </a:xfrm>
             <a:custGeom>
@@ -11656,7 +11656,7 @@
           </p:nvSpPr>
           <p:spPr>
             <a:xfrm>
-              <a:off x="8812855" y="5710705"/>
+              <a:off x="8648605" y="5710681"/>
               <a:ext cx="63202" cy="63202"/>
             </a:xfrm>
             <a:custGeom>
@@ -11699,7 +11699,7 @@
           </p:nvSpPr>
           <p:spPr>
             <a:xfrm>
-              <a:off x="8692878" y="5689565"/>
+              <a:off x="8699075" y="5689689"/>
               <a:ext cx="63202" cy="63202"/>
             </a:xfrm>
             <a:custGeom>
@@ -11742,7 +11742,7 @@
           </p:nvSpPr>
           <p:spPr>
             <a:xfrm>
-              <a:off x="8564146" y="5659931"/>
+              <a:off x="8711320" y="5660149"/>
               <a:ext cx="63202" cy="63202"/>
             </a:xfrm>
             <a:custGeom>
@@ -11785,7 +11785,7 @@
           </p:nvSpPr>
           <p:spPr>
             <a:xfrm>
-              <a:off x="8550124" y="2101839"/>
+              <a:off x="8541278" y="2101712"/>
               <a:ext cx="63202" cy="63202"/>
             </a:xfrm>
             <a:custGeom>
@@ -11828,7 +11828,7 @@
           </p:nvSpPr>
           <p:spPr>
             <a:xfrm>
-              <a:off x="8727623" y="4408349"/>
+              <a:off x="8446239" y="4408556"/>
               <a:ext cx="63202" cy="63202"/>
             </a:xfrm>
             <a:custGeom>
@@ -11871,7 +11871,7 @@
           </p:nvSpPr>
           <p:spPr>
             <a:xfrm>
-              <a:off x="8659219" y="2072969"/>
+              <a:off x="8779628" y="2073081"/>
               <a:ext cx="63202" cy="63202"/>
             </a:xfrm>
             <a:custGeom>
@@ -11914,7 +11914,7 @@
           </p:nvSpPr>
           <p:spPr>
             <a:xfrm>
-              <a:off x="8679530" y="2099936"/>
+              <a:off x="8577595" y="2099743"/>
               <a:ext cx="63202" cy="63202"/>
             </a:xfrm>
             <a:custGeom>
@@ -11957,7 +11957,7 @@
           </p:nvSpPr>
           <p:spPr>
             <a:xfrm>
-              <a:off x="8643873" y="2012739"/>
+              <a:off x="8457301" y="2012769"/>
               <a:ext cx="63202" cy="63202"/>
             </a:xfrm>
             <a:custGeom>
@@ -12000,7 +12000,7 @@
           </p:nvSpPr>
           <p:spPr>
             <a:xfrm>
-              <a:off x="8611441" y="2038846"/>
+              <a:off x="8722948" y="2039234"/>
               <a:ext cx="63202" cy="63202"/>
             </a:xfrm>
             <a:custGeom>
@@ -12043,7 +12043,7 @@
           </p:nvSpPr>
           <p:spPr>
             <a:xfrm>
-              <a:off x="8612561" y="2022314"/>
+              <a:off x="8511852" y="2022190"/>
               <a:ext cx="63202" cy="63202"/>
             </a:xfrm>
             <a:custGeom>
@@ -12086,7 +12086,7 @@
           </p:nvSpPr>
           <p:spPr>
             <a:xfrm>
-              <a:off x="8563879" y="3389799"/>
+              <a:off x="8469664" y="3390009"/>
               <a:ext cx="63202" cy="63202"/>
             </a:xfrm>
             <a:custGeom>
@@ -13854,7 +13854,7 @@
           </p:nvSpPr>
           <p:spPr>
             <a:xfrm>
-              <a:off x="1210339" y="5722718"/>
+              <a:off x="1210339" y="5722805"/>
               <a:ext cx="186466" cy="81746"/>
             </a:xfrm>
             <a:prstGeom prst="rect">
@@ -13900,7 +13900,7 @@
           </p:nvSpPr>
           <p:spPr>
             <a:xfrm>
-              <a:off x="1210339" y="4330624"/>
+              <a:off x="1210339" y="4330692"/>
               <a:ext cx="186466" cy="81691"/>
             </a:xfrm>
             <a:prstGeom prst="rect">
@@ -13946,7 +13946,7 @@
           </p:nvSpPr>
           <p:spPr>
             <a:xfrm>
-              <a:off x="1210339" y="2938475"/>
+              <a:off x="1210339" y="2938525"/>
               <a:ext cx="186466" cy="81691"/>
             </a:xfrm>
             <a:prstGeom prst="rect">
@@ -13992,7 +13992,7 @@
           </p:nvSpPr>
           <p:spPr>
             <a:xfrm>
-              <a:off x="1148183" y="1546326"/>
+              <a:off x="1148183" y="1546358"/>
               <a:ext cx="248622" cy="81691"/>
             </a:xfrm>
             <a:prstGeom prst="rect">
@@ -14038,7 +14038,7 @@
           </p:nvSpPr>
           <p:spPr>
             <a:xfrm>
-              <a:off x="1424641" y="5764465"/>
+              <a:off x="1424641" y="5764551"/>
               <a:ext cx="34794" cy="0"/>
             </a:xfrm>
             <a:custGeom>
@@ -14078,7 +14078,7 @@
           </p:nvSpPr>
           <p:spPr>
             <a:xfrm>
-              <a:off x="1424641" y="4372316"/>
+              <a:off x="1424641" y="4372384"/>
               <a:ext cx="34794" cy="0"/>
             </a:xfrm>
             <a:custGeom>
@@ -14118,7 +14118,7 @@
           </p:nvSpPr>
           <p:spPr>
             <a:xfrm>
-              <a:off x="1424641" y="2980167"/>
+              <a:off x="1424641" y="2980217"/>
               <a:ext cx="34794" cy="0"/>
             </a:xfrm>
             <a:custGeom>
@@ -14158,7 +14158,7 @@
           </p:nvSpPr>
           <p:spPr>
             <a:xfrm>
-              <a:off x="1424641" y="1588018"/>
+              <a:off x="1424641" y="1588050"/>
               <a:ext cx="34794" cy="0"/>
             </a:xfrm>
             <a:custGeom>

--- a/Images/Figures_PPT/Jitter_Plot_Rictor_All.pptx
+++ b/Images/Figures_PPT/Jitter_Plot_Rictor_All.pptx
@@ -2359,7 +2359,7 @@
           </p:nvSpPr>
           <p:spPr>
             <a:xfrm>
-              <a:off x="1459435" y="6460634"/>
+              <a:off x="1459435" y="6460530"/>
               <a:ext cx="1650203" cy="0"/>
             </a:xfrm>
             <a:custGeom>
@@ -2402,7 +2402,7 @@
           </p:nvSpPr>
           <p:spPr>
             <a:xfrm>
-              <a:off x="1459435" y="5068467"/>
+              <a:off x="1459435" y="5068409"/>
               <a:ext cx="1650203" cy="0"/>
             </a:xfrm>
             <a:custGeom>
@@ -2445,7 +2445,7 @@
           </p:nvSpPr>
           <p:spPr>
             <a:xfrm>
-              <a:off x="1459435" y="3676301"/>
+              <a:off x="1459435" y="3676288"/>
               <a:ext cx="1650203" cy="0"/>
             </a:xfrm>
             <a:custGeom>
@@ -2488,7 +2488,7 @@
           </p:nvSpPr>
           <p:spPr>
             <a:xfrm>
-              <a:off x="1459435" y="2284134"/>
+              <a:off x="1459435" y="2284167"/>
               <a:ext cx="1650203" cy="0"/>
             </a:xfrm>
             <a:custGeom>
@@ -2531,7 +2531,7 @@
           </p:nvSpPr>
           <p:spPr>
             <a:xfrm>
-              <a:off x="1459435" y="5764551"/>
+              <a:off x="1459435" y="5764470"/>
               <a:ext cx="1650203" cy="0"/>
             </a:xfrm>
             <a:custGeom>
@@ -2574,7 +2574,7 @@
           </p:nvSpPr>
           <p:spPr>
             <a:xfrm>
-              <a:off x="1459435" y="4372384"/>
+              <a:off x="1459435" y="4372349"/>
               <a:ext cx="1650203" cy="0"/>
             </a:xfrm>
             <a:custGeom>
@@ -2617,7 +2617,7 @@
           </p:nvSpPr>
           <p:spPr>
             <a:xfrm>
-              <a:off x="1459435" y="2980217"/>
+              <a:off x="1459435" y="2980227"/>
               <a:ext cx="1650203" cy="0"/>
             </a:xfrm>
             <a:custGeom>
@@ -2660,7 +2660,7 @@
           </p:nvSpPr>
           <p:spPr>
             <a:xfrm>
-              <a:off x="1459435" y="1588050"/>
+              <a:off x="1459435" y="1588106"/>
               <a:ext cx="1650203" cy="0"/>
             </a:xfrm>
             <a:custGeom>
@@ -2832,7 +2832,7 @@
           </p:nvSpPr>
           <p:spPr>
             <a:xfrm>
-              <a:off x="2924655" y="6507484"/>
+              <a:off x="2873751" y="6507518"/>
               <a:ext cx="63202" cy="63202"/>
             </a:xfrm>
             <a:custGeom>
@@ -2875,7 +2875,7 @@
           </p:nvSpPr>
           <p:spPr>
             <a:xfrm>
-              <a:off x="2266151" y="5135842"/>
+              <a:off x="2158944" y="5135806"/>
               <a:ext cx="63202" cy="63202"/>
             </a:xfrm>
             <a:custGeom>
@@ -2918,7 +2918,7 @@
           </p:nvSpPr>
           <p:spPr>
             <a:xfrm>
-              <a:off x="1553174" y="4146745"/>
+              <a:off x="1778084" y="4146703"/>
               <a:ext cx="63202" cy="63202"/>
             </a:xfrm>
             <a:custGeom>
@@ -2961,7 +2961,7 @@
           </p:nvSpPr>
           <p:spPr>
             <a:xfrm>
-              <a:off x="1639473" y="2964433"/>
+              <a:off x="1716959" y="2964255"/>
               <a:ext cx="63202" cy="63202"/>
             </a:xfrm>
             <a:custGeom>
@@ -3004,7 +3004,7 @@
           </p:nvSpPr>
           <p:spPr>
             <a:xfrm>
-              <a:off x="2917877" y="6396564"/>
+              <a:off x="2744180" y="6396299"/>
               <a:ext cx="63202" cy="63202"/>
             </a:xfrm>
             <a:custGeom>
@@ -3047,7 +3047,7 @@
           </p:nvSpPr>
           <p:spPr>
             <a:xfrm>
-              <a:off x="1893906" y="2964290"/>
+              <a:off x="1788968" y="2964568"/>
               <a:ext cx="63202" cy="63202"/>
             </a:xfrm>
             <a:custGeom>
@@ -3090,7 +3090,7 @@
           </p:nvSpPr>
           <p:spPr>
             <a:xfrm>
-              <a:off x="2082844" y="5831968"/>
+              <a:off x="2140747" y="5831596"/>
               <a:ext cx="63202" cy="63202"/>
             </a:xfrm>
             <a:custGeom>
@@ -3133,7 +3133,7 @@
           </p:nvSpPr>
           <p:spPr>
             <a:xfrm>
-              <a:off x="1861977" y="4526510"/>
+              <a:off x="1800412" y="4526450"/>
               <a:ext cx="63202" cy="63202"/>
             </a:xfrm>
             <a:custGeom>
@@ -3176,7 +3176,7 @@
           </p:nvSpPr>
           <p:spPr>
             <a:xfrm>
-              <a:off x="1557135" y="3983791"/>
+              <a:off x="1935240" y="3983778"/>
               <a:ext cx="63202" cy="63202"/>
             </a:xfrm>
             <a:custGeom>
@@ -3219,7 +3219,7 @@
           </p:nvSpPr>
           <p:spPr>
             <a:xfrm>
-              <a:off x="2326623" y="5677671"/>
+              <a:off x="2050038" y="5677820"/>
               <a:ext cx="63202" cy="63202"/>
             </a:xfrm>
             <a:custGeom>
@@ -3262,7 +3262,7 @@
           </p:nvSpPr>
           <p:spPr>
             <a:xfrm>
-              <a:off x="2974618" y="5714047"/>
+              <a:off x="2881946" y="5713927"/>
               <a:ext cx="63202" cy="63202"/>
             </a:xfrm>
             <a:custGeom>
@@ -3305,7 +3305,7 @@
           </p:nvSpPr>
           <p:spPr>
             <a:xfrm>
-              <a:off x="1677403" y="3025119"/>
+              <a:off x="1907467" y="3025313"/>
               <a:ext cx="63202" cy="63202"/>
             </a:xfrm>
             <a:custGeom>
@@ -3348,7 +3348,7 @@
           </p:nvSpPr>
           <p:spPr>
             <a:xfrm>
-              <a:off x="1733924" y="3006246"/>
+              <a:off x="1848479" y="3006149"/>
               <a:ext cx="63202" cy="63202"/>
             </a:xfrm>
             <a:custGeom>
@@ -3391,7 +3391,7 @@
           </p:nvSpPr>
           <p:spPr>
             <a:xfrm>
-              <a:off x="1794500" y="2996023"/>
+              <a:off x="1634253" y="2995776"/>
               <a:ext cx="63202" cy="63202"/>
             </a:xfrm>
             <a:custGeom>
@@ -3434,7 +3434,7 @@
           </p:nvSpPr>
           <p:spPr>
             <a:xfrm>
-              <a:off x="1575107" y="4241444"/>
+              <a:off x="1647022" y="4241488"/>
               <a:ext cx="63202" cy="63202"/>
             </a:xfrm>
             <a:custGeom>
@@ -3533,7 +3533,7 @@
           </p:nvSpPr>
           <p:spPr>
             <a:xfrm>
-              <a:off x="3179228" y="6460634"/>
+              <a:off x="3179228" y="6460530"/>
               <a:ext cx="1650203" cy="0"/>
             </a:xfrm>
             <a:custGeom>
@@ -3576,7 +3576,7 @@
           </p:nvSpPr>
           <p:spPr>
             <a:xfrm>
-              <a:off x="3179228" y="5068467"/>
+              <a:off x="3179228" y="5068409"/>
               <a:ext cx="1650203" cy="0"/>
             </a:xfrm>
             <a:custGeom>
@@ -3619,7 +3619,7 @@
           </p:nvSpPr>
           <p:spPr>
             <a:xfrm>
-              <a:off x="3179228" y="3676301"/>
+              <a:off x="3179228" y="3676288"/>
               <a:ext cx="1650203" cy="0"/>
             </a:xfrm>
             <a:custGeom>
@@ -3662,7 +3662,7 @@
           </p:nvSpPr>
           <p:spPr>
             <a:xfrm>
-              <a:off x="3179228" y="2284134"/>
+              <a:off x="3179228" y="2284167"/>
               <a:ext cx="1650203" cy="0"/>
             </a:xfrm>
             <a:custGeom>
@@ -3705,7 +3705,7 @@
           </p:nvSpPr>
           <p:spPr>
             <a:xfrm>
-              <a:off x="3179228" y="5764551"/>
+              <a:off x="3179228" y="5764470"/>
               <a:ext cx="1650203" cy="0"/>
             </a:xfrm>
             <a:custGeom>
@@ -3748,7 +3748,7 @@
           </p:nvSpPr>
           <p:spPr>
             <a:xfrm>
-              <a:off x="3179228" y="4372384"/>
+              <a:off x="3179228" y="4372349"/>
               <a:ext cx="1650203" cy="0"/>
             </a:xfrm>
             <a:custGeom>
@@ -3791,7 +3791,7 @@
           </p:nvSpPr>
           <p:spPr>
             <a:xfrm>
-              <a:off x="3179228" y="2980217"/>
+              <a:off x="3179228" y="2980227"/>
               <a:ext cx="1650203" cy="0"/>
             </a:xfrm>
             <a:custGeom>
@@ -3834,7 +3834,7 @@
           </p:nvSpPr>
           <p:spPr>
             <a:xfrm>
-              <a:off x="3179228" y="1588050"/>
+              <a:off x="3179228" y="1588106"/>
               <a:ext cx="1650203" cy="0"/>
             </a:xfrm>
             <a:custGeom>
@@ -4006,7 +4006,7 @@
           </p:nvSpPr>
           <p:spPr>
             <a:xfrm>
-              <a:off x="3407169" y="3633097"/>
+              <a:off x="3369452" y="3633094"/>
               <a:ext cx="63202" cy="63202"/>
             </a:xfrm>
             <a:custGeom>
@@ -4049,7 +4049,7 @@
           </p:nvSpPr>
           <p:spPr>
             <a:xfrm>
-              <a:off x="3365836" y="3361214"/>
+              <a:off x="3620840" y="3361111"/>
               <a:ext cx="63202" cy="63202"/>
             </a:xfrm>
             <a:custGeom>
@@ -4092,7 +4092,7 @@
           </p:nvSpPr>
           <p:spPr>
             <a:xfrm>
-              <a:off x="3642396" y="3771887"/>
+              <a:off x="3613849" y="3771806"/>
               <a:ext cx="63202" cy="63202"/>
             </a:xfrm>
             <a:custGeom>
@@ -4135,7 +4135,7 @@
           </p:nvSpPr>
           <p:spPr>
             <a:xfrm>
-              <a:off x="3329477" y="3505359"/>
+              <a:off x="3571444" y="3505291"/>
               <a:ext cx="63202" cy="63202"/>
             </a:xfrm>
             <a:custGeom>
@@ -4178,7 +4178,7 @@
           </p:nvSpPr>
           <p:spPr>
             <a:xfrm>
-              <a:off x="3846043" y="5733278"/>
+              <a:off x="4100196" y="5733360"/>
               <a:ext cx="63202" cy="63202"/>
             </a:xfrm>
             <a:custGeom>
@@ -4221,7 +4221,7 @@
           </p:nvSpPr>
           <p:spPr>
             <a:xfrm>
-              <a:off x="3323883" y="4496877"/>
+              <a:off x="3353022" y="4496572"/>
               <a:ext cx="63202" cy="63202"/>
             </a:xfrm>
             <a:custGeom>
@@ -4264,7 +4264,7 @@
           </p:nvSpPr>
           <p:spPr>
             <a:xfrm>
-              <a:off x="3436806" y="3632164"/>
+              <a:off x="3355792" y="3632247"/>
               <a:ext cx="63202" cy="63202"/>
             </a:xfrm>
             <a:custGeom>
@@ -4307,7 +4307,7 @@
           </p:nvSpPr>
           <p:spPr>
             <a:xfrm>
-              <a:off x="3652183" y="3501789"/>
+              <a:off x="3538430" y="3501742"/>
               <a:ext cx="63202" cy="63202"/>
             </a:xfrm>
             <a:custGeom>
@@ -4350,7 +4350,7 @@
           </p:nvSpPr>
           <p:spPr>
             <a:xfrm>
-              <a:off x="3356590" y="3597060"/>
+              <a:off x="3421683" y="3596807"/>
               <a:ext cx="63202" cy="63202"/>
             </a:xfrm>
             <a:custGeom>
@@ -4393,7 +4393,7 @@
           </p:nvSpPr>
           <p:spPr>
             <a:xfrm>
-              <a:off x="3552363" y="4457791"/>
+              <a:off x="3546704" y="4457566"/>
               <a:ext cx="63202" cy="63202"/>
             </a:xfrm>
             <a:custGeom>
@@ -4436,7 +4436,7 @@
           </p:nvSpPr>
           <p:spPr>
             <a:xfrm>
-              <a:off x="3894762" y="6021731"/>
+              <a:off x="4128780" y="6021643"/>
               <a:ext cx="63202" cy="63202"/>
             </a:xfrm>
             <a:custGeom>
@@ -4479,7 +4479,7 @@
           </p:nvSpPr>
           <p:spPr>
             <a:xfrm>
-              <a:off x="3386545" y="4361539"/>
+              <a:off x="3544729" y="4361572"/>
               <a:ext cx="63202" cy="63202"/>
             </a:xfrm>
             <a:custGeom>
@@ -4522,7 +4522,7 @@
           </p:nvSpPr>
           <p:spPr>
             <a:xfrm>
-              <a:off x="3316836" y="4503067"/>
+              <a:off x="3321692" y="4503135"/>
               <a:ext cx="63202" cy="63202"/>
             </a:xfrm>
             <a:custGeom>
@@ -4565,7 +4565,7 @@
           </p:nvSpPr>
           <p:spPr>
             <a:xfrm>
-              <a:off x="3415121" y="4738106"/>
+              <a:off x="3532489" y="4738016"/>
               <a:ext cx="63202" cy="63202"/>
             </a:xfrm>
             <a:custGeom>
@@ -4608,7 +4608,7 @@
           </p:nvSpPr>
           <p:spPr>
             <a:xfrm>
-              <a:off x="3417321" y="4351135"/>
+              <a:off x="3293547" y="4350979"/>
               <a:ext cx="63202" cy="63202"/>
             </a:xfrm>
             <a:custGeom>
@@ -4651,7 +4651,7 @@
           </p:nvSpPr>
           <p:spPr>
             <a:xfrm>
-              <a:off x="3351062" y="3768487"/>
+              <a:off x="3277438" y="3768707"/>
               <a:ext cx="63202" cy="63202"/>
             </a:xfrm>
             <a:custGeom>
@@ -4694,7 +4694,7 @@
           </p:nvSpPr>
           <p:spPr>
             <a:xfrm>
-              <a:off x="4620448" y="6634049"/>
+              <a:off x="4314468" y="6634049"/>
               <a:ext cx="63202" cy="63202"/>
             </a:xfrm>
             <a:custGeom>
@@ -4737,7 +4737,7 @@
           </p:nvSpPr>
           <p:spPr>
             <a:xfrm>
-              <a:off x="3407247" y="4139215"/>
+              <a:off x="3603401" y="4139422"/>
               <a:ext cx="63202" cy="63202"/>
             </a:xfrm>
             <a:custGeom>
@@ -4780,7 +4780,7 @@
           </p:nvSpPr>
           <p:spPr>
             <a:xfrm>
-              <a:off x="3566174" y="3986774"/>
+              <a:off x="3266134" y="3986660"/>
               <a:ext cx="63202" cy="63202"/>
             </a:xfrm>
             <a:custGeom>
@@ -4823,7 +4823,7 @@
           </p:nvSpPr>
           <p:spPr>
             <a:xfrm>
-              <a:off x="3281592" y="3633043"/>
+              <a:off x="3317298" y="3632985"/>
               <a:ext cx="63202" cy="63202"/>
             </a:xfrm>
             <a:custGeom>
@@ -4866,7 +4866,7 @@
           </p:nvSpPr>
           <p:spPr>
             <a:xfrm>
-              <a:off x="3383857" y="5526366"/>
+              <a:off x="3443794" y="5526470"/>
               <a:ext cx="63202" cy="63202"/>
             </a:xfrm>
             <a:custGeom>
@@ -4909,7 +4909,7 @@
           </p:nvSpPr>
           <p:spPr>
             <a:xfrm>
-              <a:off x="3602584" y="4301440"/>
+              <a:off x="3302732" y="4301459"/>
               <a:ext cx="63202" cy="63202"/>
             </a:xfrm>
             <a:custGeom>
@@ -4952,7 +4952,7 @@
           </p:nvSpPr>
           <p:spPr>
             <a:xfrm>
-              <a:off x="3318828" y="4503195"/>
+              <a:off x="3555886" y="4503020"/>
               <a:ext cx="63202" cy="63202"/>
             </a:xfrm>
             <a:custGeom>
@@ -4995,7 +4995,7 @@
           </p:nvSpPr>
           <p:spPr>
             <a:xfrm>
-              <a:off x="3446766" y="5376997"/>
+              <a:off x="3298126" y="5376874"/>
               <a:ext cx="63202" cy="63202"/>
             </a:xfrm>
             <a:custGeom>
@@ -5038,7 +5038,7 @@
           </p:nvSpPr>
           <p:spPr>
             <a:xfrm>
-              <a:off x="3596453" y="3632983"/>
+              <a:off x="3606987" y="3633240"/>
               <a:ext cx="63202" cy="63202"/>
             </a:xfrm>
             <a:custGeom>
@@ -5081,7 +5081,7 @@
           </p:nvSpPr>
           <p:spPr>
             <a:xfrm>
-              <a:off x="3562422" y="4356102"/>
+              <a:off x="3626383" y="4356217"/>
               <a:ext cx="63202" cy="63202"/>
             </a:xfrm>
             <a:custGeom>
@@ -5124,7 +5124,7 @@
           </p:nvSpPr>
           <p:spPr>
             <a:xfrm>
-              <a:off x="3499797" y="4326542"/>
+              <a:off x="3346779" y="4326378"/>
               <a:ext cx="63202" cy="63202"/>
             </a:xfrm>
             <a:custGeom>
@@ -5167,7 +5167,7 @@
           </p:nvSpPr>
           <p:spPr>
             <a:xfrm>
-              <a:off x="3572903" y="5166675"/>
+              <a:off x="3277580" y="5166760"/>
               <a:ext cx="63202" cy="63202"/>
             </a:xfrm>
             <a:custGeom>
@@ -5210,7 +5210,7 @@
           </p:nvSpPr>
           <p:spPr>
             <a:xfrm>
-              <a:off x="3574137" y="3674277"/>
+              <a:off x="3616200" y="3674560"/>
               <a:ext cx="63202" cy="63202"/>
             </a:xfrm>
             <a:custGeom>
@@ -5253,7 +5253,7 @@
           </p:nvSpPr>
           <p:spPr>
             <a:xfrm>
-              <a:off x="3602547" y="3803051"/>
+              <a:off x="3271583" y="3802882"/>
               <a:ext cx="63202" cy="63202"/>
             </a:xfrm>
             <a:custGeom>
@@ -5296,7 +5296,7 @@
           </p:nvSpPr>
           <p:spPr>
             <a:xfrm>
-              <a:off x="3369990" y="3798303"/>
+              <a:off x="3404933" y="3798379"/>
               <a:ext cx="63202" cy="63202"/>
             </a:xfrm>
             <a:custGeom>
@@ -5339,7 +5339,7 @@
           </p:nvSpPr>
           <p:spPr>
             <a:xfrm>
-              <a:off x="3618860" y="3777562"/>
+              <a:off x="3528614" y="3777510"/>
               <a:ext cx="63202" cy="63202"/>
             </a:xfrm>
             <a:custGeom>
@@ -5382,7 +5382,7 @@
           </p:nvSpPr>
           <p:spPr>
             <a:xfrm>
-              <a:off x="3269829" y="3778839"/>
+              <a:off x="3646840" y="3778962"/>
               <a:ext cx="63202" cy="63202"/>
             </a:xfrm>
             <a:custGeom>
@@ -5425,7 +5425,7 @@
           </p:nvSpPr>
           <p:spPr>
             <a:xfrm>
-              <a:off x="3474605" y="3813541"/>
+              <a:off x="3524808" y="3813755"/>
               <a:ext cx="63202" cy="63202"/>
             </a:xfrm>
             <a:custGeom>
@@ -5468,7 +5468,7 @@
           </p:nvSpPr>
           <p:spPr>
             <a:xfrm>
-              <a:off x="3328962" y="3901146"/>
+              <a:off x="3625301" y="3901123"/>
               <a:ext cx="63202" cy="63202"/>
             </a:xfrm>
             <a:custGeom>
@@ -5511,7 +5511,7 @@
           </p:nvSpPr>
           <p:spPr>
             <a:xfrm>
-              <a:off x="3581401" y="4273648"/>
+              <a:off x="3645191" y="4273360"/>
               <a:ext cx="63202" cy="63202"/>
             </a:xfrm>
             <a:custGeom>
@@ -5554,7 +5554,7 @@
           </p:nvSpPr>
           <p:spPr>
             <a:xfrm>
-              <a:off x="3263071" y="4255109"/>
+              <a:off x="3472937" y="4255059"/>
               <a:ext cx="63202" cy="63202"/>
             </a:xfrm>
             <a:custGeom>
@@ -5597,7 +5597,7 @@
           </p:nvSpPr>
           <p:spPr>
             <a:xfrm>
-              <a:off x="3463822" y="3771703"/>
+              <a:off x="3554620" y="3771769"/>
               <a:ext cx="63202" cy="63202"/>
             </a:xfrm>
             <a:custGeom>
@@ -5640,7 +5640,7 @@
           </p:nvSpPr>
           <p:spPr>
             <a:xfrm>
-              <a:off x="3363657" y="4860157"/>
+              <a:off x="3515579" y="4860156"/>
               <a:ext cx="63202" cy="63202"/>
             </a:xfrm>
             <a:custGeom>
@@ -5683,7 +5683,7 @@
           </p:nvSpPr>
           <p:spPr>
             <a:xfrm>
-              <a:off x="3436087" y="4369917"/>
+              <a:off x="3387768" y="4369971"/>
               <a:ext cx="63202" cy="63202"/>
             </a:xfrm>
             <a:custGeom>
@@ -5726,7 +5726,7 @@
           </p:nvSpPr>
           <p:spPr>
             <a:xfrm>
-              <a:off x="3599106" y="3776617"/>
+              <a:off x="3658923" y="3776444"/>
               <a:ext cx="63202" cy="63202"/>
             </a:xfrm>
             <a:custGeom>
@@ -5769,7 +5769,7 @@
           </p:nvSpPr>
           <p:spPr>
             <a:xfrm>
-              <a:off x="3308484" y="3776335"/>
+              <a:off x="3597972" y="3776510"/>
               <a:ext cx="63202" cy="63202"/>
             </a:xfrm>
             <a:custGeom>
@@ -5812,7 +5812,7 @@
           </p:nvSpPr>
           <p:spPr>
             <a:xfrm>
-              <a:off x="3601708" y="3750990"/>
+              <a:off x="3335042" y="3751006"/>
               <a:ext cx="63202" cy="63202"/>
             </a:xfrm>
             <a:custGeom>
@@ -5855,7 +5855,7 @@
           </p:nvSpPr>
           <p:spPr>
             <a:xfrm>
-              <a:off x="3560405" y="3796850"/>
+              <a:off x="3497090" y="3796980"/>
               <a:ext cx="63202" cy="63202"/>
             </a:xfrm>
             <a:custGeom>
@@ -5898,7 +5898,7 @@
           </p:nvSpPr>
           <p:spPr>
             <a:xfrm>
-              <a:off x="3345406" y="3505520"/>
+              <a:off x="3646810" y="3505506"/>
               <a:ext cx="63202" cy="63202"/>
             </a:xfrm>
             <a:custGeom>
@@ -5997,7 +5997,7 @@
           </p:nvSpPr>
           <p:spPr>
             <a:xfrm>
-              <a:off x="4899021" y="6460634"/>
+              <a:off x="4899021" y="6460530"/>
               <a:ext cx="1650203" cy="0"/>
             </a:xfrm>
             <a:custGeom>
@@ -6040,7 +6040,7 @@
           </p:nvSpPr>
           <p:spPr>
             <a:xfrm>
-              <a:off x="4899021" y="5068467"/>
+              <a:off x="4899021" y="5068409"/>
               <a:ext cx="1650203" cy="0"/>
             </a:xfrm>
             <a:custGeom>
@@ -6083,7 +6083,7 @@
           </p:nvSpPr>
           <p:spPr>
             <a:xfrm>
-              <a:off x="4899021" y="3676301"/>
+              <a:off x="4899021" y="3676288"/>
               <a:ext cx="1650203" cy="0"/>
             </a:xfrm>
             <a:custGeom>
@@ -6126,7 +6126,7 @@
           </p:nvSpPr>
           <p:spPr>
             <a:xfrm>
-              <a:off x="4899021" y="2284134"/>
+              <a:off x="4899021" y="2284167"/>
               <a:ext cx="1650203" cy="0"/>
             </a:xfrm>
             <a:custGeom>
@@ -6169,7 +6169,7 @@
           </p:nvSpPr>
           <p:spPr>
             <a:xfrm>
-              <a:off x="4899021" y="5764551"/>
+              <a:off x="4899021" y="5764470"/>
               <a:ext cx="1650203" cy="0"/>
             </a:xfrm>
             <a:custGeom>
@@ -6212,7 +6212,7 @@
           </p:nvSpPr>
           <p:spPr>
             <a:xfrm>
-              <a:off x="4899021" y="4372384"/>
+              <a:off x="4899021" y="4372349"/>
               <a:ext cx="1650203" cy="0"/>
             </a:xfrm>
             <a:custGeom>
@@ -6255,7 +6255,7 @@
           </p:nvSpPr>
           <p:spPr>
             <a:xfrm>
-              <a:off x="4899021" y="2980217"/>
+              <a:off x="4899021" y="2980227"/>
               <a:ext cx="1650203" cy="0"/>
             </a:xfrm>
             <a:custGeom>
@@ -6298,7 +6298,7 @@
           </p:nvSpPr>
           <p:spPr>
             <a:xfrm>
-              <a:off x="4899021" y="1588050"/>
+              <a:off x="4899021" y="1588106"/>
               <a:ext cx="1650203" cy="0"/>
             </a:xfrm>
             <a:custGeom>
@@ -6470,7 +6470,7 @@
           </p:nvSpPr>
           <p:spPr>
             <a:xfrm>
-              <a:off x="5890606" y="5481368"/>
+              <a:off x="5791282" y="5481533"/>
               <a:ext cx="63202" cy="63202"/>
             </a:xfrm>
             <a:custGeom>
@@ -6513,7 +6513,7 @@
           </p:nvSpPr>
           <p:spPr>
             <a:xfrm>
-              <a:off x="5158597" y="1641734"/>
+              <a:off x="5174272" y="1641734"/>
               <a:ext cx="63202" cy="63202"/>
             </a:xfrm>
             <a:custGeom>
@@ -6556,7 +6556,7 @@
           </p:nvSpPr>
           <p:spPr>
             <a:xfrm>
-              <a:off x="5158258" y="2598725"/>
+              <a:off x="5259549" y="2598690"/>
               <a:ext cx="63202" cy="63202"/>
             </a:xfrm>
             <a:custGeom>
@@ -6599,7 +6599,7 @@
           </p:nvSpPr>
           <p:spPr>
             <a:xfrm>
-              <a:off x="4975138" y="2177870"/>
+              <a:off x="5221272" y="2177781"/>
               <a:ext cx="63202" cy="63202"/>
             </a:xfrm>
             <a:custGeom>
@@ -6642,7 +6642,7 @@
           </p:nvSpPr>
           <p:spPr>
             <a:xfrm>
-              <a:off x="5261568" y="2614856"/>
+              <a:off x="5320021" y="2615068"/>
               <a:ext cx="63202" cy="63202"/>
             </a:xfrm>
             <a:custGeom>
@@ -6685,7 +6685,7 @@
           </p:nvSpPr>
           <p:spPr>
             <a:xfrm>
-              <a:off x="5625682" y="5713765"/>
+              <a:off x="5738299" y="5713805"/>
               <a:ext cx="63202" cy="63202"/>
             </a:xfrm>
             <a:custGeom>
@@ -6728,7 +6728,7 @@
           </p:nvSpPr>
           <p:spPr>
             <a:xfrm>
-              <a:off x="6065931" y="6586302"/>
+              <a:off x="6236927" y="6586104"/>
               <a:ext cx="63202" cy="63202"/>
             </a:xfrm>
             <a:custGeom>
@@ -6771,7 +6771,7 @@
           </p:nvSpPr>
           <p:spPr>
             <a:xfrm>
-              <a:off x="5166469" y="5619287"/>
+              <a:off x="5121610" y="5619276"/>
               <a:ext cx="63202" cy="63202"/>
             </a:xfrm>
             <a:custGeom>
@@ -6814,7 +6814,7 @@
           </p:nvSpPr>
           <p:spPr>
             <a:xfrm>
-              <a:off x="5135693" y="4827488"/>
+              <a:off x="5025715" y="4827629"/>
               <a:ext cx="63202" cy="63202"/>
             </a:xfrm>
             <a:custGeom>
@@ -6857,7 +6857,7 @@
           </p:nvSpPr>
           <p:spPr>
             <a:xfrm>
-              <a:off x="5628782" y="5736781"/>
+              <a:off x="5493774" y="5736742"/>
               <a:ext cx="63202" cy="63202"/>
             </a:xfrm>
             <a:custGeom>
@@ -6900,7 +6900,7 @@
           </p:nvSpPr>
           <p:spPr>
             <a:xfrm>
-              <a:off x="5028772" y="3692515"/>
+              <a:off x="5053732" y="3692665"/>
               <a:ext cx="63202" cy="63202"/>
             </a:xfrm>
             <a:custGeom>
@@ -6943,7 +6943,7 @@
           </p:nvSpPr>
           <p:spPr>
             <a:xfrm>
-              <a:off x="5097048" y="3567334"/>
+              <a:off x="5338297" y="3567306"/>
               <a:ext cx="63202" cy="63202"/>
             </a:xfrm>
             <a:custGeom>
@@ -6986,7 +6986,7 @@
           </p:nvSpPr>
           <p:spPr>
             <a:xfrm>
-              <a:off x="6234537" y="6540449"/>
+              <a:off x="6322822" y="6540409"/>
               <a:ext cx="63202" cy="63202"/>
             </a:xfrm>
             <a:custGeom>
@@ -7029,7 +7029,7 @@
           </p:nvSpPr>
           <p:spPr>
             <a:xfrm>
-              <a:off x="5505932" y="5757859"/>
+              <a:off x="5801772" y="5758005"/>
               <a:ext cx="63202" cy="63202"/>
             </a:xfrm>
             <a:custGeom>
@@ -7072,7 +7072,7 @@
           </p:nvSpPr>
           <p:spPr>
             <a:xfrm>
-              <a:off x="5649216" y="5733237"/>
+              <a:off x="5578076" y="5733195"/>
               <a:ext cx="63202" cy="63202"/>
             </a:xfrm>
             <a:custGeom>
@@ -7171,7 +7171,7 @@
           </p:nvSpPr>
           <p:spPr>
             <a:xfrm>
-              <a:off x="6618814" y="6460634"/>
+              <a:off x="6618814" y="6460530"/>
               <a:ext cx="1650203" cy="0"/>
             </a:xfrm>
             <a:custGeom>
@@ -7214,7 +7214,7 @@
           </p:nvSpPr>
           <p:spPr>
             <a:xfrm>
-              <a:off x="6618814" y="5068467"/>
+              <a:off x="6618814" y="5068409"/>
               <a:ext cx="1650203" cy="0"/>
             </a:xfrm>
             <a:custGeom>
@@ -7257,7 +7257,7 @@
           </p:nvSpPr>
           <p:spPr>
             <a:xfrm>
-              <a:off x="6618814" y="3676301"/>
+              <a:off x="6618814" y="3676288"/>
               <a:ext cx="1650203" cy="0"/>
             </a:xfrm>
             <a:custGeom>
@@ -7300,7 +7300,7 @@
           </p:nvSpPr>
           <p:spPr>
             <a:xfrm>
-              <a:off x="6618814" y="2284134"/>
+              <a:off x="6618814" y="2284167"/>
               <a:ext cx="1650203" cy="0"/>
             </a:xfrm>
             <a:custGeom>
@@ -7343,7 +7343,7 @@
           </p:nvSpPr>
           <p:spPr>
             <a:xfrm>
-              <a:off x="6618814" y="5764551"/>
+              <a:off x="6618814" y="5764470"/>
               <a:ext cx="1650203" cy="0"/>
             </a:xfrm>
             <a:custGeom>
@@ -7386,7 +7386,7 @@
           </p:nvSpPr>
           <p:spPr>
             <a:xfrm>
-              <a:off x="6618814" y="4372384"/>
+              <a:off x="6618814" y="4372349"/>
               <a:ext cx="1650203" cy="0"/>
             </a:xfrm>
             <a:custGeom>
@@ -7429,7 +7429,7 @@
           </p:nvSpPr>
           <p:spPr>
             <a:xfrm>
-              <a:off x="6618814" y="2980217"/>
+              <a:off x="6618814" y="2980227"/>
               <a:ext cx="1650203" cy="0"/>
             </a:xfrm>
             <a:custGeom>
@@ -7472,7 +7472,7 @@
           </p:nvSpPr>
           <p:spPr>
             <a:xfrm>
-              <a:off x="6618814" y="1588050"/>
+              <a:off x="6618814" y="1588106"/>
               <a:ext cx="1650203" cy="0"/>
             </a:xfrm>
             <a:custGeom>
@@ -7644,7 +7644,7 @@
           </p:nvSpPr>
           <p:spPr>
             <a:xfrm>
-              <a:off x="7535060" y="5733598"/>
+              <a:off x="7434260" y="5733383"/>
               <a:ext cx="63202" cy="63202"/>
             </a:xfrm>
             <a:custGeom>
@@ -7687,7 +7687,7 @@
           </p:nvSpPr>
           <p:spPr>
             <a:xfrm>
-              <a:off x="6867797" y="5207243"/>
+              <a:off x="6842660" y="5207198"/>
               <a:ext cx="63202" cy="63202"/>
             </a:xfrm>
             <a:custGeom>
@@ -7730,7 +7730,7 @@
           </p:nvSpPr>
           <p:spPr>
             <a:xfrm>
-              <a:off x="6969177" y="4859077"/>
+              <a:off x="6731483" y="4859033"/>
               <a:ext cx="63202" cy="63202"/>
             </a:xfrm>
             <a:custGeom>
@@ -7773,7 +7773,7 @@
           </p:nvSpPr>
           <p:spPr>
             <a:xfrm>
-              <a:off x="7803183" y="6554314"/>
+              <a:off x="8100502" y="6554221"/>
               <a:ext cx="63202" cy="63202"/>
             </a:xfrm>
             <a:custGeom>
@@ -7872,7 +7872,7 @@
           </p:nvSpPr>
           <p:spPr>
             <a:xfrm>
-              <a:off x="8338607" y="6460634"/>
+              <a:off x="8338607" y="6460530"/>
               <a:ext cx="1650203" cy="0"/>
             </a:xfrm>
             <a:custGeom>
@@ -7915,7 +7915,7 @@
           </p:nvSpPr>
           <p:spPr>
             <a:xfrm>
-              <a:off x="8338607" y="5068467"/>
+              <a:off x="8338607" y="5068409"/>
               <a:ext cx="1650203" cy="0"/>
             </a:xfrm>
             <a:custGeom>
@@ -7958,7 +7958,7 @@
           </p:nvSpPr>
           <p:spPr>
             <a:xfrm>
-              <a:off x="8338607" y="3676301"/>
+              <a:off x="8338607" y="3676288"/>
               <a:ext cx="1650203" cy="0"/>
             </a:xfrm>
             <a:custGeom>
@@ -8001,7 +8001,7 @@
           </p:nvSpPr>
           <p:spPr>
             <a:xfrm>
-              <a:off x="8338607" y="2284134"/>
+              <a:off x="8338607" y="2284167"/>
               <a:ext cx="1650203" cy="0"/>
             </a:xfrm>
             <a:custGeom>
@@ -8044,7 +8044,7 @@
           </p:nvSpPr>
           <p:spPr>
             <a:xfrm>
-              <a:off x="8338607" y="5764551"/>
+              <a:off x="8338607" y="5764470"/>
               <a:ext cx="1650203" cy="0"/>
             </a:xfrm>
             <a:custGeom>
@@ -8087,7 +8087,7 @@
           </p:nvSpPr>
           <p:spPr>
             <a:xfrm>
-              <a:off x="8338607" y="4372384"/>
+              <a:off x="8338607" y="4372349"/>
               <a:ext cx="1650203" cy="0"/>
             </a:xfrm>
             <a:custGeom>
@@ -8130,7 +8130,7 @@
           </p:nvSpPr>
           <p:spPr>
             <a:xfrm>
-              <a:off x="8338607" y="2980217"/>
+              <a:off x="8338607" y="2980227"/>
               <a:ext cx="1650203" cy="0"/>
             </a:xfrm>
             <a:custGeom>
@@ -8173,7 +8173,7 @@
           </p:nvSpPr>
           <p:spPr>
             <a:xfrm>
-              <a:off x="8338607" y="1588050"/>
+              <a:off x="8338607" y="1588106"/>
               <a:ext cx="1650203" cy="0"/>
             </a:xfrm>
             <a:custGeom>
@@ -8345,7 +8345,7 @@
           </p:nvSpPr>
           <p:spPr>
             <a:xfrm>
-              <a:off x="8741134" y="2127315"/>
+              <a:off x="8725173" y="2127175"/>
               <a:ext cx="63202" cy="63202"/>
             </a:xfrm>
             <a:custGeom>
@@ -8388,7 +8388,7 @@
           </p:nvSpPr>
           <p:spPr>
             <a:xfrm>
-              <a:off x="8769918" y="2084696"/>
+              <a:off x="8413657" y="2084572"/>
               <a:ext cx="63202" cy="63202"/>
             </a:xfrm>
             <a:custGeom>
@@ -8431,7 +8431,7 @@
           </p:nvSpPr>
           <p:spPr>
             <a:xfrm>
-              <a:off x="8441978" y="2027527"/>
+              <a:off x="8619067" y="2027351"/>
               <a:ext cx="63202" cy="63202"/>
             </a:xfrm>
             <a:custGeom>
@@ -8474,7 +8474,7 @@
           </p:nvSpPr>
           <p:spPr>
             <a:xfrm>
-              <a:off x="8579439" y="4973687"/>
+              <a:off x="8444130" y="4973802"/>
               <a:ext cx="63202" cy="63202"/>
             </a:xfrm>
             <a:custGeom>
@@ -8517,7 +8517,7 @@
           </p:nvSpPr>
           <p:spPr>
             <a:xfrm>
-              <a:off x="8663329" y="4906490"/>
+              <a:off x="8733614" y="4906505"/>
               <a:ext cx="63202" cy="63202"/>
             </a:xfrm>
             <a:custGeom>
@@ -8560,7 +8560,7 @@
           </p:nvSpPr>
           <p:spPr>
             <a:xfrm>
-              <a:off x="9281365" y="5990432"/>
+              <a:off x="9256457" y="5990593"/>
               <a:ext cx="63202" cy="63202"/>
             </a:xfrm>
             <a:custGeom>
@@ -8603,7 +8603,7 @@
           </p:nvSpPr>
           <p:spPr>
             <a:xfrm>
-              <a:off x="9303278" y="6217796"/>
+              <a:off x="9155922" y="6217765"/>
               <a:ext cx="63202" cy="63202"/>
             </a:xfrm>
             <a:custGeom>
@@ -8646,7 +8646,7 @@
           </p:nvSpPr>
           <p:spPr>
             <a:xfrm>
-              <a:off x="8621634" y="4263864"/>
+              <a:off x="8723188" y="4263631"/>
               <a:ext cx="63202" cy="63202"/>
             </a:xfrm>
             <a:custGeom>
@@ -8689,7 +8689,7 @@
           </p:nvSpPr>
           <p:spPr>
             <a:xfrm>
-              <a:off x="8944370" y="5653219"/>
+              <a:off x="9326139" y="5652888"/>
               <a:ext cx="63202" cy="63202"/>
             </a:xfrm>
             <a:custGeom>
@@ -8732,7 +8732,7 @@
           </p:nvSpPr>
           <p:spPr>
             <a:xfrm>
-              <a:off x="8536429" y="4366230"/>
+              <a:off x="8453286" y="4366199"/>
               <a:ext cx="63202" cy="63202"/>
             </a:xfrm>
             <a:custGeom>
@@ -8775,7 +8775,7 @@
           </p:nvSpPr>
           <p:spPr>
             <a:xfrm>
-              <a:off x="8609598" y="4161013"/>
+              <a:off x="8442524" y="4161339"/>
               <a:ext cx="63202" cy="63202"/>
             </a:xfrm>
             <a:custGeom>
@@ -8818,7 +8818,7 @@
           </p:nvSpPr>
           <p:spPr>
             <a:xfrm>
-              <a:off x="8451973" y="4912520"/>
+              <a:off x="8544733" y="4912421"/>
               <a:ext cx="63202" cy="63202"/>
             </a:xfrm>
             <a:custGeom>
@@ -8861,7 +8861,7 @@
           </p:nvSpPr>
           <p:spPr>
             <a:xfrm>
-              <a:off x="8730429" y="4193718"/>
+              <a:off x="8725611" y="4193636"/>
               <a:ext cx="63202" cy="63202"/>
             </a:xfrm>
             <a:custGeom>
@@ -8904,7 +8904,7 @@
           </p:nvSpPr>
           <p:spPr>
             <a:xfrm>
-              <a:off x="8745871" y="4523946"/>
+              <a:off x="8690187" y="4524170"/>
               <a:ext cx="63202" cy="63202"/>
             </a:xfrm>
             <a:custGeom>
@@ -8947,7 +8947,7 @@
           </p:nvSpPr>
           <p:spPr>
             <a:xfrm>
-              <a:off x="9234549" y="6155746"/>
+              <a:off x="9070082" y="6155724"/>
               <a:ext cx="63202" cy="63202"/>
             </a:xfrm>
             <a:custGeom>
@@ -8990,7 +8990,7 @@
           </p:nvSpPr>
           <p:spPr>
             <a:xfrm>
-              <a:off x="9235305" y="6095324"/>
+              <a:off x="9206031" y="6095415"/>
               <a:ext cx="63202" cy="63202"/>
             </a:xfrm>
             <a:custGeom>
@@ -9033,7 +9033,7 @@
           </p:nvSpPr>
           <p:spPr>
             <a:xfrm>
-              <a:off x="8704552" y="4447373"/>
+              <a:off x="8747419" y="4447593"/>
               <a:ext cx="63202" cy="63202"/>
             </a:xfrm>
             <a:custGeom>
@@ -9076,7 +9076,7 @@
           </p:nvSpPr>
           <p:spPr>
             <a:xfrm>
-              <a:off x="9256517" y="5151790"/>
+              <a:off x="8942734" y="5151732"/>
               <a:ext cx="63202" cy="63202"/>
             </a:xfrm>
             <a:custGeom>
@@ -9119,7 +9119,7 @@
           </p:nvSpPr>
           <p:spPr>
             <a:xfrm>
-              <a:off x="8820961" y="2024390"/>
+              <a:off x="8788921" y="2024369"/>
               <a:ext cx="63202" cy="63202"/>
             </a:xfrm>
             <a:custGeom>
@@ -9162,7 +9162,7 @@
           </p:nvSpPr>
           <p:spPr>
             <a:xfrm>
-              <a:off x="8589436" y="5088341"/>
+              <a:off x="8753871" y="5088139"/>
               <a:ext cx="63202" cy="63202"/>
             </a:xfrm>
             <a:custGeom>
@@ -9205,7 +9205,7 @@
           </p:nvSpPr>
           <p:spPr>
             <a:xfrm>
-              <a:off x="8786713" y="4390743"/>
+              <a:off x="8663746" y="4390863"/>
               <a:ext cx="63202" cy="63202"/>
             </a:xfrm>
             <a:custGeom>
@@ -9248,7 +9248,7 @@
           </p:nvSpPr>
           <p:spPr>
             <a:xfrm>
-              <a:off x="9316159" y="5070581"/>
+              <a:off x="9297558" y="5070741"/>
               <a:ext cx="63202" cy="63202"/>
             </a:xfrm>
             <a:custGeom>
@@ -9291,7 +9291,7 @@
           </p:nvSpPr>
           <p:spPr>
             <a:xfrm>
-              <a:off x="8634332" y="5216969"/>
+              <a:off x="8470456" y="5216861"/>
               <a:ext cx="63202" cy="63202"/>
             </a:xfrm>
             <a:custGeom>
@@ -9334,7 +9334,7 @@
           </p:nvSpPr>
           <p:spPr>
             <a:xfrm>
-              <a:off x="8602192" y="5536538"/>
+              <a:off x="8613917" y="5536434"/>
               <a:ext cx="63202" cy="63202"/>
             </a:xfrm>
             <a:custGeom>
@@ -9377,7 +9377,7 @@
           </p:nvSpPr>
           <p:spPr>
             <a:xfrm>
-              <a:off x="8547280" y="3025954"/>
+              <a:off x="8505629" y="3025986"/>
               <a:ext cx="63202" cy="63202"/>
             </a:xfrm>
             <a:custGeom>
@@ -9420,7 +9420,7 @@
           </p:nvSpPr>
           <p:spPr>
             <a:xfrm>
-              <a:off x="8505039" y="4714470"/>
+              <a:off x="8801622" y="4714173"/>
               <a:ext cx="63202" cy="63202"/>
             </a:xfrm>
             <a:custGeom>
@@ -9463,7 +9463,7 @@
           </p:nvSpPr>
           <p:spPr>
             <a:xfrm>
-              <a:off x="8817428" y="1953965"/>
+              <a:off x="8489359" y="1954267"/>
               <a:ext cx="63202" cy="63202"/>
             </a:xfrm>
             <a:custGeom>
@@ -9506,7 +9506,7 @@
           </p:nvSpPr>
           <p:spPr>
             <a:xfrm>
-              <a:off x="8737788" y="1916243"/>
+              <a:off x="8764754" y="1915999"/>
               <a:ext cx="63202" cy="63202"/>
             </a:xfrm>
             <a:custGeom>
@@ -9549,7 +9549,7 @@
           </p:nvSpPr>
           <p:spPr>
             <a:xfrm>
-              <a:off x="8551838" y="4772421"/>
+              <a:off x="8581375" y="4772160"/>
               <a:ext cx="63202" cy="63202"/>
             </a:xfrm>
             <a:custGeom>
@@ -9592,7 +9592,7 @@
           </p:nvSpPr>
           <p:spPr>
             <a:xfrm>
-              <a:off x="8624309" y="4489780"/>
+              <a:off x="8527110" y="4489779"/>
               <a:ext cx="63202" cy="63202"/>
             </a:xfrm>
             <a:custGeom>
@@ -9635,7 +9635,7 @@
           </p:nvSpPr>
           <p:spPr>
             <a:xfrm>
-              <a:off x="8439380" y="1913847"/>
+              <a:off x="8740261" y="1913988"/>
               <a:ext cx="63202" cy="63202"/>
             </a:xfrm>
             <a:custGeom>
@@ -9678,7 +9678,7 @@
           </p:nvSpPr>
           <p:spPr>
             <a:xfrm>
-              <a:off x="9827097" y="6591499"/>
+              <a:off x="9444875" y="6591389"/>
               <a:ext cx="63202" cy="63202"/>
             </a:xfrm>
             <a:custGeom>
@@ -9721,7 +9721,7 @@
           </p:nvSpPr>
           <p:spPr>
             <a:xfrm>
-              <a:off x="8613035" y="4291760"/>
+              <a:off x="8547398" y="4291475"/>
               <a:ext cx="63202" cy="63202"/>
             </a:xfrm>
             <a:custGeom>
@@ -9764,7 +9764,7 @@
           </p:nvSpPr>
           <p:spPr>
             <a:xfrm>
-              <a:off x="8536731" y="3082258"/>
+              <a:off x="8653709" y="3082364"/>
               <a:ext cx="63202" cy="63202"/>
             </a:xfrm>
             <a:custGeom>
@@ -9807,7 +9807,7 @@
           </p:nvSpPr>
           <p:spPr>
             <a:xfrm>
-              <a:off x="8492155" y="3034014"/>
+              <a:off x="8671990" y="3034142"/>
               <a:ext cx="63202" cy="63202"/>
             </a:xfrm>
             <a:custGeom>
@@ -9850,7 +9850,7 @@
           </p:nvSpPr>
           <p:spPr>
             <a:xfrm>
-              <a:off x="8773034" y="2004668"/>
+              <a:off x="8690491" y="2004709"/>
               <a:ext cx="63202" cy="63202"/>
             </a:xfrm>
             <a:custGeom>
@@ -9893,7 +9893,7 @@
           </p:nvSpPr>
           <p:spPr>
             <a:xfrm>
-              <a:off x="8807777" y="1946211"/>
+              <a:off x="8589689" y="1946259"/>
               <a:ext cx="63202" cy="63202"/>
             </a:xfrm>
             <a:custGeom>
@@ -9936,7 +9936,7 @@
           </p:nvSpPr>
           <p:spPr>
             <a:xfrm>
-              <a:off x="8642298" y="2005200"/>
+              <a:off x="8575415" y="2005130"/>
               <a:ext cx="63202" cy="63202"/>
             </a:xfrm>
             <a:custGeom>
@@ -9979,7 +9979,7 @@
           </p:nvSpPr>
           <p:spPr>
             <a:xfrm>
-              <a:off x="8600849" y="2004577"/>
+              <a:off x="8451109" y="2004783"/>
               <a:ext cx="63202" cy="63202"/>
             </a:xfrm>
             <a:custGeom>
@@ -10022,7 +10022,7 @@
           </p:nvSpPr>
           <p:spPr>
             <a:xfrm>
-              <a:off x="8778599" y="1943991"/>
+              <a:off x="8780279" y="1944113"/>
               <a:ext cx="63202" cy="63202"/>
             </a:xfrm>
             <a:custGeom>
@@ -10065,7 +10065,7 @@
           </p:nvSpPr>
           <p:spPr>
             <a:xfrm>
-              <a:off x="8475032" y="3031301"/>
+              <a:off x="8636375" y="3031310"/>
               <a:ext cx="63202" cy="63202"/>
             </a:xfrm>
             <a:custGeom>
@@ -10108,7 +10108,7 @@
           </p:nvSpPr>
           <p:spPr>
             <a:xfrm>
-              <a:off x="8626367" y="3054863"/>
+              <a:off x="8806192" y="3054967"/>
               <a:ext cx="63202" cy="63202"/>
             </a:xfrm>
             <a:custGeom>
@@ -10151,7 +10151,7 @@
           </p:nvSpPr>
           <p:spPr>
             <a:xfrm>
-              <a:off x="8604725" y="5587074"/>
+              <a:off x="8425464" y="5587344"/>
               <a:ext cx="63202" cy="63202"/>
             </a:xfrm>
             <a:custGeom>
@@ -10194,7 +10194,7 @@
           </p:nvSpPr>
           <p:spPr>
             <a:xfrm>
-              <a:off x="8819877" y="2588088"/>
+              <a:off x="8481583" y="2587895"/>
               <a:ext cx="63202" cy="63202"/>
             </a:xfrm>
             <a:custGeom>
@@ -10237,7 +10237,7 @@
           </p:nvSpPr>
           <p:spPr>
             <a:xfrm>
-              <a:off x="8543364" y="2497072"/>
+              <a:off x="8740168" y="2496937"/>
               <a:ext cx="63202" cy="63202"/>
             </a:xfrm>
             <a:custGeom>
@@ -10280,7 +10280,7 @@
           </p:nvSpPr>
           <p:spPr>
             <a:xfrm>
-              <a:off x="8627666" y="2563491"/>
+              <a:off x="8725941" y="2563346"/>
               <a:ext cx="63202" cy="63202"/>
             </a:xfrm>
             <a:custGeom>
@@ -10323,7 +10323,7 @@
           </p:nvSpPr>
           <p:spPr>
             <a:xfrm>
-              <a:off x="8751729" y="5640211"/>
+              <a:off x="8420288" y="5640005"/>
               <a:ext cx="63202" cy="63202"/>
             </a:xfrm>
             <a:custGeom>
@@ -10366,7 +10366,7 @@
           </p:nvSpPr>
           <p:spPr>
             <a:xfrm>
-              <a:off x="8660714" y="2077409"/>
+              <a:off x="8738229" y="2077479"/>
               <a:ext cx="63202" cy="63202"/>
             </a:xfrm>
             <a:custGeom>
@@ -10409,7 +10409,7 @@
           </p:nvSpPr>
           <p:spPr>
             <a:xfrm>
-              <a:off x="8583083" y="2861835"/>
+              <a:off x="8527076" y="2861730"/>
               <a:ext cx="63202" cy="63202"/>
             </a:xfrm>
             <a:custGeom>
@@ -10452,7 +10452,7 @@
           </p:nvSpPr>
           <p:spPr>
             <a:xfrm>
-              <a:off x="8592348" y="2993643"/>
+              <a:off x="8518447" y="2993552"/>
               <a:ext cx="63202" cy="63202"/>
             </a:xfrm>
             <a:custGeom>
@@ -10495,7 +10495,7 @@
           </p:nvSpPr>
           <p:spPr>
             <a:xfrm>
-              <a:off x="8518863" y="1947026"/>
+              <a:off x="8660120" y="1947093"/>
               <a:ext cx="63202" cy="63202"/>
             </a:xfrm>
             <a:custGeom>
@@ -10538,7 +10538,7 @@
           </p:nvSpPr>
           <p:spPr>
             <a:xfrm>
-              <a:off x="8475918" y="1960502"/>
+              <a:off x="8532452" y="1960508"/>
               <a:ext cx="63202" cy="63202"/>
             </a:xfrm>
             <a:custGeom>
@@ -10581,7 +10581,7 @@
           </p:nvSpPr>
           <p:spPr>
             <a:xfrm>
-              <a:off x="8767364" y="2396567"/>
+              <a:off x="8431132" y="2396283"/>
               <a:ext cx="63202" cy="63202"/>
             </a:xfrm>
             <a:custGeom>
@@ -10624,7 +10624,7 @@
           </p:nvSpPr>
           <p:spPr>
             <a:xfrm>
-              <a:off x="8797958" y="2731890"/>
+              <a:off x="8421416" y="2731955"/>
               <a:ext cx="63202" cy="63202"/>
             </a:xfrm>
             <a:custGeom>
@@ -10667,7 +10667,7 @@
           </p:nvSpPr>
           <p:spPr>
             <a:xfrm>
-              <a:off x="8531069" y="2543153"/>
+              <a:off x="8509049" y="2543059"/>
               <a:ext cx="63202" cy="63202"/>
             </a:xfrm>
             <a:custGeom>
@@ -10710,7 +10710,7 @@
           </p:nvSpPr>
           <p:spPr>
             <a:xfrm>
-              <a:off x="8464463" y="1943779"/>
+              <a:off x="8687753" y="1944129"/>
               <a:ext cx="63202" cy="63202"/>
             </a:xfrm>
             <a:custGeom>
@@ -10753,7 +10753,7 @@
           </p:nvSpPr>
           <p:spPr>
             <a:xfrm>
-              <a:off x="8701024" y="1947749"/>
+              <a:off x="8647914" y="1947600"/>
               <a:ext cx="63202" cy="63202"/>
             </a:xfrm>
             <a:custGeom>
@@ -10796,7 +10796,7 @@
           </p:nvSpPr>
           <p:spPr>
             <a:xfrm>
-              <a:off x="8782213" y="3016661"/>
+              <a:off x="8684067" y="3016699"/>
               <a:ext cx="63202" cy="63202"/>
             </a:xfrm>
             <a:custGeom>
@@ -10839,7 +10839,7 @@
           </p:nvSpPr>
           <p:spPr>
             <a:xfrm>
-              <a:off x="8540482" y="1954165"/>
+              <a:off x="8472257" y="1954191"/>
               <a:ext cx="63202" cy="63202"/>
             </a:xfrm>
             <a:custGeom>
@@ -10882,7 +10882,7 @@
           </p:nvSpPr>
           <p:spPr>
             <a:xfrm>
-              <a:off x="8506647" y="1957504"/>
+              <a:off x="8539256" y="1957263"/>
               <a:ext cx="63202" cy="63202"/>
             </a:xfrm>
             <a:custGeom>
@@ -10925,7 +10925,7 @@
           </p:nvSpPr>
           <p:spPr>
             <a:xfrm>
-              <a:off x="8433403" y="1948277"/>
+              <a:off x="8458141" y="1948202"/>
               <a:ext cx="63202" cy="63202"/>
             </a:xfrm>
             <a:custGeom>
@@ -10968,7 +10968,7 @@
           </p:nvSpPr>
           <p:spPr>
             <a:xfrm>
-              <a:off x="8647933" y="1913709"/>
+              <a:off x="8757189" y="1913940"/>
               <a:ext cx="63202" cy="63202"/>
             </a:xfrm>
             <a:custGeom>
@@ -11011,7 +11011,7 @@
           </p:nvSpPr>
           <p:spPr>
             <a:xfrm>
-              <a:off x="8603393" y="1962458"/>
+              <a:off x="8478590" y="1962600"/>
               <a:ext cx="63202" cy="63202"/>
             </a:xfrm>
             <a:custGeom>
@@ -11054,7 +11054,7 @@
           </p:nvSpPr>
           <p:spPr>
             <a:xfrm>
-              <a:off x="8652612" y="3090199"/>
+              <a:off x="8534914" y="3090156"/>
               <a:ext cx="63202" cy="63202"/>
             </a:xfrm>
             <a:custGeom>
@@ -11097,7 +11097,7 @@
           </p:nvSpPr>
           <p:spPr>
             <a:xfrm>
-              <a:off x="8716841" y="1861033"/>
+              <a:off x="8724940" y="1860957"/>
               <a:ext cx="63202" cy="63202"/>
             </a:xfrm>
             <a:custGeom>
@@ -11140,7 +11140,7 @@
           </p:nvSpPr>
           <p:spPr>
             <a:xfrm>
-              <a:off x="8640700" y="2417861"/>
+              <a:off x="8568017" y="2417800"/>
               <a:ext cx="63202" cy="63202"/>
             </a:xfrm>
             <a:custGeom>
@@ -11183,7 +11183,7 @@
           </p:nvSpPr>
           <p:spPr>
             <a:xfrm>
-              <a:off x="8468757" y="4770810"/>
+              <a:off x="8597281" y="4770788"/>
               <a:ext cx="63202" cy="63202"/>
             </a:xfrm>
             <a:custGeom>
@@ -11226,7 +11226,7 @@
           </p:nvSpPr>
           <p:spPr>
             <a:xfrm>
-              <a:off x="8528314" y="4773226"/>
+              <a:off x="8412946" y="4773261"/>
               <a:ext cx="63202" cy="63202"/>
             </a:xfrm>
             <a:custGeom>
@@ -11269,7 +11269,7 @@
           </p:nvSpPr>
           <p:spPr>
             <a:xfrm>
-              <a:off x="8805093" y="2208731"/>
+              <a:off x="8641909" y="2208807"/>
               <a:ext cx="63202" cy="63202"/>
             </a:xfrm>
             <a:custGeom>
@@ -11312,7 +11312,7 @@
           </p:nvSpPr>
           <p:spPr>
             <a:xfrm>
-              <a:off x="8448222" y="2439525"/>
+              <a:off x="8470447" y="2439593"/>
               <a:ext cx="63202" cy="63202"/>
             </a:xfrm>
             <a:custGeom>
@@ -11355,7 +11355,7 @@
           </p:nvSpPr>
           <p:spPr>
             <a:xfrm>
-              <a:off x="8521310" y="4912380"/>
+              <a:off x="8750117" y="4912613"/>
               <a:ext cx="63202" cy="63202"/>
             </a:xfrm>
             <a:custGeom>
@@ -11398,7 +11398,7 @@
           </p:nvSpPr>
           <p:spPr>
             <a:xfrm>
-              <a:off x="8565793" y="4903131"/>
+              <a:off x="8502627" y="4902981"/>
               <a:ext cx="63202" cy="63202"/>
             </a:xfrm>
             <a:custGeom>
@@ -11441,7 +11441,7 @@
           </p:nvSpPr>
           <p:spPr>
             <a:xfrm>
-              <a:off x="8483497" y="4909140"/>
+              <a:off x="8462389" y="4909102"/>
               <a:ext cx="63202" cy="63202"/>
             </a:xfrm>
             <a:custGeom>
@@ -11484,7 +11484,7 @@
           </p:nvSpPr>
           <p:spPr>
             <a:xfrm>
-              <a:off x="8584039" y="4737536"/>
+              <a:off x="8596697" y="4737357"/>
               <a:ext cx="63202" cy="63202"/>
             </a:xfrm>
             <a:custGeom>
@@ -11527,7 +11527,7 @@
           </p:nvSpPr>
           <p:spPr>
             <a:xfrm>
-              <a:off x="8508127" y="1937066"/>
+              <a:off x="8623683" y="1936921"/>
               <a:ext cx="63202" cy="63202"/>
             </a:xfrm>
             <a:custGeom>
@@ -11570,7 +11570,7 @@
           </p:nvSpPr>
           <p:spPr>
             <a:xfrm>
-              <a:off x="8731981" y="5541115"/>
+              <a:off x="8522375" y="5541325"/>
               <a:ext cx="63202" cy="63202"/>
             </a:xfrm>
             <a:custGeom>
@@ -11613,7 +11613,7 @@
           </p:nvSpPr>
           <p:spPr>
             <a:xfrm>
-              <a:off x="8715087" y="5660087"/>
+              <a:off x="8793914" y="5660031"/>
               <a:ext cx="63202" cy="63202"/>
             </a:xfrm>
             <a:custGeom>
@@ -11656,7 +11656,7 @@
           </p:nvSpPr>
           <p:spPr>
             <a:xfrm>
-              <a:off x="8648605" y="5710681"/>
+              <a:off x="8594753" y="5710660"/>
               <a:ext cx="63202" cy="63202"/>
             </a:xfrm>
             <a:custGeom>
@@ -11699,7 +11699,7 @@
           </p:nvSpPr>
           <p:spPr>
             <a:xfrm>
-              <a:off x="8699075" y="5689689"/>
+              <a:off x="8687520" y="5689533"/>
               <a:ext cx="63202" cy="63202"/>
             </a:xfrm>
             <a:custGeom>
@@ -11742,7 +11742,7 @@
           </p:nvSpPr>
           <p:spPr>
             <a:xfrm>
-              <a:off x="8711320" y="5660149"/>
+              <a:off x="8817675" y="5660183"/>
               <a:ext cx="63202" cy="63202"/>
             </a:xfrm>
             <a:custGeom>
@@ -11785,7 +11785,7 @@
           </p:nvSpPr>
           <p:spPr>
             <a:xfrm>
-              <a:off x="8541278" y="2101712"/>
+              <a:off x="8547768" y="2101926"/>
               <a:ext cx="63202" cy="63202"/>
             </a:xfrm>
             <a:custGeom>
@@ -11828,7 +11828,7 @@
           </p:nvSpPr>
           <p:spPr>
             <a:xfrm>
-              <a:off x="8446239" y="4408556"/>
+              <a:off x="8707192" y="4408445"/>
               <a:ext cx="63202" cy="63202"/>
             </a:xfrm>
             <a:custGeom>
@@ -11871,7 +11871,7 @@
           </p:nvSpPr>
           <p:spPr>
             <a:xfrm>
-              <a:off x="8779628" y="2073081"/>
+              <a:off x="8620134" y="2073027"/>
               <a:ext cx="63202" cy="63202"/>
             </a:xfrm>
             <a:custGeom>
@@ -11914,7 +11914,7 @@
           </p:nvSpPr>
           <p:spPr>
             <a:xfrm>
-              <a:off x="8577595" y="2099743"/>
+              <a:off x="8569808" y="2100055"/>
               <a:ext cx="63202" cy="63202"/>
             </a:xfrm>
             <a:custGeom>
@@ -11957,7 +11957,7 @@
           </p:nvSpPr>
           <p:spPr>
             <a:xfrm>
-              <a:off x="8457301" y="2012769"/>
+              <a:off x="8680925" y="2012627"/>
               <a:ext cx="63202" cy="63202"/>
             </a:xfrm>
             <a:custGeom>
@@ -12000,7 +12000,7 @@
           </p:nvSpPr>
           <p:spPr>
             <a:xfrm>
-              <a:off x="8722948" y="2039234"/>
+              <a:off x="8527112" y="2039065"/>
               <a:ext cx="63202" cy="63202"/>
             </a:xfrm>
             <a:custGeom>
@@ -12043,7 +12043,7 @@
           </p:nvSpPr>
           <p:spPr>
             <a:xfrm>
-              <a:off x="8511852" y="2022190"/>
+              <a:off x="8462804" y="2022332"/>
               <a:ext cx="63202" cy="63202"/>
             </a:xfrm>
             <a:custGeom>
@@ -12086,7 +12086,7 @@
           </p:nvSpPr>
           <p:spPr>
             <a:xfrm>
-              <a:off x="8469664" y="3390009"/>
+              <a:off x="8767379" y="3389953"/>
               <a:ext cx="63202" cy="63202"/>
             </a:xfrm>
             <a:custGeom>
@@ -13854,7 +13854,7 @@
           </p:nvSpPr>
           <p:spPr>
             <a:xfrm>
-              <a:off x="1210339" y="5722805"/>
+              <a:off x="1210339" y="5722723"/>
               <a:ext cx="186466" cy="81746"/>
             </a:xfrm>
             <a:prstGeom prst="rect">
@@ -13900,7 +13900,7 @@
           </p:nvSpPr>
           <p:spPr>
             <a:xfrm>
-              <a:off x="1210339" y="4330692"/>
+              <a:off x="1210339" y="4330657"/>
               <a:ext cx="186466" cy="81691"/>
             </a:xfrm>
             <a:prstGeom prst="rect">
@@ -13946,7 +13946,7 @@
           </p:nvSpPr>
           <p:spPr>
             <a:xfrm>
-              <a:off x="1210339" y="2938525"/>
+              <a:off x="1210339" y="2938536"/>
               <a:ext cx="186466" cy="81691"/>
             </a:xfrm>
             <a:prstGeom prst="rect">
@@ -13992,7 +13992,7 @@
           </p:nvSpPr>
           <p:spPr>
             <a:xfrm>
-              <a:off x="1148183" y="1546358"/>
+              <a:off x="1148183" y="1546414"/>
               <a:ext cx="248622" cy="81691"/>
             </a:xfrm>
             <a:prstGeom prst="rect">
@@ -14038,7 +14038,7 @@
           </p:nvSpPr>
           <p:spPr>
             <a:xfrm>
-              <a:off x="1424641" y="5764551"/>
+              <a:off x="1424641" y="5764470"/>
               <a:ext cx="34794" cy="0"/>
             </a:xfrm>
             <a:custGeom>
@@ -14078,7 +14078,7 @@
           </p:nvSpPr>
           <p:spPr>
             <a:xfrm>
-              <a:off x="1424641" y="4372384"/>
+              <a:off x="1424641" y="4372349"/>
               <a:ext cx="34794" cy="0"/>
             </a:xfrm>
             <a:custGeom>
@@ -14118,7 +14118,7 @@
           </p:nvSpPr>
           <p:spPr>
             <a:xfrm>
-              <a:off x="1424641" y="2980217"/>
+              <a:off x="1424641" y="2980227"/>
               <a:ext cx="34794" cy="0"/>
             </a:xfrm>
             <a:custGeom>
@@ -14158,7 +14158,7 @@
           </p:nvSpPr>
           <p:spPr>
             <a:xfrm>
-              <a:off x="1424641" y="1588050"/>
+              <a:off x="1424641" y="1588106"/>
               <a:ext cx="34794" cy="0"/>
             </a:xfrm>
             <a:custGeom>

--- a/Images/Figures_PPT/Jitter_Plot_Rictor_All.pptx
+++ b/Images/Figures_PPT/Jitter_Plot_Rictor_All.pptx
@@ -2359,7 +2359,7 @@
           </p:nvSpPr>
           <p:spPr>
             <a:xfrm>
-              <a:off x="1459435" y="6460530"/>
+              <a:off x="1459435" y="6460518"/>
               <a:ext cx="1650203" cy="0"/>
             </a:xfrm>
             <a:custGeom>
@@ -2402,7 +2402,7 @@
           </p:nvSpPr>
           <p:spPr>
             <a:xfrm>
-              <a:off x="1459435" y="5068409"/>
+              <a:off x="1459435" y="5068305"/>
               <a:ext cx="1650203" cy="0"/>
             </a:xfrm>
             <a:custGeom>
@@ -2445,7 +2445,7 @@
           </p:nvSpPr>
           <p:spPr>
             <a:xfrm>
-              <a:off x="1459435" y="3676288"/>
+              <a:off x="1459435" y="3676092"/>
               <a:ext cx="1650203" cy="0"/>
             </a:xfrm>
             <a:custGeom>
@@ -2488,7 +2488,7 @@
           </p:nvSpPr>
           <p:spPr>
             <a:xfrm>
-              <a:off x="1459435" y="2284167"/>
+              <a:off x="1459435" y="2283879"/>
               <a:ext cx="1650203" cy="0"/>
             </a:xfrm>
             <a:custGeom>
@@ -2531,7 +2531,7 @@
           </p:nvSpPr>
           <p:spPr>
             <a:xfrm>
-              <a:off x="1459435" y="5764470"/>
+              <a:off x="1459435" y="5764411"/>
               <a:ext cx="1650203" cy="0"/>
             </a:xfrm>
             <a:custGeom>
@@ -2574,7 +2574,7 @@
           </p:nvSpPr>
           <p:spPr>
             <a:xfrm>
-              <a:off x="1459435" y="4372349"/>
+              <a:off x="1459435" y="4372198"/>
               <a:ext cx="1650203" cy="0"/>
             </a:xfrm>
             <a:custGeom>
@@ -2617,7 +2617,7 @@
           </p:nvSpPr>
           <p:spPr>
             <a:xfrm>
-              <a:off x="1459435" y="2980227"/>
+              <a:off x="1459435" y="2979986"/>
               <a:ext cx="1650203" cy="0"/>
             </a:xfrm>
             <a:custGeom>
@@ -2660,7 +2660,7 @@
           </p:nvSpPr>
           <p:spPr>
             <a:xfrm>
-              <a:off x="1459435" y="1588106"/>
+              <a:off x="1459435" y="1587773"/>
               <a:ext cx="1650203" cy="0"/>
             </a:xfrm>
             <a:custGeom>
@@ -2832,7 +2832,7 @@
           </p:nvSpPr>
           <p:spPr>
             <a:xfrm>
-              <a:off x="2873751" y="6507518"/>
+              <a:off x="2818600" y="6507260"/>
               <a:ext cx="63202" cy="63202"/>
             </a:xfrm>
             <a:custGeom>
@@ -2875,7 +2875,7 @@
           </p:nvSpPr>
           <p:spPr>
             <a:xfrm>
-              <a:off x="2158944" y="5135806"/>
+              <a:off x="2264388" y="5135712"/>
               <a:ext cx="63202" cy="63202"/>
             </a:xfrm>
             <a:custGeom>
@@ -2918,7 +2918,7 @@
           </p:nvSpPr>
           <p:spPr>
             <a:xfrm>
-              <a:off x="1778084" y="4146703"/>
+              <a:off x="1659294" y="4146563"/>
               <a:ext cx="63202" cy="63202"/>
             </a:xfrm>
             <a:custGeom>
@@ -2961,7 +2961,7 @@
           </p:nvSpPr>
           <p:spPr>
             <a:xfrm>
-              <a:off x="1716959" y="2964255"/>
+              <a:off x="1877468" y="2964234"/>
               <a:ext cx="63202" cy="63202"/>
             </a:xfrm>
             <a:custGeom>
@@ -3004,7 +3004,7 @@
           </p:nvSpPr>
           <p:spPr>
             <a:xfrm>
-              <a:off x="2744180" y="6396299"/>
+              <a:off x="2843377" y="6396487"/>
               <a:ext cx="63202" cy="63202"/>
             </a:xfrm>
             <a:custGeom>
@@ -3047,7 +3047,7 @@
           </p:nvSpPr>
           <p:spPr>
             <a:xfrm>
-              <a:off x="1788968" y="2964568"/>
+              <a:off x="1813068" y="2964277"/>
               <a:ext cx="63202" cy="63202"/>
             </a:xfrm>
             <a:custGeom>
@@ -3090,7 +3090,7 @@
           </p:nvSpPr>
           <p:spPr>
             <a:xfrm>
-              <a:off x="2140747" y="5831596"/>
+              <a:off x="2178693" y="5831831"/>
               <a:ext cx="63202" cy="63202"/>
             </a:xfrm>
             <a:custGeom>
@@ -3133,7 +3133,7 @@
           </p:nvSpPr>
           <p:spPr>
             <a:xfrm>
-              <a:off x="1800412" y="4526450"/>
+              <a:off x="1833069" y="4526372"/>
               <a:ext cx="63202" cy="63202"/>
             </a:xfrm>
             <a:custGeom>
@@ -3176,7 +3176,7 @@
           </p:nvSpPr>
           <p:spPr>
             <a:xfrm>
-              <a:off x="1935240" y="3983778"/>
+              <a:off x="1640905" y="3983713"/>
               <a:ext cx="63202" cy="63202"/>
             </a:xfrm>
             <a:custGeom>
@@ -3219,7 +3219,7 @@
           </p:nvSpPr>
           <p:spPr>
             <a:xfrm>
-              <a:off x="2050038" y="5677820"/>
+              <a:off x="2414107" y="5677715"/>
               <a:ext cx="63202" cy="63202"/>
             </a:xfrm>
             <a:custGeom>
@@ -3262,7 +3262,7 @@
           </p:nvSpPr>
           <p:spPr>
             <a:xfrm>
-              <a:off x="2881946" y="5713927"/>
+              <a:off x="2834421" y="5713625"/>
               <a:ext cx="63202" cy="63202"/>
             </a:xfrm>
             <a:custGeom>
@@ -3305,7 +3305,7 @@
           </p:nvSpPr>
           <p:spPr>
             <a:xfrm>
-              <a:off x="1907467" y="3025313"/>
+              <a:off x="1762466" y="3024949"/>
               <a:ext cx="63202" cy="63202"/>
             </a:xfrm>
             <a:custGeom>
@@ -3348,7 +3348,7 @@
           </p:nvSpPr>
           <p:spPr>
             <a:xfrm>
-              <a:off x="1848479" y="3006149"/>
+              <a:off x="1671026" y="3005965"/>
               <a:ext cx="63202" cy="63202"/>
             </a:xfrm>
             <a:custGeom>
@@ -3391,7 +3391,7 @@
           </p:nvSpPr>
           <p:spPr>
             <a:xfrm>
-              <a:off x="1634253" y="2995776"/>
+              <a:off x="1549442" y="2995638"/>
               <a:ext cx="63202" cy="63202"/>
             </a:xfrm>
             <a:custGeom>
@@ -3434,7 +3434,7 @@
           </p:nvSpPr>
           <p:spPr>
             <a:xfrm>
-              <a:off x="1647022" y="4241488"/>
+              <a:off x="1631421" y="4241406"/>
               <a:ext cx="63202" cy="63202"/>
             </a:xfrm>
             <a:custGeom>
@@ -3533,7 +3533,7 @@
           </p:nvSpPr>
           <p:spPr>
             <a:xfrm>
-              <a:off x="3179228" y="6460530"/>
+              <a:off x="3179228" y="6460518"/>
               <a:ext cx="1650203" cy="0"/>
             </a:xfrm>
             <a:custGeom>
@@ -3576,7 +3576,7 @@
           </p:nvSpPr>
           <p:spPr>
             <a:xfrm>
-              <a:off x="3179228" y="5068409"/>
+              <a:off x="3179228" y="5068305"/>
               <a:ext cx="1650203" cy="0"/>
             </a:xfrm>
             <a:custGeom>
@@ -3619,7 +3619,7 @@
           </p:nvSpPr>
           <p:spPr>
             <a:xfrm>
-              <a:off x="3179228" y="3676288"/>
+              <a:off x="3179228" y="3676092"/>
               <a:ext cx="1650203" cy="0"/>
             </a:xfrm>
             <a:custGeom>
@@ -3662,7 +3662,7 @@
           </p:nvSpPr>
           <p:spPr>
             <a:xfrm>
-              <a:off x="3179228" y="2284167"/>
+              <a:off x="3179228" y="2283879"/>
               <a:ext cx="1650203" cy="0"/>
             </a:xfrm>
             <a:custGeom>
@@ -3705,7 +3705,7 @@
           </p:nvSpPr>
           <p:spPr>
             <a:xfrm>
-              <a:off x="3179228" y="5764470"/>
+              <a:off x="3179228" y="5764411"/>
               <a:ext cx="1650203" cy="0"/>
             </a:xfrm>
             <a:custGeom>
@@ -3748,7 +3748,7 @@
           </p:nvSpPr>
           <p:spPr>
             <a:xfrm>
-              <a:off x="3179228" y="4372349"/>
+              <a:off x="3179228" y="4372198"/>
               <a:ext cx="1650203" cy="0"/>
             </a:xfrm>
             <a:custGeom>
@@ -3791,7 +3791,7 @@
           </p:nvSpPr>
           <p:spPr>
             <a:xfrm>
-              <a:off x="3179228" y="2980227"/>
+              <a:off x="3179228" y="2979986"/>
               <a:ext cx="1650203" cy="0"/>
             </a:xfrm>
             <a:custGeom>
@@ -3834,7 +3834,7 @@
           </p:nvSpPr>
           <p:spPr>
             <a:xfrm>
-              <a:off x="3179228" y="1588106"/>
+              <a:off x="3179228" y="1587773"/>
               <a:ext cx="1650203" cy="0"/>
             </a:xfrm>
             <a:custGeom>
@@ -4006,7 +4006,7 @@
           </p:nvSpPr>
           <p:spPr>
             <a:xfrm>
-              <a:off x="3369452" y="3633094"/>
+              <a:off x="3544893" y="3632841"/>
               <a:ext cx="63202" cy="63202"/>
             </a:xfrm>
             <a:custGeom>
@@ -4049,7 +4049,7 @@
           </p:nvSpPr>
           <p:spPr>
             <a:xfrm>
-              <a:off x="3620840" y="3361111"/>
+              <a:off x="3658465" y="3360990"/>
               <a:ext cx="63202" cy="63202"/>
             </a:xfrm>
             <a:custGeom>
@@ -4092,7 +4092,7 @@
           </p:nvSpPr>
           <p:spPr>
             <a:xfrm>
-              <a:off x="3613849" y="3771806"/>
+              <a:off x="3386171" y="3771758"/>
               <a:ext cx="63202" cy="63202"/>
             </a:xfrm>
             <a:custGeom>
@@ -4135,7 +4135,7 @@
           </p:nvSpPr>
           <p:spPr>
             <a:xfrm>
-              <a:off x="3571444" y="3505291"/>
+              <a:off x="3611308" y="3505118"/>
               <a:ext cx="63202" cy="63202"/>
             </a:xfrm>
             <a:custGeom>
@@ -4178,7 +4178,7 @@
           </p:nvSpPr>
           <p:spPr>
             <a:xfrm>
-              <a:off x="4100196" y="5733360"/>
+              <a:off x="4044458" y="5733159"/>
               <a:ext cx="63202" cy="63202"/>
             </a:xfrm>
             <a:custGeom>
@@ -4221,7 +4221,7 @@
           </p:nvSpPr>
           <p:spPr>
             <a:xfrm>
-              <a:off x="3353022" y="4496572"/>
+              <a:off x="3404804" y="4496494"/>
               <a:ext cx="63202" cy="63202"/>
             </a:xfrm>
             <a:custGeom>
@@ -4264,7 +4264,7 @@
           </p:nvSpPr>
           <p:spPr>
             <a:xfrm>
-              <a:off x="3355792" y="3632247"/>
+              <a:off x="3306772" y="3631897"/>
               <a:ext cx="63202" cy="63202"/>
             </a:xfrm>
             <a:custGeom>
@@ -4307,7 +4307,7 @@
           </p:nvSpPr>
           <p:spPr>
             <a:xfrm>
-              <a:off x="3538430" y="3501742"/>
+              <a:off x="3494879" y="3501510"/>
               <a:ext cx="63202" cy="63202"/>
             </a:xfrm>
             <a:custGeom>
@@ -4350,7 +4350,7 @@
           </p:nvSpPr>
           <p:spPr>
             <a:xfrm>
-              <a:off x="3421683" y="3596807"/>
+              <a:off x="3267987" y="3596687"/>
               <a:ext cx="63202" cy="63202"/>
             </a:xfrm>
             <a:custGeom>
@@ -4393,7 +4393,7 @@
           </p:nvSpPr>
           <p:spPr>
             <a:xfrm>
-              <a:off x="3546704" y="4457566"/>
+              <a:off x="3299723" y="4457722"/>
               <a:ext cx="63202" cy="63202"/>
             </a:xfrm>
             <a:custGeom>
@@ -4436,7 +4436,7 @@
           </p:nvSpPr>
           <p:spPr>
             <a:xfrm>
-              <a:off x="4128780" y="6021643"/>
+              <a:off x="3927940" y="6021361"/>
               <a:ext cx="63202" cy="63202"/>
             </a:xfrm>
             <a:custGeom>
@@ -4479,7 +4479,7 @@
           </p:nvSpPr>
           <p:spPr>
             <a:xfrm>
-              <a:off x="3544729" y="4361572"/>
+              <a:off x="3412814" y="4361347"/>
               <a:ext cx="63202" cy="63202"/>
             </a:xfrm>
             <a:custGeom>
@@ -4522,7 +4522,7 @@
           </p:nvSpPr>
           <p:spPr>
             <a:xfrm>
-              <a:off x="3321692" y="4503135"/>
+              <a:off x="3497798" y="4503144"/>
               <a:ext cx="63202" cy="63202"/>
             </a:xfrm>
             <a:custGeom>
@@ -4565,7 +4565,7 @@
           </p:nvSpPr>
           <p:spPr>
             <a:xfrm>
-              <a:off x="3532489" y="4738016"/>
+              <a:off x="3397914" y="4737811"/>
               <a:ext cx="63202" cy="63202"/>
             </a:xfrm>
             <a:custGeom>
@@ -4608,7 +4608,7 @@
           </p:nvSpPr>
           <p:spPr>
             <a:xfrm>
-              <a:off x="3293547" y="4350979"/>
+              <a:off x="3536994" y="4350650"/>
               <a:ext cx="63202" cy="63202"/>
             </a:xfrm>
             <a:custGeom>
@@ -4651,7 +4651,7 @@
           </p:nvSpPr>
           <p:spPr>
             <a:xfrm>
-              <a:off x="3277438" y="3768707"/>
+              <a:off x="3295202" y="3768254"/>
               <a:ext cx="63202" cy="63202"/>
             </a:xfrm>
             <a:custGeom>
@@ -4694,7 +4694,7 @@
           </p:nvSpPr>
           <p:spPr>
             <a:xfrm>
-              <a:off x="4314468" y="6634049"/>
+              <a:off x="4385165" y="6634049"/>
               <a:ext cx="63202" cy="63202"/>
             </a:xfrm>
             <a:custGeom>
@@ -4737,7 +4737,7 @@
           </p:nvSpPr>
           <p:spPr>
             <a:xfrm>
-              <a:off x="3603401" y="4139422"/>
+              <a:off x="3585949" y="4139328"/>
               <a:ext cx="63202" cy="63202"/>
             </a:xfrm>
             <a:custGeom>
@@ -4780,7 +4780,7 @@
           </p:nvSpPr>
           <p:spPr>
             <a:xfrm>
-              <a:off x="3266134" y="3986660"/>
+              <a:off x="3521065" y="3986626"/>
               <a:ext cx="63202" cy="63202"/>
             </a:xfrm>
             <a:custGeom>
@@ -4823,7 +4823,7 @@
           </p:nvSpPr>
           <p:spPr>
             <a:xfrm>
-              <a:off x="3317298" y="3632985"/>
+              <a:off x="3439124" y="3632751"/>
               <a:ext cx="63202" cy="63202"/>
             </a:xfrm>
             <a:custGeom>
@@ -4866,7 +4866,7 @@
           </p:nvSpPr>
           <p:spPr>
             <a:xfrm>
-              <a:off x="3443794" y="5526470"/>
+              <a:off x="3575606" y="5526118"/>
               <a:ext cx="63202" cy="63202"/>
             </a:xfrm>
             <a:custGeom>
@@ -4909,7 +4909,7 @@
           </p:nvSpPr>
           <p:spPr>
             <a:xfrm>
-              <a:off x="3302732" y="4301459"/>
+              <a:off x="3379472" y="4301257"/>
               <a:ext cx="63202" cy="63202"/>
             </a:xfrm>
             <a:custGeom>
@@ -4952,7 +4952,7 @@
           </p:nvSpPr>
           <p:spPr>
             <a:xfrm>
-              <a:off x="3555886" y="4503020"/>
+              <a:off x="3379651" y="4502877"/>
               <a:ext cx="63202" cy="63202"/>
             </a:xfrm>
             <a:custGeom>
@@ -4995,7 +4995,7 @@
           </p:nvSpPr>
           <p:spPr>
             <a:xfrm>
-              <a:off x="3298126" y="5376874"/>
+              <a:off x="3408941" y="5376753"/>
               <a:ext cx="63202" cy="63202"/>
             </a:xfrm>
             <a:custGeom>
@@ -5038,7 +5038,7 @@
           </p:nvSpPr>
           <p:spPr>
             <a:xfrm>
-              <a:off x="3606987" y="3633240"/>
+              <a:off x="3612431" y="3632882"/>
               <a:ext cx="63202" cy="63202"/>
             </a:xfrm>
             <a:custGeom>
@@ -5081,7 +5081,7 @@
           </p:nvSpPr>
           <p:spPr>
             <a:xfrm>
-              <a:off x="3626383" y="4356217"/>
+              <a:off x="3615668" y="4355919"/>
               <a:ext cx="63202" cy="63202"/>
             </a:xfrm>
             <a:custGeom>
@@ -5124,7 +5124,7 @@
           </p:nvSpPr>
           <p:spPr>
             <a:xfrm>
-              <a:off x="3346779" y="4326378"/>
+              <a:off x="3464484" y="4326179"/>
               <a:ext cx="63202" cy="63202"/>
             </a:xfrm>
             <a:custGeom>
@@ -5167,7 +5167,7 @@
           </p:nvSpPr>
           <p:spPr>
             <a:xfrm>
-              <a:off x="3277580" y="5166760"/>
+              <a:off x="3389313" y="5166487"/>
               <a:ext cx="63202" cy="63202"/>
             </a:xfrm>
             <a:custGeom>
@@ -5210,7 +5210,7 @@
           </p:nvSpPr>
           <p:spPr>
             <a:xfrm>
-              <a:off x="3616200" y="3674560"/>
+              <a:off x="3408340" y="3674312"/>
               <a:ext cx="63202" cy="63202"/>
             </a:xfrm>
             <a:custGeom>
@@ -5253,7 +5253,7 @@
           </p:nvSpPr>
           <p:spPr>
             <a:xfrm>
-              <a:off x="3271583" y="3802882"/>
+              <a:off x="3287655" y="3802864"/>
               <a:ext cx="63202" cy="63202"/>
             </a:xfrm>
             <a:custGeom>
@@ -5296,7 +5296,7 @@
           </p:nvSpPr>
           <p:spPr>
             <a:xfrm>
-              <a:off x="3404933" y="3798379"/>
+              <a:off x="3660408" y="3798062"/>
               <a:ext cx="63202" cy="63202"/>
             </a:xfrm>
             <a:custGeom>
@@ -5339,7 +5339,7 @@
           </p:nvSpPr>
           <p:spPr>
             <a:xfrm>
-              <a:off x="3528614" y="3777510"/>
+              <a:off x="3387204" y="3777157"/>
               <a:ext cx="63202" cy="63202"/>
             </a:xfrm>
             <a:custGeom>
@@ -5382,7 +5382,7 @@
           </p:nvSpPr>
           <p:spPr>
             <a:xfrm>
-              <a:off x="3646840" y="3778962"/>
+              <a:off x="3591773" y="3778638"/>
               <a:ext cx="63202" cy="63202"/>
             </a:xfrm>
             <a:custGeom>
@@ -5425,7 +5425,7 @@
           </p:nvSpPr>
           <p:spPr>
             <a:xfrm>
-              <a:off x="3524808" y="3813755"/>
+              <a:off x="3385050" y="3813261"/>
               <a:ext cx="63202" cy="63202"/>
             </a:xfrm>
             <a:custGeom>
@@ -5468,7 +5468,7 @@
           </p:nvSpPr>
           <p:spPr>
             <a:xfrm>
-              <a:off x="3625301" y="3901123"/>
+              <a:off x="3516340" y="3901117"/>
               <a:ext cx="63202" cy="63202"/>
             </a:xfrm>
             <a:custGeom>
@@ -5511,7 +5511,7 @@
           </p:nvSpPr>
           <p:spPr>
             <a:xfrm>
-              <a:off x="3645191" y="4273360"/>
+              <a:off x="3436139" y="4273367"/>
               <a:ext cx="63202" cy="63202"/>
             </a:xfrm>
             <a:custGeom>
@@ -5554,7 +5554,7 @@
           </p:nvSpPr>
           <p:spPr>
             <a:xfrm>
-              <a:off x="3472937" y="4255059"/>
+              <a:off x="3342312" y="4254784"/>
               <a:ext cx="63202" cy="63202"/>
             </a:xfrm>
             <a:custGeom>
@@ -5597,7 +5597,7 @@
           </p:nvSpPr>
           <p:spPr>
             <a:xfrm>
-              <a:off x="3554620" y="3771769"/>
+              <a:off x="3416101" y="3771786"/>
               <a:ext cx="63202" cy="63202"/>
             </a:xfrm>
             <a:custGeom>
@@ -5640,7 +5640,7 @@
           </p:nvSpPr>
           <p:spPr>
             <a:xfrm>
-              <a:off x="3515579" y="4860156"/>
+              <a:off x="3503660" y="4859799"/>
               <a:ext cx="63202" cy="63202"/>
             </a:xfrm>
             <a:custGeom>
@@ -5683,7 +5683,7 @@
           </p:nvSpPr>
           <p:spPr>
             <a:xfrm>
-              <a:off x="3387768" y="4369971"/>
+              <a:off x="3597116" y="4369858"/>
               <a:ext cx="63202" cy="63202"/>
             </a:xfrm>
             <a:custGeom>
@@ -5726,7 +5726,7 @@
           </p:nvSpPr>
           <p:spPr>
             <a:xfrm>
-              <a:off x="3658923" y="3776444"/>
+              <a:off x="3321066" y="3776216"/>
               <a:ext cx="63202" cy="63202"/>
             </a:xfrm>
             <a:custGeom>
@@ -5769,7 +5769,7 @@
           </p:nvSpPr>
           <p:spPr>
             <a:xfrm>
-              <a:off x="3597972" y="3776510"/>
+              <a:off x="3257677" y="3776439"/>
               <a:ext cx="63202" cy="63202"/>
             </a:xfrm>
             <a:custGeom>
@@ -5812,7 +5812,7 @@
           </p:nvSpPr>
           <p:spPr>
             <a:xfrm>
-              <a:off x="3335042" y="3751006"/>
+              <a:off x="3662654" y="3750754"/>
               <a:ext cx="63202" cy="63202"/>
             </a:xfrm>
             <a:custGeom>
@@ -5855,7 +5855,7 @@
           </p:nvSpPr>
           <p:spPr>
             <a:xfrm>
-              <a:off x="3497090" y="3796980"/>
+              <a:off x="3378085" y="3796718"/>
               <a:ext cx="63202" cy="63202"/>
             </a:xfrm>
             <a:custGeom>
@@ -5898,7 +5898,7 @@
           </p:nvSpPr>
           <p:spPr>
             <a:xfrm>
-              <a:off x="3646810" y="3505506"/>
+              <a:off x="3604291" y="3505193"/>
               <a:ext cx="63202" cy="63202"/>
             </a:xfrm>
             <a:custGeom>
@@ -5997,7 +5997,7 @@
           </p:nvSpPr>
           <p:spPr>
             <a:xfrm>
-              <a:off x="4899021" y="6460530"/>
+              <a:off x="4899021" y="6460518"/>
               <a:ext cx="1650203" cy="0"/>
             </a:xfrm>
             <a:custGeom>
@@ -6040,7 +6040,7 @@
           </p:nvSpPr>
           <p:spPr>
             <a:xfrm>
-              <a:off x="4899021" y="5068409"/>
+              <a:off x="4899021" y="5068305"/>
               <a:ext cx="1650203" cy="0"/>
             </a:xfrm>
             <a:custGeom>
@@ -6083,7 +6083,7 @@
           </p:nvSpPr>
           <p:spPr>
             <a:xfrm>
-              <a:off x="4899021" y="3676288"/>
+              <a:off x="4899021" y="3676092"/>
               <a:ext cx="1650203" cy="0"/>
             </a:xfrm>
             <a:custGeom>
@@ -6126,7 +6126,7 @@
           </p:nvSpPr>
           <p:spPr>
             <a:xfrm>
-              <a:off x="4899021" y="2284167"/>
+              <a:off x="4899021" y="2283879"/>
               <a:ext cx="1650203" cy="0"/>
             </a:xfrm>
             <a:custGeom>
@@ -6169,7 +6169,7 @@
           </p:nvSpPr>
           <p:spPr>
             <a:xfrm>
-              <a:off x="4899021" y="5764470"/>
+              <a:off x="4899021" y="5764411"/>
               <a:ext cx="1650203" cy="0"/>
             </a:xfrm>
             <a:custGeom>
@@ -6212,7 +6212,7 @@
           </p:nvSpPr>
           <p:spPr>
             <a:xfrm>
-              <a:off x="4899021" y="4372349"/>
+              <a:off x="4899021" y="4372198"/>
               <a:ext cx="1650203" cy="0"/>
             </a:xfrm>
             <a:custGeom>
@@ -6255,7 +6255,7 @@
           </p:nvSpPr>
           <p:spPr>
             <a:xfrm>
-              <a:off x="4899021" y="2980227"/>
+              <a:off x="4899021" y="2979986"/>
               <a:ext cx="1650203" cy="0"/>
             </a:xfrm>
             <a:custGeom>
@@ -6298,7 +6298,7 @@
           </p:nvSpPr>
           <p:spPr>
             <a:xfrm>
-              <a:off x="4899021" y="1588106"/>
+              <a:off x="4899021" y="1587773"/>
               <a:ext cx="1650203" cy="0"/>
             </a:xfrm>
             <a:custGeom>
@@ -6470,7 +6470,7 @@
           </p:nvSpPr>
           <p:spPr>
             <a:xfrm>
-              <a:off x="5791282" y="5481533"/>
+              <a:off x="5493132" y="5481102"/>
               <a:ext cx="63202" cy="63202"/>
             </a:xfrm>
             <a:custGeom>
@@ -6513,7 +6513,7 @@
           </p:nvSpPr>
           <p:spPr>
             <a:xfrm>
-              <a:off x="5174272" y="1641734"/>
+              <a:off x="4992784" y="1641734"/>
               <a:ext cx="63202" cy="63202"/>
             </a:xfrm>
             <a:custGeom>
@@ -6556,7 +6556,7 @@
           </p:nvSpPr>
           <p:spPr>
             <a:xfrm>
-              <a:off x="5259549" y="2598690"/>
+              <a:off x="5213565" y="2598513"/>
               <a:ext cx="63202" cy="63202"/>
             </a:xfrm>
             <a:custGeom>
@@ -6599,7 +6599,7 @@
           </p:nvSpPr>
           <p:spPr>
             <a:xfrm>
-              <a:off x="5221272" y="2177781"/>
+              <a:off x="5095916" y="2177671"/>
               <a:ext cx="63202" cy="63202"/>
             </a:xfrm>
             <a:custGeom>
@@ -6642,7 +6642,7 @@
           </p:nvSpPr>
           <p:spPr>
             <a:xfrm>
-              <a:off x="5320021" y="2615068"/>
+              <a:off x="5165607" y="2614817"/>
               <a:ext cx="63202" cy="63202"/>
             </a:xfrm>
             <a:custGeom>
@@ -6685,7 +6685,7 @@
           </p:nvSpPr>
           <p:spPr>
             <a:xfrm>
-              <a:off x="5738299" y="5713805"/>
+              <a:off x="5840911" y="5713954"/>
               <a:ext cx="63202" cy="63202"/>
             </a:xfrm>
             <a:custGeom>
@@ -6728,7 +6728,7 @@
           </p:nvSpPr>
           <p:spPr>
             <a:xfrm>
-              <a:off x="6236927" y="6586104"/>
+              <a:off x="6229690" y="6586138"/>
               <a:ext cx="63202" cy="63202"/>
             </a:xfrm>
             <a:custGeom>
@@ -6771,7 +6771,7 @@
           </p:nvSpPr>
           <p:spPr>
             <a:xfrm>
-              <a:off x="5121610" y="5619276"/>
+              <a:off x="5327006" y="5619234"/>
               <a:ext cx="63202" cy="63202"/>
             </a:xfrm>
             <a:custGeom>
@@ -6814,7 +6814,7 @@
           </p:nvSpPr>
           <p:spPr>
             <a:xfrm>
-              <a:off x="5025715" y="4827629"/>
+              <a:off x="5312029" y="4827255"/>
               <a:ext cx="63202" cy="63202"/>
             </a:xfrm>
             <a:custGeom>
@@ -6857,7 +6857,7 @@
           </p:nvSpPr>
           <p:spPr>
             <a:xfrm>
-              <a:off x="5493774" y="5736742"/>
+              <a:off x="5555188" y="5736657"/>
               <a:ext cx="63202" cy="63202"/>
             </a:xfrm>
             <a:custGeom>
@@ -6900,7 +6900,7 @@
           </p:nvSpPr>
           <p:spPr>
             <a:xfrm>
-              <a:off x="5053732" y="3692665"/>
+              <a:off x="5216070" y="3692232"/>
               <a:ext cx="63202" cy="63202"/>
             </a:xfrm>
             <a:custGeom>
@@ -6943,7 +6943,7 @@
           </p:nvSpPr>
           <p:spPr>
             <a:xfrm>
-              <a:off x="5338297" y="3567306"/>
+              <a:off x="5007340" y="3567010"/>
               <a:ext cx="63202" cy="63202"/>
             </a:xfrm>
             <a:custGeom>
@@ -6986,7 +6986,7 @@
           </p:nvSpPr>
           <p:spPr>
             <a:xfrm>
-              <a:off x="6322822" y="6540409"/>
+              <a:off x="6204876" y="6540190"/>
               <a:ext cx="63202" cy="63202"/>
             </a:xfrm>
             <a:custGeom>
@@ -7029,7 +7029,7 @@
           </p:nvSpPr>
           <p:spPr>
             <a:xfrm>
-              <a:off x="5801772" y="5758005"/>
+              <a:off x="5881927" y="5757722"/>
               <a:ext cx="63202" cy="63202"/>
             </a:xfrm>
             <a:custGeom>
@@ -7072,7 +7072,7 @@
           </p:nvSpPr>
           <p:spPr>
             <a:xfrm>
-              <a:off x="5578076" y="5733195"/>
+              <a:off x="5735687" y="5733264"/>
               <a:ext cx="63202" cy="63202"/>
             </a:xfrm>
             <a:custGeom>
@@ -7171,7 +7171,7 @@
           </p:nvSpPr>
           <p:spPr>
             <a:xfrm>
-              <a:off x="6618814" y="6460530"/>
+              <a:off x="6618814" y="6460518"/>
               <a:ext cx="1650203" cy="0"/>
             </a:xfrm>
             <a:custGeom>
@@ -7214,7 +7214,7 @@
           </p:nvSpPr>
           <p:spPr>
             <a:xfrm>
-              <a:off x="6618814" y="5068409"/>
+              <a:off x="6618814" y="5068305"/>
               <a:ext cx="1650203" cy="0"/>
             </a:xfrm>
             <a:custGeom>
@@ -7257,7 +7257,7 @@
           </p:nvSpPr>
           <p:spPr>
             <a:xfrm>
-              <a:off x="6618814" y="3676288"/>
+              <a:off x="6618814" y="3676092"/>
               <a:ext cx="1650203" cy="0"/>
             </a:xfrm>
             <a:custGeom>
@@ -7300,7 +7300,7 @@
           </p:nvSpPr>
           <p:spPr>
             <a:xfrm>
-              <a:off x="6618814" y="2284167"/>
+              <a:off x="6618814" y="2283879"/>
               <a:ext cx="1650203" cy="0"/>
             </a:xfrm>
             <a:custGeom>
@@ -7343,7 +7343,7 @@
           </p:nvSpPr>
           <p:spPr>
             <a:xfrm>
-              <a:off x="6618814" y="5764470"/>
+              <a:off x="6618814" y="5764411"/>
               <a:ext cx="1650203" cy="0"/>
             </a:xfrm>
             <a:custGeom>
@@ -7386,7 +7386,7 @@
           </p:nvSpPr>
           <p:spPr>
             <a:xfrm>
-              <a:off x="6618814" y="4372349"/>
+              <a:off x="6618814" y="4372198"/>
               <a:ext cx="1650203" cy="0"/>
             </a:xfrm>
             <a:custGeom>
@@ -7429,7 +7429,7 @@
           </p:nvSpPr>
           <p:spPr>
             <a:xfrm>
-              <a:off x="6618814" y="2980227"/>
+              <a:off x="6618814" y="2979986"/>
               <a:ext cx="1650203" cy="0"/>
             </a:xfrm>
             <a:custGeom>
@@ -7472,7 +7472,7 @@
           </p:nvSpPr>
           <p:spPr>
             <a:xfrm>
-              <a:off x="6618814" y="1588106"/>
+              <a:off x="6618814" y="1587773"/>
               <a:ext cx="1650203" cy="0"/>
             </a:xfrm>
             <a:custGeom>
@@ -7644,7 +7644,7 @@
           </p:nvSpPr>
           <p:spPr>
             <a:xfrm>
-              <a:off x="7434260" y="5733383"/>
+              <a:off x="7465885" y="5733191"/>
               <a:ext cx="63202" cy="63202"/>
             </a:xfrm>
             <a:custGeom>
@@ -7687,7 +7687,7 @@
           </p:nvSpPr>
           <p:spPr>
             <a:xfrm>
-              <a:off x="6842660" y="5207198"/>
+              <a:off x="6756420" y="5207141"/>
               <a:ext cx="63202" cy="63202"/>
             </a:xfrm>
             <a:custGeom>
@@ -7730,7 +7730,7 @@
           </p:nvSpPr>
           <p:spPr>
             <a:xfrm>
-              <a:off x="6731483" y="4859033"/>
+              <a:off x="6969635" y="4858821"/>
               <a:ext cx="63202" cy="63202"/>
             </a:xfrm>
             <a:custGeom>
@@ -7773,7 +7773,7 @@
           </p:nvSpPr>
           <p:spPr>
             <a:xfrm>
-              <a:off x="8100502" y="6554221"/>
+              <a:off x="7768222" y="6554044"/>
               <a:ext cx="63202" cy="63202"/>
             </a:xfrm>
             <a:custGeom>
@@ -7872,7 +7872,7 @@
           </p:nvSpPr>
           <p:spPr>
             <a:xfrm>
-              <a:off x="8338607" y="6460530"/>
+              <a:off x="8338607" y="6460518"/>
               <a:ext cx="1650203" cy="0"/>
             </a:xfrm>
             <a:custGeom>
@@ -7915,7 +7915,7 @@
           </p:nvSpPr>
           <p:spPr>
             <a:xfrm>
-              <a:off x="8338607" y="5068409"/>
+              <a:off x="8338607" y="5068305"/>
               <a:ext cx="1650203" cy="0"/>
             </a:xfrm>
             <a:custGeom>
@@ -7958,7 +7958,7 @@
           </p:nvSpPr>
           <p:spPr>
             <a:xfrm>
-              <a:off x="8338607" y="3676288"/>
+              <a:off x="8338607" y="3676092"/>
               <a:ext cx="1650203" cy="0"/>
             </a:xfrm>
             <a:custGeom>
@@ -8001,7 +8001,7 @@
           </p:nvSpPr>
           <p:spPr>
             <a:xfrm>
-              <a:off x="8338607" y="2284167"/>
+              <a:off x="8338607" y="2283879"/>
               <a:ext cx="1650203" cy="0"/>
             </a:xfrm>
             <a:custGeom>
@@ -8044,7 +8044,7 @@
           </p:nvSpPr>
           <p:spPr>
             <a:xfrm>
-              <a:off x="8338607" y="5764470"/>
+              <a:off x="8338607" y="5764411"/>
               <a:ext cx="1650203" cy="0"/>
             </a:xfrm>
             <a:custGeom>
@@ -8087,7 +8087,7 @@
           </p:nvSpPr>
           <p:spPr>
             <a:xfrm>
-              <a:off x="8338607" y="4372349"/>
+              <a:off x="8338607" y="4372198"/>
               <a:ext cx="1650203" cy="0"/>
             </a:xfrm>
             <a:custGeom>
@@ -8130,7 +8130,7 @@
           </p:nvSpPr>
           <p:spPr>
             <a:xfrm>
-              <a:off x="8338607" y="2980227"/>
+              <a:off x="8338607" y="2979986"/>
               <a:ext cx="1650203" cy="0"/>
             </a:xfrm>
             <a:custGeom>
@@ -8173,7 +8173,7 @@
           </p:nvSpPr>
           <p:spPr>
             <a:xfrm>
-              <a:off x="8338607" y="1588106"/>
+              <a:off x="8338607" y="1587773"/>
               <a:ext cx="1650203" cy="0"/>
             </a:xfrm>
             <a:custGeom>
@@ -8345,7 +8345,7 @@
           </p:nvSpPr>
           <p:spPr>
             <a:xfrm>
-              <a:off x="8725173" y="2127175"/>
+              <a:off x="8804191" y="2126828"/>
               <a:ext cx="63202" cy="63202"/>
             </a:xfrm>
             <a:custGeom>
@@ -8388,7 +8388,7 @@
           </p:nvSpPr>
           <p:spPr>
             <a:xfrm>
-              <a:off x="8413657" y="2084572"/>
+              <a:off x="8502079" y="2084311"/>
               <a:ext cx="63202" cy="63202"/>
             </a:xfrm>
             <a:custGeom>
@@ -8431,7 +8431,7 @@
           </p:nvSpPr>
           <p:spPr>
             <a:xfrm>
-              <a:off x="8619067" y="2027351"/>
+              <a:off x="8782403" y="2027362"/>
               <a:ext cx="63202" cy="63202"/>
             </a:xfrm>
             <a:custGeom>
@@ -8474,7 +8474,7 @@
           </p:nvSpPr>
           <p:spPr>
             <a:xfrm>
-              <a:off x="8444130" y="4973802"/>
+              <a:off x="8424340" y="4973414"/>
               <a:ext cx="63202" cy="63202"/>
             </a:xfrm>
             <a:custGeom>
@@ -8517,7 +8517,7 @@
           </p:nvSpPr>
           <p:spPr>
             <a:xfrm>
-              <a:off x="8733614" y="4906505"/>
+              <a:off x="8455784" y="4906253"/>
               <a:ext cx="63202" cy="63202"/>
             </a:xfrm>
             <a:custGeom>
@@ -8560,7 +8560,7 @@
           </p:nvSpPr>
           <p:spPr>
             <a:xfrm>
-              <a:off x="9256457" y="5990593"/>
+              <a:off x="9044795" y="5990213"/>
               <a:ext cx="63202" cy="63202"/>
             </a:xfrm>
             <a:custGeom>
@@ -8603,7 +8603,7 @@
           </p:nvSpPr>
           <p:spPr>
             <a:xfrm>
-              <a:off x="9155922" y="6217765"/>
+              <a:off x="8932196" y="6217671"/>
               <a:ext cx="63202" cy="63202"/>
             </a:xfrm>
             <a:custGeom>
@@ -8646,7 +8646,7 @@
           </p:nvSpPr>
           <p:spPr>
             <a:xfrm>
-              <a:off x="8723188" y="4263631"/>
+              <a:off x="8450124" y="4263742"/>
               <a:ext cx="63202" cy="63202"/>
             </a:xfrm>
             <a:custGeom>
@@ -8689,7 +8689,7 @@
           </p:nvSpPr>
           <p:spPr>
             <a:xfrm>
-              <a:off x="9326139" y="5652888"/>
+              <a:off x="9021924" y="5653081"/>
               <a:ext cx="63202" cy="63202"/>
             </a:xfrm>
             <a:custGeom>
@@ -8732,7 +8732,7 @@
           </p:nvSpPr>
           <p:spPr>
             <a:xfrm>
-              <a:off x="8453286" y="4366199"/>
+              <a:off x="8445161" y="4365987"/>
               <a:ext cx="63202" cy="63202"/>
             </a:xfrm>
             <a:custGeom>
@@ -8775,7 +8775,7 @@
           </p:nvSpPr>
           <p:spPr>
             <a:xfrm>
-              <a:off x="8442524" y="4161339"/>
+              <a:off x="8762739" y="4161086"/>
               <a:ext cx="63202" cy="63202"/>
             </a:xfrm>
             <a:custGeom>
@@ -8818,7 +8818,7 @@
           </p:nvSpPr>
           <p:spPr>
             <a:xfrm>
-              <a:off x="8544733" y="4912421"/>
+              <a:off x="8505072" y="4912200"/>
               <a:ext cx="63202" cy="63202"/>
             </a:xfrm>
             <a:custGeom>
@@ -8861,7 +8861,7 @@
           </p:nvSpPr>
           <p:spPr>
             <a:xfrm>
-              <a:off x="8725611" y="4193636"/>
+              <a:off x="8475857" y="4193518"/>
               <a:ext cx="63202" cy="63202"/>
             </a:xfrm>
             <a:custGeom>
@@ -8904,7 +8904,7 @@
           </p:nvSpPr>
           <p:spPr>
             <a:xfrm>
-              <a:off x="8690187" y="4524170"/>
+              <a:off x="8553975" y="4524084"/>
               <a:ext cx="63202" cy="63202"/>
             </a:xfrm>
             <a:custGeom>
@@ -8947,7 +8947,7 @@
           </p:nvSpPr>
           <p:spPr>
             <a:xfrm>
-              <a:off x="9070082" y="6155724"/>
+              <a:off x="9143441" y="6155666"/>
               <a:ext cx="63202" cy="63202"/>
             </a:xfrm>
             <a:custGeom>
@@ -8990,7 +8990,7 @@
           </p:nvSpPr>
           <p:spPr>
             <a:xfrm>
-              <a:off x="9206031" y="6095415"/>
+              <a:off x="9146160" y="6095096"/>
               <a:ext cx="63202" cy="63202"/>
             </a:xfrm>
             <a:custGeom>
@@ -9033,7 +9033,7 @@
           </p:nvSpPr>
           <p:spPr>
             <a:xfrm>
-              <a:off x="8747419" y="4447593"/>
+              <a:off x="8747405" y="4447221"/>
               <a:ext cx="63202" cy="63202"/>
             </a:xfrm>
             <a:custGeom>
@@ -9076,7 +9076,7 @@
           </p:nvSpPr>
           <p:spPr>
             <a:xfrm>
-              <a:off x="8942734" y="5151732"/>
+              <a:off x="9230695" y="5151649"/>
               <a:ext cx="63202" cy="63202"/>
             </a:xfrm>
             <a:custGeom>
@@ -9119,7 +9119,7 @@
           </p:nvSpPr>
           <p:spPr>
             <a:xfrm>
-              <a:off x="8788921" y="2024369"/>
+              <a:off x="8759441" y="2023903"/>
               <a:ext cx="63202" cy="63202"/>
             </a:xfrm>
             <a:custGeom>
@@ -9162,7 +9162,7 @@
           </p:nvSpPr>
           <p:spPr>
             <a:xfrm>
-              <a:off x="8753871" y="5088139"/>
+              <a:off x="8447567" y="5088177"/>
               <a:ext cx="63202" cy="63202"/>
             </a:xfrm>
             <a:custGeom>
@@ -9205,7 +9205,7 @@
           </p:nvSpPr>
           <p:spPr>
             <a:xfrm>
-              <a:off x="8663746" y="4390863"/>
+              <a:off x="8691512" y="4390663"/>
               <a:ext cx="63202" cy="63202"/>
             </a:xfrm>
             <a:custGeom>
@@ -9248,7 +9248,7 @@
           </p:nvSpPr>
           <p:spPr>
             <a:xfrm>
-              <a:off x="9297558" y="5070741"/>
+              <a:off x="9143946" y="5070742"/>
               <a:ext cx="63202" cy="63202"/>
             </a:xfrm>
             <a:custGeom>
@@ -9291,7 +9291,7 @@
           </p:nvSpPr>
           <p:spPr>
             <a:xfrm>
-              <a:off x="8470456" y="5216861"/>
+              <a:off x="8548502" y="5216870"/>
               <a:ext cx="63202" cy="63202"/>
             </a:xfrm>
             <a:custGeom>
@@ -9334,7 +9334,7 @@
           </p:nvSpPr>
           <p:spPr>
             <a:xfrm>
-              <a:off x="8613917" y="5536434"/>
+              <a:off x="8548531" y="5536685"/>
               <a:ext cx="63202" cy="63202"/>
             </a:xfrm>
             <a:custGeom>
@@ -9377,7 +9377,7 @@
           </p:nvSpPr>
           <p:spPr>
             <a:xfrm>
-              <a:off x="8505629" y="3025986"/>
+              <a:off x="8574791" y="3025741"/>
               <a:ext cx="63202" cy="63202"/>
             </a:xfrm>
             <a:custGeom>
@@ -9420,7 +9420,7 @@
           </p:nvSpPr>
           <p:spPr>
             <a:xfrm>
-              <a:off x="8801622" y="4714173"/>
+              <a:off x="8473485" y="4714007"/>
               <a:ext cx="63202" cy="63202"/>
             </a:xfrm>
             <a:custGeom>
@@ -9463,7 +9463,7 @@
           </p:nvSpPr>
           <p:spPr>
             <a:xfrm>
-              <a:off x="8489359" y="1954267"/>
+              <a:off x="8646415" y="1953906"/>
               <a:ext cx="63202" cy="63202"/>
             </a:xfrm>
             <a:custGeom>
@@ -9506,7 +9506,7 @@
           </p:nvSpPr>
           <p:spPr>
             <a:xfrm>
-              <a:off x="8764754" y="1915999"/>
+              <a:off x="8776029" y="1915949"/>
               <a:ext cx="63202" cy="63202"/>
             </a:xfrm>
             <a:custGeom>
@@ -9549,7 +9549,7 @@
           </p:nvSpPr>
           <p:spPr>
             <a:xfrm>
-              <a:off x="8581375" y="4772160"/>
+              <a:off x="8597072" y="4772347"/>
               <a:ext cx="63202" cy="63202"/>
             </a:xfrm>
             <a:custGeom>
@@ -9592,7 +9592,7 @@
           </p:nvSpPr>
           <p:spPr>
             <a:xfrm>
-              <a:off x="8527110" y="4489779"/>
+              <a:off x="8729613" y="4489493"/>
               <a:ext cx="63202" cy="63202"/>
             </a:xfrm>
             <a:custGeom>
@@ -9635,7 +9635,7 @@
           </p:nvSpPr>
           <p:spPr>
             <a:xfrm>
-              <a:off x="8740261" y="1913988"/>
+              <a:off x="8497511" y="1913456"/>
               <a:ext cx="63202" cy="63202"/>
             </a:xfrm>
             <a:custGeom>
@@ -9678,7 +9678,7 @@
           </p:nvSpPr>
           <p:spPr>
             <a:xfrm>
-              <a:off x="9444875" y="6591389"/>
+              <a:off x="9652626" y="6591373"/>
               <a:ext cx="63202" cy="63202"/>
             </a:xfrm>
             <a:custGeom>
@@ -9721,7 +9721,7 @@
           </p:nvSpPr>
           <p:spPr>
             <a:xfrm>
-              <a:off x="8547398" y="4291475"/>
+              <a:off x="8723247" y="4291480"/>
               <a:ext cx="63202" cy="63202"/>
             </a:xfrm>
             <a:custGeom>
@@ -9764,7 +9764,7 @@
           </p:nvSpPr>
           <p:spPr>
             <a:xfrm>
-              <a:off x="8653709" y="3082364"/>
+              <a:off x="8482576" y="3081902"/>
               <a:ext cx="63202" cy="63202"/>
             </a:xfrm>
             <a:custGeom>
@@ -9807,7 +9807,7 @@
           </p:nvSpPr>
           <p:spPr>
             <a:xfrm>
-              <a:off x="8671990" y="3034142"/>
+              <a:off x="8697025" y="3033719"/>
               <a:ext cx="63202" cy="63202"/>
             </a:xfrm>
             <a:custGeom>
@@ -9850,7 +9850,7 @@
           </p:nvSpPr>
           <p:spPr>
             <a:xfrm>
-              <a:off x="8690491" y="2004709"/>
+              <a:off x="8469435" y="2004609"/>
               <a:ext cx="63202" cy="63202"/>
             </a:xfrm>
             <a:custGeom>
@@ -9893,7 +9893,7 @@
           </p:nvSpPr>
           <p:spPr>
             <a:xfrm>
-              <a:off x="8589689" y="1946259"/>
+              <a:off x="8547151" y="1946122"/>
               <a:ext cx="63202" cy="63202"/>
             </a:xfrm>
             <a:custGeom>
@@ -9936,7 +9936,7 @@
           </p:nvSpPr>
           <p:spPr>
             <a:xfrm>
-              <a:off x="8575415" y="2005130"/>
+              <a:off x="8420813" y="2004986"/>
               <a:ext cx="63202" cy="63202"/>
             </a:xfrm>
             <a:custGeom>
@@ -9979,7 +9979,7 @@
           </p:nvSpPr>
           <p:spPr>
             <a:xfrm>
-              <a:off x="8451109" y="2004783"/>
+              <a:off x="8789519" y="2004623"/>
               <a:ext cx="63202" cy="63202"/>
             </a:xfrm>
             <a:custGeom>
@@ -10022,7 +10022,7 @@
           </p:nvSpPr>
           <p:spPr>
             <a:xfrm>
-              <a:off x="8780279" y="1944113"/>
+              <a:off x="8738020" y="1943523"/>
               <a:ext cx="63202" cy="63202"/>
             </a:xfrm>
             <a:custGeom>
@@ -10065,7 +10065,7 @@
           </p:nvSpPr>
           <p:spPr>
             <a:xfrm>
-              <a:off x="8636375" y="3031310"/>
+              <a:off x="8481429" y="3030861"/>
               <a:ext cx="63202" cy="63202"/>
             </a:xfrm>
             <a:custGeom>
@@ -10108,7 +10108,7 @@
           </p:nvSpPr>
           <p:spPr>
             <a:xfrm>
-              <a:off x="8806192" y="3054967"/>
+              <a:off x="8703297" y="3054522"/>
               <a:ext cx="63202" cy="63202"/>
             </a:xfrm>
             <a:custGeom>
@@ -10151,7 +10151,7 @@
           </p:nvSpPr>
           <p:spPr>
             <a:xfrm>
-              <a:off x="8425464" y="5587344"/>
+              <a:off x="8750917" y="5587005"/>
               <a:ext cx="63202" cy="63202"/>
             </a:xfrm>
             <a:custGeom>
@@ -10194,7 +10194,7 @@
           </p:nvSpPr>
           <p:spPr>
             <a:xfrm>
-              <a:off x="8481583" y="2587895"/>
+              <a:off x="8515530" y="2587660"/>
               <a:ext cx="63202" cy="63202"/>
             </a:xfrm>
             <a:custGeom>
@@ -10237,7 +10237,7 @@
           </p:nvSpPr>
           <p:spPr>
             <a:xfrm>
-              <a:off x="8740168" y="2496937"/>
+              <a:off x="8793453" y="2496841"/>
               <a:ext cx="63202" cy="63202"/>
             </a:xfrm>
             <a:custGeom>
@@ -10280,7 +10280,7 @@
           </p:nvSpPr>
           <p:spPr>
             <a:xfrm>
-              <a:off x="8725941" y="2563346"/>
+              <a:off x="8690697" y="2563164"/>
               <a:ext cx="63202" cy="63202"/>
             </a:xfrm>
             <a:custGeom>
@@ -10323,7 +10323,7 @@
           </p:nvSpPr>
           <p:spPr>
             <a:xfrm>
-              <a:off x="8420288" y="5640005"/>
+              <a:off x="8798110" y="5640167"/>
               <a:ext cx="63202" cy="63202"/>
             </a:xfrm>
             <a:custGeom>
@@ -10366,7 +10366,7 @@
           </p:nvSpPr>
           <p:spPr>
             <a:xfrm>
-              <a:off x="8738229" y="2077479"/>
+              <a:off x="8809999" y="2077210"/>
               <a:ext cx="63202" cy="63202"/>
             </a:xfrm>
             <a:custGeom>
@@ -10409,7 +10409,7 @@
           </p:nvSpPr>
           <p:spPr>
             <a:xfrm>
-              <a:off x="8527076" y="2861730"/>
+              <a:off x="8485374" y="2861421"/>
               <a:ext cx="63202" cy="63202"/>
             </a:xfrm>
             <a:custGeom>
@@ -10452,7 +10452,7 @@
           </p:nvSpPr>
           <p:spPr>
             <a:xfrm>
-              <a:off x="8518447" y="2993552"/>
+              <a:off x="8655351" y="2993443"/>
               <a:ext cx="63202" cy="63202"/>
             </a:xfrm>
             <a:custGeom>
@@ -10495,7 +10495,7 @@
           </p:nvSpPr>
           <p:spPr>
             <a:xfrm>
-              <a:off x="8660120" y="1947093"/>
+              <a:off x="8678918" y="1947013"/>
               <a:ext cx="63202" cy="63202"/>
             </a:xfrm>
             <a:custGeom>
@@ -10538,7 +10538,7 @@
           </p:nvSpPr>
           <p:spPr>
             <a:xfrm>
-              <a:off x="8532452" y="1960508"/>
+              <a:off x="8519633" y="1960319"/>
               <a:ext cx="63202" cy="63202"/>
             </a:xfrm>
             <a:custGeom>
@@ -10581,7 +10581,7 @@
           </p:nvSpPr>
           <p:spPr>
             <a:xfrm>
-              <a:off x="8431132" y="2396283"/>
+              <a:off x="8585905" y="2396314"/>
               <a:ext cx="63202" cy="63202"/>
             </a:xfrm>
             <a:custGeom>
@@ -10624,7 +10624,7 @@
           </p:nvSpPr>
           <p:spPr>
             <a:xfrm>
-              <a:off x="8421416" y="2731955"/>
+              <a:off x="8789730" y="2731655"/>
               <a:ext cx="63202" cy="63202"/>
             </a:xfrm>
             <a:custGeom>
@@ -10667,7 +10667,7 @@
           </p:nvSpPr>
           <p:spPr>
             <a:xfrm>
-              <a:off x="8509049" y="2543059"/>
+              <a:off x="8626283" y="2542880"/>
               <a:ext cx="63202" cy="63202"/>
             </a:xfrm>
             <a:custGeom>
@@ -10710,7 +10710,7 @@
           </p:nvSpPr>
           <p:spPr>
             <a:xfrm>
-              <a:off x="8687753" y="1944129"/>
+              <a:off x="8742026" y="1943776"/>
               <a:ext cx="63202" cy="63202"/>
             </a:xfrm>
             <a:custGeom>
@@ -10753,7 +10753,7 @@
           </p:nvSpPr>
           <p:spPr>
             <a:xfrm>
-              <a:off x="8647914" y="1947600"/>
+              <a:off x="8685485" y="1947541"/>
               <a:ext cx="63202" cy="63202"/>
             </a:xfrm>
             <a:custGeom>
@@ -10796,7 +10796,7 @@
           </p:nvSpPr>
           <p:spPr>
             <a:xfrm>
-              <a:off x="8684067" y="3016699"/>
+              <a:off x="8777906" y="3016435"/>
               <a:ext cx="63202" cy="63202"/>
             </a:xfrm>
             <a:custGeom>
@@ -10839,7 +10839,7 @@
           </p:nvSpPr>
           <p:spPr>
             <a:xfrm>
-              <a:off x="8472257" y="1954191"/>
+              <a:off x="8424708" y="1953904"/>
               <a:ext cx="63202" cy="63202"/>
             </a:xfrm>
             <a:custGeom>
@@ -10882,7 +10882,7 @@
           </p:nvSpPr>
           <p:spPr>
             <a:xfrm>
-              <a:off x="8539256" y="1957263"/>
+              <a:off x="8744035" y="1957155"/>
               <a:ext cx="63202" cy="63202"/>
             </a:xfrm>
             <a:custGeom>
@@ -10925,7 +10925,7 @@
           </p:nvSpPr>
           <p:spPr>
             <a:xfrm>
-              <a:off x="8458141" y="1948202"/>
+              <a:off x="8717583" y="1947824"/>
               <a:ext cx="63202" cy="63202"/>
             </a:xfrm>
             <a:custGeom>
@@ -10968,7 +10968,7 @@
           </p:nvSpPr>
           <p:spPr>
             <a:xfrm>
-              <a:off x="8757189" y="1913940"/>
+              <a:off x="8628759" y="1913477"/>
               <a:ext cx="63202" cy="63202"/>
             </a:xfrm>
             <a:custGeom>
@@ -11011,7 +11011,7 @@
           </p:nvSpPr>
           <p:spPr>
             <a:xfrm>
-              <a:off x="8478590" y="1962600"/>
+              <a:off x="8797106" y="1962212"/>
               <a:ext cx="63202" cy="63202"/>
             </a:xfrm>
             <a:custGeom>
@@ -11054,7 +11054,7 @@
           </p:nvSpPr>
           <p:spPr>
             <a:xfrm>
-              <a:off x="8534914" y="3090156"/>
+              <a:off x="8464096" y="3089788"/>
               <a:ext cx="63202" cy="63202"/>
             </a:xfrm>
             <a:custGeom>
@@ -11097,7 +11097,7 @@
           </p:nvSpPr>
           <p:spPr>
             <a:xfrm>
-              <a:off x="8724940" y="1860957"/>
+              <a:off x="8423385" y="1860470"/>
               <a:ext cx="63202" cy="63202"/>
             </a:xfrm>
             <a:custGeom>
@@ -11140,7 +11140,7 @@
           </p:nvSpPr>
           <p:spPr>
             <a:xfrm>
-              <a:off x="8568017" y="2417800"/>
+              <a:off x="8655177" y="2417407"/>
               <a:ext cx="63202" cy="63202"/>
             </a:xfrm>
             <a:custGeom>
@@ -11183,7 +11183,7 @@
           </p:nvSpPr>
           <p:spPr>
             <a:xfrm>
-              <a:off x="8597281" y="4770788"/>
+              <a:off x="8652082" y="4770811"/>
               <a:ext cx="63202" cy="63202"/>
             </a:xfrm>
             <a:custGeom>
@@ -11226,7 +11226,7 @@
           </p:nvSpPr>
           <p:spPr>
             <a:xfrm>
-              <a:off x="8412946" y="4773261"/>
+              <a:off x="8704350" y="4773287"/>
               <a:ext cx="63202" cy="63202"/>
             </a:xfrm>
             <a:custGeom>
@@ -11269,7 +11269,7 @@
           </p:nvSpPr>
           <p:spPr>
             <a:xfrm>
-              <a:off x="8641909" y="2208807"/>
+              <a:off x="8761040" y="2208511"/>
               <a:ext cx="63202" cy="63202"/>
             </a:xfrm>
             <a:custGeom>
@@ -11312,7 +11312,7 @@
           </p:nvSpPr>
           <p:spPr>
             <a:xfrm>
-              <a:off x="8470447" y="2439593"/>
+              <a:off x="8549782" y="2439480"/>
               <a:ext cx="63202" cy="63202"/>
             </a:xfrm>
             <a:custGeom>
@@ -11355,7 +11355,7 @@
           </p:nvSpPr>
           <p:spPr>
             <a:xfrm>
-              <a:off x="8750117" y="4912613"/>
+              <a:off x="8624976" y="4912272"/>
               <a:ext cx="63202" cy="63202"/>
             </a:xfrm>
             <a:custGeom>
@@ -11398,7 +11398,7 @@
           </p:nvSpPr>
           <p:spPr>
             <a:xfrm>
-              <a:off x="8502627" y="4902981"/>
+              <a:off x="8410256" y="4903159"/>
               <a:ext cx="63202" cy="63202"/>
             </a:xfrm>
             <a:custGeom>
@@ -11441,7 +11441,7 @@
           </p:nvSpPr>
           <p:spPr>
             <a:xfrm>
-              <a:off x="8462389" y="4909102"/>
+              <a:off x="8563870" y="4908959"/>
               <a:ext cx="63202" cy="63202"/>
             </a:xfrm>
             <a:custGeom>
@@ -11484,7 +11484,7 @@
           </p:nvSpPr>
           <p:spPr>
             <a:xfrm>
-              <a:off x="8596697" y="4737357"/>
+              <a:off x="8537004" y="4737441"/>
               <a:ext cx="63202" cy="63202"/>
             </a:xfrm>
             <a:custGeom>
@@ -11527,7 +11527,7 @@
           </p:nvSpPr>
           <p:spPr>
             <a:xfrm>
-              <a:off x="8623683" y="1936921"/>
+              <a:off x="8707369" y="1936586"/>
               <a:ext cx="63202" cy="63202"/>
             </a:xfrm>
             <a:custGeom>
@@ -11570,7 +11570,7 @@
           </p:nvSpPr>
           <p:spPr>
             <a:xfrm>
-              <a:off x="8522375" y="5541325"/>
+              <a:off x="8493004" y="5541271"/>
               <a:ext cx="63202" cy="63202"/>
             </a:xfrm>
             <a:custGeom>
@@ -11613,7 +11613,7 @@
           </p:nvSpPr>
           <p:spPr>
             <a:xfrm>
-              <a:off x="8793914" y="5660031"/>
+              <a:off x="8703611" y="5659848"/>
               <a:ext cx="63202" cy="63202"/>
             </a:xfrm>
             <a:custGeom>
@@ -11656,7 +11656,7 @@
           </p:nvSpPr>
           <p:spPr>
             <a:xfrm>
-              <a:off x="8594753" y="5710660"/>
+              <a:off x="8417487" y="5710658"/>
               <a:ext cx="63202" cy="63202"/>
             </a:xfrm>
             <a:custGeom>
@@ -11699,7 +11699,7 @@
           </p:nvSpPr>
           <p:spPr>
             <a:xfrm>
-              <a:off x="8687520" y="5689533"/>
+              <a:off x="8677146" y="5689533"/>
               <a:ext cx="63202" cy="63202"/>
             </a:xfrm>
             <a:custGeom>
@@ -11742,7 +11742,7 @@
           </p:nvSpPr>
           <p:spPr>
             <a:xfrm>
-              <a:off x="8817675" y="5660183"/>
+              <a:off x="8489847" y="5659923"/>
               <a:ext cx="63202" cy="63202"/>
             </a:xfrm>
             <a:custGeom>
@@ -11785,7 +11785,7 @@
           </p:nvSpPr>
           <p:spPr>
             <a:xfrm>
-              <a:off x="8547768" y="2101926"/>
+              <a:off x="8496742" y="2101395"/>
               <a:ext cx="63202" cy="63202"/>
             </a:xfrm>
             <a:custGeom>
@@ -11828,7 +11828,7 @@
           </p:nvSpPr>
           <p:spPr>
             <a:xfrm>
-              <a:off x="8707192" y="4408445"/>
+              <a:off x="8426513" y="4408429"/>
               <a:ext cx="63202" cy="63202"/>
             </a:xfrm>
             <a:custGeom>
@@ -11871,7 +11871,7 @@
           </p:nvSpPr>
           <p:spPr>
             <a:xfrm>
-              <a:off x="8620134" y="2073027"/>
+              <a:off x="8624732" y="2072796"/>
               <a:ext cx="63202" cy="63202"/>
             </a:xfrm>
             <a:custGeom>
@@ -11914,7 +11914,7 @@
           </p:nvSpPr>
           <p:spPr>
             <a:xfrm>
-              <a:off x="8569808" y="2100055"/>
+              <a:off x="8788226" y="2099588"/>
               <a:ext cx="63202" cy="63202"/>
             </a:xfrm>
             <a:custGeom>
@@ -11957,7 +11957,7 @@
           </p:nvSpPr>
           <p:spPr>
             <a:xfrm>
-              <a:off x="8680925" y="2012627"/>
+              <a:off x="8427884" y="2012358"/>
               <a:ext cx="63202" cy="63202"/>
             </a:xfrm>
             <a:custGeom>
@@ -12000,7 +12000,7 @@
           </p:nvSpPr>
           <p:spPr>
             <a:xfrm>
-              <a:off x="8527112" y="2039065"/>
+              <a:off x="8478435" y="2038741"/>
               <a:ext cx="63202" cy="63202"/>
             </a:xfrm>
             <a:custGeom>
@@ -12043,7 +12043,7 @@
           </p:nvSpPr>
           <p:spPr>
             <a:xfrm>
-              <a:off x="8462804" y="2022332"/>
+              <a:off x="8669004" y="2022208"/>
               <a:ext cx="63202" cy="63202"/>
             </a:xfrm>
             <a:custGeom>
@@ -12086,7 +12086,7 @@
           </p:nvSpPr>
           <p:spPr>
             <a:xfrm>
-              <a:off x="8767379" y="3389953"/>
+              <a:off x="8571931" y="3389709"/>
               <a:ext cx="63202" cy="63202"/>
             </a:xfrm>
             <a:custGeom>
@@ -13854,7 +13854,7 @@
           </p:nvSpPr>
           <p:spPr>
             <a:xfrm>
-              <a:off x="1210339" y="5722723"/>
+              <a:off x="1210339" y="5722665"/>
               <a:ext cx="186466" cy="81746"/>
             </a:xfrm>
             <a:prstGeom prst="rect">
@@ -13900,7 +13900,7 @@
           </p:nvSpPr>
           <p:spPr>
             <a:xfrm>
-              <a:off x="1210339" y="4330657"/>
+              <a:off x="1210339" y="4330507"/>
               <a:ext cx="186466" cy="81691"/>
             </a:xfrm>
             <a:prstGeom prst="rect">
@@ -13946,7 +13946,7 @@
           </p:nvSpPr>
           <p:spPr>
             <a:xfrm>
-              <a:off x="1210339" y="2938536"/>
+              <a:off x="1210339" y="2938294"/>
               <a:ext cx="186466" cy="81691"/>
             </a:xfrm>
             <a:prstGeom prst="rect">
@@ -13992,7 +13992,7 @@
           </p:nvSpPr>
           <p:spPr>
             <a:xfrm>
-              <a:off x="1148183" y="1546414"/>
+              <a:off x="1148183" y="1546081"/>
               <a:ext cx="248622" cy="81691"/>
             </a:xfrm>
             <a:prstGeom prst="rect">
@@ -14038,7 +14038,7 @@
           </p:nvSpPr>
           <p:spPr>
             <a:xfrm>
-              <a:off x="1424641" y="5764470"/>
+              <a:off x="1424641" y="5764411"/>
               <a:ext cx="34794" cy="0"/>
             </a:xfrm>
             <a:custGeom>
@@ -14078,7 +14078,7 @@
           </p:nvSpPr>
           <p:spPr>
             <a:xfrm>
-              <a:off x="1424641" y="4372349"/>
+              <a:off x="1424641" y="4372198"/>
               <a:ext cx="34794" cy="0"/>
             </a:xfrm>
             <a:custGeom>
@@ -14118,7 +14118,7 @@
           </p:nvSpPr>
           <p:spPr>
             <a:xfrm>
-              <a:off x="1424641" y="2980227"/>
+              <a:off x="1424641" y="2979986"/>
               <a:ext cx="34794" cy="0"/>
             </a:xfrm>
             <a:custGeom>
@@ -14158,7 +14158,7 @@
           </p:nvSpPr>
           <p:spPr>
             <a:xfrm>
-              <a:off x="1424641" y="1588106"/>
+              <a:off x="1424641" y="1587773"/>
               <a:ext cx="34794" cy="0"/>
             </a:xfrm>
             <a:custGeom>

--- a/Images/Figures_PPT/Jitter_Plot_Rictor_All.pptx
+++ b/Images/Figures_PPT/Jitter_Plot_Rictor_All.pptx
@@ -2359,7 +2359,7 @@
           </p:nvSpPr>
           <p:spPr>
             <a:xfrm>
-              <a:off x="1459435" y="6460518"/>
+              <a:off x="1459435" y="6460391"/>
               <a:ext cx="1650203" cy="0"/>
             </a:xfrm>
             <a:custGeom>
@@ -2402,7 +2402,7 @@
           </p:nvSpPr>
           <p:spPr>
             <a:xfrm>
-              <a:off x="1459435" y="5068305"/>
+              <a:off x="1459435" y="5068301"/>
               <a:ext cx="1650203" cy="0"/>
             </a:xfrm>
             <a:custGeom>
@@ -2445,7 +2445,7 @@
           </p:nvSpPr>
           <p:spPr>
             <a:xfrm>
-              <a:off x="1459435" y="3676092"/>
+              <a:off x="1459435" y="3676210"/>
               <a:ext cx="1650203" cy="0"/>
             </a:xfrm>
             <a:custGeom>
@@ -2488,7 +2488,7 @@
           </p:nvSpPr>
           <p:spPr>
             <a:xfrm>
-              <a:off x="1459435" y="2283879"/>
+              <a:off x="1459435" y="2284120"/>
               <a:ext cx="1650203" cy="0"/>
             </a:xfrm>
             <a:custGeom>
@@ -2531,7 +2531,7 @@
           </p:nvSpPr>
           <p:spPr>
             <a:xfrm>
-              <a:off x="1459435" y="5764411"/>
+              <a:off x="1459435" y="5764346"/>
               <a:ext cx="1650203" cy="0"/>
             </a:xfrm>
             <a:custGeom>
@@ -2574,7 +2574,7 @@
           </p:nvSpPr>
           <p:spPr>
             <a:xfrm>
-              <a:off x="1459435" y="4372198"/>
+              <a:off x="1459435" y="4372256"/>
               <a:ext cx="1650203" cy="0"/>
             </a:xfrm>
             <a:custGeom>
@@ -2617,7 +2617,7 @@
           </p:nvSpPr>
           <p:spPr>
             <a:xfrm>
-              <a:off x="1459435" y="2979986"/>
+              <a:off x="1459435" y="2980165"/>
               <a:ext cx="1650203" cy="0"/>
             </a:xfrm>
             <a:custGeom>
@@ -2660,7 +2660,7 @@
           </p:nvSpPr>
           <p:spPr>
             <a:xfrm>
-              <a:off x="1459435" y="1587773"/>
+              <a:off x="1459435" y="1588075"/>
               <a:ext cx="1650203" cy="0"/>
             </a:xfrm>
             <a:custGeom>
@@ -2832,7 +2832,7 @@
           </p:nvSpPr>
           <p:spPr>
             <a:xfrm>
-              <a:off x="2818600" y="6507260"/>
+              <a:off x="2563424" y="6507028"/>
               <a:ext cx="63202" cy="63202"/>
             </a:xfrm>
             <a:custGeom>
@@ -2875,7 +2875,7 @@
           </p:nvSpPr>
           <p:spPr>
             <a:xfrm>
-              <a:off x="2264388" y="5135712"/>
+              <a:off x="2218632" y="5135605"/>
               <a:ext cx="63202" cy="63202"/>
             </a:xfrm>
             <a:custGeom>
@@ -2918,7 +2918,7 @@
           </p:nvSpPr>
           <p:spPr>
             <a:xfrm>
-              <a:off x="1659294" y="4146563"/>
+              <a:off x="1696768" y="4146532"/>
               <a:ext cx="63202" cy="63202"/>
             </a:xfrm>
             <a:custGeom>
@@ -2961,7 +2961,7 @@
           </p:nvSpPr>
           <p:spPr>
             <a:xfrm>
-              <a:off x="1877468" y="2964234"/>
+              <a:off x="1937525" y="2964502"/>
               <a:ext cx="63202" cy="63202"/>
             </a:xfrm>
             <a:custGeom>
@@ -3004,7 +3004,7 @@
           </p:nvSpPr>
           <p:spPr>
             <a:xfrm>
-              <a:off x="2843377" y="6396487"/>
+              <a:off x="2716010" y="6396413"/>
               <a:ext cx="63202" cy="63202"/>
             </a:xfrm>
             <a:custGeom>
@@ -3047,7 +3047,7 @@
           </p:nvSpPr>
           <p:spPr>
             <a:xfrm>
-              <a:off x="1813068" y="2964277"/>
+              <a:off x="1605168" y="2964441"/>
               <a:ext cx="63202" cy="63202"/>
             </a:xfrm>
             <a:custGeom>
@@ -3090,7 +3090,7 @@
           </p:nvSpPr>
           <p:spPr>
             <a:xfrm>
-              <a:off x="2178693" y="5831831"/>
+              <a:off x="2370599" y="5831690"/>
               <a:ext cx="63202" cy="63202"/>
             </a:xfrm>
             <a:custGeom>
@@ -3133,7 +3133,7 @@
           </p:nvSpPr>
           <p:spPr>
             <a:xfrm>
-              <a:off x="1833069" y="4526372"/>
+              <a:off x="1878251" y="4526188"/>
               <a:ext cx="63202" cy="63202"/>
             </a:xfrm>
             <a:custGeom>
@@ -3176,7 +3176,7 @@
           </p:nvSpPr>
           <p:spPr>
             <a:xfrm>
-              <a:off x="1640905" y="3983713"/>
+              <a:off x="1887057" y="3983788"/>
               <a:ext cx="63202" cy="63202"/>
             </a:xfrm>
             <a:custGeom>
@@ -3219,7 +3219,7 @@
           </p:nvSpPr>
           <p:spPr>
             <a:xfrm>
-              <a:off x="2414107" y="5677715"/>
+              <a:off x="2415841" y="5677703"/>
               <a:ext cx="63202" cy="63202"/>
             </a:xfrm>
             <a:custGeom>
@@ -3262,7 +3262,7 @@
           </p:nvSpPr>
           <p:spPr>
             <a:xfrm>
-              <a:off x="2834421" y="5713625"/>
+              <a:off x="2914827" y="5713679"/>
               <a:ext cx="63202" cy="63202"/>
             </a:xfrm>
             <a:custGeom>
@@ -3305,7 +3305,7 @@
           </p:nvSpPr>
           <p:spPr>
             <a:xfrm>
-              <a:off x="1762466" y="3024949"/>
+              <a:off x="1839288" y="3025055"/>
               <a:ext cx="63202" cy="63202"/>
             </a:xfrm>
             <a:custGeom>
@@ -3348,7 +3348,7 @@
           </p:nvSpPr>
           <p:spPr>
             <a:xfrm>
-              <a:off x="1671026" y="3005965"/>
+              <a:off x="1871129" y="3006123"/>
               <a:ext cx="63202" cy="63202"/>
             </a:xfrm>
             <a:custGeom>
@@ -3391,7 +3391,7 @@
           </p:nvSpPr>
           <p:spPr>
             <a:xfrm>
-              <a:off x="1549442" y="2995638"/>
+              <a:off x="1648447" y="2996020"/>
               <a:ext cx="63202" cy="63202"/>
             </a:xfrm>
             <a:custGeom>
@@ -3434,7 +3434,7 @@
           </p:nvSpPr>
           <p:spPr>
             <a:xfrm>
-              <a:off x="1631421" y="4241406"/>
+              <a:off x="1736931" y="4241168"/>
               <a:ext cx="63202" cy="63202"/>
             </a:xfrm>
             <a:custGeom>
@@ -3533,7 +3533,7 @@
           </p:nvSpPr>
           <p:spPr>
             <a:xfrm>
-              <a:off x="3179228" y="6460518"/>
+              <a:off x="3179228" y="6460391"/>
               <a:ext cx="1650203" cy="0"/>
             </a:xfrm>
             <a:custGeom>
@@ -3576,7 +3576,7 @@
           </p:nvSpPr>
           <p:spPr>
             <a:xfrm>
-              <a:off x="3179228" y="5068305"/>
+              <a:off x="3179228" y="5068301"/>
               <a:ext cx="1650203" cy="0"/>
             </a:xfrm>
             <a:custGeom>
@@ -3619,7 +3619,7 @@
           </p:nvSpPr>
           <p:spPr>
             <a:xfrm>
-              <a:off x="3179228" y="3676092"/>
+              <a:off x="3179228" y="3676210"/>
               <a:ext cx="1650203" cy="0"/>
             </a:xfrm>
             <a:custGeom>
@@ -3662,7 +3662,7 @@
           </p:nvSpPr>
           <p:spPr>
             <a:xfrm>
-              <a:off x="3179228" y="2283879"/>
+              <a:off x="3179228" y="2284120"/>
               <a:ext cx="1650203" cy="0"/>
             </a:xfrm>
             <a:custGeom>
@@ -3705,7 +3705,7 @@
           </p:nvSpPr>
           <p:spPr>
             <a:xfrm>
-              <a:off x="3179228" y="5764411"/>
+              <a:off x="3179228" y="5764346"/>
               <a:ext cx="1650203" cy="0"/>
             </a:xfrm>
             <a:custGeom>
@@ -3748,7 +3748,7 @@
           </p:nvSpPr>
           <p:spPr>
             <a:xfrm>
-              <a:off x="3179228" y="4372198"/>
+              <a:off x="3179228" y="4372256"/>
               <a:ext cx="1650203" cy="0"/>
             </a:xfrm>
             <a:custGeom>
@@ -3791,7 +3791,7 @@
           </p:nvSpPr>
           <p:spPr>
             <a:xfrm>
-              <a:off x="3179228" y="2979986"/>
+              <a:off x="3179228" y="2980165"/>
               <a:ext cx="1650203" cy="0"/>
             </a:xfrm>
             <a:custGeom>
@@ -3834,7 +3834,7 @@
           </p:nvSpPr>
           <p:spPr>
             <a:xfrm>
-              <a:off x="3179228" y="1587773"/>
+              <a:off x="3179228" y="1588075"/>
               <a:ext cx="1650203" cy="0"/>
             </a:xfrm>
             <a:custGeom>
@@ -4006,7 +4006,7 @@
           </p:nvSpPr>
           <p:spPr>
             <a:xfrm>
-              <a:off x="3544893" y="3632841"/>
+              <a:off x="3483358" y="3633034"/>
               <a:ext cx="63202" cy="63202"/>
             </a:xfrm>
             <a:custGeom>
@@ -4049,7 +4049,7 @@
           </p:nvSpPr>
           <p:spPr>
             <a:xfrm>
-              <a:off x="3658465" y="3360990"/>
+              <a:off x="3336125" y="3361197"/>
               <a:ext cx="63202" cy="63202"/>
             </a:xfrm>
             <a:custGeom>
@@ -4092,7 +4092,7 @@
           </p:nvSpPr>
           <p:spPr>
             <a:xfrm>
-              <a:off x="3386171" y="3771758"/>
+              <a:off x="3582357" y="3771623"/>
               <a:ext cx="63202" cy="63202"/>
             </a:xfrm>
             <a:custGeom>
@@ -4135,7 +4135,7 @@
           </p:nvSpPr>
           <p:spPr>
             <a:xfrm>
-              <a:off x="3611308" y="3505118"/>
+              <a:off x="3635621" y="3505474"/>
               <a:ext cx="63202" cy="63202"/>
             </a:xfrm>
             <a:custGeom>
@@ -4178,7 +4178,7 @@
           </p:nvSpPr>
           <p:spPr>
             <a:xfrm>
-              <a:off x="4044458" y="5733159"/>
+              <a:off x="3816550" y="5733222"/>
               <a:ext cx="63202" cy="63202"/>
             </a:xfrm>
             <a:custGeom>
@@ -4221,7 +4221,7 @@
           </p:nvSpPr>
           <p:spPr>
             <a:xfrm>
-              <a:off x="3404804" y="4496494"/>
+              <a:off x="3441744" y="4496516"/>
               <a:ext cx="63202" cy="63202"/>
             </a:xfrm>
             <a:custGeom>
@@ -4264,7 +4264,7 @@
           </p:nvSpPr>
           <p:spPr>
             <a:xfrm>
-              <a:off x="3306772" y="3631897"/>
+              <a:off x="3401727" y="3632044"/>
               <a:ext cx="63202" cy="63202"/>
             </a:xfrm>
             <a:custGeom>
@@ -4307,7 +4307,7 @@
           </p:nvSpPr>
           <p:spPr>
             <a:xfrm>
-              <a:off x="3494879" y="3501510"/>
+              <a:off x="3357499" y="3501701"/>
               <a:ext cx="63202" cy="63202"/>
             </a:xfrm>
             <a:custGeom>
@@ -4350,7 +4350,7 @@
           </p:nvSpPr>
           <p:spPr>
             <a:xfrm>
-              <a:off x="3267987" y="3596687"/>
+              <a:off x="3641096" y="3596980"/>
               <a:ext cx="63202" cy="63202"/>
             </a:xfrm>
             <a:custGeom>
@@ -4393,7 +4393,7 @@
           </p:nvSpPr>
           <p:spPr>
             <a:xfrm>
-              <a:off x="3299723" y="4457722"/>
+              <a:off x="3657563" y="4457419"/>
               <a:ext cx="63202" cy="63202"/>
             </a:xfrm>
             <a:custGeom>
@@ -4436,7 +4436,7 @@
           </p:nvSpPr>
           <p:spPr>
             <a:xfrm>
-              <a:off x="3927940" y="6021361"/>
+              <a:off x="4007957" y="6021223"/>
               <a:ext cx="63202" cy="63202"/>
             </a:xfrm>
             <a:custGeom>
@@ -4479,7 +4479,7 @@
           </p:nvSpPr>
           <p:spPr>
             <a:xfrm>
-              <a:off x="3412814" y="4361347"/>
+              <a:off x="3400496" y="4361540"/>
               <a:ext cx="63202" cy="63202"/>
             </a:xfrm>
             <a:custGeom>
@@ -4522,7 +4522,7 @@
           </p:nvSpPr>
           <p:spPr>
             <a:xfrm>
-              <a:off x="3497798" y="4503144"/>
+              <a:off x="3546602" y="4503185"/>
               <a:ext cx="63202" cy="63202"/>
             </a:xfrm>
             <a:custGeom>
@@ -4565,7 +4565,7 @@
           </p:nvSpPr>
           <p:spPr>
             <a:xfrm>
-              <a:off x="3397914" y="4737811"/>
+              <a:off x="3438711" y="4737686"/>
               <a:ext cx="63202" cy="63202"/>
             </a:xfrm>
             <a:custGeom>
@@ -4608,7 +4608,7 @@
           </p:nvSpPr>
           <p:spPr>
             <a:xfrm>
-              <a:off x="3536994" y="4350650"/>
+              <a:off x="3585059" y="4350729"/>
               <a:ext cx="63202" cy="63202"/>
             </a:xfrm>
             <a:custGeom>
@@ -4651,7 +4651,7 @@
           </p:nvSpPr>
           <p:spPr>
             <a:xfrm>
-              <a:off x="3295202" y="3768254"/>
+              <a:off x="3534073" y="3768518"/>
               <a:ext cx="63202" cy="63202"/>
             </a:xfrm>
             <a:custGeom>
@@ -4694,7 +4694,7 @@
           </p:nvSpPr>
           <p:spPr>
             <a:xfrm>
-              <a:off x="4385165" y="6634049"/>
+              <a:off x="4688486" y="6634049"/>
               <a:ext cx="63202" cy="63202"/>
             </a:xfrm>
             <a:custGeom>
@@ -4737,7 +4737,7 @@
           </p:nvSpPr>
           <p:spPr>
             <a:xfrm>
-              <a:off x="3585949" y="4139328"/>
+              <a:off x="3359347" y="4139186"/>
               <a:ext cx="63202" cy="63202"/>
             </a:xfrm>
             <a:custGeom>
@@ -4780,7 +4780,7 @@
           </p:nvSpPr>
           <p:spPr>
             <a:xfrm>
-              <a:off x="3521065" y="3986626"/>
+              <a:off x="3572717" y="3986581"/>
               <a:ext cx="63202" cy="63202"/>
             </a:xfrm>
             <a:custGeom>
@@ -4823,7 +4823,7 @@
           </p:nvSpPr>
           <p:spPr>
             <a:xfrm>
-              <a:off x="3439124" y="3632751"/>
+              <a:off x="3276349" y="3633153"/>
               <a:ext cx="63202" cy="63202"/>
             </a:xfrm>
             <a:custGeom>
@@ -4866,7 +4866,7 @@
           </p:nvSpPr>
           <p:spPr>
             <a:xfrm>
-              <a:off x="3575606" y="5526118"/>
+              <a:off x="3525487" y="5526176"/>
               <a:ext cx="63202" cy="63202"/>
             </a:xfrm>
             <a:custGeom>
@@ -4909,7 +4909,7 @@
           </p:nvSpPr>
           <p:spPr>
             <a:xfrm>
-              <a:off x="3379472" y="4301257"/>
+              <a:off x="3266291" y="4301349"/>
               <a:ext cx="63202" cy="63202"/>
             </a:xfrm>
             <a:custGeom>
@@ -4952,7 +4952,7 @@
           </p:nvSpPr>
           <p:spPr>
             <a:xfrm>
-              <a:off x="3379651" y="4502877"/>
+              <a:off x="3631402" y="4503158"/>
               <a:ext cx="63202" cy="63202"/>
             </a:xfrm>
             <a:custGeom>
@@ -4995,7 +4995,7 @@
           </p:nvSpPr>
           <p:spPr>
             <a:xfrm>
-              <a:off x="3408941" y="5376753"/>
+              <a:off x="3484032" y="5376675"/>
               <a:ext cx="63202" cy="63202"/>
             </a:xfrm>
             <a:custGeom>
@@ -5038,7 +5038,7 @@
           </p:nvSpPr>
           <p:spPr>
             <a:xfrm>
-              <a:off x="3612431" y="3632882"/>
+              <a:off x="3418906" y="3633074"/>
               <a:ext cx="63202" cy="63202"/>
             </a:xfrm>
             <a:custGeom>
@@ -5081,7 +5081,7 @@
           </p:nvSpPr>
           <p:spPr>
             <a:xfrm>
-              <a:off x="3615668" y="4355919"/>
+              <a:off x="3366262" y="4356064"/>
               <a:ext cx="63202" cy="63202"/>
             </a:xfrm>
             <a:custGeom>
@@ -5124,7 +5124,7 @@
           </p:nvSpPr>
           <p:spPr>
             <a:xfrm>
-              <a:off x="3464484" y="4326179"/>
+              <a:off x="3601892" y="4326229"/>
               <a:ext cx="63202" cy="63202"/>
             </a:xfrm>
             <a:custGeom>
@@ -5167,7 +5167,7 @@
           </p:nvSpPr>
           <p:spPr>
             <a:xfrm>
-              <a:off x="3389313" y="5166487"/>
+              <a:off x="3490715" y="5166531"/>
               <a:ext cx="63202" cy="63202"/>
             </a:xfrm>
             <a:custGeom>
@@ -5210,7 +5210,7 @@
           </p:nvSpPr>
           <p:spPr>
             <a:xfrm>
-              <a:off x="3408340" y="3674312"/>
+              <a:off x="3360503" y="3674470"/>
               <a:ext cx="63202" cy="63202"/>
             </a:xfrm>
             <a:custGeom>
@@ -5253,7 +5253,7 @@
           </p:nvSpPr>
           <p:spPr>
             <a:xfrm>
-              <a:off x="3287655" y="3802864"/>
+              <a:off x="3327743" y="3802739"/>
               <a:ext cx="63202" cy="63202"/>
             </a:xfrm>
             <a:custGeom>
@@ -5296,7 +5296,7 @@
           </p:nvSpPr>
           <p:spPr>
             <a:xfrm>
-              <a:off x="3660408" y="3798062"/>
+              <a:off x="3650009" y="3798256"/>
               <a:ext cx="63202" cy="63202"/>
             </a:xfrm>
             <a:custGeom>
@@ -5339,7 +5339,7 @@
           </p:nvSpPr>
           <p:spPr>
             <a:xfrm>
-              <a:off x="3387204" y="3777157"/>
+              <a:off x="3433906" y="3777440"/>
               <a:ext cx="63202" cy="63202"/>
             </a:xfrm>
             <a:custGeom>
@@ -5382,7 +5382,7 @@
           </p:nvSpPr>
           <p:spPr>
             <a:xfrm>
-              <a:off x="3591773" y="3778638"/>
+              <a:off x="3645034" y="3778762"/>
               <a:ext cx="63202" cy="63202"/>
             </a:xfrm>
             <a:custGeom>
@@ -5425,7 +5425,7 @@
           </p:nvSpPr>
           <p:spPr>
             <a:xfrm>
-              <a:off x="3385050" y="3813261"/>
+              <a:off x="3566312" y="3813593"/>
               <a:ext cx="63202" cy="63202"/>
             </a:xfrm>
             <a:custGeom>
@@ -5468,7 +5468,7 @@
           </p:nvSpPr>
           <p:spPr>
             <a:xfrm>
-              <a:off x="3516340" y="3901117"/>
+              <a:off x="3500611" y="3901238"/>
               <a:ext cx="63202" cy="63202"/>
             </a:xfrm>
             <a:custGeom>
@@ -5511,7 +5511,7 @@
           </p:nvSpPr>
           <p:spPr>
             <a:xfrm>
-              <a:off x="3436139" y="4273367"/>
+              <a:off x="3328884" y="4273294"/>
               <a:ext cx="63202" cy="63202"/>
             </a:xfrm>
             <a:custGeom>
@@ -5554,7 +5554,7 @@
           </p:nvSpPr>
           <p:spPr>
             <a:xfrm>
-              <a:off x="3342312" y="4254784"/>
+              <a:off x="3467437" y="4254633"/>
               <a:ext cx="63202" cy="63202"/>
             </a:xfrm>
             <a:custGeom>
@@ -5597,7 +5597,7 @@
           </p:nvSpPr>
           <p:spPr>
             <a:xfrm>
-              <a:off x="3416101" y="3771786"/>
+              <a:off x="3299701" y="3771659"/>
               <a:ext cx="63202" cy="63202"/>
             </a:xfrm>
             <a:custGeom>
@@ -5640,7 +5640,7 @@
           </p:nvSpPr>
           <p:spPr>
             <a:xfrm>
-              <a:off x="3503660" y="4859799"/>
+              <a:off x="3467453" y="4859736"/>
               <a:ext cx="63202" cy="63202"/>
             </a:xfrm>
             <a:custGeom>
@@ -5683,7 +5683,7 @@
           </p:nvSpPr>
           <p:spPr>
             <a:xfrm>
-              <a:off x="3597116" y="4369858"/>
+              <a:off x="3415719" y="4370036"/>
               <a:ext cx="63202" cy="63202"/>
             </a:xfrm>
             <a:custGeom>
@@ -5726,7 +5726,7 @@
           </p:nvSpPr>
           <p:spPr>
             <a:xfrm>
-              <a:off x="3321066" y="3776216"/>
+              <a:off x="3505641" y="3776541"/>
               <a:ext cx="63202" cy="63202"/>
             </a:xfrm>
             <a:custGeom>
@@ -5769,7 +5769,7 @@
           </p:nvSpPr>
           <p:spPr>
             <a:xfrm>
-              <a:off x="3257677" y="3776439"/>
+              <a:off x="3336128" y="3776512"/>
               <a:ext cx="63202" cy="63202"/>
             </a:xfrm>
             <a:custGeom>
@@ -5812,7 +5812,7 @@
           </p:nvSpPr>
           <p:spPr>
             <a:xfrm>
-              <a:off x="3662654" y="3750754"/>
+              <a:off x="3343281" y="3750765"/>
               <a:ext cx="63202" cy="63202"/>
             </a:xfrm>
             <a:custGeom>
@@ -5855,7 +5855,7 @@
           </p:nvSpPr>
           <p:spPr>
             <a:xfrm>
-              <a:off x="3378085" y="3796718"/>
+              <a:off x="3529971" y="3796719"/>
               <a:ext cx="63202" cy="63202"/>
             </a:xfrm>
             <a:custGeom>
@@ -5898,7 +5898,7 @@
           </p:nvSpPr>
           <p:spPr>
             <a:xfrm>
-              <a:off x="3604291" y="3505193"/>
+              <a:off x="3487828" y="3505297"/>
               <a:ext cx="63202" cy="63202"/>
             </a:xfrm>
             <a:custGeom>
@@ -5997,7 +5997,7 @@
           </p:nvSpPr>
           <p:spPr>
             <a:xfrm>
-              <a:off x="4899021" y="6460518"/>
+              <a:off x="4899021" y="6460391"/>
               <a:ext cx="1650203" cy="0"/>
             </a:xfrm>
             <a:custGeom>
@@ -6040,7 +6040,7 @@
           </p:nvSpPr>
           <p:spPr>
             <a:xfrm>
-              <a:off x="4899021" y="5068305"/>
+              <a:off x="4899021" y="5068301"/>
               <a:ext cx="1650203" cy="0"/>
             </a:xfrm>
             <a:custGeom>
@@ -6083,7 +6083,7 @@
           </p:nvSpPr>
           <p:spPr>
             <a:xfrm>
-              <a:off x="4899021" y="3676092"/>
+              <a:off x="4899021" y="3676210"/>
               <a:ext cx="1650203" cy="0"/>
             </a:xfrm>
             <a:custGeom>
@@ -6126,7 +6126,7 @@
           </p:nvSpPr>
           <p:spPr>
             <a:xfrm>
-              <a:off x="4899021" y="2283879"/>
+              <a:off x="4899021" y="2284120"/>
               <a:ext cx="1650203" cy="0"/>
             </a:xfrm>
             <a:custGeom>
@@ -6169,7 +6169,7 @@
           </p:nvSpPr>
           <p:spPr>
             <a:xfrm>
-              <a:off x="4899021" y="5764411"/>
+              <a:off x="4899021" y="5764346"/>
               <a:ext cx="1650203" cy="0"/>
             </a:xfrm>
             <a:custGeom>
@@ -6212,7 +6212,7 @@
           </p:nvSpPr>
           <p:spPr>
             <a:xfrm>
-              <a:off x="4899021" y="4372198"/>
+              <a:off x="4899021" y="4372256"/>
               <a:ext cx="1650203" cy="0"/>
             </a:xfrm>
             <a:custGeom>
@@ -6255,7 +6255,7 @@
           </p:nvSpPr>
           <p:spPr>
             <a:xfrm>
-              <a:off x="4899021" y="2979986"/>
+              <a:off x="4899021" y="2980165"/>
               <a:ext cx="1650203" cy="0"/>
             </a:xfrm>
             <a:custGeom>
@@ -6298,7 +6298,7 @@
           </p:nvSpPr>
           <p:spPr>
             <a:xfrm>
-              <a:off x="4899021" y="1587773"/>
+              <a:off x="4899021" y="1588075"/>
               <a:ext cx="1650203" cy="0"/>
             </a:xfrm>
             <a:custGeom>
@@ -6470,7 +6470,7 @@
           </p:nvSpPr>
           <p:spPr>
             <a:xfrm>
-              <a:off x="5493132" y="5481102"/>
+              <a:off x="5551747" y="5481189"/>
               <a:ext cx="63202" cy="63202"/>
             </a:xfrm>
             <a:custGeom>
@@ -6513,7 +6513,7 @@
           </p:nvSpPr>
           <p:spPr>
             <a:xfrm>
-              <a:off x="4992784" y="1641734"/>
+              <a:off x="5220906" y="1641734"/>
               <a:ext cx="63202" cy="63202"/>
             </a:xfrm>
             <a:custGeom>
@@ -6556,7 +6556,7 @@
           </p:nvSpPr>
           <p:spPr>
             <a:xfrm>
-              <a:off x="5213565" y="2598513"/>
+              <a:off x="5018486" y="2598871"/>
               <a:ext cx="63202" cy="63202"/>
             </a:xfrm>
             <a:custGeom>
@@ -6599,7 +6599,7 @@
           </p:nvSpPr>
           <p:spPr>
             <a:xfrm>
-              <a:off x="5095916" y="2177671"/>
+              <a:off x="5380326" y="2177709"/>
               <a:ext cx="63202" cy="63202"/>
             </a:xfrm>
             <a:custGeom>
@@ -6642,7 +6642,7 @@
           </p:nvSpPr>
           <p:spPr>
             <a:xfrm>
-              <a:off x="5165607" y="2614817"/>
+              <a:off x="5162968" y="2614777"/>
               <a:ext cx="63202" cy="63202"/>
             </a:xfrm>
             <a:custGeom>
@@ -6685,7 +6685,7 @@
           </p:nvSpPr>
           <p:spPr>
             <a:xfrm>
-              <a:off x="5840911" y="5713954"/>
+              <a:off x="5608365" y="5713757"/>
               <a:ext cx="63202" cy="63202"/>
             </a:xfrm>
             <a:custGeom>
@@ -6728,7 +6728,7 @@
           </p:nvSpPr>
           <p:spPr>
             <a:xfrm>
-              <a:off x="6229690" y="6586138"/>
+              <a:off x="6040544" y="6586157"/>
               <a:ext cx="63202" cy="63202"/>
             </a:xfrm>
             <a:custGeom>
@@ -6771,7 +6771,7 @@
           </p:nvSpPr>
           <p:spPr>
             <a:xfrm>
-              <a:off x="5327006" y="5619234"/>
+              <a:off x="5151361" y="5619106"/>
               <a:ext cx="63202" cy="63202"/>
             </a:xfrm>
             <a:custGeom>
@@ -6814,7 +6814,7 @@
           </p:nvSpPr>
           <p:spPr>
             <a:xfrm>
-              <a:off x="5312029" y="4827255"/>
+              <a:off x="5047690" y="4827545"/>
               <a:ext cx="63202" cy="63202"/>
             </a:xfrm>
             <a:custGeom>
@@ -6857,7 +6857,7 @@
           </p:nvSpPr>
           <p:spPr>
             <a:xfrm>
-              <a:off x="5555188" y="5736657"/>
+              <a:off x="5736260" y="5736546"/>
               <a:ext cx="63202" cy="63202"/>
             </a:xfrm>
             <a:custGeom>
@@ -6900,7 +6900,7 @@
           </p:nvSpPr>
           <p:spPr>
             <a:xfrm>
-              <a:off x="5216070" y="3692232"/>
+              <a:off x="5225378" y="3692549"/>
               <a:ext cx="63202" cy="63202"/>
             </a:xfrm>
             <a:custGeom>
@@ -6943,7 +6943,7 @@
           </p:nvSpPr>
           <p:spPr>
             <a:xfrm>
-              <a:off x="5007340" y="3567010"/>
+              <a:off x="5079198" y="3567299"/>
               <a:ext cx="63202" cy="63202"/>
             </a:xfrm>
             <a:custGeom>
@@ -6986,7 +6986,7 @@
           </p:nvSpPr>
           <p:spPr>
             <a:xfrm>
-              <a:off x="6204876" y="6540190"/>
+              <a:off x="6147156" y="6539981"/>
               <a:ext cx="63202" cy="63202"/>
             </a:xfrm>
             <a:custGeom>
@@ -7029,7 +7029,7 @@
           </p:nvSpPr>
           <p:spPr>
             <a:xfrm>
-              <a:off x="5881927" y="5757722"/>
+              <a:off x="5498884" y="5757688"/>
               <a:ext cx="63202" cy="63202"/>
             </a:xfrm>
             <a:custGeom>
@@ -7072,7 +7072,7 @@
           </p:nvSpPr>
           <p:spPr>
             <a:xfrm>
-              <a:off x="5735687" y="5733264"/>
+              <a:off x="5882920" y="5733243"/>
               <a:ext cx="63202" cy="63202"/>
             </a:xfrm>
             <a:custGeom>
@@ -7171,7 +7171,7 @@
           </p:nvSpPr>
           <p:spPr>
             <a:xfrm>
-              <a:off x="6618814" y="6460518"/>
+              <a:off x="6618814" y="6460391"/>
               <a:ext cx="1650203" cy="0"/>
             </a:xfrm>
             <a:custGeom>
@@ -7214,7 +7214,7 @@
           </p:nvSpPr>
           <p:spPr>
             <a:xfrm>
-              <a:off x="6618814" y="5068305"/>
+              <a:off x="6618814" y="5068301"/>
               <a:ext cx="1650203" cy="0"/>
             </a:xfrm>
             <a:custGeom>
@@ -7257,7 +7257,7 @@
           </p:nvSpPr>
           <p:spPr>
             <a:xfrm>
-              <a:off x="6618814" y="3676092"/>
+              <a:off x="6618814" y="3676210"/>
               <a:ext cx="1650203" cy="0"/>
             </a:xfrm>
             <a:custGeom>
@@ -7300,7 +7300,7 @@
           </p:nvSpPr>
           <p:spPr>
             <a:xfrm>
-              <a:off x="6618814" y="2283879"/>
+              <a:off x="6618814" y="2284120"/>
               <a:ext cx="1650203" cy="0"/>
             </a:xfrm>
             <a:custGeom>
@@ -7343,7 +7343,7 @@
           </p:nvSpPr>
           <p:spPr>
             <a:xfrm>
-              <a:off x="6618814" y="5764411"/>
+              <a:off x="6618814" y="5764346"/>
               <a:ext cx="1650203" cy="0"/>
             </a:xfrm>
             <a:custGeom>
@@ -7386,7 +7386,7 @@
           </p:nvSpPr>
           <p:spPr>
             <a:xfrm>
-              <a:off x="6618814" y="4372198"/>
+              <a:off x="6618814" y="4372256"/>
               <a:ext cx="1650203" cy="0"/>
             </a:xfrm>
             <a:custGeom>
@@ -7429,7 +7429,7 @@
           </p:nvSpPr>
           <p:spPr>
             <a:xfrm>
-              <a:off x="6618814" y="2979986"/>
+              <a:off x="6618814" y="2980165"/>
               <a:ext cx="1650203" cy="0"/>
             </a:xfrm>
             <a:custGeom>
@@ -7472,7 +7472,7 @@
           </p:nvSpPr>
           <p:spPr>
             <a:xfrm>
-              <a:off x="6618814" y="1587773"/>
+              <a:off x="6618814" y="1588075"/>
               <a:ext cx="1650203" cy="0"/>
             </a:xfrm>
             <a:custGeom>
@@ -7644,7 +7644,7 @@
           </p:nvSpPr>
           <p:spPr>
             <a:xfrm>
-              <a:off x="7465885" y="5733191"/>
+              <a:off x="7230913" y="5733351"/>
               <a:ext cx="63202" cy="63202"/>
             </a:xfrm>
             <a:custGeom>
@@ -7687,7 +7687,7 @@
           </p:nvSpPr>
           <p:spPr>
             <a:xfrm>
-              <a:off x="6756420" y="5207141"/>
+              <a:off x="6970661" y="5207085"/>
               <a:ext cx="63202" cy="63202"/>
             </a:xfrm>
             <a:custGeom>
@@ -7730,7 +7730,7 @@
           </p:nvSpPr>
           <p:spPr>
             <a:xfrm>
-              <a:off x="6969635" y="4858821"/>
+              <a:off x="6833515" y="4858821"/>
               <a:ext cx="63202" cy="63202"/>
             </a:xfrm>
             <a:custGeom>
@@ -7773,7 +7773,7 @@
           </p:nvSpPr>
           <p:spPr>
             <a:xfrm>
-              <a:off x="7768222" y="6554044"/>
+              <a:off x="7884576" y="6554018"/>
               <a:ext cx="63202" cy="63202"/>
             </a:xfrm>
             <a:custGeom>
@@ -7872,7 +7872,7 @@
           </p:nvSpPr>
           <p:spPr>
             <a:xfrm>
-              <a:off x="8338607" y="6460518"/>
+              <a:off x="8338607" y="6460391"/>
               <a:ext cx="1650203" cy="0"/>
             </a:xfrm>
             <a:custGeom>
@@ -7915,7 +7915,7 @@
           </p:nvSpPr>
           <p:spPr>
             <a:xfrm>
-              <a:off x="8338607" y="5068305"/>
+              <a:off x="8338607" y="5068301"/>
               <a:ext cx="1650203" cy="0"/>
             </a:xfrm>
             <a:custGeom>
@@ -7958,7 +7958,7 @@
           </p:nvSpPr>
           <p:spPr>
             <a:xfrm>
-              <a:off x="8338607" y="3676092"/>
+              <a:off x="8338607" y="3676210"/>
               <a:ext cx="1650203" cy="0"/>
             </a:xfrm>
             <a:custGeom>
@@ -8001,7 +8001,7 @@
           </p:nvSpPr>
           <p:spPr>
             <a:xfrm>
-              <a:off x="8338607" y="2283879"/>
+              <a:off x="8338607" y="2284120"/>
               <a:ext cx="1650203" cy="0"/>
             </a:xfrm>
             <a:custGeom>
@@ -8044,7 +8044,7 @@
           </p:nvSpPr>
           <p:spPr>
             <a:xfrm>
-              <a:off x="8338607" y="5764411"/>
+              <a:off x="8338607" y="5764346"/>
               <a:ext cx="1650203" cy="0"/>
             </a:xfrm>
             <a:custGeom>
@@ -8087,7 +8087,7 @@
           </p:nvSpPr>
           <p:spPr>
             <a:xfrm>
-              <a:off x="8338607" y="4372198"/>
+              <a:off x="8338607" y="4372256"/>
               <a:ext cx="1650203" cy="0"/>
             </a:xfrm>
             <a:custGeom>
@@ -8130,7 +8130,7 @@
           </p:nvSpPr>
           <p:spPr>
             <a:xfrm>
-              <a:off x="8338607" y="2979986"/>
+              <a:off x="8338607" y="2980165"/>
               <a:ext cx="1650203" cy="0"/>
             </a:xfrm>
             <a:custGeom>
@@ -8173,7 +8173,7 @@
           </p:nvSpPr>
           <p:spPr>
             <a:xfrm>
-              <a:off x="8338607" y="1587773"/>
+              <a:off x="8338607" y="1588075"/>
               <a:ext cx="1650203" cy="0"/>
             </a:xfrm>
             <a:custGeom>
@@ -8345,7 +8345,7 @@
           </p:nvSpPr>
           <p:spPr>
             <a:xfrm>
-              <a:off x="8804191" y="2126828"/>
+              <a:off x="8796296" y="2127365"/>
               <a:ext cx="63202" cy="63202"/>
             </a:xfrm>
             <a:custGeom>
@@ -8388,7 +8388,7 @@
           </p:nvSpPr>
           <p:spPr>
             <a:xfrm>
-              <a:off x="8502079" y="2084311"/>
+              <a:off x="8555118" y="2084582"/>
               <a:ext cx="63202" cy="63202"/>
             </a:xfrm>
             <a:custGeom>
@@ -8431,7 +8431,7 @@
           </p:nvSpPr>
           <p:spPr>
             <a:xfrm>
-              <a:off x="8782403" y="2027362"/>
+              <a:off x="8748586" y="2027533"/>
               <a:ext cx="63202" cy="63202"/>
             </a:xfrm>
             <a:custGeom>
@@ -8474,7 +8474,7 @@
           </p:nvSpPr>
           <p:spPr>
             <a:xfrm>
-              <a:off x="8424340" y="4973414"/>
+              <a:off x="8669495" y="4973420"/>
               <a:ext cx="63202" cy="63202"/>
             </a:xfrm>
             <a:custGeom>
@@ -8517,7 +8517,7 @@
           </p:nvSpPr>
           <p:spPr>
             <a:xfrm>
-              <a:off x="8455784" y="4906253"/>
+              <a:off x="8661602" y="4906252"/>
               <a:ext cx="63202" cy="63202"/>
             </a:xfrm>
             <a:custGeom>
@@ -8560,7 +8560,7 @@
           </p:nvSpPr>
           <p:spPr>
             <a:xfrm>
-              <a:off x="9044795" y="5990213"/>
+              <a:off x="9331017" y="5990447"/>
               <a:ext cx="63202" cy="63202"/>
             </a:xfrm>
             <a:custGeom>
@@ -8603,7 +8603,7 @@
           </p:nvSpPr>
           <p:spPr>
             <a:xfrm>
-              <a:off x="8932196" y="6217671"/>
+              <a:off x="9070391" y="6217811"/>
               <a:ext cx="63202" cy="63202"/>
             </a:xfrm>
             <a:custGeom>
@@ -8646,7 +8646,7 @@
           </p:nvSpPr>
           <p:spPr>
             <a:xfrm>
-              <a:off x="8450124" y="4263742"/>
+              <a:off x="8808437" y="4263552"/>
               <a:ext cx="63202" cy="63202"/>
             </a:xfrm>
             <a:custGeom>
@@ -8689,7 +8689,7 @@
           </p:nvSpPr>
           <p:spPr>
             <a:xfrm>
-              <a:off x="9021924" y="5653081"/>
+              <a:off x="8983120" y="5652755"/>
               <a:ext cx="63202" cy="63202"/>
             </a:xfrm>
             <a:custGeom>
@@ -8732,7 +8732,7 @@
           </p:nvSpPr>
           <p:spPr>
             <a:xfrm>
-              <a:off x="8445161" y="4365987"/>
+              <a:off x="8497773" y="4366097"/>
               <a:ext cx="63202" cy="63202"/>
             </a:xfrm>
             <a:custGeom>
@@ -8775,7 +8775,7 @@
           </p:nvSpPr>
           <p:spPr>
             <a:xfrm>
-              <a:off x="8762739" y="4161086"/>
+              <a:off x="8560696" y="4161177"/>
               <a:ext cx="63202" cy="63202"/>
             </a:xfrm>
             <a:custGeom>
@@ -8818,7 +8818,7 @@
           </p:nvSpPr>
           <p:spPr>
             <a:xfrm>
-              <a:off x="8505072" y="4912200"/>
+              <a:off x="8789205" y="4912306"/>
               <a:ext cx="63202" cy="63202"/>
             </a:xfrm>
             <a:custGeom>
@@ -8861,7 +8861,7 @@
           </p:nvSpPr>
           <p:spPr>
             <a:xfrm>
-              <a:off x="8475857" y="4193518"/>
+              <a:off x="8695498" y="4193395"/>
               <a:ext cx="63202" cy="63202"/>
             </a:xfrm>
             <a:custGeom>
@@ -8904,7 +8904,7 @@
           </p:nvSpPr>
           <p:spPr>
             <a:xfrm>
-              <a:off x="8553975" y="4524084"/>
+              <a:off x="8772662" y="4524055"/>
               <a:ext cx="63202" cy="63202"/>
             </a:xfrm>
             <a:custGeom>
@@ -8947,7 +8947,7 @@
           </p:nvSpPr>
           <p:spPr>
             <a:xfrm>
-              <a:off x="9143441" y="6155666"/>
+              <a:off x="9062692" y="6155599"/>
               <a:ext cx="63202" cy="63202"/>
             </a:xfrm>
             <a:custGeom>
@@ -8990,7 +8990,7 @@
           </p:nvSpPr>
           <p:spPr>
             <a:xfrm>
-              <a:off x="9146160" y="6095096"/>
+              <a:off x="9296100" y="6095331"/>
               <a:ext cx="63202" cy="63202"/>
             </a:xfrm>
             <a:custGeom>
@@ -9033,7 +9033,7 @@
           </p:nvSpPr>
           <p:spPr>
             <a:xfrm>
-              <a:off x="8747405" y="4447221"/>
+              <a:off x="8683962" y="4447382"/>
               <a:ext cx="63202" cy="63202"/>
             </a:xfrm>
             <a:custGeom>
@@ -9076,7 +9076,7 @@
           </p:nvSpPr>
           <p:spPr>
             <a:xfrm>
-              <a:off x="9230695" y="5151649"/>
+              <a:off x="9229598" y="5151835"/>
               <a:ext cx="63202" cy="63202"/>
             </a:xfrm>
             <a:custGeom>
@@ -9119,7 +9119,7 @@
           </p:nvSpPr>
           <p:spPr>
             <a:xfrm>
-              <a:off x="8759441" y="2023903"/>
+              <a:off x="8458940" y="2024317"/>
               <a:ext cx="63202" cy="63202"/>
             </a:xfrm>
             <a:custGeom>
@@ -9162,7 +9162,7 @@
           </p:nvSpPr>
           <p:spPr>
             <a:xfrm>
-              <a:off x="8447567" y="5088177"/>
+              <a:off x="8444147" y="5088031"/>
               <a:ext cx="63202" cy="63202"/>
             </a:xfrm>
             <a:custGeom>
@@ -9205,7 +9205,7 @@
           </p:nvSpPr>
           <p:spPr>
             <a:xfrm>
-              <a:off x="8691512" y="4390663"/>
+              <a:off x="8810076" y="4390837"/>
               <a:ext cx="63202" cy="63202"/>
             </a:xfrm>
             <a:custGeom>
@@ -9248,7 +9248,7 @@
           </p:nvSpPr>
           <p:spPr>
             <a:xfrm>
-              <a:off x="9143946" y="5070742"/>
+              <a:off x="9334195" y="5070499"/>
               <a:ext cx="63202" cy="63202"/>
             </a:xfrm>
             <a:custGeom>
@@ -9291,7 +9291,7 @@
           </p:nvSpPr>
           <p:spPr>
             <a:xfrm>
-              <a:off x="8548502" y="5216870"/>
+              <a:off x="8611131" y="5216884"/>
               <a:ext cx="63202" cy="63202"/>
             </a:xfrm>
             <a:custGeom>
@@ -9334,7 +9334,7 @@
           </p:nvSpPr>
           <p:spPr>
             <a:xfrm>
-              <a:off x="8548531" y="5536685"/>
+              <a:off x="8459203" y="5536292"/>
               <a:ext cx="63202" cy="63202"/>
             </a:xfrm>
             <a:custGeom>
@@ -9377,7 +9377,7 @@
           </p:nvSpPr>
           <p:spPr>
             <a:xfrm>
-              <a:off x="8574791" y="3025741"/>
+              <a:off x="8531799" y="3026184"/>
               <a:ext cx="63202" cy="63202"/>
             </a:xfrm>
             <a:custGeom>
@@ -9420,7 +9420,7 @@
           </p:nvSpPr>
           <p:spPr>
             <a:xfrm>
-              <a:off x="8473485" y="4714007"/>
+              <a:off x="8552260" y="4714306"/>
               <a:ext cx="63202" cy="63202"/>
             </a:xfrm>
             <a:custGeom>
@@ -9463,7 +9463,7 @@
           </p:nvSpPr>
           <p:spPr>
             <a:xfrm>
-              <a:off x="8646415" y="1953906"/>
+              <a:off x="8723106" y="1954091"/>
               <a:ext cx="63202" cy="63202"/>
             </a:xfrm>
             <a:custGeom>
@@ -9506,7 +9506,7 @@
           </p:nvSpPr>
           <p:spPr>
             <a:xfrm>
-              <a:off x="8776029" y="1915949"/>
+              <a:off x="8724472" y="1916026"/>
               <a:ext cx="63202" cy="63202"/>
             </a:xfrm>
             <a:custGeom>
@@ -9549,7 +9549,7 @@
           </p:nvSpPr>
           <p:spPr>
             <a:xfrm>
-              <a:off x="8597072" y="4772347"/>
+              <a:off x="8763413" y="4772348"/>
               <a:ext cx="63202" cy="63202"/>
             </a:xfrm>
             <a:custGeom>
@@ -9592,7 +9592,7 @@
           </p:nvSpPr>
           <p:spPr>
             <a:xfrm>
-              <a:off x="8729613" y="4489493"/>
+              <a:off x="8599280" y="4489784"/>
               <a:ext cx="63202" cy="63202"/>
             </a:xfrm>
             <a:custGeom>
@@ -9635,7 +9635,7 @@
           </p:nvSpPr>
           <p:spPr>
             <a:xfrm>
-              <a:off x="8497511" y="1913456"/>
+              <a:off x="8473174" y="1913618"/>
               <a:ext cx="63202" cy="63202"/>
             </a:xfrm>
             <a:custGeom>
@@ -9678,7 +9678,7 @@
           </p:nvSpPr>
           <p:spPr>
             <a:xfrm>
-              <a:off x="9652626" y="6591373"/>
+              <a:off x="9681796" y="6591144"/>
               <a:ext cx="63202" cy="63202"/>
             </a:xfrm>
             <a:custGeom>
@@ -9721,7 +9721,7 @@
           </p:nvSpPr>
           <p:spPr>
             <a:xfrm>
-              <a:off x="8723247" y="4291480"/>
+              <a:off x="8523382" y="4291467"/>
               <a:ext cx="63202" cy="63202"/>
             </a:xfrm>
             <a:custGeom>
@@ -9764,7 +9764,7 @@
           </p:nvSpPr>
           <p:spPr>
             <a:xfrm>
-              <a:off x="8482576" y="3081902"/>
+              <a:off x="8423137" y="3082318"/>
               <a:ext cx="63202" cy="63202"/>
             </a:xfrm>
             <a:custGeom>
@@ -9807,7 +9807,7 @@
           </p:nvSpPr>
           <p:spPr>
             <a:xfrm>
-              <a:off x="8697025" y="3033719"/>
+              <a:off x="8447110" y="3034008"/>
               <a:ext cx="63202" cy="63202"/>
             </a:xfrm>
             <a:custGeom>
@@ -9850,7 +9850,7 @@
           </p:nvSpPr>
           <p:spPr>
             <a:xfrm>
-              <a:off x="8469435" y="2004609"/>
+              <a:off x="8631547" y="2004800"/>
               <a:ext cx="63202" cy="63202"/>
             </a:xfrm>
             <a:custGeom>
@@ -9893,7 +9893,7 @@
           </p:nvSpPr>
           <p:spPr>
             <a:xfrm>
-              <a:off x="8547151" y="1946122"/>
+              <a:off x="8464605" y="1946096"/>
               <a:ext cx="63202" cy="63202"/>
             </a:xfrm>
             <a:custGeom>
@@ -9936,7 +9936,7 @@
           </p:nvSpPr>
           <p:spPr>
             <a:xfrm>
-              <a:off x="8420813" y="2004986"/>
+              <a:off x="8751772" y="2005219"/>
               <a:ext cx="63202" cy="63202"/>
             </a:xfrm>
             <a:custGeom>
@@ -9979,7 +9979,7 @@
           </p:nvSpPr>
           <p:spPr>
             <a:xfrm>
-              <a:off x="8789519" y="2004623"/>
+              <a:off x="8580268" y="2004621"/>
               <a:ext cx="63202" cy="63202"/>
             </a:xfrm>
             <a:custGeom>
@@ -10022,7 +10022,7 @@
           </p:nvSpPr>
           <p:spPr>
             <a:xfrm>
-              <a:off x="8738020" y="1943523"/>
+              <a:off x="8543427" y="1943914"/>
               <a:ext cx="63202" cy="63202"/>
             </a:xfrm>
             <a:custGeom>
@@ -10065,7 +10065,7 @@
           </p:nvSpPr>
           <p:spPr>
             <a:xfrm>
-              <a:off x="8481429" y="3030861"/>
+              <a:off x="8587063" y="3031183"/>
               <a:ext cx="63202" cy="63202"/>
             </a:xfrm>
             <a:custGeom>
@@ -10108,7 +10108,7 @@
           </p:nvSpPr>
           <p:spPr>
             <a:xfrm>
-              <a:off x="8703297" y="3054522"/>
+              <a:off x="8601259" y="3054981"/>
               <a:ext cx="63202" cy="63202"/>
             </a:xfrm>
             <a:custGeom>
@@ -10151,7 +10151,7 @@
           </p:nvSpPr>
           <p:spPr>
             <a:xfrm>
-              <a:off x="8750917" y="5587005"/>
+              <a:off x="8692218" y="5586985"/>
               <a:ext cx="63202" cy="63202"/>
             </a:xfrm>
             <a:custGeom>
@@ -10194,7 +10194,7 @@
           </p:nvSpPr>
           <p:spPr>
             <a:xfrm>
-              <a:off x="8515530" y="2587660"/>
+              <a:off x="8766514" y="2588081"/>
               <a:ext cx="63202" cy="63202"/>
             </a:xfrm>
             <a:custGeom>
@@ -10237,7 +10237,7 @@
           </p:nvSpPr>
           <p:spPr>
             <a:xfrm>
-              <a:off x="8793453" y="2496841"/>
+              <a:off x="8459851" y="2497225"/>
               <a:ext cx="63202" cy="63202"/>
             </a:xfrm>
             <a:custGeom>
@@ -10280,7 +10280,7 @@
           </p:nvSpPr>
           <p:spPr>
             <a:xfrm>
-              <a:off x="8690697" y="2563164"/>
+              <a:off x="8425086" y="2563563"/>
               <a:ext cx="63202" cy="63202"/>
             </a:xfrm>
             <a:custGeom>
@@ -10323,7 +10323,7 @@
           </p:nvSpPr>
           <p:spPr>
             <a:xfrm>
-              <a:off x="8798110" y="5640167"/>
+              <a:off x="8806247" y="5639835"/>
               <a:ext cx="63202" cy="63202"/>
             </a:xfrm>
             <a:custGeom>
@@ -10366,7 +10366,7 @@
           </p:nvSpPr>
           <p:spPr>
             <a:xfrm>
-              <a:off x="8809999" y="2077210"/>
+              <a:off x="8418081" y="2077605"/>
               <a:ext cx="63202" cy="63202"/>
             </a:xfrm>
             <a:custGeom>
@@ -10409,7 +10409,7 @@
           </p:nvSpPr>
           <p:spPr>
             <a:xfrm>
-              <a:off x="8485374" y="2861421"/>
+              <a:off x="8725764" y="2861866"/>
               <a:ext cx="63202" cy="63202"/>
             </a:xfrm>
             <a:custGeom>
@@ -10452,7 +10452,7 @@
           </p:nvSpPr>
           <p:spPr>
             <a:xfrm>
-              <a:off x="8655351" y="2993443"/>
+              <a:off x="8714630" y="2993428"/>
               <a:ext cx="63202" cy="63202"/>
             </a:xfrm>
             <a:custGeom>
@@ -10495,7 +10495,7 @@
           </p:nvSpPr>
           <p:spPr>
             <a:xfrm>
-              <a:off x="8678918" y="1947013"/>
+              <a:off x="8425433" y="1947129"/>
               <a:ext cx="63202" cy="63202"/>
             </a:xfrm>
             <a:custGeom>
@@ -10538,7 +10538,7 @@
           </p:nvSpPr>
           <p:spPr>
             <a:xfrm>
-              <a:off x="8519633" y="1960319"/>
+              <a:off x="8738366" y="1960571"/>
               <a:ext cx="63202" cy="63202"/>
             </a:xfrm>
             <a:custGeom>
@@ -10581,7 +10581,7 @@
           </p:nvSpPr>
           <p:spPr>
             <a:xfrm>
-              <a:off x="8585905" y="2396314"/>
+              <a:off x="8411621" y="2396464"/>
               <a:ext cx="63202" cy="63202"/>
             </a:xfrm>
             <a:custGeom>
@@ -10624,7 +10624,7 @@
           </p:nvSpPr>
           <p:spPr>
             <a:xfrm>
-              <a:off x="8789730" y="2731655"/>
+              <a:off x="8594539" y="2731689"/>
               <a:ext cx="63202" cy="63202"/>
             </a:xfrm>
             <a:custGeom>
@@ -10667,7 +10667,7 @@
           </p:nvSpPr>
           <p:spPr>
             <a:xfrm>
-              <a:off x="8626283" y="2542880"/>
+              <a:off x="8535650" y="2543138"/>
               <a:ext cx="63202" cy="63202"/>
             </a:xfrm>
             <a:custGeom>
@@ -10710,7 +10710,7 @@
           </p:nvSpPr>
           <p:spPr>
             <a:xfrm>
-              <a:off x="8742026" y="1943776"/>
+              <a:off x="8786956" y="1944038"/>
               <a:ext cx="63202" cy="63202"/>
             </a:xfrm>
             <a:custGeom>
@@ -10753,7 +10753,7 @@
           </p:nvSpPr>
           <p:spPr>
             <a:xfrm>
-              <a:off x="8685485" y="1947541"/>
+              <a:off x="8701857" y="1947629"/>
               <a:ext cx="63202" cy="63202"/>
             </a:xfrm>
             <a:custGeom>
@@ -10796,7 +10796,7 @@
           </p:nvSpPr>
           <p:spPr>
             <a:xfrm>
-              <a:off x="8777906" y="3016435"/>
+              <a:off x="8713893" y="3016931"/>
               <a:ext cx="63202" cy="63202"/>
             </a:xfrm>
             <a:custGeom>
@@ -10839,7 +10839,7 @@
           </p:nvSpPr>
           <p:spPr>
             <a:xfrm>
-              <a:off x="8424708" y="1953904"/>
+              <a:off x="8685425" y="1954029"/>
               <a:ext cx="63202" cy="63202"/>
             </a:xfrm>
             <a:custGeom>
@@ -10882,7 +10882,7 @@
           </p:nvSpPr>
           <p:spPr>
             <a:xfrm>
-              <a:off x="8744035" y="1957155"/>
+              <a:off x="8634273" y="1957488"/>
               <a:ext cx="63202" cy="63202"/>
             </a:xfrm>
             <a:custGeom>
@@ -10925,7 +10925,7 @@
           </p:nvSpPr>
           <p:spPr>
             <a:xfrm>
-              <a:off x="8717583" y="1947824"/>
+              <a:off x="8605125" y="1948192"/>
               <a:ext cx="63202" cy="63202"/>
             </a:xfrm>
             <a:custGeom>
@@ -10968,7 +10968,7 @@
           </p:nvSpPr>
           <p:spPr>
             <a:xfrm>
-              <a:off x="8628759" y="1913477"/>
+              <a:off x="8802420" y="1913923"/>
               <a:ext cx="63202" cy="63202"/>
             </a:xfrm>
             <a:custGeom>
@@ -11011,7 +11011,7 @@
           </p:nvSpPr>
           <p:spPr>
             <a:xfrm>
-              <a:off x="8797106" y="1962212"/>
+              <a:off x="8670739" y="1962686"/>
               <a:ext cx="63202" cy="63202"/>
             </a:xfrm>
             <a:custGeom>
@@ -11054,7 +11054,7 @@
           </p:nvSpPr>
           <p:spPr>
             <a:xfrm>
-              <a:off x="8464096" y="3089788"/>
+              <a:off x="8710040" y="3090243"/>
               <a:ext cx="63202" cy="63202"/>
             </a:xfrm>
             <a:custGeom>
@@ -11097,7 +11097,7 @@
           </p:nvSpPr>
           <p:spPr>
             <a:xfrm>
-              <a:off x="8423385" y="1860470"/>
+              <a:off x="8805287" y="1860875"/>
               <a:ext cx="63202" cy="63202"/>
             </a:xfrm>
             <a:custGeom>
@@ -11140,7 +11140,7 @@
           </p:nvSpPr>
           <p:spPr>
             <a:xfrm>
-              <a:off x="8655177" y="2417407"/>
+              <a:off x="8558698" y="2417724"/>
               <a:ext cx="63202" cy="63202"/>
             </a:xfrm>
             <a:custGeom>
@@ -11183,7 +11183,7 @@
           </p:nvSpPr>
           <p:spPr>
             <a:xfrm>
-              <a:off x="8652082" y="4770811"/>
+              <a:off x="8650977" y="4770646"/>
               <a:ext cx="63202" cy="63202"/>
             </a:xfrm>
             <a:custGeom>
@@ -11226,7 +11226,7 @@
           </p:nvSpPr>
           <p:spPr>
             <a:xfrm>
-              <a:off x="8704350" y="4773287"/>
+              <a:off x="8821615" y="4773011"/>
               <a:ext cx="63202" cy="63202"/>
             </a:xfrm>
             <a:custGeom>
@@ -11269,7 +11269,7 @@
           </p:nvSpPr>
           <p:spPr>
             <a:xfrm>
-              <a:off x="8761040" y="2208511"/>
+              <a:off x="8797157" y="2208867"/>
               <a:ext cx="63202" cy="63202"/>
             </a:xfrm>
             <a:custGeom>
@@ -11312,7 +11312,7 @@
           </p:nvSpPr>
           <p:spPr>
             <a:xfrm>
-              <a:off x="8549782" y="2439480"/>
+              <a:off x="8541123" y="2439681"/>
               <a:ext cx="63202" cy="63202"/>
             </a:xfrm>
             <a:custGeom>
@@ -11355,7 +11355,7 @@
           </p:nvSpPr>
           <p:spPr>
             <a:xfrm>
-              <a:off x="8624976" y="4912272"/>
+              <a:off x="8571153" y="4912498"/>
               <a:ext cx="63202" cy="63202"/>
             </a:xfrm>
             <a:custGeom>
@@ -11398,7 +11398,7 @@
           </p:nvSpPr>
           <p:spPr>
             <a:xfrm>
-              <a:off x="8410256" y="4903159"/>
+              <a:off x="8591050" y="4903147"/>
               <a:ext cx="63202" cy="63202"/>
             </a:xfrm>
             <a:custGeom>
@@ -11441,7 +11441,7 @@
           </p:nvSpPr>
           <p:spPr>
             <a:xfrm>
-              <a:off x="8563870" y="4908959"/>
+              <a:off x="8819098" y="4909202"/>
               <a:ext cx="63202" cy="63202"/>
             </a:xfrm>
             <a:custGeom>
@@ -11484,7 +11484,7 @@
           </p:nvSpPr>
           <p:spPr>
             <a:xfrm>
-              <a:off x="8537004" y="4737441"/>
+              <a:off x="8542404" y="4737286"/>
               <a:ext cx="63202" cy="63202"/>
             </a:xfrm>
             <a:custGeom>
@@ -11527,7 +11527,7 @@
           </p:nvSpPr>
           <p:spPr>
             <a:xfrm>
-              <a:off x="8707369" y="1936586"/>
+              <a:off x="8812171" y="1936950"/>
               <a:ext cx="63202" cy="63202"/>
             </a:xfrm>
             <a:custGeom>
@@ -11570,7 +11570,7 @@
           </p:nvSpPr>
           <p:spPr>
             <a:xfrm>
-              <a:off x="8493004" y="5541271"/>
+              <a:off x="8503601" y="5541138"/>
               <a:ext cx="63202" cy="63202"/>
             </a:xfrm>
             <a:custGeom>
@@ -11613,7 +11613,7 @@
           </p:nvSpPr>
           <p:spPr>
             <a:xfrm>
-              <a:off x="8703611" y="5659848"/>
+              <a:off x="8645120" y="5659732"/>
               <a:ext cx="63202" cy="63202"/>
             </a:xfrm>
             <a:custGeom>
@@ -11656,7 +11656,7 @@
           </p:nvSpPr>
           <p:spPr>
             <a:xfrm>
-              <a:off x="8417487" y="5710658"/>
+              <a:off x="8479158" y="5710540"/>
               <a:ext cx="63202" cy="63202"/>
             </a:xfrm>
             <a:custGeom>
@@ -11699,7 +11699,7 @@
           </p:nvSpPr>
           <p:spPr>
             <a:xfrm>
-              <a:off x="8677146" y="5689533"/>
+              <a:off x="8761371" y="5689550"/>
               <a:ext cx="63202" cy="63202"/>
             </a:xfrm>
             <a:custGeom>
@@ -11742,7 +11742,7 @@
           </p:nvSpPr>
           <p:spPr>
             <a:xfrm>
-              <a:off x="8489847" y="5659923"/>
+              <a:off x="8631412" y="5660002"/>
               <a:ext cx="63202" cy="63202"/>
             </a:xfrm>
             <a:custGeom>
@@ -11785,7 +11785,7 @@
           </p:nvSpPr>
           <p:spPr>
             <a:xfrm>
-              <a:off x="8496742" y="2101395"/>
+              <a:off x="8654916" y="2101750"/>
               <a:ext cx="63202" cy="63202"/>
             </a:xfrm>
             <a:custGeom>
@@ -11828,7 +11828,7 @@
           </p:nvSpPr>
           <p:spPr>
             <a:xfrm>
-              <a:off x="8426513" y="4408429"/>
+              <a:off x="8788181" y="4408499"/>
               <a:ext cx="63202" cy="63202"/>
             </a:xfrm>
             <a:custGeom>
@@ -11871,7 +11871,7 @@
           </p:nvSpPr>
           <p:spPr>
             <a:xfrm>
-              <a:off x="8624732" y="2072796"/>
+              <a:off x="8821270" y="2072952"/>
               <a:ext cx="63202" cy="63202"/>
             </a:xfrm>
             <a:custGeom>
@@ -11914,7 +11914,7 @@
           </p:nvSpPr>
           <p:spPr>
             <a:xfrm>
-              <a:off x="8788226" y="2099588"/>
+              <a:off x="8814913" y="2099906"/>
               <a:ext cx="63202" cy="63202"/>
             </a:xfrm>
             <a:custGeom>
@@ -11957,7 +11957,7 @@
           </p:nvSpPr>
           <p:spPr>
             <a:xfrm>
-              <a:off x="8427884" y="2012358"/>
+              <a:off x="8801091" y="2012437"/>
               <a:ext cx="63202" cy="63202"/>
             </a:xfrm>
             <a:custGeom>
@@ -12000,7 +12000,7 @@
           </p:nvSpPr>
           <p:spPr>
             <a:xfrm>
-              <a:off x="8478435" y="2038741"/>
+              <a:off x="8540999" y="2039216"/>
               <a:ext cx="63202" cy="63202"/>
             </a:xfrm>
             <a:custGeom>
@@ -12043,7 +12043,7 @@
           </p:nvSpPr>
           <p:spPr>
             <a:xfrm>
-              <a:off x="8669004" y="2022208"/>
+              <a:off x="8571714" y="2022475"/>
               <a:ext cx="63202" cy="63202"/>
             </a:xfrm>
             <a:custGeom>
@@ -12086,7 +12086,7 @@
           </p:nvSpPr>
           <p:spPr>
             <a:xfrm>
-              <a:off x="8571931" y="3389709"/>
+              <a:off x="8593290" y="3389943"/>
               <a:ext cx="63202" cy="63202"/>
             </a:xfrm>
             <a:custGeom>
@@ -13854,7 +13854,7 @@
           </p:nvSpPr>
           <p:spPr>
             <a:xfrm>
-              <a:off x="1210339" y="5722665"/>
+              <a:off x="1210339" y="5722599"/>
               <a:ext cx="186466" cy="81746"/>
             </a:xfrm>
             <a:prstGeom prst="rect">
@@ -13900,7 +13900,7 @@
           </p:nvSpPr>
           <p:spPr>
             <a:xfrm>
-              <a:off x="1210339" y="4330507"/>
+              <a:off x="1210339" y="4330564"/>
               <a:ext cx="186466" cy="81691"/>
             </a:xfrm>
             <a:prstGeom prst="rect">
@@ -13946,7 +13946,7 @@
           </p:nvSpPr>
           <p:spPr>
             <a:xfrm>
-              <a:off x="1210339" y="2938294"/>
+              <a:off x="1210339" y="2938474"/>
               <a:ext cx="186466" cy="81691"/>
             </a:xfrm>
             <a:prstGeom prst="rect">
@@ -13992,7 +13992,7 @@
           </p:nvSpPr>
           <p:spPr>
             <a:xfrm>
-              <a:off x="1148183" y="1546081"/>
+              <a:off x="1148183" y="1546383"/>
               <a:ext cx="248622" cy="81691"/>
             </a:xfrm>
             <a:prstGeom prst="rect">
@@ -14038,7 +14038,7 @@
           </p:nvSpPr>
           <p:spPr>
             <a:xfrm>
-              <a:off x="1424641" y="5764411"/>
+              <a:off x="1424641" y="5764346"/>
               <a:ext cx="34794" cy="0"/>
             </a:xfrm>
             <a:custGeom>
@@ -14078,7 +14078,7 @@
           </p:nvSpPr>
           <p:spPr>
             <a:xfrm>
-              <a:off x="1424641" y="4372198"/>
+              <a:off x="1424641" y="4372256"/>
               <a:ext cx="34794" cy="0"/>
             </a:xfrm>
             <a:custGeom>
@@ -14118,7 +14118,7 @@
           </p:nvSpPr>
           <p:spPr>
             <a:xfrm>
-              <a:off x="1424641" y="2979986"/>
+              <a:off x="1424641" y="2980165"/>
               <a:ext cx="34794" cy="0"/>
             </a:xfrm>
             <a:custGeom>
@@ -14158,7 +14158,7 @@
           </p:nvSpPr>
           <p:spPr>
             <a:xfrm>
-              <a:off x="1424641" y="1587773"/>
+              <a:off x="1424641" y="1588075"/>
               <a:ext cx="34794" cy="0"/>
             </a:xfrm>
             <a:custGeom>

--- a/Images/Figures_PPT/Jitter_Plot_Rictor_All.pptx
+++ b/Images/Figures_PPT/Jitter_Plot_Rictor_All.pptx
@@ -2359,7 +2359,7 @@
           </p:nvSpPr>
           <p:spPr>
             <a:xfrm>
-              <a:off x="1459435" y="6460391"/>
+              <a:off x="1459435" y="6460530"/>
               <a:ext cx="1650203" cy="0"/>
             </a:xfrm>
             <a:custGeom>
@@ -2402,7 +2402,7 @@
           </p:nvSpPr>
           <p:spPr>
             <a:xfrm>
-              <a:off x="1459435" y="5068301"/>
+              <a:off x="1459435" y="5068412"/>
               <a:ext cx="1650203" cy="0"/>
             </a:xfrm>
             <a:custGeom>
@@ -2445,7 +2445,7 @@
           </p:nvSpPr>
           <p:spPr>
             <a:xfrm>
-              <a:off x="1459435" y="3676210"/>
+              <a:off x="1459435" y="3676295"/>
               <a:ext cx="1650203" cy="0"/>
             </a:xfrm>
             <a:custGeom>
@@ -2488,7 +2488,7 @@
           </p:nvSpPr>
           <p:spPr>
             <a:xfrm>
-              <a:off x="1459435" y="2284120"/>
+              <a:off x="1459435" y="2284177"/>
               <a:ext cx="1650203" cy="0"/>
             </a:xfrm>
             <a:custGeom>
@@ -2531,7 +2531,7 @@
           </p:nvSpPr>
           <p:spPr>
             <a:xfrm>
-              <a:off x="1459435" y="5764346"/>
+              <a:off x="1459435" y="5764471"/>
               <a:ext cx="1650203" cy="0"/>
             </a:xfrm>
             <a:custGeom>
@@ -2574,7 +2574,7 @@
           </p:nvSpPr>
           <p:spPr>
             <a:xfrm>
-              <a:off x="1459435" y="4372256"/>
+              <a:off x="1459435" y="4372353"/>
               <a:ext cx="1650203" cy="0"/>
             </a:xfrm>
             <a:custGeom>
@@ -2617,7 +2617,7 @@
           </p:nvSpPr>
           <p:spPr>
             <a:xfrm>
-              <a:off x="1459435" y="2980165"/>
+              <a:off x="1459435" y="2980236"/>
               <a:ext cx="1650203" cy="0"/>
             </a:xfrm>
             <a:custGeom>
@@ -2660,7 +2660,7 @@
           </p:nvSpPr>
           <p:spPr>
             <a:xfrm>
-              <a:off x="1459435" y="1588075"/>
+              <a:off x="1459435" y="1588118"/>
               <a:ext cx="1650203" cy="0"/>
             </a:xfrm>
             <a:custGeom>
@@ -2832,7 +2832,7 @@
           </p:nvSpPr>
           <p:spPr>
             <a:xfrm>
-              <a:off x="2563424" y="6507028"/>
+              <a:off x="2849421" y="6507458"/>
               <a:ext cx="63202" cy="63202"/>
             </a:xfrm>
             <a:custGeom>
@@ -2875,7 +2875,7 @@
           </p:nvSpPr>
           <p:spPr>
             <a:xfrm>
-              <a:off x="2218632" y="5135605"/>
+              <a:off x="2103935" y="5135775"/>
               <a:ext cx="63202" cy="63202"/>
             </a:xfrm>
             <a:custGeom>
@@ -2918,7 +2918,7 @@
           </p:nvSpPr>
           <p:spPr>
             <a:xfrm>
-              <a:off x="1696768" y="4146532"/>
+              <a:off x="1769965" y="4146733"/>
               <a:ext cx="63202" cy="63202"/>
             </a:xfrm>
             <a:custGeom>
@@ -2961,7 +2961,7 @@
           </p:nvSpPr>
           <p:spPr>
             <a:xfrm>
-              <a:off x="1937525" y="2964502"/>
+              <a:off x="1918932" y="2964418"/>
               <a:ext cx="63202" cy="63202"/>
             </a:xfrm>
             <a:custGeom>
@@ -3004,7 +3004,7 @@
           </p:nvSpPr>
           <p:spPr>
             <a:xfrm>
-              <a:off x="2716010" y="6396413"/>
+              <a:off x="2675188" y="6396594"/>
               <a:ext cx="63202" cy="63202"/>
             </a:xfrm>
             <a:custGeom>
@@ -3047,7 +3047,7 @@
           </p:nvSpPr>
           <p:spPr>
             <a:xfrm>
-              <a:off x="1605168" y="2964441"/>
+              <a:off x="1659866" y="2964515"/>
               <a:ext cx="63202" cy="63202"/>
             </a:xfrm>
             <a:custGeom>
@@ -3090,7 +3090,7 @@
           </p:nvSpPr>
           <p:spPr>
             <a:xfrm>
-              <a:off x="2370599" y="5831690"/>
+              <a:off x="2047231" y="5831887"/>
               <a:ext cx="63202" cy="63202"/>
             </a:xfrm>
             <a:custGeom>
@@ -3133,7 +3133,7 @@
           </p:nvSpPr>
           <p:spPr>
             <a:xfrm>
-              <a:off x="1878251" y="4526188"/>
+              <a:off x="1787232" y="4526461"/>
               <a:ext cx="63202" cy="63202"/>
             </a:xfrm>
             <a:custGeom>
@@ -3176,7 +3176,7 @@
           </p:nvSpPr>
           <p:spPr>
             <a:xfrm>
-              <a:off x="1887057" y="3983788"/>
+              <a:off x="1610549" y="3983803"/>
               <a:ext cx="63202" cy="63202"/>
             </a:xfrm>
             <a:custGeom>
@@ -3219,7 +3219,7 @@
           </p:nvSpPr>
           <p:spPr>
             <a:xfrm>
-              <a:off x="2415841" y="5677703"/>
+              <a:off x="2238219" y="5677685"/>
               <a:ext cx="63202" cy="63202"/>
             </a:xfrm>
             <a:custGeom>
@@ -3262,7 +3262,7 @@
           </p:nvSpPr>
           <p:spPr>
             <a:xfrm>
-              <a:off x="2914827" y="5713679"/>
+              <a:off x="2938270" y="5713925"/>
               <a:ext cx="63202" cy="63202"/>
             </a:xfrm>
             <a:custGeom>
@@ -3305,7 +3305,7 @@
           </p:nvSpPr>
           <p:spPr>
             <a:xfrm>
-              <a:off x="1839288" y="3025055"/>
+              <a:off x="1902338" y="3025190"/>
               <a:ext cx="63202" cy="63202"/>
             </a:xfrm>
             <a:custGeom>
@@ -3348,7 +3348,7 @@
           </p:nvSpPr>
           <p:spPr>
             <a:xfrm>
-              <a:off x="1871129" y="3006123"/>
+              <a:off x="1754475" y="3006275"/>
               <a:ext cx="63202" cy="63202"/>
             </a:xfrm>
             <a:custGeom>
@@ -3391,7 +3391,7 @@
           </p:nvSpPr>
           <p:spPr>
             <a:xfrm>
-              <a:off x="1648447" y="2996020"/>
+              <a:off x="1771090" y="2995800"/>
               <a:ext cx="63202" cy="63202"/>
             </a:xfrm>
             <a:custGeom>
@@ -3434,7 +3434,7 @@
           </p:nvSpPr>
           <p:spPr>
             <a:xfrm>
-              <a:off x="1736931" y="4241168"/>
+              <a:off x="1913278" y="4241419"/>
               <a:ext cx="63202" cy="63202"/>
             </a:xfrm>
             <a:custGeom>
@@ -3533,7 +3533,7 @@
           </p:nvSpPr>
           <p:spPr>
             <a:xfrm>
-              <a:off x="3179228" y="6460391"/>
+              <a:off x="3179228" y="6460530"/>
               <a:ext cx="1650203" cy="0"/>
             </a:xfrm>
             <a:custGeom>
@@ -3576,7 +3576,7 @@
           </p:nvSpPr>
           <p:spPr>
             <a:xfrm>
-              <a:off x="3179228" y="5068301"/>
+              <a:off x="3179228" y="5068412"/>
               <a:ext cx="1650203" cy="0"/>
             </a:xfrm>
             <a:custGeom>
@@ -3619,7 +3619,7 @@
           </p:nvSpPr>
           <p:spPr>
             <a:xfrm>
-              <a:off x="3179228" y="3676210"/>
+              <a:off x="3179228" y="3676295"/>
               <a:ext cx="1650203" cy="0"/>
             </a:xfrm>
             <a:custGeom>
@@ -3662,7 +3662,7 @@
           </p:nvSpPr>
           <p:spPr>
             <a:xfrm>
-              <a:off x="3179228" y="2284120"/>
+              <a:off x="3179228" y="2284177"/>
               <a:ext cx="1650203" cy="0"/>
             </a:xfrm>
             <a:custGeom>
@@ -3705,7 +3705,7 @@
           </p:nvSpPr>
           <p:spPr>
             <a:xfrm>
-              <a:off x="3179228" y="5764346"/>
+              <a:off x="3179228" y="5764471"/>
               <a:ext cx="1650203" cy="0"/>
             </a:xfrm>
             <a:custGeom>
@@ -3748,7 +3748,7 @@
           </p:nvSpPr>
           <p:spPr>
             <a:xfrm>
-              <a:off x="3179228" y="4372256"/>
+              <a:off x="3179228" y="4372353"/>
               <a:ext cx="1650203" cy="0"/>
             </a:xfrm>
             <a:custGeom>
@@ -3791,7 +3791,7 @@
           </p:nvSpPr>
           <p:spPr>
             <a:xfrm>
-              <a:off x="3179228" y="2980165"/>
+              <a:off x="3179228" y="2980236"/>
               <a:ext cx="1650203" cy="0"/>
             </a:xfrm>
             <a:custGeom>
@@ -3834,7 +3834,7 @@
           </p:nvSpPr>
           <p:spPr>
             <a:xfrm>
-              <a:off x="3179228" y="1588075"/>
+              <a:off x="3179228" y="1588118"/>
               <a:ext cx="1650203" cy="0"/>
             </a:xfrm>
             <a:custGeom>
@@ -4006,7 +4006,7 @@
           </p:nvSpPr>
           <p:spPr>
             <a:xfrm>
-              <a:off x="3483358" y="3633034"/>
+              <a:off x="3390010" y="3633117"/>
               <a:ext cx="63202" cy="63202"/>
             </a:xfrm>
             <a:custGeom>
@@ -4049,7 +4049,7 @@
           </p:nvSpPr>
           <p:spPr>
             <a:xfrm>
-              <a:off x="3336125" y="3361197"/>
+              <a:off x="3662858" y="3360987"/>
               <a:ext cx="63202" cy="63202"/>
             </a:xfrm>
             <a:custGeom>
@@ -4092,7 +4092,7 @@
           </p:nvSpPr>
           <p:spPr>
             <a:xfrm>
-              <a:off x="3582357" y="3771623"/>
+              <a:off x="3277071" y="3771898"/>
               <a:ext cx="63202" cy="63202"/>
             </a:xfrm>
             <a:custGeom>
@@ -4135,7 +4135,7 @@
           </p:nvSpPr>
           <p:spPr>
             <a:xfrm>
-              <a:off x="3635621" y="3505474"/>
+              <a:off x="3353944" y="3505601"/>
               <a:ext cx="63202" cy="63202"/>
             </a:xfrm>
             <a:custGeom>
@@ -4178,7 +4178,7 @@
           </p:nvSpPr>
           <p:spPr>
             <a:xfrm>
-              <a:off x="3816550" y="5733222"/>
+              <a:off x="3898512" y="5733181"/>
               <a:ext cx="63202" cy="63202"/>
             </a:xfrm>
             <a:custGeom>
@@ -4221,7 +4221,7 @@
           </p:nvSpPr>
           <p:spPr>
             <a:xfrm>
-              <a:off x="3441744" y="4496516"/>
+              <a:off x="3576839" y="4496503"/>
               <a:ext cx="63202" cy="63202"/>
             </a:xfrm>
             <a:custGeom>
@@ -4264,7 +4264,7 @@
           </p:nvSpPr>
           <p:spPr>
             <a:xfrm>
-              <a:off x="3401727" y="3632044"/>
+              <a:off x="3659987" y="3632057"/>
               <a:ext cx="63202" cy="63202"/>
             </a:xfrm>
             <a:custGeom>
@@ -4307,7 +4307,7 @@
           </p:nvSpPr>
           <p:spPr>
             <a:xfrm>
-              <a:off x="3357499" y="3501701"/>
+              <a:off x="3561123" y="3501939"/>
               <a:ext cx="63202" cy="63202"/>
             </a:xfrm>
             <a:custGeom>
@@ -4350,7 +4350,7 @@
           </p:nvSpPr>
           <p:spPr>
             <a:xfrm>
-              <a:off x="3641096" y="3596980"/>
+              <a:off x="3404464" y="3596885"/>
               <a:ext cx="63202" cy="63202"/>
             </a:xfrm>
             <a:custGeom>
@@ -4393,7 +4393,7 @@
           </p:nvSpPr>
           <p:spPr>
             <a:xfrm>
-              <a:off x="3657563" y="4457419"/>
+              <a:off x="3559138" y="4457511"/>
               <a:ext cx="63202" cy="63202"/>
             </a:xfrm>
             <a:custGeom>
@@ -4436,7 +4436,7 @@
           </p:nvSpPr>
           <p:spPr>
             <a:xfrm>
-              <a:off x="4007957" y="6021223"/>
+              <a:off x="4120342" y="6021481"/>
               <a:ext cx="63202" cy="63202"/>
             </a:xfrm>
             <a:custGeom>
@@ -4479,7 +4479,7 @@
           </p:nvSpPr>
           <p:spPr>
             <a:xfrm>
-              <a:off x="3400496" y="4361540"/>
+              <a:off x="3366259" y="4361560"/>
               <a:ext cx="63202" cy="63202"/>
             </a:xfrm>
             <a:custGeom>
@@ -4522,7 +4522,7 @@
           </p:nvSpPr>
           <p:spPr>
             <a:xfrm>
-              <a:off x="3546602" y="4503185"/>
+              <a:off x="3284768" y="4503128"/>
               <a:ext cx="63202" cy="63202"/>
             </a:xfrm>
             <a:custGeom>
@@ -4565,7 +4565,7 @@
           </p:nvSpPr>
           <p:spPr>
             <a:xfrm>
-              <a:off x="3438711" y="4737686"/>
+              <a:off x="3393624" y="4737937"/>
               <a:ext cx="63202" cy="63202"/>
             </a:xfrm>
             <a:custGeom>
@@ -4608,7 +4608,7 @@
           </p:nvSpPr>
           <p:spPr>
             <a:xfrm>
-              <a:off x="3585059" y="4350729"/>
+              <a:off x="3528130" y="4350886"/>
               <a:ext cx="63202" cy="63202"/>
             </a:xfrm>
             <a:custGeom>
@@ -4651,7 +4651,7 @@
           </p:nvSpPr>
           <p:spPr>
             <a:xfrm>
-              <a:off x="3534073" y="3768518"/>
+              <a:off x="3358652" y="3768690"/>
               <a:ext cx="63202" cy="63202"/>
             </a:xfrm>
             <a:custGeom>
@@ -4694,7 +4694,7 @@
           </p:nvSpPr>
           <p:spPr>
             <a:xfrm>
-              <a:off x="4688486" y="6634049"/>
+              <a:off x="4429323" y="6634049"/>
               <a:ext cx="63202" cy="63202"/>
             </a:xfrm>
             <a:custGeom>
@@ -4737,7 +4737,7 @@
           </p:nvSpPr>
           <p:spPr>
             <a:xfrm>
-              <a:off x="3359347" y="4139186"/>
+              <a:off x="3350433" y="4139322"/>
               <a:ext cx="63202" cy="63202"/>
             </a:xfrm>
             <a:custGeom>
@@ -4780,7 +4780,7 @@
           </p:nvSpPr>
           <p:spPr>
             <a:xfrm>
-              <a:off x="3572717" y="3986581"/>
+              <a:off x="3416557" y="3986754"/>
               <a:ext cx="63202" cy="63202"/>
             </a:xfrm>
             <a:custGeom>
@@ -4823,7 +4823,7 @@
           </p:nvSpPr>
           <p:spPr>
             <a:xfrm>
-              <a:off x="3276349" y="3633153"/>
+              <a:off x="3638944" y="3633269"/>
               <a:ext cx="63202" cy="63202"/>
             </a:xfrm>
             <a:custGeom>
@@ -4866,7 +4866,7 @@
           </p:nvSpPr>
           <p:spPr>
             <a:xfrm>
-              <a:off x="3525487" y="5526176"/>
+              <a:off x="3440537" y="5526361"/>
               <a:ext cx="63202" cy="63202"/>
             </a:xfrm>
             <a:custGeom>
@@ -4909,7 +4909,7 @@
           </p:nvSpPr>
           <p:spPr>
             <a:xfrm>
-              <a:off x="3266291" y="4301349"/>
+              <a:off x="3477162" y="4301444"/>
               <a:ext cx="63202" cy="63202"/>
             </a:xfrm>
             <a:custGeom>
@@ -4952,7 +4952,7 @@
           </p:nvSpPr>
           <p:spPr>
             <a:xfrm>
-              <a:off x="3631402" y="4503158"/>
+              <a:off x="3434754" y="4503024"/>
               <a:ext cx="63202" cy="63202"/>
             </a:xfrm>
             <a:custGeom>
@@ -4995,7 +4995,7 @@
           </p:nvSpPr>
           <p:spPr>
             <a:xfrm>
-              <a:off x="3484032" y="5376675"/>
+              <a:off x="3286627" y="5376868"/>
               <a:ext cx="63202" cy="63202"/>
             </a:xfrm>
             <a:custGeom>
@@ -5038,7 +5038,7 @@
           </p:nvSpPr>
           <p:spPr>
             <a:xfrm>
-              <a:off x="3418906" y="3633074"/>
+              <a:off x="3292947" y="3633201"/>
               <a:ext cx="63202" cy="63202"/>
             </a:xfrm>
             <a:custGeom>
@@ -5081,7 +5081,7 @@
           </p:nvSpPr>
           <p:spPr>
             <a:xfrm>
-              <a:off x="3366262" y="4356064"/>
+              <a:off x="3632921" y="4355903"/>
               <a:ext cx="63202" cy="63202"/>
             </a:xfrm>
             <a:custGeom>
@@ -5124,7 +5124,7 @@
           </p:nvSpPr>
           <p:spPr>
             <a:xfrm>
-              <a:off x="3601892" y="4326229"/>
+              <a:off x="3444543" y="4326229"/>
               <a:ext cx="63202" cy="63202"/>
             </a:xfrm>
             <a:custGeom>
@@ -5167,7 +5167,7 @@
           </p:nvSpPr>
           <p:spPr>
             <a:xfrm>
-              <a:off x="3490715" y="5166531"/>
+              <a:off x="3649206" y="5166825"/>
               <a:ext cx="63202" cy="63202"/>
             </a:xfrm>
             <a:custGeom>
@@ -5210,7 +5210,7 @@
           </p:nvSpPr>
           <p:spPr>
             <a:xfrm>
-              <a:off x="3360503" y="3674470"/>
+              <a:off x="3361765" y="3674232"/>
               <a:ext cx="63202" cy="63202"/>
             </a:xfrm>
             <a:custGeom>
@@ -5253,7 +5253,7 @@
           </p:nvSpPr>
           <p:spPr>
             <a:xfrm>
-              <a:off x="3327743" y="3802739"/>
+              <a:off x="3307932" y="3802798"/>
               <a:ext cx="63202" cy="63202"/>
             </a:xfrm>
             <a:custGeom>
@@ -5296,7 +5296,7 @@
           </p:nvSpPr>
           <p:spPr>
             <a:xfrm>
-              <a:off x="3650009" y="3798256"/>
+              <a:off x="3568092" y="3798167"/>
               <a:ext cx="63202" cy="63202"/>
             </a:xfrm>
             <a:custGeom>
@@ -5339,7 +5339,7 @@
           </p:nvSpPr>
           <p:spPr>
             <a:xfrm>
-              <a:off x="3433906" y="3777440"/>
+              <a:off x="3353438" y="3777233"/>
               <a:ext cx="63202" cy="63202"/>
             </a:xfrm>
             <a:custGeom>
@@ -5382,7 +5382,7 @@
           </p:nvSpPr>
           <p:spPr>
             <a:xfrm>
-              <a:off x="3645034" y="3778762"/>
+              <a:off x="3519328" y="3778886"/>
               <a:ext cx="63202" cy="63202"/>
             </a:xfrm>
             <a:custGeom>
@@ -5425,7 +5425,7 @@
           </p:nvSpPr>
           <p:spPr>
             <a:xfrm>
-              <a:off x="3566312" y="3813593"/>
+              <a:off x="3405593" y="3813541"/>
               <a:ext cx="63202" cy="63202"/>
             </a:xfrm>
             <a:custGeom>
@@ -5468,7 +5468,7 @@
           </p:nvSpPr>
           <p:spPr>
             <a:xfrm>
-              <a:off x="3500611" y="3901238"/>
+              <a:off x="3616280" y="3901200"/>
               <a:ext cx="63202" cy="63202"/>
             </a:xfrm>
             <a:custGeom>
@@ -5511,7 +5511,7 @@
           </p:nvSpPr>
           <p:spPr>
             <a:xfrm>
-              <a:off x="3328884" y="4273294"/>
+              <a:off x="3271315" y="4273646"/>
               <a:ext cx="63202" cy="63202"/>
             </a:xfrm>
             <a:custGeom>
@@ -5554,7 +5554,7 @@
           </p:nvSpPr>
           <p:spPr>
             <a:xfrm>
-              <a:off x="3467437" y="4254633"/>
+              <a:off x="3389901" y="4255018"/>
               <a:ext cx="63202" cy="63202"/>
             </a:xfrm>
             <a:custGeom>
@@ -5597,7 +5597,7 @@
           </p:nvSpPr>
           <p:spPr>
             <a:xfrm>
-              <a:off x="3299701" y="3771659"/>
+              <a:off x="3351529" y="3771866"/>
               <a:ext cx="63202" cy="63202"/>
             </a:xfrm>
             <a:custGeom>
@@ -5640,7 +5640,7 @@
           </p:nvSpPr>
           <p:spPr>
             <a:xfrm>
-              <a:off x="3467453" y="4859736"/>
+              <a:off x="3284231" y="4860129"/>
               <a:ext cx="63202" cy="63202"/>
             </a:xfrm>
             <a:custGeom>
@@ -5683,7 +5683,7 @@
           </p:nvSpPr>
           <p:spPr>
             <a:xfrm>
-              <a:off x="3415719" y="4370036"/>
+              <a:off x="3568868" y="4369961"/>
               <a:ext cx="63202" cy="63202"/>
             </a:xfrm>
             <a:custGeom>
@@ -5726,7 +5726,7 @@
           </p:nvSpPr>
           <p:spPr>
             <a:xfrm>
-              <a:off x="3505641" y="3776541"/>
+              <a:off x="3659189" y="3776553"/>
               <a:ext cx="63202" cy="63202"/>
             </a:xfrm>
             <a:custGeom>
@@ -5769,7 +5769,7 @@
           </p:nvSpPr>
           <p:spPr>
             <a:xfrm>
-              <a:off x="3336128" y="3776512"/>
+              <a:off x="3407569" y="3776489"/>
               <a:ext cx="63202" cy="63202"/>
             </a:xfrm>
             <a:custGeom>
@@ -5812,7 +5812,7 @@
           </p:nvSpPr>
           <p:spPr>
             <a:xfrm>
-              <a:off x="3343281" y="3750765"/>
+              <a:off x="3272427" y="3751110"/>
               <a:ext cx="63202" cy="63202"/>
             </a:xfrm>
             <a:custGeom>
@@ -5855,7 +5855,7 @@
           </p:nvSpPr>
           <p:spPr>
             <a:xfrm>
-              <a:off x="3529971" y="3796719"/>
+              <a:off x="3263099" y="3796898"/>
               <a:ext cx="63202" cy="63202"/>
             </a:xfrm>
             <a:custGeom>
@@ -5898,7 +5898,7 @@
           </p:nvSpPr>
           <p:spPr>
             <a:xfrm>
-              <a:off x="3487828" y="3505297"/>
+              <a:off x="3506324" y="3505389"/>
               <a:ext cx="63202" cy="63202"/>
             </a:xfrm>
             <a:custGeom>
@@ -5997,7 +5997,7 @@
           </p:nvSpPr>
           <p:spPr>
             <a:xfrm>
-              <a:off x="4899021" y="6460391"/>
+              <a:off x="4899021" y="6460530"/>
               <a:ext cx="1650203" cy="0"/>
             </a:xfrm>
             <a:custGeom>
@@ -6040,7 +6040,7 @@
           </p:nvSpPr>
           <p:spPr>
             <a:xfrm>
-              <a:off x="4899021" y="5068301"/>
+              <a:off x="4899021" y="5068412"/>
               <a:ext cx="1650203" cy="0"/>
             </a:xfrm>
             <a:custGeom>
@@ -6083,7 +6083,7 @@
           </p:nvSpPr>
           <p:spPr>
             <a:xfrm>
-              <a:off x="4899021" y="3676210"/>
+              <a:off x="4899021" y="3676295"/>
               <a:ext cx="1650203" cy="0"/>
             </a:xfrm>
             <a:custGeom>
@@ -6126,7 +6126,7 @@
           </p:nvSpPr>
           <p:spPr>
             <a:xfrm>
-              <a:off x="4899021" y="2284120"/>
+              <a:off x="4899021" y="2284177"/>
               <a:ext cx="1650203" cy="0"/>
             </a:xfrm>
             <a:custGeom>
@@ -6169,7 +6169,7 @@
           </p:nvSpPr>
           <p:spPr>
             <a:xfrm>
-              <a:off x="4899021" y="5764346"/>
+              <a:off x="4899021" y="5764471"/>
               <a:ext cx="1650203" cy="0"/>
             </a:xfrm>
             <a:custGeom>
@@ -6212,7 +6212,7 @@
           </p:nvSpPr>
           <p:spPr>
             <a:xfrm>
-              <a:off x="4899021" y="4372256"/>
+              <a:off x="4899021" y="4372353"/>
               <a:ext cx="1650203" cy="0"/>
             </a:xfrm>
             <a:custGeom>
@@ -6255,7 +6255,7 @@
           </p:nvSpPr>
           <p:spPr>
             <a:xfrm>
-              <a:off x="4899021" y="2980165"/>
+              <a:off x="4899021" y="2980236"/>
               <a:ext cx="1650203" cy="0"/>
             </a:xfrm>
             <a:custGeom>
@@ -6298,7 +6298,7 @@
           </p:nvSpPr>
           <p:spPr>
             <a:xfrm>
-              <a:off x="4899021" y="1588075"/>
+              <a:off x="4899021" y="1588118"/>
               <a:ext cx="1650203" cy="0"/>
             </a:xfrm>
             <a:custGeom>
@@ -6470,7 +6470,7 @@
           </p:nvSpPr>
           <p:spPr>
             <a:xfrm>
-              <a:off x="5551747" y="5481189"/>
+              <a:off x="5763439" y="5481362"/>
               <a:ext cx="63202" cy="63202"/>
             </a:xfrm>
             <a:custGeom>
@@ -6513,7 +6513,7 @@
           </p:nvSpPr>
           <p:spPr>
             <a:xfrm>
-              <a:off x="5220906" y="1641734"/>
+              <a:off x="5242518" y="1641734"/>
               <a:ext cx="63202" cy="63202"/>
             </a:xfrm>
             <a:custGeom>
@@ -6556,7 +6556,7 @@
           </p:nvSpPr>
           <p:spPr>
             <a:xfrm>
-              <a:off x="5018486" y="2598871"/>
+              <a:off x="5061734" y="2598817"/>
               <a:ext cx="63202" cy="63202"/>
             </a:xfrm>
             <a:custGeom>
@@ -6599,7 +6599,7 @@
           </p:nvSpPr>
           <p:spPr>
             <a:xfrm>
-              <a:off x="5380326" y="2177709"/>
+              <a:off x="5281569" y="2177916"/>
               <a:ext cx="63202" cy="63202"/>
             </a:xfrm>
             <a:custGeom>
@@ -6642,7 +6642,7 @@
           </p:nvSpPr>
           <p:spPr>
             <a:xfrm>
-              <a:off x="5162968" y="2614777"/>
+              <a:off x="5144121" y="2615135"/>
               <a:ext cx="63202" cy="63202"/>
             </a:xfrm>
             <a:custGeom>
@@ -6685,7 +6685,7 @@
           </p:nvSpPr>
           <p:spPr>
             <a:xfrm>
-              <a:off x="5608365" y="5713757"/>
+              <a:off x="5545287" y="5713682"/>
               <a:ext cx="63202" cy="63202"/>
             </a:xfrm>
             <a:custGeom>
@@ -6728,7 +6728,7 @@
           </p:nvSpPr>
           <p:spPr>
             <a:xfrm>
-              <a:off x="6040544" y="6586157"/>
+              <a:off x="6312867" y="6586213"/>
               <a:ext cx="63202" cy="63202"/>
             </a:xfrm>
             <a:custGeom>
@@ -6771,7 +6771,7 @@
           </p:nvSpPr>
           <p:spPr>
             <a:xfrm>
-              <a:off x="5151361" y="5619106"/>
+              <a:off x="5086292" y="5619340"/>
               <a:ext cx="63202" cy="63202"/>
             </a:xfrm>
             <a:custGeom>
@@ -6814,7 +6814,7 @@
           </p:nvSpPr>
           <p:spPr>
             <a:xfrm>
-              <a:off x="5047690" y="4827545"/>
+              <a:off x="5071367" y="4827423"/>
               <a:ext cx="63202" cy="63202"/>
             </a:xfrm>
             <a:custGeom>
@@ -6857,7 +6857,7 @@
           </p:nvSpPr>
           <p:spPr>
             <a:xfrm>
-              <a:off x="5736260" y="5736546"/>
+              <a:off x="5687256" y="5736640"/>
               <a:ext cx="63202" cy="63202"/>
             </a:xfrm>
             <a:custGeom>
@@ -6900,7 +6900,7 @@
           </p:nvSpPr>
           <p:spPr>
             <a:xfrm>
-              <a:off x="5225378" y="3692549"/>
+              <a:off x="5330196" y="3692423"/>
               <a:ext cx="63202" cy="63202"/>
             </a:xfrm>
             <a:custGeom>
@@ -6943,7 +6943,7 @@
           </p:nvSpPr>
           <p:spPr>
             <a:xfrm>
-              <a:off x="5079198" y="3567299"/>
+              <a:off x="5207323" y="3567021"/>
               <a:ext cx="63202" cy="63202"/>
             </a:xfrm>
             <a:custGeom>
@@ -6986,7 +6986,7 @@
           </p:nvSpPr>
           <p:spPr>
             <a:xfrm>
-              <a:off x="6147156" y="6539981"/>
+              <a:off x="6041574" y="6540202"/>
               <a:ext cx="63202" cy="63202"/>
             </a:xfrm>
             <a:custGeom>
@@ -7029,7 +7029,7 @@
           </p:nvSpPr>
           <p:spPr>
             <a:xfrm>
-              <a:off x="5498884" y="5757688"/>
+              <a:off x="5681362" y="5757869"/>
               <a:ext cx="63202" cy="63202"/>
             </a:xfrm>
             <a:custGeom>
@@ -7072,7 +7072,7 @@
           </p:nvSpPr>
           <p:spPr>
             <a:xfrm>
-              <a:off x="5882920" y="5733243"/>
+              <a:off x="5684938" y="5733201"/>
               <a:ext cx="63202" cy="63202"/>
             </a:xfrm>
             <a:custGeom>
@@ -7171,7 +7171,7 @@
           </p:nvSpPr>
           <p:spPr>
             <a:xfrm>
-              <a:off x="6618814" y="6460391"/>
+              <a:off x="6618814" y="6460530"/>
               <a:ext cx="1650203" cy="0"/>
             </a:xfrm>
             <a:custGeom>
@@ -7214,7 +7214,7 @@
           </p:nvSpPr>
           <p:spPr>
             <a:xfrm>
-              <a:off x="6618814" y="5068301"/>
+              <a:off x="6618814" y="5068412"/>
               <a:ext cx="1650203" cy="0"/>
             </a:xfrm>
             <a:custGeom>
@@ -7257,7 +7257,7 @@
           </p:nvSpPr>
           <p:spPr>
             <a:xfrm>
-              <a:off x="6618814" y="3676210"/>
+              <a:off x="6618814" y="3676295"/>
               <a:ext cx="1650203" cy="0"/>
             </a:xfrm>
             <a:custGeom>
@@ -7300,7 +7300,7 @@
           </p:nvSpPr>
           <p:spPr>
             <a:xfrm>
-              <a:off x="6618814" y="2284120"/>
+              <a:off x="6618814" y="2284177"/>
               <a:ext cx="1650203" cy="0"/>
             </a:xfrm>
             <a:custGeom>
@@ -7343,7 +7343,7 @@
           </p:nvSpPr>
           <p:spPr>
             <a:xfrm>
-              <a:off x="6618814" y="5764346"/>
+              <a:off x="6618814" y="5764471"/>
               <a:ext cx="1650203" cy="0"/>
             </a:xfrm>
             <a:custGeom>
@@ -7386,7 +7386,7 @@
           </p:nvSpPr>
           <p:spPr>
             <a:xfrm>
-              <a:off x="6618814" y="4372256"/>
+              <a:off x="6618814" y="4372353"/>
               <a:ext cx="1650203" cy="0"/>
             </a:xfrm>
             <a:custGeom>
@@ -7429,7 +7429,7 @@
           </p:nvSpPr>
           <p:spPr>
             <a:xfrm>
-              <a:off x="6618814" y="2980165"/>
+              <a:off x="6618814" y="2980236"/>
               <a:ext cx="1650203" cy="0"/>
             </a:xfrm>
             <a:custGeom>
@@ -7472,7 +7472,7 @@
           </p:nvSpPr>
           <p:spPr>
             <a:xfrm>
-              <a:off x="6618814" y="1588075"/>
+              <a:off x="6618814" y="1588118"/>
               <a:ext cx="1650203" cy="0"/>
             </a:xfrm>
             <a:custGeom>
@@ -7644,7 +7644,7 @@
           </p:nvSpPr>
           <p:spPr>
             <a:xfrm>
-              <a:off x="7230913" y="5733351"/>
+              <a:off x="7379283" y="5733219"/>
               <a:ext cx="63202" cy="63202"/>
             </a:xfrm>
             <a:custGeom>
@@ -7687,7 +7687,7 @@
           </p:nvSpPr>
           <p:spPr>
             <a:xfrm>
-              <a:off x="6970661" y="5207085"/>
+              <a:off x="7024561" y="5207050"/>
               <a:ext cx="63202" cy="63202"/>
             </a:xfrm>
             <a:custGeom>
@@ -7730,7 +7730,7 @@
           </p:nvSpPr>
           <p:spPr>
             <a:xfrm>
-              <a:off x="6833515" y="4858821"/>
+              <a:off x="7068601" y="4859024"/>
               <a:ext cx="63202" cy="63202"/>
             </a:xfrm>
             <a:custGeom>
@@ -7773,7 +7773,7 @@
           </p:nvSpPr>
           <p:spPr>
             <a:xfrm>
-              <a:off x="7884576" y="6554018"/>
+              <a:off x="7786798" y="6554102"/>
               <a:ext cx="63202" cy="63202"/>
             </a:xfrm>
             <a:custGeom>
@@ -7872,7 +7872,7 @@
           </p:nvSpPr>
           <p:spPr>
             <a:xfrm>
-              <a:off x="8338607" y="6460391"/>
+              <a:off x="8338607" y="6460530"/>
               <a:ext cx="1650203" cy="0"/>
             </a:xfrm>
             <a:custGeom>
@@ -7915,7 +7915,7 @@
           </p:nvSpPr>
           <p:spPr>
             <a:xfrm>
-              <a:off x="8338607" y="5068301"/>
+              <a:off x="8338607" y="5068412"/>
               <a:ext cx="1650203" cy="0"/>
             </a:xfrm>
             <a:custGeom>
@@ -7958,7 +7958,7 @@
           </p:nvSpPr>
           <p:spPr>
             <a:xfrm>
-              <a:off x="8338607" y="3676210"/>
+              <a:off x="8338607" y="3676295"/>
               <a:ext cx="1650203" cy="0"/>
             </a:xfrm>
             <a:custGeom>
@@ -8001,7 +8001,7 @@
           </p:nvSpPr>
           <p:spPr>
             <a:xfrm>
-              <a:off x="8338607" y="2284120"/>
+              <a:off x="8338607" y="2284177"/>
               <a:ext cx="1650203" cy="0"/>
             </a:xfrm>
             <a:custGeom>
@@ -8044,7 +8044,7 @@
           </p:nvSpPr>
           <p:spPr>
             <a:xfrm>
-              <a:off x="8338607" y="5764346"/>
+              <a:off x="8338607" y="5764471"/>
               <a:ext cx="1650203" cy="0"/>
             </a:xfrm>
             <a:custGeom>
@@ -8087,7 +8087,7 @@
           </p:nvSpPr>
           <p:spPr>
             <a:xfrm>
-              <a:off x="8338607" y="4372256"/>
+              <a:off x="8338607" y="4372353"/>
               <a:ext cx="1650203" cy="0"/>
             </a:xfrm>
             <a:custGeom>
@@ -8130,7 +8130,7 @@
           </p:nvSpPr>
           <p:spPr>
             <a:xfrm>
-              <a:off x="8338607" y="2980165"/>
+              <a:off x="8338607" y="2980236"/>
               <a:ext cx="1650203" cy="0"/>
             </a:xfrm>
             <a:custGeom>
@@ -8173,7 +8173,7 @@
           </p:nvSpPr>
           <p:spPr>
             <a:xfrm>
-              <a:off x="8338607" y="1588075"/>
+              <a:off x="8338607" y="1588118"/>
               <a:ext cx="1650203" cy="0"/>
             </a:xfrm>
             <a:custGeom>
@@ -8345,7 +8345,7 @@
           </p:nvSpPr>
           <p:spPr>
             <a:xfrm>
-              <a:off x="8796296" y="2127365"/>
+              <a:off x="8701776" y="2127324"/>
               <a:ext cx="63202" cy="63202"/>
             </a:xfrm>
             <a:custGeom>
@@ -8388,7 +8388,7 @@
           </p:nvSpPr>
           <p:spPr>
             <a:xfrm>
-              <a:off x="8555118" y="2084582"/>
+              <a:off x="8417992" y="2084761"/>
               <a:ext cx="63202" cy="63202"/>
             </a:xfrm>
             <a:custGeom>
@@ -8431,7 +8431,7 @@
           </p:nvSpPr>
           <p:spPr>
             <a:xfrm>
-              <a:off x="8748586" y="2027533"/>
+              <a:off x="8655890" y="2027338"/>
               <a:ext cx="63202" cy="63202"/>
             </a:xfrm>
             <a:custGeom>
@@ -8474,7 +8474,7 @@
           </p:nvSpPr>
           <p:spPr>
             <a:xfrm>
-              <a:off x="8669495" y="4973420"/>
+              <a:off x="8767151" y="4973779"/>
               <a:ext cx="63202" cy="63202"/>
             </a:xfrm>
             <a:custGeom>
@@ -8517,7 +8517,7 @@
           </p:nvSpPr>
           <p:spPr>
             <a:xfrm>
-              <a:off x="8661602" y="4906252"/>
+              <a:off x="8743554" y="4906596"/>
               <a:ext cx="63202" cy="63202"/>
             </a:xfrm>
             <a:custGeom>
@@ -8560,7 +8560,7 @@
           </p:nvSpPr>
           <p:spPr>
             <a:xfrm>
-              <a:off x="9331017" y="5990447"/>
+              <a:off x="9004865" y="5990284"/>
               <a:ext cx="63202" cy="63202"/>
             </a:xfrm>
             <a:custGeom>
@@ -8603,7 +8603,7 @@
           </p:nvSpPr>
           <p:spPr>
             <a:xfrm>
-              <a:off x="9070391" y="6217811"/>
+              <a:off x="9148829" y="6217903"/>
               <a:ext cx="63202" cy="63202"/>
             </a:xfrm>
             <a:custGeom>
@@ -8646,7 +8646,7 @@
           </p:nvSpPr>
           <p:spPr>
             <a:xfrm>
-              <a:off x="8808437" y="4263552"/>
+              <a:off x="8735743" y="4263812"/>
               <a:ext cx="63202" cy="63202"/>
             </a:xfrm>
             <a:custGeom>
@@ -8689,7 +8689,7 @@
           </p:nvSpPr>
           <p:spPr>
             <a:xfrm>
-              <a:off x="8983120" y="5652755"/>
+              <a:off x="8983060" y="5652879"/>
               <a:ext cx="63202" cy="63202"/>
             </a:xfrm>
             <a:custGeom>
@@ -8732,7 +8732,7 @@
           </p:nvSpPr>
           <p:spPr>
             <a:xfrm>
-              <a:off x="8497773" y="4366097"/>
+              <a:off x="8539901" y="4366347"/>
               <a:ext cx="63202" cy="63202"/>
             </a:xfrm>
             <a:custGeom>
@@ -8775,7 +8775,7 @@
           </p:nvSpPr>
           <p:spPr>
             <a:xfrm>
-              <a:off x="8560696" y="4161177"/>
+              <a:off x="8538135" y="4161268"/>
               <a:ext cx="63202" cy="63202"/>
             </a:xfrm>
             <a:custGeom>
@@ -8818,7 +8818,7 @@
           </p:nvSpPr>
           <p:spPr>
             <a:xfrm>
-              <a:off x="8789205" y="4912306"/>
+              <a:off x="8604897" y="4912302"/>
               <a:ext cx="63202" cy="63202"/>
             </a:xfrm>
             <a:custGeom>
@@ -8861,7 +8861,7 @@
           </p:nvSpPr>
           <p:spPr>
             <a:xfrm>
-              <a:off x="8695498" y="4193395"/>
+              <a:off x="8529336" y="4193705"/>
               <a:ext cx="63202" cy="63202"/>
             </a:xfrm>
             <a:custGeom>
@@ -8904,7 +8904,7 @@
           </p:nvSpPr>
           <p:spPr>
             <a:xfrm>
-              <a:off x="8772662" y="4524055"/>
+              <a:off x="8632582" y="4524182"/>
               <a:ext cx="63202" cy="63202"/>
             </a:xfrm>
             <a:custGeom>
@@ -8947,7 +8947,7 @@
           </p:nvSpPr>
           <p:spPr>
             <a:xfrm>
-              <a:off x="9062692" y="6155599"/>
+              <a:off x="9290443" y="6155479"/>
               <a:ext cx="63202" cy="63202"/>
             </a:xfrm>
             <a:custGeom>
@@ -8990,7 +8990,7 @@
           </p:nvSpPr>
           <p:spPr>
             <a:xfrm>
-              <a:off x="9296100" y="6095331"/>
+              <a:off x="9336983" y="6095386"/>
               <a:ext cx="63202" cy="63202"/>
             </a:xfrm>
             <a:custGeom>
@@ -9033,7 +9033,7 @@
           </p:nvSpPr>
           <p:spPr>
             <a:xfrm>
-              <a:off x="8683962" y="4447382"/>
+              <a:off x="8602439" y="4447631"/>
               <a:ext cx="63202" cy="63202"/>
             </a:xfrm>
             <a:custGeom>
@@ -9076,7 +9076,7 @@
           </p:nvSpPr>
           <p:spPr>
             <a:xfrm>
-              <a:off x="9229598" y="5151835"/>
+              <a:off x="9017195" y="5151987"/>
               <a:ext cx="63202" cy="63202"/>
             </a:xfrm>
             <a:custGeom>
@@ -9119,7 +9119,7 @@
           </p:nvSpPr>
           <p:spPr>
             <a:xfrm>
-              <a:off x="8458940" y="2024317"/>
+              <a:off x="8463407" y="2024284"/>
               <a:ext cx="63202" cy="63202"/>
             </a:xfrm>
             <a:custGeom>
@@ -9162,7 +9162,7 @@
           </p:nvSpPr>
           <p:spPr>
             <a:xfrm>
-              <a:off x="8444147" y="5088031"/>
+              <a:off x="8551036" y="5088465"/>
               <a:ext cx="63202" cy="63202"/>
             </a:xfrm>
             <a:custGeom>
@@ -9205,7 +9205,7 @@
           </p:nvSpPr>
           <p:spPr>
             <a:xfrm>
-              <a:off x="8810076" y="4390837"/>
+              <a:off x="8628198" y="4390856"/>
               <a:ext cx="63202" cy="63202"/>
             </a:xfrm>
             <a:custGeom>
@@ -9248,7 +9248,7 @@
           </p:nvSpPr>
           <p:spPr>
             <a:xfrm>
-              <a:off x="9334195" y="5070499"/>
+              <a:off x="9142184" y="5070788"/>
               <a:ext cx="63202" cy="63202"/>
             </a:xfrm>
             <a:custGeom>
@@ -9291,7 +9291,7 @@
           </p:nvSpPr>
           <p:spPr>
             <a:xfrm>
-              <a:off x="8611131" y="5216884"/>
+              <a:off x="8760136" y="5216792"/>
               <a:ext cx="63202" cy="63202"/>
             </a:xfrm>
             <a:custGeom>
@@ -9334,7 +9334,7 @@
           </p:nvSpPr>
           <p:spPr>
             <a:xfrm>
-              <a:off x="8459203" y="5536292"/>
+              <a:off x="8528445" y="5536603"/>
               <a:ext cx="63202" cy="63202"/>
             </a:xfrm>
             <a:custGeom>
@@ -9377,7 +9377,7 @@
           </p:nvSpPr>
           <p:spPr>
             <a:xfrm>
-              <a:off x="8531799" y="3026184"/>
+              <a:off x="8522779" y="3026165"/>
               <a:ext cx="63202" cy="63202"/>
             </a:xfrm>
             <a:custGeom>
@@ -9420,7 +9420,7 @@
           </p:nvSpPr>
           <p:spPr>
             <a:xfrm>
-              <a:off x="8552260" y="4714306"/>
+              <a:off x="8628926" y="4714425"/>
               <a:ext cx="63202" cy="63202"/>
             </a:xfrm>
             <a:custGeom>
@@ -9463,7 +9463,7 @@
           </p:nvSpPr>
           <p:spPr>
             <a:xfrm>
-              <a:off x="8723106" y="1954091"/>
+              <a:off x="8599515" y="1954086"/>
               <a:ext cx="63202" cy="63202"/>
             </a:xfrm>
             <a:custGeom>
@@ -9506,7 +9506,7 @@
           </p:nvSpPr>
           <p:spPr>
             <a:xfrm>
-              <a:off x="8724472" y="1916026"/>
+              <a:off x="8529865" y="1916152"/>
               <a:ext cx="63202" cy="63202"/>
             </a:xfrm>
             <a:custGeom>
@@ -9549,7 +9549,7 @@
           </p:nvSpPr>
           <p:spPr>
             <a:xfrm>
-              <a:off x="8763413" y="4772348"/>
+              <a:off x="8724817" y="4772177"/>
               <a:ext cx="63202" cy="63202"/>
             </a:xfrm>
             <a:custGeom>
@@ -9592,7 +9592,7 @@
           </p:nvSpPr>
           <p:spPr>
             <a:xfrm>
-              <a:off x="8599280" y="4489784"/>
+              <a:off x="8742732" y="4489559"/>
               <a:ext cx="63202" cy="63202"/>
             </a:xfrm>
             <a:custGeom>
@@ -9635,7 +9635,7 @@
           </p:nvSpPr>
           <p:spPr>
             <a:xfrm>
-              <a:off x="8473174" y="1913618"/>
+              <a:off x="8677662" y="1913723"/>
               <a:ext cx="63202" cy="63202"/>
             </a:xfrm>
             <a:custGeom>
@@ -9678,7 +9678,7 @@
           </p:nvSpPr>
           <p:spPr>
             <a:xfrm>
-              <a:off x="9681796" y="6591144"/>
+              <a:off x="9663578" y="6591449"/>
               <a:ext cx="63202" cy="63202"/>
             </a:xfrm>
             <a:custGeom>
@@ -9721,7 +9721,7 @@
           </p:nvSpPr>
           <p:spPr>
             <a:xfrm>
-              <a:off x="8523382" y="4291467"/>
+              <a:off x="8477218" y="4291444"/>
               <a:ext cx="63202" cy="63202"/>
             </a:xfrm>
             <a:custGeom>
@@ -9764,7 +9764,7 @@
           </p:nvSpPr>
           <p:spPr>
             <a:xfrm>
-              <a:off x="8423137" y="3082318"/>
+              <a:off x="8543796" y="3082252"/>
               <a:ext cx="63202" cy="63202"/>
             </a:xfrm>
             <a:custGeom>
@@ -9807,7 +9807,7 @@
           </p:nvSpPr>
           <p:spPr>
             <a:xfrm>
-              <a:off x="8447110" y="3034008"/>
+              <a:off x="8771262" y="3034120"/>
               <a:ext cx="63202" cy="63202"/>
             </a:xfrm>
             <a:custGeom>
@@ -9850,7 +9850,7 @@
           </p:nvSpPr>
           <p:spPr>
             <a:xfrm>
-              <a:off x="8631547" y="2004800"/>
+              <a:off x="8566844" y="2004936"/>
               <a:ext cx="63202" cy="63202"/>
             </a:xfrm>
             <a:custGeom>
@@ -9893,7 +9893,7 @@
           </p:nvSpPr>
           <p:spPr>
             <a:xfrm>
-              <a:off x="8464605" y="1946096"/>
+              <a:off x="8570093" y="1946321"/>
               <a:ext cx="63202" cy="63202"/>
             </a:xfrm>
             <a:custGeom>
@@ -9936,7 +9936,7 @@
           </p:nvSpPr>
           <p:spPr>
             <a:xfrm>
-              <a:off x="8751772" y="2005219"/>
+              <a:off x="8546898" y="2005177"/>
               <a:ext cx="63202" cy="63202"/>
             </a:xfrm>
             <a:custGeom>
@@ -9979,7 +9979,7 @@
           </p:nvSpPr>
           <p:spPr>
             <a:xfrm>
-              <a:off x="8580268" y="2004621"/>
+              <a:off x="8432032" y="2004944"/>
               <a:ext cx="63202" cy="63202"/>
             </a:xfrm>
             <a:custGeom>
@@ -10022,7 +10022,7 @@
           </p:nvSpPr>
           <p:spPr>
             <a:xfrm>
-              <a:off x="8543427" y="1943914"/>
+              <a:off x="8504330" y="1943868"/>
               <a:ext cx="63202" cy="63202"/>
             </a:xfrm>
             <a:custGeom>
@@ -10065,7 +10065,7 @@
           </p:nvSpPr>
           <p:spPr>
             <a:xfrm>
-              <a:off x="8587063" y="3031183"/>
+              <a:off x="8470768" y="3031119"/>
               <a:ext cx="63202" cy="63202"/>
             </a:xfrm>
             <a:custGeom>
@@ -10108,7 +10108,7 @@
           </p:nvSpPr>
           <p:spPr>
             <a:xfrm>
-              <a:off x="8601259" y="3054981"/>
+              <a:off x="8694804" y="3054750"/>
               <a:ext cx="63202" cy="63202"/>
             </a:xfrm>
             <a:custGeom>
@@ -10151,7 +10151,7 @@
           </p:nvSpPr>
           <p:spPr>
             <a:xfrm>
-              <a:off x="8692218" y="5586985"/>
+              <a:off x="8800821" y="5587004"/>
               <a:ext cx="63202" cy="63202"/>
             </a:xfrm>
             <a:custGeom>
@@ -10194,7 +10194,7 @@
           </p:nvSpPr>
           <p:spPr>
             <a:xfrm>
-              <a:off x="8766514" y="2588081"/>
+              <a:off x="8559735" y="2588187"/>
               <a:ext cx="63202" cy="63202"/>
             </a:xfrm>
             <a:custGeom>
@@ -10237,7 +10237,7 @@
           </p:nvSpPr>
           <p:spPr>
             <a:xfrm>
-              <a:off x="8459851" y="2497225"/>
+              <a:off x="8607547" y="2497206"/>
               <a:ext cx="63202" cy="63202"/>
             </a:xfrm>
             <a:custGeom>
@@ -10280,7 +10280,7 @@
           </p:nvSpPr>
           <p:spPr>
             <a:xfrm>
-              <a:off x="8425086" y="2563563"/>
+              <a:off x="8456768" y="2563350"/>
               <a:ext cx="63202" cy="63202"/>
             </a:xfrm>
             <a:custGeom>
@@ -10323,7 +10323,7 @@
           </p:nvSpPr>
           <p:spPr>
             <a:xfrm>
-              <a:off x="8806247" y="5639835"/>
+              <a:off x="8512961" y="5639990"/>
               <a:ext cx="63202" cy="63202"/>
             </a:xfrm>
             <a:custGeom>
@@ -10366,7 +10366,7 @@
           </p:nvSpPr>
           <p:spPr>
             <a:xfrm>
-              <a:off x="8418081" y="2077605"/>
+              <a:off x="8751887" y="2077675"/>
               <a:ext cx="63202" cy="63202"/>
             </a:xfrm>
             <a:custGeom>
@@ -10409,7 +10409,7 @@
           </p:nvSpPr>
           <p:spPr>
             <a:xfrm>
-              <a:off x="8725764" y="2861866"/>
+              <a:off x="8447237" y="2861902"/>
               <a:ext cx="63202" cy="63202"/>
             </a:xfrm>
             <a:custGeom>
@@ -10452,7 +10452,7 @@
           </p:nvSpPr>
           <p:spPr>
             <a:xfrm>
-              <a:off x="8714630" y="2993428"/>
+              <a:off x="8611642" y="2993622"/>
               <a:ext cx="63202" cy="63202"/>
             </a:xfrm>
             <a:custGeom>
@@ -10495,7 +10495,7 @@
           </p:nvSpPr>
           <p:spPr>
             <a:xfrm>
-              <a:off x="8425433" y="1947129"/>
+              <a:off x="8798096" y="1947129"/>
               <a:ext cx="63202" cy="63202"/>
             </a:xfrm>
             <a:custGeom>
@@ -10538,7 +10538,7 @@
           </p:nvSpPr>
           <p:spPr>
             <a:xfrm>
-              <a:off x="8738366" y="1960571"/>
+              <a:off x="8623951" y="1960853"/>
               <a:ext cx="63202" cy="63202"/>
             </a:xfrm>
             <a:custGeom>
@@ -10581,7 +10581,7 @@
           </p:nvSpPr>
           <p:spPr>
             <a:xfrm>
-              <a:off x="8411621" y="2396464"/>
+              <a:off x="8591893" y="2396373"/>
               <a:ext cx="63202" cy="63202"/>
             </a:xfrm>
             <a:custGeom>
@@ -10624,7 +10624,7 @@
           </p:nvSpPr>
           <p:spPr>
             <a:xfrm>
-              <a:off x="8594539" y="2731689"/>
+              <a:off x="8484191" y="2731963"/>
               <a:ext cx="63202" cy="63202"/>
             </a:xfrm>
             <a:custGeom>
@@ -10667,7 +10667,7 @@
           </p:nvSpPr>
           <p:spPr>
             <a:xfrm>
-              <a:off x="8535650" y="2543138"/>
+              <a:off x="8762228" y="2542894"/>
               <a:ext cx="63202" cy="63202"/>
             </a:xfrm>
             <a:custGeom>
@@ -10710,7 +10710,7 @@
           </p:nvSpPr>
           <p:spPr>
             <a:xfrm>
-              <a:off x="8786956" y="1944038"/>
+              <a:off x="8440692" y="1943933"/>
               <a:ext cx="63202" cy="63202"/>
             </a:xfrm>
             <a:custGeom>
@@ -10753,7 +10753,7 @@
           </p:nvSpPr>
           <p:spPr>
             <a:xfrm>
-              <a:off x="8701857" y="1947629"/>
+              <a:off x="8463911" y="1947603"/>
               <a:ext cx="63202" cy="63202"/>
             </a:xfrm>
             <a:custGeom>
@@ -10796,7 +10796,7 @@
           </p:nvSpPr>
           <p:spPr>
             <a:xfrm>
-              <a:off x="8713893" y="3016931"/>
+              <a:off x="8512224" y="3016816"/>
               <a:ext cx="63202" cy="63202"/>
             </a:xfrm>
             <a:custGeom>
@@ -10839,7 +10839,7 @@
           </p:nvSpPr>
           <p:spPr>
             <a:xfrm>
-              <a:off x="8685425" y="1954029"/>
+              <a:off x="8445223" y="1954059"/>
               <a:ext cx="63202" cy="63202"/>
             </a:xfrm>
             <a:custGeom>
@@ -10882,7 +10882,7 @@
           </p:nvSpPr>
           <p:spPr>
             <a:xfrm>
-              <a:off x="8634273" y="1957488"/>
+              <a:off x="8676952" y="1957536"/>
               <a:ext cx="63202" cy="63202"/>
             </a:xfrm>
             <a:custGeom>
@@ -10925,7 +10925,7 @@
           </p:nvSpPr>
           <p:spPr>
             <a:xfrm>
-              <a:off x="8605125" y="1948192"/>
+              <a:off x="8456193" y="1948086"/>
               <a:ext cx="63202" cy="63202"/>
             </a:xfrm>
             <a:custGeom>
@@ -10968,7 +10968,7 @@
           </p:nvSpPr>
           <p:spPr>
             <a:xfrm>
-              <a:off x="8802420" y="1913923"/>
+              <a:off x="8576949" y="1913749"/>
               <a:ext cx="63202" cy="63202"/>
             </a:xfrm>
             <a:custGeom>
@@ -11011,7 +11011,7 @@
           </p:nvSpPr>
           <p:spPr>
             <a:xfrm>
-              <a:off x="8670739" y="1962686"/>
+              <a:off x="8427594" y="1962734"/>
               <a:ext cx="63202" cy="63202"/>
             </a:xfrm>
             <a:custGeom>
@@ -11054,7 +11054,7 @@
           </p:nvSpPr>
           <p:spPr>
             <a:xfrm>
-              <a:off x="8710040" y="3090243"/>
+              <a:off x="8602137" y="3090189"/>
               <a:ext cx="63202" cy="63202"/>
             </a:xfrm>
             <a:custGeom>
@@ -11097,7 +11097,7 @@
           </p:nvSpPr>
           <p:spPr>
             <a:xfrm>
-              <a:off x="8805287" y="1860875"/>
+              <a:off x="8412224" y="1861089"/>
               <a:ext cx="63202" cy="63202"/>
             </a:xfrm>
             <a:custGeom>
@@ -11140,7 +11140,7 @@
           </p:nvSpPr>
           <p:spPr>
             <a:xfrm>
-              <a:off x="8558698" y="2417724"/>
+              <a:off x="8713160" y="2417683"/>
               <a:ext cx="63202" cy="63202"/>
             </a:xfrm>
             <a:custGeom>
@@ -11183,7 +11183,7 @@
           </p:nvSpPr>
           <p:spPr>
             <a:xfrm>
-              <a:off x="8650977" y="4770646"/>
+              <a:off x="8697910" y="4771065"/>
               <a:ext cx="63202" cy="63202"/>
             </a:xfrm>
             <a:custGeom>
@@ -11226,7 +11226,7 @@
           </p:nvSpPr>
           <p:spPr>
             <a:xfrm>
-              <a:off x="8821615" y="4773011"/>
+              <a:off x="8773473" y="4773382"/>
               <a:ext cx="63202" cy="63202"/>
             </a:xfrm>
             <a:custGeom>
@@ -11269,7 +11269,7 @@
           </p:nvSpPr>
           <p:spPr>
             <a:xfrm>
-              <a:off x="8797157" y="2208867"/>
+              <a:off x="8689074" y="2209103"/>
               <a:ext cx="63202" cy="63202"/>
             </a:xfrm>
             <a:custGeom>
@@ -11312,7 +11312,7 @@
           </p:nvSpPr>
           <p:spPr>
             <a:xfrm>
-              <a:off x="8541123" y="2439681"/>
+              <a:off x="8794501" y="2439629"/>
               <a:ext cx="63202" cy="63202"/>
             </a:xfrm>
             <a:custGeom>
@@ -11355,7 +11355,7 @@
           </p:nvSpPr>
           <p:spPr>
             <a:xfrm>
-              <a:off x="8571153" y="4912498"/>
+              <a:off x="8569789" y="4912271"/>
               <a:ext cx="63202" cy="63202"/>
             </a:xfrm>
             <a:custGeom>
@@ -11398,7 +11398,7 @@
           </p:nvSpPr>
           <p:spPr>
             <a:xfrm>
-              <a:off x="8591050" y="4903147"/>
+              <a:off x="8754700" y="4903053"/>
               <a:ext cx="63202" cy="63202"/>
             </a:xfrm>
             <a:custGeom>
@@ -11441,7 +11441,7 @@
           </p:nvSpPr>
           <p:spPr>
             <a:xfrm>
-              <a:off x="8819098" y="4909202"/>
+              <a:off x="8622561" y="4909277"/>
               <a:ext cx="63202" cy="63202"/>
             </a:xfrm>
             <a:custGeom>
@@ -11484,7 +11484,7 @@
           </p:nvSpPr>
           <p:spPr>
             <a:xfrm>
-              <a:off x="8542404" y="4737286"/>
+              <a:off x="8789776" y="4737641"/>
               <a:ext cx="63202" cy="63202"/>
             </a:xfrm>
             <a:custGeom>
@@ -11527,7 +11527,7 @@
           </p:nvSpPr>
           <p:spPr>
             <a:xfrm>
-              <a:off x="8812171" y="1936950"/>
+              <a:off x="8769619" y="1936944"/>
               <a:ext cx="63202" cy="63202"/>
             </a:xfrm>
             <a:custGeom>
@@ -11570,7 +11570,7 @@
           </p:nvSpPr>
           <p:spPr>
             <a:xfrm>
-              <a:off x="8503601" y="5541138"/>
+              <a:off x="8532708" y="5541227"/>
               <a:ext cx="63202" cy="63202"/>
             </a:xfrm>
             <a:custGeom>
@@ -11613,7 +11613,7 @@
           </p:nvSpPr>
           <p:spPr>
             <a:xfrm>
-              <a:off x="8645120" y="5659732"/>
+              <a:off x="8712138" y="5660157"/>
               <a:ext cx="63202" cy="63202"/>
             </a:xfrm>
             <a:custGeom>
@@ -11656,7 +11656,7 @@
           </p:nvSpPr>
           <p:spPr>
             <a:xfrm>
-              <a:off x="8479158" y="5710540"/>
+              <a:off x="8707997" y="5710474"/>
               <a:ext cx="63202" cy="63202"/>
             </a:xfrm>
             <a:custGeom>
@@ -11699,7 +11699,7 @@
           </p:nvSpPr>
           <p:spPr>
             <a:xfrm>
-              <a:off x="8761371" y="5689550"/>
+              <a:off x="8561947" y="5689649"/>
               <a:ext cx="63202" cy="63202"/>
             </a:xfrm>
             <a:custGeom>
@@ -11742,7 +11742,7 @@
           </p:nvSpPr>
           <p:spPr>
             <a:xfrm>
-              <a:off x="8631412" y="5660002"/>
+              <a:off x="8459602" y="5660146"/>
               <a:ext cx="63202" cy="63202"/>
             </a:xfrm>
             <a:custGeom>
@@ -11785,7 +11785,7 @@
           </p:nvSpPr>
           <p:spPr>
             <a:xfrm>
-              <a:off x="8654916" y="2101750"/>
+              <a:off x="8485719" y="2101646"/>
               <a:ext cx="63202" cy="63202"/>
             </a:xfrm>
             <a:custGeom>
@@ -11828,7 +11828,7 @@
           </p:nvSpPr>
           <p:spPr>
             <a:xfrm>
-              <a:off x="8788181" y="4408499"/>
+              <a:off x="8541315" y="4408425"/>
               <a:ext cx="63202" cy="63202"/>
             </a:xfrm>
             <a:custGeom>
@@ -11871,7 +11871,7 @@
           </p:nvSpPr>
           <p:spPr>
             <a:xfrm>
-              <a:off x="8821270" y="2072952"/>
+              <a:off x="8524408" y="2073085"/>
               <a:ext cx="63202" cy="63202"/>
             </a:xfrm>
             <a:custGeom>
@@ -11914,7 +11914,7 @@
           </p:nvSpPr>
           <p:spPr>
             <a:xfrm>
-              <a:off x="8814913" y="2099906"/>
+              <a:off x="8682722" y="2099903"/>
               <a:ext cx="63202" cy="63202"/>
             </a:xfrm>
             <a:custGeom>
@@ -11957,7 +11957,7 @@
           </p:nvSpPr>
           <p:spPr>
             <a:xfrm>
-              <a:off x="8801091" y="2012437"/>
+              <a:off x="8723913" y="2012486"/>
               <a:ext cx="63202" cy="63202"/>
             </a:xfrm>
             <a:custGeom>
@@ -12000,7 +12000,7 @@
           </p:nvSpPr>
           <p:spPr>
             <a:xfrm>
-              <a:off x="8540999" y="2039216"/>
+              <a:off x="8498409" y="2039213"/>
               <a:ext cx="63202" cy="63202"/>
             </a:xfrm>
             <a:custGeom>
@@ -12043,7 +12043,7 @@
           </p:nvSpPr>
           <p:spPr>
             <a:xfrm>
-              <a:off x="8571714" y="2022475"/>
+              <a:off x="8605600" y="2022399"/>
               <a:ext cx="63202" cy="63202"/>
             </a:xfrm>
             <a:custGeom>
@@ -12086,7 +12086,7 @@
           </p:nvSpPr>
           <p:spPr>
             <a:xfrm>
-              <a:off x="8593290" y="3389943"/>
+              <a:off x="8661863" y="3390047"/>
               <a:ext cx="63202" cy="63202"/>
             </a:xfrm>
             <a:custGeom>
@@ -13854,7 +13854,7 @@
           </p:nvSpPr>
           <p:spPr>
             <a:xfrm>
-              <a:off x="1210339" y="5722599"/>
+              <a:off x="1210339" y="5722725"/>
               <a:ext cx="186466" cy="81746"/>
             </a:xfrm>
             <a:prstGeom prst="rect">
@@ -13900,7 +13900,7 @@
           </p:nvSpPr>
           <p:spPr>
             <a:xfrm>
-              <a:off x="1210339" y="4330564"/>
+              <a:off x="1210339" y="4330662"/>
               <a:ext cx="186466" cy="81691"/>
             </a:xfrm>
             <a:prstGeom prst="rect">
@@ -13946,7 +13946,7 @@
           </p:nvSpPr>
           <p:spPr>
             <a:xfrm>
-              <a:off x="1210339" y="2938474"/>
+              <a:off x="1210339" y="2938544"/>
               <a:ext cx="186466" cy="81691"/>
             </a:xfrm>
             <a:prstGeom prst="rect">
@@ -13992,7 +13992,7 @@
           </p:nvSpPr>
           <p:spPr>
             <a:xfrm>
-              <a:off x="1148183" y="1546383"/>
+              <a:off x="1148183" y="1546427"/>
               <a:ext cx="248622" cy="81691"/>
             </a:xfrm>
             <a:prstGeom prst="rect">
@@ -14038,7 +14038,7 @@
           </p:nvSpPr>
           <p:spPr>
             <a:xfrm>
-              <a:off x="1424641" y="5764346"/>
+              <a:off x="1424641" y="5764471"/>
               <a:ext cx="34794" cy="0"/>
             </a:xfrm>
             <a:custGeom>
@@ -14078,7 +14078,7 @@
           </p:nvSpPr>
           <p:spPr>
             <a:xfrm>
-              <a:off x="1424641" y="4372256"/>
+              <a:off x="1424641" y="4372353"/>
               <a:ext cx="34794" cy="0"/>
             </a:xfrm>
             <a:custGeom>
@@ -14118,7 +14118,7 @@
           </p:nvSpPr>
           <p:spPr>
             <a:xfrm>
-              <a:off x="1424641" y="2980165"/>
+              <a:off x="1424641" y="2980236"/>
               <a:ext cx="34794" cy="0"/>
             </a:xfrm>
             <a:custGeom>
@@ -14158,7 +14158,7 @@
           </p:nvSpPr>
           <p:spPr>
             <a:xfrm>
-              <a:off x="1424641" y="1588075"/>
+              <a:off x="1424641" y="1588118"/>
               <a:ext cx="34794" cy="0"/>
             </a:xfrm>
             <a:custGeom>
